--- a/Documents/Bemutató.pptx
+++ b/Documents/Bemutató.pptx
@@ -5,16 +5,17 @@
     <p:sldMasterId id="2147483648" r:id="rId1"/>
   </p:sldMasterIdLst>
   <p:notesMasterIdLst>
-    <p:notesMasterId r:id="rId9"/>
+    <p:notesMasterId r:id="rId10"/>
   </p:notesMasterIdLst>
   <p:sldIdLst>
     <p:sldId id="256" r:id="rId2"/>
     <p:sldId id="257" r:id="rId3"/>
     <p:sldId id="259" r:id="rId4"/>
-    <p:sldId id="258" r:id="rId5"/>
-    <p:sldId id="261" r:id="rId6"/>
-    <p:sldId id="262" r:id="rId7"/>
-    <p:sldId id="260" r:id="rId8"/>
+    <p:sldId id="263" r:id="rId5"/>
+    <p:sldId id="258" r:id="rId6"/>
+    <p:sldId id="261" r:id="rId7"/>
+    <p:sldId id="262" r:id="rId8"/>
+    <p:sldId id="260" r:id="rId9"/>
   </p:sldIdLst>
   <p:sldSz cx="12192000" cy="6858000"/>
   <p:notesSz cx="6858000" cy="9144000"/>
@@ -639,10 +640,100 @@
             <a:br>
               <a:rPr lang="hu-HU" dirty="0"/>
             </a:br>
+            <a:endParaRPr lang="hu-HU" dirty="0"/>
+          </a:p>
+          <a:p>
+            <a:pPr marL="0" marR="0" lvl="0" indent="0" algn="l" defTabSz="914400" rtl="0" eaLnBrk="1" fontAlgn="auto" latinLnBrk="0" hangingPunct="1">
+              <a:lnSpc>
+                <a:spcPct val="100000"/>
+              </a:lnSpc>
+              <a:spcBef>
+                <a:spcPts val="0"/>
+              </a:spcBef>
+              <a:spcAft>
+                <a:spcPts val="0"/>
+              </a:spcAft>
+              <a:buClrTx/>
+              <a:buSzTx/>
+              <a:buFontTx/>
+              <a:buNone/>
+              <a:tabLst/>
+              <a:defRPr/>
+            </a:pPr>
+            <a:r>
+              <a:rPr lang="hu-HU" dirty="0" err="1"/>
+              <a:t>Szabáylok</a:t>
+            </a:r>
+            <a:r>
+              <a:rPr lang="hu-HU" dirty="0"/>
+              <a:t>:</a:t>
+            </a:r>
+          </a:p>
+          <a:p>
+            <a:pPr marL="0" marR="0" lvl="0" indent="0" algn="l" defTabSz="914400" rtl="0" eaLnBrk="1" fontAlgn="auto" latinLnBrk="0" hangingPunct="1">
+              <a:lnSpc>
+                <a:spcPct val="100000"/>
+              </a:lnSpc>
+              <a:spcBef>
+                <a:spcPts val="0"/>
+              </a:spcBef>
+              <a:spcAft>
+                <a:spcPts val="0"/>
+              </a:spcAft>
+              <a:buClrTx/>
+              <a:buSzTx/>
+              <a:buFontTx/>
+              <a:buNone/>
+              <a:tabLst/>
+              <a:defRPr/>
+            </a:pPr>
             <a:r>
               <a:rPr lang="hu-HU" dirty="0"/>
               <a:t>Egy lépésként kilehet választani egy mezőt, és az összes mező ami ugyan olyan színű és szomszédos eltűnik</a:t>
             </a:r>
+          </a:p>
+          <a:p>
+            <a:pPr marL="0" marR="0" lvl="0" indent="0" algn="l" defTabSz="914400" rtl="0" eaLnBrk="1" fontAlgn="auto" latinLnBrk="0" hangingPunct="1">
+              <a:lnSpc>
+                <a:spcPct val="100000"/>
+              </a:lnSpc>
+              <a:spcBef>
+                <a:spcPts val="0"/>
+              </a:spcBef>
+              <a:spcAft>
+                <a:spcPts val="0"/>
+              </a:spcAft>
+              <a:buClrTx/>
+              <a:buSzTx/>
+              <a:buFontTx/>
+              <a:buNone/>
+              <a:tabLst/>
+              <a:defRPr/>
+            </a:pPr>
+            <a:r>
+              <a:rPr lang="hu-HU" sz="1200" dirty="0"/>
+              <a:t>Játéknak vége, ha minden blokk elfogyott, vagy nincs több lépési lehetőség.</a:t>
+            </a:r>
+          </a:p>
+          <a:p>
+            <a:pPr marL="0" marR="0" lvl="0" indent="0" algn="l" defTabSz="914400" rtl="0" eaLnBrk="1" fontAlgn="auto" latinLnBrk="0" hangingPunct="1">
+              <a:lnSpc>
+                <a:spcPct val="100000"/>
+              </a:lnSpc>
+              <a:spcBef>
+                <a:spcPts val="0"/>
+              </a:spcBef>
+              <a:spcAft>
+                <a:spcPts val="0"/>
+              </a:spcAft>
+              <a:buClrTx/>
+              <a:buSzTx/>
+              <a:buFontTx/>
+              <a:buNone/>
+              <a:tabLst/>
+              <a:defRPr/>
+            </a:pPr>
+            <a:endParaRPr lang="hu-HU" dirty="0"/>
           </a:p>
           <a:p>
             <a:endParaRPr lang="hu-HU" dirty="0"/>
@@ -676,6 +767,434 @@
     <p:extLst>
       <p:ext uri="{BB962C8B-B14F-4D97-AF65-F5344CB8AC3E}">
         <p14:creationId xmlns:p14="http://schemas.microsoft.com/office/powerpoint/2010/main" val="3629550943"/>
+      </p:ext>
+    </p:extLst>
+  </p:cSld>
+  <p:clrMapOvr>
+    <a:masterClrMapping/>
+  </p:clrMapOvr>
+</p:notes>
+</file>
+
+<file path=ppt/notesSlides/notesSlide2.xml><?xml version="1.0" encoding="utf-8"?>
+<p:notes xmlns:a="http://schemas.openxmlformats.org/drawingml/2006/main" xmlns:r="http://schemas.openxmlformats.org/officeDocument/2006/relationships" xmlns:p="http://schemas.openxmlformats.org/presentationml/2006/main">
+  <p:cSld>
+    <p:spTree>
+      <p:nvGrpSpPr>
+        <p:cNvPr id="1" name=""/>
+        <p:cNvGrpSpPr/>
+        <p:nvPr/>
+      </p:nvGrpSpPr>
+      <p:grpSpPr>
+        <a:xfrm>
+          <a:off x="0" y="0"/>
+          <a:ext cx="0" cy="0"/>
+          <a:chOff x="0" y="0"/>
+          <a:chExt cx="0" cy="0"/>
+        </a:xfrm>
+      </p:grpSpPr>
+      <p:sp>
+        <p:nvSpPr>
+          <p:cNvPr id="2" name="Slide Image Placeholder 1"/>
+          <p:cNvSpPr>
+            <a:spLocks noGrp="1" noRot="1" noChangeAspect="1"/>
+          </p:cNvSpPr>
+          <p:nvPr>
+            <p:ph type="sldImg"/>
+          </p:nvPr>
+        </p:nvSpPr>
+        <p:spPr/>
+      </p:sp>
+      <p:sp>
+        <p:nvSpPr>
+          <p:cNvPr id="3" name="Notes Placeholder 2"/>
+          <p:cNvSpPr>
+            <a:spLocks noGrp="1"/>
+          </p:cNvSpPr>
+          <p:nvPr>
+            <p:ph type="body" idx="1"/>
+          </p:nvPr>
+        </p:nvSpPr>
+        <p:spPr/>
+        <p:txBody>
+          <a:bodyPr/>
+          <a:lstStyle/>
+          <a:p>
+            <a:r>
+              <a:rPr lang="hu-HU" dirty="0"/>
+              <a:t>Talált megoldás optimáltassanak vizsgálata NP teljes, hiszen ha van egy esetem, és keresek egy jobb esetet, akkor meg kell oldanom a </a:t>
+            </a:r>
+            <a:r>
+              <a:rPr lang="hu-HU" dirty="0" err="1"/>
+              <a:t>clickomanaia</a:t>
+            </a:r>
+            <a:r>
+              <a:rPr lang="hu-HU" dirty="0"/>
+              <a:t> problémát</a:t>
+            </a:r>
+          </a:p>
+          <a:p>
+            <a:r>
+              <a:rPr lang="hu-HU" dirty="0" err="1"/>
+              <a:t>Clickomanai</a:t>
+            </a:r>
+            <a:r>
+              <a:rPr lang="hu-HU" dirty="0"/>
+              <a:t> 2oszlopra 5 színre bizonyított: 2002  hogy NP teljes</a:t>
+            </a:r>
+          </a:p>
+        </p:txBody>
+      </p:sp>
+      <p:sp>
+        <p:nvSpPr>
+          <p:cNvPr id="4" name="Slide Number Placeholder 3"/>
+          <p:cNvSpPr>
+            <a:spLocks noGrp="1"/>
+          </p:cNvSpPr>
+          <p:nvPr>
+            <p:ph type="sldNum" sz="quarter" idx="5"/>
+          </p:nvPr>
+        </p:nvSpPr>
+        <p:spPr/>
+        <p:txBody>
+          <a:bodyPr/>
+          <a:lstStyle/>
+          <a:p>
+            <a:fld id="{033217B9-40FA-4262-8253-21E859F2B18A}" type="slidenum">
+              <a:rPr lang="hu-HU" smtClean="0"/>
+              <a:t>3</a:t>
+            </a:fld>
+            <a:endParaRPr lang="hu-HU"/>
+          </a:p>
+        </p:txBody>
+      </p:sp>
+    </p:spTree>
+    <p:extLst>
+      <p:ext uri="{BB962C8B-B14F-4D97-AF65-F5344CB8AC3E}">
+        <p14:creationId xmlns:p14="http://schemas.microsoft.com/office/powerpoint/2010/main" val="2968398673"/>
+      </p:ext>
+    </p:extLst>
+  </p:cSld>
+  <p:clrMapOvr>
+    <a:masterClrMapping/>
+  </p:clrMapOvr>
+</p:notes>
+</file>
+
+<file path=ppt/notesSlides/notesSlide3.xml><?xml version="1.0" encoding="utf-8"?>
+<p:notes xmlns:a="http://schemas.openxmlformats.org/drawingml/2006/main" xmlns:r="http://schemas.openxmlformats.org/officeDocument/2006/relationships" xmlns:p="http://schemas.openxmlformats.org/presentationml/2006/main">
+  <p:cSld>
+    <p:spTree>
+      <p:nvGrpSpPr>
+        <p:cNvPr id="1" name=""/>
+        <p:cNvGrpSpPr/>
+        <p:nvPr/>
+      </p:nvGrpSpPr>
+      <p:grpSpPr>
+        <a:xfrm>
+          <a:off x="0" y="0"/>
+          <a:ext cx="0" cy="0"/>
+          <a:chOff x="0" y="0"/>
+          <a:chExt cx="0" cy="0"/>
+        </a:xfrm>
+      </p:grpSpPr>
+      <p:sp>
+        <p:nvSpPr>
+          <p:cNvPr id="2" name="Slide Image Placeholder 1"/>
+          <p:cNvSpPr>
+            <a:spLocks noGrp="1" noRot="1" noChangeAspect="1"/>
+          </p:cNvSpPr>
+          <p:nvPr>
+            <p:ph type="sldImg"/>
+          </p:nvPr>
+        </p:nvSpPr>
+        <p:spPr/>
+      </p:sp>
+      <p:sp>
+        <p:nvSpPr>
+          <p:cNvPr id="3" name="Notes Placeholder 2"/>
+          <p:cNvSpPr>
+            <a:spLocks noGrp="1"/>
+          </p:cNvSpPr>
+          <p:nvPr>
+            <p:ph type="body" idx="1"/>
+          </p:nvPr>
+        </p:nvSpPr>
+        <p:spPr/>
+        <p:txBody>
+          <a:bodyPr/>
+          <a:lstStyle/>
+          <a:p>
+            <a:r>
+              <a:rPr lang="hu-HU" dirty="0" err="1"/>
+              <a:t>SamgeGame</a:t>
+            </a:r>
+            <a:r>
+              <a:rPr lang="hu-HU" dirty="0"/>
+              <a:t> kutatásához van egy benchmark mely 20 </a:t>
+            </a:r>
+            <a:r>
+              <a:rPr lang="hu-HU" dirty="0" err="1"/>
+              <a:t>pozicióra</a:t>
+            </a:r>
+            <a:r>
+              <a:rPr lang="hu-HU" dirty="0"/>
+              <a:t> </a:t>
+            </a:r>
+            <a:r>
+              <a:rPr lang="hu-HU" dirty="0" err="1"/>
+              <a:t>standatrizált</a:t>
+            </a:r>
+            <a:r>
+              <a:rPr lang="hu-HU" dirty="0"/>
+              <a:t>.</a:t>
+            </a:r>
+          </a:p>
+          <a:p>
+            <a:r>
+              <a:rPr lang="en-GB" b="0" i="0" u="none" strike="noStrike" dirty="0">
+                <a:solidFill>
+                  <a:srgbClr val="007398"/>
+                </a:solidFill>
+                <a:effectLst/>
+                <a:latin typeface="NexusSans"/>
+                <a:hlinkClick r:id="rId3"/>
+              </a:rPr>
+              <a:t>www.js-games.de/eng/games/samegame</a:t>
+            </a:r>
+            <a:endParaRPr lang="hu-HU" dirty="0"/>
+          </a:p>
+        </p:txBody>
+      </p:sp>
+      <p:sp>
+        <p:nvSpPr>
+          <p:cNvPr id="4" name="Slide Number Placeholder 3"/>
+          <p:cNvSpPr>
+            <a:spLocks noGrp="1"/>
+          </p:cNvSpPr>
+          <p:nvPr>
+            <p:ph type="sldNum" sz="quarter" idx="5"/>
+          </p:nvPr>
+        </p:nvSpPr>
+        <p:spPr/>
+        <p:txBody>
+          <a:bodyPr/>
+          <a:lstStyle/>
+          <a:p>
+            <a:fld id="{033217B9-40FA-4262-8253-21E859F2B18A}" type="slidenum">
+              <a:rPr lang="hu-HU" smtClean="0"/>
+              <a:t>4</a:t>
+            </a:fld>
+            <a:endParaRPr lang="hu-HU"/>
+          </a:p>
+        </p:txBody>
+      </p:sp>
+    </p:spTree>
+    <p:extLst>
+      <p:ext uri="{BB962C8B-B14F-4D97-AF65-F5344CB8AC3E}">
+        <p14:creationId xmlns:p14="http://schemas.microsoft.com/office/powerpoint/2010/main" val="2944719789"/>
+      </p:ext>
+    </p:extLst>
+  </p:cSld>
+  <p:clrMapOvr>
+    <a:masterClrMapping/>
+  </p:clrMapOvr>
+</p:notes>
+</file>
+
+<file path=ppt/notesSlides/notesSlide4.xml><?xml version="1.0" encoding="utf-8"?>
+<p:notes xmlns:a="http://schemas.openxmlformats.org/drawingml/2006/main" xmlns:r="http://schemas.openxmlformats.org/officeDocument/2006/relationships" xmlns:p="http://schemas.openxmlformats.org/presentationml/2006/main">
+  <p:cSld>
+    <p:spTree>
+      <p:nvGrpSpPr>
+        <p:cNvPr id="1" name=""/>
+        <p:cNvGrpSpPr/>
+        <p:nvPr/>
+      </p:nvGrpSpPr>
+      <p:grpSpPr>
+        <a:xfrm>
+          <a:off x="0" y="0"/>
+          <a:ext cx="0" cy="0"/>
+          <a:chOff x="0" y="0"/>
+          <a:chExt cx="0" cy="0"/>
+        </a:xfrm>
+      </p:grpSpPr>
+      <p:sp>
+        <p:nvSpPr>
+          <p:cNvPr id="2" name="Slide Image Placeholder 1"/>
+          <p:cNvSpPr>
+            <a:spLocks noGrp="1" noRot="1" noChangeAspect="1"/>
+          </p:cNvSpPr>
+          <p:nvPr>
+            <p:ph type="sldImg"/>
+          </p:nvPr>
+        </p:nvSpPr>
+        <p:spPr/>
+      </p:sp>
+      <p:sp>
+        <p:nvSpPr>
+          <p:cNvPr id="3" name="Notes Placeholder 2"/>
+          <p:cNvSpPr>
+            <a:spLocks noGrp="1"/>
+          </p:cNvSpPr>
+          <p:nvPr>
+            <p:ph type="body" idx="1"/>
+          </p:nvPr>
+        </p:nvSpPr>
+        <p:spPr/>
+        <p:txBody>
+          <a:bodyPr/>
+          <a:lstStyle/>
+          <a:p>
+            <a:r>
+              <a:rPr lang="hu-HU" dirty="0"/>
+              <a:t>Kiértékelő függvénytől való függés</a:t>
+            </a:r>
+          </a:p>
+          <a:p>
+            <a:r>
+              <a:rPr lang="hu-HU" dirty="0"/>
+              <a:t>Nincs jó heurisztika</a:t>
+            </a:r>
+          </a:p>
+          <a:p>
+            <a:r>
+              <a:rPr lang="hu-HU" dirty="0" err="1"/>
+              <a:t>Manhatten</a:t>
+            </a:r>
+            <a:r>
+              <a:rPr lang="hu-HU" dirty="0"/>
+              <a:t> távolság, csak derékszögű utakban közelíti meg a cél állomást.</a:t>
+            </a:r>
+          </a:p>
+          <a:p>
+            <a:r>
+              <a:rPr lang="hu-HU" dirty="0"/>
+              <a:t>Nagy a pont belli eltérés, ha a jelen állás pontját néznénk.</a:t>
+            </a:r>
+          </a:p>
+        </p:txBody>
+      </p:sp>
+      <p:sp>
+        <p:nvSpPr>
+          <p:cNvPr id="4" name="Slide Number Placeholder 3"/>
+          <p:cNvSpPr>
+            <a:spLocks noGrp="1"/>
+          </p:cNvSpPr>
+          <p:nvPr>
+            <p:ph type="sldNum" sz="quarter" idx="5"/>
+          </p:nvPr>
+        </p:nvSpPr>
+        <p:spPr/>
+        <p:txBody>
+          <a:bodyPr/>
+          <a:lstStyle/>
+          <a:p>
+            <a:fld id="{033217B9-40FA-4262-8253-21E859F2B18A}" type="slidenum">
+              <a:rPr lang="hu-HU" smtClean="0"/>
+              <a:t>5</a:t>
+            </a:fld>
+            <a:endParaRPr lang="hu-HU"/>
+          </a:p>
+        </p:txBody>
+      </p:sp>
+    </p:spTree>
+    <p:extLst>
+      <p:ext uri="{BB962C8B-B14F-4D97-AF65-F5344CB8AC3E}">
+        <p14:creationId xmlns:p14="http://schemas.microsoft.com/office/powerpoint/2010/main" val="2154628628"/>
+      </p:ext>
+    </p:extLst>
+  </p:cSld>
+  <p:clrMapOvr>
+    <a:masterClrMapping/>
+  </p:clrMapOvr>
+</p:notes>
+</file>
+
+<file path=ppt/notesSlides/notesSlide5.xml><?xml version="1.0" encoding="utf-8"?>
+<p:notes xmlns:a="http://schemas.openxmlformats.org/drawingml/2006/main" xmlns:r="http://schemas.openxmlformats.org/officeDocument/2006/relationships" xmlns:p="http://schemas.openxmlformats.org/presentationml/2006/main">
+  <p:cSld>
+    <p:spTree>
+      <p:nvGrpSpPr>
+        <p:cNvPr id="1" name=""/>
+        <p:cNvGrpSpPr/>
+        <p:nvPr/>
+      </p:nvGrpSpPr>
+      <p:grpSpPr>
+        <a:xfrm>
+          <a:off x="0" y="0"/>
+          <a:ext cx="0" cy="0"/>
+          <a:chOff x="0" y="0"/>
+          <a:chExt cx="0" cy="0"/>
+        </a:xfrm>
+      </p:grpSpPr>
+      <p:sp>
+        <p:nvSpPr>
+          <p:cNvPr id="2" name="Slide Image Placeholder 1"/>
+          <p:cNvSpPr>
+            <a:spLocks noGrp="1" noRot="1" noChangeAspect="1"/>
+          </p:cNvSpPr>
+          <p:nvPr>
+            <p:ph type="sldImg"/>
+          </p:nvPr>
+        </p:nvSpPr>
+        <p:spPr/>
+      </p:sp>
+      <p:sp>
+        <p:nvSpPr>
+          <p:cNvPr id="3" name="Notes Placeholder 2"/>
+          <p:cNvSpPr>
+            <a:spLocks noGrp="1"/>
+          </p:cNvSpPr>
+          <p:nvPr>
+            <p:ph type="body" idx="1"/>
+          </p:nvPr>
+        </p:nvSpPr>
+        <p:spPr/>
+        <p:txBody>
+          <a:bodyPr/>
+          <a:lstStyle/>
+          <a:p>
+            <a:r>
+              <a:rPr lang="hu-HU" dirty="0"/>
+              <a:t>Nincs szüksége kiértékelő függvényre csak MonteCarlo szimulációra.</a:t>
+            </a:r>
+          </a:p>
+          <a:p>
+            <a:r>
+              <a:rPr lang="hu-HU" dirty="0"/>
+              <a:t>MonteCarlo szimuláció: Valószínűségek jóslása random változok intervallumaival.</a:t>
+            </a:r>
+          </a:p>
+        </p:txBody>
+      </p:sp>
+      <p:sp>
+        <p:nvSpPr>
+          <p:cNvPr id="4" name="Slide Number Placeholder 3"/>
+          <p:cNvSpPr>
+            <a:spLocks noGrp="1"/>
+          </p:cNvSpPr>
+          <p:nvPr>
+            <p:ph type="sldNum" sz="quarter" idx="5"/>
+          </p:nvPr>
+        </p:nvSpPr>
+        <p:spPr/>
+        <p:txBody>
+          <a:bodyPr/>
+          <a:lstStyle/>
+          <a:p>
+            <a:fld id="{033217B9-40FA-4262-8253-21E859F2B18A}" type="slidenum">
+              <a:rPr lang="hu-HU" smtClean="0"/>
+              <a:t>6</a:t>
+            </a:fld>
+            <a:endParaRPr lang="hu-HU"/>
+          </a:p>
+        </p:txBody>
+      </p:sp>
+    </p:spTree>
+    <p:extLst>
+      <p:ext uri="{BB962C8B-B14F-4D97-AF65-F5344CB8AC3E}">
+        <p14:creationId xmlns:p14="http://schemas.microsoft.com/office/powerpoint/2010/main" val="3194717403"/>
       </p:ext>
     </p:extLst>
   </p:cSld>
@@ -3906,6 +4425,14 @@
 <file path=ppt/slides/slide1.xml><?xml version="1.0" encoding="utf-8"?>
 <p:sld xmlns:a="http://schemas.openxmlformats.org/drawingml/2006/main" xmlns:r="http://schemas.openxmlformats.org/officeDocument/2006/relationships" xmlns:p="http://schemas.openxmlformats.org/presentationml/2006/main">
   <p:cSld>
+    <p:bg>
+      <p:bgPr>
+        <a:solidFill>
+          <a:schemeClr val="bg1"/>
+        </a:solidFill>
+        <a:effectLst/>
+      </p:bgPr>
+    </p:bg>
     <p:spTree>
       <p:nvGrpSpPr>
         <p:cNvPr id="1" name=""/>
@@ -3920,6 +4447,199 @@
           <a:chExt cx="0" cy="0"/>
         </a:xfrm>
       </p:grpSpPr>
+      <p:sp useBgFill="1">
+        <p:nvSpPr>
+          <p:cNvPr id="8" name="Rectangle 7">
+            <a:extLst>
+              <a:ext uri="{FF2B5EF4-FFF2-40B4-BE49-F238E27FC236}">
+                <a16:creationId xmlns:a16="http://schemas.microsoft.com/office/drawing/2014/main" id="{9C7E0A2C-7C0A-4AAC-B3B0-6C12B2EBAE05}"/>
+              </a:ext>
+              <a:ext uri="{C183D7F6-B498-43B3-948B-1728B52AA6E4}">
+                <adec:decorative xmlns:adec="http://schemas.microsoft.com/office/drawing/2017/decorative" val="1"/>
+              </a:ext>
+            </a:extLst>
+          </p:cNvPr>
+          <p:cNvSpPr>
+            <a:spLocks noGrp="1" noRot="1" noChangeAspect="1" noMove="1" noResize="1" noEditPoints="1" noAdjustHandles="1" noChangeArrowheads="1" noChangeShapeType="1" noTextEdit="1"/>
+          </p:cNvSpPr>
+          <p:nvPr>
+            <p:extLst>
+              <p:ext uri="{386F3935-93C4-4BCD-93E2-E3B085C9AB24}">
+                <p16:designElem xmlns:p16="http://schemas.microsoft.com/office/powerpoint/2015/main" val="1"/>
+              </p:ext>
+            </p:extLst>
+          </p:nvPr>
+        </p:nvSpPr>
+        <p:spPr>
+          <a:xfrm>
+            <a:off x="0" y="0"/>
+            <a:ext cx="12191999" cy="6857365"/>
+          </a:xfrm>
+          <a:prstGeom prst="rect">
+            <a:avLst/>
+          </a:prstGeom>
+          <a:ln>
+            <a:noFill/>
+          </a:ln>
+        </p:spPr>
+        <p:style>
+          <a:lnRef idx="2">
+            <a:schemeClr val="accent1">
+              <a:shade val="50000"/>
+            </a:schemeClr>
+          </a:lnRef>
+          <a:fillRef idx="1">
+            <a:schemeClr val="accent1"/>
+          </a:fillRef>
+          <a:effectRef idx="0">
+            <a:schemeClr val="accent1"/>
+          </a:effectRef>
+          <a:fontRef idx="minor">
+            <a:schemeClr val="lt1"/>
+          </a:fontRef>
+        </p:style>
+        <p:txBody>
+          <a:bodyPr rtlCol="0" anchor="ctr"/>
+          <a:lstStyle/>
+          <a:p>
+            <a:pPr algn="ctr"/>
+            <a:endParaRPr lang="en-US"/>
+          </a:p>
+        </p:txBody>
+      </p:sp>
+      <p:sp>
+        <p:nvSpPr>
+          <p:cNvPr id="10" name="Rectangle 9">
+            <a:extLst>
+              <a:ext uri="{FF2B5EF4-FFF2-40B4-BE49-F238E27FC236}">
+                <a16:creationId xmlns:a16="http://schemas.microsoft.com/office/drawing/2014/main" id="{5EB7D2A2-F448-44D4-938C-DC84CBCB3B1E}"/>
+              </a:ext>
+              <a:ext uri="{C183D7F6-B498-43B3-948B-1728B52AA6E4}">
+                <adec:decorative xmlns:adec="http://schemas.microsoft.com/office/drawing/2017/decorative" val="1"/>
+              </a:ext>
+            </a:extLst>
+          </p:cNvPr>
+          <p:cNvSpPr>
+            <a:spLocks noGrp="1" noRot="1" noChangeAspect="1" noMove="1" noResize="1" noEditPoints="1" noAdjustHandles="1" noChangeArrowheads="1" noChangeShapeType="1" noTextEdit="1"/>
+          </p:cNvSpPr>
+          <p:nvPr>
+            <p:extLst>
+              <p:ext uri="{386F3935-93C4-4BCD-93E2-E3B085C9AB24}">
+                <p16:designElem xmlns:p16="http://schemas.microsoft.com/office/powerpoint/2015/main" val="1"/>
+              </p:ext>
+            </p:extLst>
+          </p:nvPr>
+        </p:nvSpPr>
+        <p:spPr>
+          <a:xfrm>
+            <a:off x="0" y="1"/>
+            <a:ext cx="12192000" cy="5187142"/>
+          </a:xfrm>
+          <a:prstGeom prst="rect">
+            <a:avLst/>
+          </a:prstGeom>
+          <a:solidFill>
+            <a:schemeClr val="accent4"/>
+          </a:solidFill>
+          <a:ln>
+            <a:noFill/>
+          </a:ln>
+        </p:spPr>
+        <p:style>
+          <a:lnRef idx="2">
+            <a:schemeClr val="accent1">
+              <a:shade val="50000"/>
+            </a:schemeClr>
+          </a:lnRef>
+          <a:fillRef idx="1">
+            <a:schemeClr val="accent1"/>
+          </a:fillRef>
+          <a:effectRef idx="0">
+            <a:schemeClr val="accent1"/>
+          </a:effectRef>
+          <a:fontRef idx="minor">
+            <a:schemeClr val="lt1"/>
+          </a:fontRef>
+        </p:style>
+        <p:txBody>
+          <a:bodyPr rtlCol="0" anchor="ctr"/>
+          <a:lstStyle/>
+          <a:p>
+            <a:pPr algn="ctr"/>
+            <a:endParaRPr lang="en-US" dirty="0"/>
+          </a:p>
+        </p:txBody>
+      </p:sp>
+      <p:sp>
+        <p:nvSpPr>
+          <p:cNvPr id="12" name="Rectangle 11">
+            <a:extLst>
+              <a:ext uri="{FF2B5EF4-FFF2-40B4-BE49-F238E27FC236}">
+                <a16:creationId xmlns:a16="http://schemas.microsoft.com/office/drawing/2014/main" id="{871AEA07-1E14-44B4-8E55-64EF049CD66F}"/>
+              </a:ext>
+              <a:ext uri="{C183D7F6-B498-43B3-948B-1728B52AA6E4}">
+                <adec:decorative xmlns:adec="http://schemas.microsoft.com/office/drawing/2017/decorative" val="1"/>
+              </a:ext>
+            </a:extLst>
+          </p:cNvPr>
+          <p:cNvSpPr>
+            <a:spLocks noGrp="1" noRot="1" noChangeAspect="1" noMove="1" noResize="1" noEditPoints="1" noAdjustHandles="1" noChangeArrowheads="1" noChangeShapeType="1" noTextEdit="1"/>
+          </p:cNvSpPr>
+          <p:nvPr>
+            <p:extLst>
+              <p:ext uri="{386F3935-93C4-4BCD-93E2-E3B085C9AB24}">
+                <p16:designElem xmlns:p16="http://schemas.microsoft.com/office/powerpoint/2015/main" val="1"/>
+              </p:ext>
+            </p:extLst>
+          </p:nvPr>
+        </p:nvSpPr>
+        <p:spPr>
+          <a:xfrm>
+            <a:off x="596464" y="551961"/>
+            <a:ext cx="10999072" cy="5399950"/>
+          </a:xfrm>
+          <a:prstGeom prst="rect">
+            <a:avLst/>
+          </a:prstGeom>
+          <a:solidFill>
+            <a:schemeClr val="bg1"/>
+          </a:solidFill>
+          <a:ln>
+            <a:noFill/>
+          </a:ln>
+          <a:effectLst>
+            <a:outerShdw blurRad="139700" dist="127000" dir="5400000" algn="t" rotWithShape="0">
+              <a:prstClr val="black">
+                <a:alpha val="15000"/>
+              </a:prstClr>
+            </a:outerShdw>
+          </a:effectLst>
+        </p:spPr>
+        <p:style>
+          <a:lnRef idx="2">
+            <a:schemeClr val="accent1">
+              <a:shade val="50000"/>
+            </a:schemeClr>
+          </a:lnRef>
+          <a:fillRef idx="1">
+            <a:schemeClr val="accent1"/>
+          </a:fillRef>
+          <a:effectRef idx="0">
+            <a:schemeClr val="accent1"/>
+          </a:effectRef>
+          <a:fontRef idx="minor">
+            <a:schemeClr val="lt1"/>
+          </a:fontRef>
+        </p:style>
+        <p:txBody>
+          <a:bodyPr rtlCol="0" anchor="ctr"/>
+          <a:lstStyle/>
+          <a:p>
+            <a:pPr algn="ctr"/>
+            <a:endParaRPr lang="en-US"/>
+          </a:p>
+        </p:txBody>
+      </p:sp>
       <p:sp>
         <p:nvSpPr>
           <p:cNvPr id="2" name="Title 1">
@@ -3936,45 +4656,116 @@
             <p:ph type="ctrTitle"/>
           </p:nvPr>
         </p:nvSpPr>
-        <p:spPr/>
+        <p:spPr>
+          <a:xfrm>
+            <a:off x="1524000" y="1248587"/>
+            <a:ext cx="9144000" cy="2387600"/>
+          </a:xfrm>
+        </p:spPr>
         <p:txBody>
           <a:bodyPr>
-            <a:normAutofit fontScale="90000"/>
+            <a:normAutofit/>
           </a:bodyPr>
           <a:lstStyle/>
           <a:p>
             <a:r>
+              <a:rPr lang="hu-HU" sz="5400"/>
+              <a:t>Logikai rejtvény generáló és megoldó algoritmus fejlesztése</a:t>
+            </a:r>
+          </a:p>
+        </p:txBody>
+      </p:sp>
+      <p:sp>
+        <p:nvSpPr>
+          <p:cNvPr id="3" name="Subtitle 2">
+            <a:extLst>
+              <a:ext uri="{FF2B5EF4-FFF2-40B4-BE49-F238E27FC236}">
+                <a16:creationId xmlns:a16="http://schemas.microsoft.com/office/drawing/2014/main" id="{2642660D-2420-0884-C9BB-3F990CB8D03A}"/>
+              </a:ext>
+            </a:extLst>
+          </p:cNvPr>
+          <p:cNvSpPr>
+            <a:spLocks noGrp="1"/>
+          </p:cNvSpPr>
+          <p:nvPr>
+            <p:ph type="subTitle" idx="1"/>
+          </p:nvPr>
+        </p:nvSpPr>
+        <p:spPr>
+          <a:xfrm>
+            <a:off x="1524000" y="3820338"/>
+            <a:ext cx="9144000" cy="1563686"/>
+          </a:xfrm>
+        </p:spPr>
+        <p:txBody>
+          <a:bodyPr>
+            <a:normAutofit/>
+          </a:bodyPr>
+          <a:lstStyle/>
+          <a:p>
+            <a:r>
+              <a:rPr lang="hu-HU" dirty="0" err="1"/>
+              <a:t>SameGame</a:t>
+            </a:r>
+            <a:r>
               <a:rPr lang="hu-HU" dirty="0"/>
-              <a:t>Logikai rejtvény generáló és megoldó algoritmus fejlesztése</a:t>
-            </a:r>
-          </a:p>
-        </p:txBody>
-      </p:sp>
-      <p:sp>
-        <p:nvSpPr>
-          <p:cNvPr id="3" name="Subtitle 2">
-            <a:extLst>
-              <a:ext uri="{FF2B5EF4-FFF2-40B4-BE49-F238E27FC236}">
-                <a16:creationId xmlns:a16="http://schemas.microsoft.com/office/drawing/2014/main" id="{2642660D-2420-0884-C9BB-3F990CB8D03A}"/>
-              </a:ext>
-            </a:extLst>
-          </p:cNvPr>
-          <p:cNvSpPr>
-            <a:spLocks noGrp="1"/>
-          </p:cNvSpPr>
-          <p:nvPr>
-            <p:ph type="subTitle" idx="1"/>
-          </p:nvPr>
-        </p:nvSpPr>
-        <p:spPr/>
-        <p:txBody>
-          <a:bodyPr/>
-          <a:lstStyle/>
-          <a:p>
-            <a:endParaRPr lang="hu-HU" dirty="0"/>
-          </a:p>
-        </p:txBody>
-      </p:sp>
+              <a:t>  megoldási módszereinek vizsgálata</a:t>
+            </a:r>
+          </a:p>
+        </p:txBody>
+      </p:sp>
+      <p:cxnSp>
+        <p:nvCxnSpPr>
+          <p:cNvPr id="14" name="Straight Connector 13">
+            <a:extLst>
+              <a:ext uri="{FF2B5EF4-FFF2-40B4-BE49-F238E27FC236}">
+                <a16:creationId xmlns:a16="http://schemas.microsoft.com/office/drawing/2014/main" id="{F7C8EA93-3210-4C62-99E9-153C275E3A87}"/>
+              </a:ext>
+              <a:ext uri="{C183D7F6-B498-43B3-948B-1728B52AA6E4}">
+                <adec:decorative xmlns:adec="http://schemas.microsoft.com/office/drawing/2017/decorative" val="1"/>
+              </a:ext>
+            </a:extLst>
+          </p:cNvPr>
+          <p:cNvCxnSpPr>
+            <a:cxnSpLocks noGrp="1" noRot="1" noChangeAspect="1" noMove="1" noResize="1" noEditPoints="1" noAdjustHandles="1" noChangeArrowheads="1" noChangeShapeType="1"/>
+          </p:cNvCxnSpPr>
+          <p:nvPr>
+            <p:extLst>
+              <p:ext uri="{386F3935-93C4-4BCD-93E2-E3B085C9AB24}">
+                <p16:designElem xmlns:p16="http://schemas.microsoft.com/office/powerpoint/2015/main" val="1"/>
+              </p:ext>
+            </p:extLst>
+          </p:nvPr>
+        </p:nvCxnSpPr>
+        <p:spPr>
+          <a:xfrm flipH="1">
+            <a:off x="596464" y="6329769"/>
+            <a:ext cx="11000232" cy="0"/>
+          </a:xfrm>
+          <a:prstGeom prst="line">
+            <a:avLst/>
+          </a:prstGeom>
+          <a:ln w="152400">
+            <a:solidFill>
+              <a:schemeClr val="accent4"/>
+            </a:solidFill>
+          </a:ln>
+        </p:spPr>
+        <p:style>
+          <a:lnRef idx="1">
+            <a:schemeClr val="accent1"/>
+          </a:lnRef>
+          <a:fillRef idx="0">
+            <a:schemeClr val="accent1"/>
+          </a:fillRef>
+          <a:effectRef idx="0">
+            <a:schemeClr val="accent1"/>
+          </a:effectRef>
+          <a:fontRef idx="minor">
+            <a:schemeClr val="tx1"/>
+          </a:fontRef>
+        </p:style>
+      </p:cxnSp>
     </p:spTree>
     <p:extLst>
       <p:ext uri="{BB962C8B-B14F-4D97-AF65-F5344CB8AC3E}">
@@ -3991,6 +4782,14 @@
 <file path=ppt/slides/slide2.xml><?xml version="1.0" encoding="utf-8"?>
 <p:sld xmlns:a="http://schemas.openxmlformats.org/drawingml/2006/main" xmlns:r="http://schemas.openxmlformats.org/officeDocument/2006/relationships" xmlns:p="http://schemas.openxmlformats.org/presentationml/2006/main">
   <p:cSld>
+    <p:bg>
+      <p:bgPr>
+        <a:solidFill>
+          <a:schemeClr val="bg1"/>
+        </a:solidFill>
+        <a:effectLst/>
+      </p:bgPr>
+    </p:bg>
     <p:spTree>
       <p:nvGrpSpPr>
         <p:cNvPr id="1" name=""/>
@@ -4005,6 +4804,66 @@
           <a:chExt cx="0" cy="0"/>
         </a:xfrm>
       </p:grpSpPr>
+      <p:sp useBgFill="1">
+        <p:nvSpPr>
+          <p:cNvPr id="11" name="Rectangle 10">
+            <a:extLst>
+              <a:ext uri="{FF2B5EF4-FFF2-40B4-BE49-F238E27FC236}">
+                <a16:creationId xmlns:a16="http://schemas.microsoft.com/office/drawing/2014/main" id="{201CC55D-ED54-4C5C-95E6-10947BD1103B}"/>
+              </a:ext>
+              <a:ext uri="{C183D7F6-B498-43B3-948B-1728B52AA6E4}">
+                <adec:decorative xmlns:adec="http://schemas.microsoft.com/office/drawing/2017/decorative" val="1"/>
+              </a:ext>
+            </a:extLst>
+          </p:cNvPr>
+          <p:cNvSpPr>
+            <a:spLocks noGrp="1" noRot="1" noChangeAspect="1" noMove="1" noResize="1" noEditPoints="1" noAdjustHandles="1" noChangeArrowheads="1" noChangeShapeType="1" noTextEdit="1"/>
+          </p:cNvSpPr>
+          <p:nvPr>
+            <p:extLst>
+              <p:ext uri="{386F3935-93C4-4BCD-93E2-E3B085C9AB24}">
+                <p16:designElem xmlns:p16="http://schemas.microsoft.com/office/powerpoint/2015/main" val="1"/>
+              </p:ext>
+            </p:extLst>
+          </p:nvPr>
+        </p:nvSpPr>
+        <p:spPr>
+          <a:xfrm>
+            <a:off x="0" y="0"/>
+            <a:ext cx="12191999" cy="6857365"/>
+          </a:xfrm>
+          <a:prstGeom prst="rect">
+            <a:avLst/>
+          </a:prstGeom>
+          <a:ln>
+            <a:noFill/>
+          </a:ln>
+        </p:spPr>
+        <p:style>
+          <a:lnRef idx="2">
+            <a:schemeClr val="accent1">
+              <a:shade val="50000"/>
+            </a:schemeClr>
+          </a:lnRef>
+          <a:fillRef idx="1">
+            <a:schemeClr val="accent1"/>
+          </a:fillRef>
+          <a:effectRef idx="0">
+            <a:schemeClr val="accent1"/>
+          </a:effectRef>
+          <a:fontRef idx="minor">
+            <a:schemeClr val="lt1"/>
+          </a:fontRef>
+        </p:style>
+        <p:txBody>
+          <a:bodyPr rtlCol="0" anchor="ctr"/>
+          <a:lstStyle/>
+          <a:p>
+            <a:pPr algn="ctr"/>
+            <a:endParaRPr lang="en-US"/>
+          </a:p>
+        </p:txBody>
+      </p:sp>
       <p:sp>
         <p:nvSpPr>
           <p:cNvPr id="2" name="Title 1">
@@ -4021,20 +4880,243 @@
             <p:ph type="title"/>
           </p:nvPr>
         </p:nvSpPr>
-        <p:spPr/>
-        <p:txBody>
-          <a:bodyPr/>
-          <a:lstStyle/>
-          <a:p>
-            <a:r>
-              <a:rPr lang="hu-HU" dirty="0" err="1"/>
+        <p:spPr>
+          <a:xfrm>
+            <a:off x="589560" y="856180"/>
+            <a:ext cx="4560584" cy="1128068"/>
+          </a:xfrm>
+        </p:spPr>
+        <p:txBody>
+          <a:bodyPr anchor="ctr">
+            <a:normAutofit fontScale="90000"/>
+          </a:bodyPr>
+          <a:lstStyle/>
+          <a:p>
+            <a:r>
+              <a:rPr lang="hu-HU" sz="4000" dirty="0" err="1"/>
               <a:t>SameGame</a:t>
             </a:r>
             <a:r>
-              <a:rPr lang="hu-HU"/>
-              <a:t> </a:t>
-            </a:r>
-            <a:endParaRPr lang="hu-HU" dirty="0"/>
+              <a:rPr lang="hu-HU" sz="4000" dirty="0"/>
+              <a:t> és szabályai</a:t>
+            </a:r>
+          </a:p>
+        </p:txBody>
+      </p:sp>
+      <p:grpSp>
+        <p:nvGrpSpPr>
+          <p:cNvPr id="13" name="Group 12">
+            <a:extLst>
+              <a:ext uri="{FF2B5EF4-FFF2-40B4-BE49-F238E27FC236}">
+                <a16:creationId xmlns:a16="http://schemas.microsoft.com/office/drawing/2014/main" id="{1DE889C7-FAD6-4397-98E2-05D503484459}"/>
+              </a:ext>
+              <a:ext uri="{C183D7F6-B498-43B3-948B-1728B52AA6E4}">
+                <adec:decorative xmlns:adec="http://schemas.microsoft.com/office/drawing/2017/decorative" val="1"/>
+              </a:ext>
+            </a:extLst>
+          </p:cNvPr>
+          <p:cNvGrpSpPr>
+            <a:grpSpLocks noGrp="1" noUngrp="1" noRot="1" noChangeAspect="1" noMove="1" noResize="1"/>
+          </p:cNvGrpSpPr>
+          <p:nvPr>
+            <p:extLst>
+              <p:ext uri="{386F3935-93C4-4BCD-93E2-E3B085C9AB24}">
+                <p16:designElem xmlns:p16="http://schemas.microsoft.com/office/powerpoint/2015/main" val="1"/>
+              </p:ext>
+            </p:extLst>
+          </p:nvPr>
+        </p:nvGrpSpPr>
+        <p:grpSpPr>
+          <a:xfrm>
+            <a:off x="0" y="1083484"/>
+            <a:ext cx="355196" cy="673460"/>
+            <a:chOff x="0" y="823811"/>
+            <a:chExt cx="355196" cy="673460"/>
+          </a:xfrm>
+        </p:grpSpPr>
+        <p:sp>
+          <p:nvSpPr>
+            <p:cNvPr id="14" name="Rectangle 13">
+              <a:extLst>
+                <a:ext uri="{FF2B5EF4-FFF2-40B4-BE49-F238E27FC236}">
+                  <a16:creationId xmlns:a16="http://schemas.microsoft.com/office/drawing/2014/main" id="{F399A70F-F8CD-4992-9EF5-6CF15472E73F}"/>
+                </a:ext>
+                <a:ext uri="{C183D7F6-B498-43B3-948B-1728B52AA6E4}">
+                  <adec:decorative xmlns:adec="http://schemas.microsoft.com/office/drawing/2017/decorative" val="1"/>
+                </a:ext>
+              </a:extLst>
+            </p:cNvPr>
+            <p:cNvSpPr/>
+            <p:nvPr>
+              <p:extLst>
+                <p:ext uri="{386F3935-93C4-4BCD-93E2-E3B085C9AB24}">
+                  <p16:designElem xmlns:p16="http://schemas.microsoft.com/office/powerpoint/2015/main" val="1"/>
+                </p:ext>
+              </p:extLst>
+            </p:nvPr>
+          </p:nvSpPr>
+          <p:spPr>
+            <a:xfrm>
+              <a:off x="0" y="823811"/>
+              <a:ext cx="87363" cy="673460"/>
+            </a:xfrm>
+            <a:prstGeom prst="rect">
+              <a:avLst/>
+            </a:prstGeom>
+            <a:solidFill>
+              <a:schemeClr val="accent4"/>
+            </a:solidFill>
+            <a:ln>
+              <a:noFill/>
+            </a:ln>
+          </p:spPr>
+          <p:style>
+            <a:lnRef idx="2">
+              <a:schemeClr val="accent1">
+                <a:shade val="50000"/>
+              </a:schemeClr>
+            </a:lnRef>
+            <a:fillRef idx="1">
+              <a:schemeClr val="accent1"/>
+            </a:fillRef>
+            <a:effectRef idx="0">
+              <a:schemeClr val="accent1"/>
+            </a:effectRef>
+            <a:fontRef idx="minor">
+              <a:schemeClr val="lt1"/>
+            </a:fontRef>
+          </p:style>
+          <p:txBody>
+            <a:bodyPr rtlCol="0" anchor="ctr"/>
+            <a:lstStyle/>
+            <a:p>
+              <a:pPr algn="ctr"/>
+              <a:endParaRPr lang="en-US"/>
+            </a:p>
+          </p:txBody>
+        </p:sp>
+        <p:sp>
+          <p:nvSpPr>
+            <p:cNvPr id="32" name="Rectangle 14">
+              <a:extLst>
+                <a:ext uri="{FF2B5EF4-FFF2-40B4-BE49-F238E27FC236}">
+                  <a16:creationId xmlns:a16="http://schemas.microsoft.com/office/drawing/2014/main" id="{48F4FEDC-6D80-458C-A665-075D9B9500FD}"/>
+                </a:ext>
+                <a:ext uri="{C183D7F6-B498-43B3-948B-1728B52AA6E4}">
+                  <adec:decorative xmlns:adec="http://schemas.microsoft.com/office/drawing/2017/decorative" val="1"/>
+                </a:ext>
+              </a:extLst>
+            </p:cNvPr>
+            <p:cNvSpPr/>
+            <p:nvPr>
+              <p:extLst>
+                <p:ext uri="{386F3935-93C4-4BCD-93E2-E3B085C9AB24}">
+                  <p16:designElem xmlns:p16="http://schemas.microsoft.com/office/powerpoint/2015/main" val="1"/>
+                </p:ext>
+              </p:extLst>
+            </p:nvPr>
+          </p:nvSpPr>
+          <p:spPr>
+            <a:xfrm>
+              <a:off x="159341" y="823811"/>
+              <a:ext cx="195855" cy="673460"/>
+            </a:xfrm>
+            <a:prstGeom prst="rect">
+              <a:avLst/>
+            </a:prstGeom>
+            <a:solidFill>
+              <a:schemeClr val="accent4"/>
+            </a:solidFill>
+            <a:ln>
+              <a:noFill/>
+            </a:ln>
+          </p:spPr>
+          <p:style>
+            <a:lnRef idx="2">
+              <a:schemeClr val="accent1">
+                <a:shade val="50000"/>
+              </a:schemeClr>
+            </a:lnRef>
+            <a:fillRef idx="1">
+              <a:schemeClr val="accent1"/>
+            </a:fillRef>
+            <a:effectRef idx="0">
+              <a:schemeClr val="accent1"/>
+            </a:effectRef>
+            <a:fontRef idx="minor">
+              <a:schemeClr val="lt1"/>
+            </a:fontRef>
+          </p:style>
+          <p:txBody>
+            <a:bodyPr rtlCol="0" anchor="ctr"/>
+            <a:lstStyle/>
+            <a:p>
+              <a:pPr algn="ctr"/>
+              <a:endParaRPr lang="en-US"/>
+            </a:p>
+          </p:txBody>
+        </p:sp>
+      </p:grpSp>
+      <p:sp>
+        <p:nvSpPr>
+          <p:cNvPr id="17" name="Rectangle 16">
+            <a:extLst>
+              <a:ext uri="{FF2B5EF4-FFF2-40B4-BE49-F238E27FC236}">
+                <a16:creationId xmlns:a16="http://schemas.microsoft.com/office/drawing/2014/main" id="{3873B707-463F-40B0-8227-E8CC6C67EB25}"/>
+              </a:ext>
+              <a:ext uri="{C183D7F6-B498-43B3-948B-1728B52AA6E4}">
+                <adec:decorative xmlns:adec="http://schemas.microsoft.com/office/drawing/2017/decorative" val="1"/>
+              </a:ext>
+            </a:extLst>
+          </p:cNvPr>
+          <p:cNvSpPr>
+            <a:spLocks noGrp="1" noRot="1" noChangeAspect="1" noMove="1" noResize="1" noEditPoints="1" noAdjustHandles="1" noChangeArrowheads="1" noChangeShapeType="1" noTextEdit="1"/>
+          </p:cNvSpPr>
+          <p:nvPr>
+            <p:extLst>
+              <p:ext uri="{386F3935-93C4-4BCD-93E2-E3B085C9AB24}">
+                <p16:designElem xmlns:p16="http://schemas.microsoft.com/office/powerpoint/2015/main" val="1"/>
+              </p:ext>
+            </p:extLst>
+          </p:nvPr>
+        </p:nvSpPr>
+        <p:spPr>
+          <a:xfrm flipH="1">
+            <a:off x="665085" y="2090569"/>
+            <a:ext cx="4297680" cy="27432"/>
+          </a:xfrm>
+          <a:prstGeom prst="rect">
+            <a:avLst/>
+          </a:prstGeom>
+          <a:solidFill>
+            <a:schemeClr val="accent4"/>
+          </a:solidFill>
+          <a:ln>
+            <a:noFill/>
+          </a:ln>
+        </p:spPr>
+        <p:style>
+          <a:lnRef idx="2">
+            <a:schemeClr val="accent1">
+              <a:shade val="50000"/>
+            </a:schemeClr>
+          </a:lnRef>
+          <a:fillRef idx="1">
+            <a:schemeClr val="accent1"/>
+          </a:fillRef>
+          <a:effectRef idx="0">
+            <a:schemeClr val="accent1"/>
+          </a:effectRef>
+          <a:fontRef idx="minor">
+            <a:schemeClr val="lt1"/>
+          </a:fontRef>
+        </p:style>
+        <p:txBody>
+          <a:bodyPr rtlCol="0" anchor="ctr"/>
+          <a:lstStyle/>
+          <a:p>
+            <a:pPr algn="ctr"/>
+            <a:endParaRPr lang="en-US"/>
           </a:p>
         </p:txBody>
       </p:sp>
@@ -4058,22 +5140,15 @@
             </p:nvSpPr>
             <p:spPr>
               <a:xfrm>
-                <a:off x="838200" y="1825625"/>
-                <a:ext cx="6881037" cy="4351338"/>
+                <a:off x="590719" y="2330505"/>
+                <a:ext cx="4559425" cy="3979585"/>
               </a:xfrm>
             </p:spPr>
             <p:txBody>
-              <a:bodyPr/>
+              <a:bodyPr anchor="ctr">
+                <a:normAutofit/>
+              </a:bodyPr>
               <a:lstStyle/>
-              <a:p>
-                <a:pPr marL="0" indent="0">
-                  <a:buNone/>
-                </a:pPr>
-                <a:r>
-                  <a:rPr lang="hu-HU" dirty="0"/>
-                  <a:t>Általam használt szabályok:</a:t>
-                </a:r>
-              </a:p>
               <a:p>
                 <a:r>
                   <a:rPr lang="hu-HU" dirty="0"/>
@@ -4089,8 +5164,11 @@
               <a:p>
                 <a:r>
                   <a:rPr lang="hu-HU" dirty="0"/>
-                  <a:t>Egy lépésként kilehet választani egy mezőt, és az összes mező ami ugyan olyan színű és szomszédos eltűnik</a:t>
+                  <a:t>Egy lépés egy csoport eltűntetése</a:t>
                 </a:r>
+                <a:endParaRPr lang="hu-HU" b="0" i="1" dirty="0">
+                  <a:latin typeface="Cambria Math" panose="02040503050406030204" pitchFamily="18" charset="0"/>
+                </a:endParaRPr>
               </a:p>
               <a:p>
                 <a14:m>
@@ -4105,19 +5183,19 @@
                       </m:sSupPr>
                       <m:e>
                         <m:r>
-                          <a:rPr lang="hu-HU" b="0" i="1" smtClean="0">
+                          <a:rPr lang="hu-HU" b="0" i="1">
                             <a:latin typeface="Cambria Math" panose="02040503050406030204" pitchFamily="18" charset="0"/>
                           </a:rPr>
                           <m:t>(</m:t>
                         </m:r>
                         <m:r>
-                          <a:rPr lang="hu-HU" b="0" i="1" smtClean="0">
+                          <a:rPr lang="hu-HU" b="0" i="1">
                             <a:latin typeface="Cambria Math" panose="02040503050406030204" pitchFamily="18" charset="0"/>
                           </a:rPr>
                           <m:t>𝑛</m:t>
                         </m:r>
                         <m:r>
-                          <a:rPr lang="hu-HU" b="0" i="1" smtClean="0">
+                          <a:rPr lang="hu-HU" b="0" i="1">
                             <a:latin typeface="Cambria Math" panose="02040503050406030204" pitchFamily="18" charset="0"/>
                           </a:rPr>
                           <m:t>−1)</m:t>
@@ -4125,7 +5203,7 @@
                       </m:e>
                       <m:sup>
                         <m:r>
-                          <a:rPr lang="hu-HU" b="0" i="1" smtClean="0">
+                          <a:rPr lang="hu-HU" b="0" i="1">
                             <a:latin typeface="Cambria Math" panose="02040503050406030204" pitchFamily="18" charset="0"/>
                           </a:rPr>
                           <m:t>2</m:t>
@@ -4167,13 +5245,13 @@
             </p:nvSpPr>
             <p:spPr>
               <a:xfrm>
-                <a:off x="838200" y="1825625"/>
-                <a:ext cx="6881037" cy="4351338"/>
+                <a:off x="590719" y="2330505"/>
+                <a:ext cx="4559425" cy="3979585"/>
               </a:xfrm>
               <a:blipFill>
                 <a:blip r:embed="rId3"/>
                 <a:stretch>
-                  <a:fillRect l="-1862" t="-2241"/>
+                  <a:fillRect l="-2406"/>
                 </a:stretch>
               </a:blipFill>
             </p:spPr>
@@ -4192,12 +5270,145 @@
           </p:sp>
         </mc:Fallback>
       </mc:AlternateContent>
+      <p:sp>
+        <p:nvSpPr>
+          <p:cNvPr id="19" name="Rectangle 18">
+            <a:extLst>
+              <a:ext uri="{FF2B5EF4-FFF2-40B4-BE49-F238E27FC236}">
+                <a16:creationId xmlns:a16="http://schemas.microsoft.com/office/drawing/2014/main" id="{C13237C8-E62C-4F0D-A318-BD6FB6C2D138}"/>
+              </a:ext>
+              <a:ext uri="{C183D7F6-B498-43B3-948B-1728B52AA6E4}">
+                <adec:decorative xmlns:adec="http://schemas.microsoft.com/office/drawing/2017/decorative" val="1"/>
+              </a:ext>
+            </a:extLst>
+          </p:cNvPr>
+          <p:cNvSpPr>
+            <a:spLocks noGrp="1" noRot="1" noChangeAspect="1" noMove="1" noResize="1" noEditPoints="1" noAdjustHandles="1" noChangeArrowheads="1" noChangeShapeType="1" noTextEdit="1"/>
+          </p:cNvSpPr>
+          <p:nvPr>
+            <p:extLst>
+              <p:ext uri="{386F3935-93C4-4BCD-93E2-E3B085C9AB24}">
+                <p16:designElem xmlns:p16="http://schemas.microsoft.com/office/powerpoint/2015/main" val="1"/>
+              </p:ext>
+            </p:extLst>
+          </p:nvPr>
+        </p:nvSpPr>
+        <p:spPr>
+          <a:xfrm flipH="1">
+            <a:off x="10697670" y="0"/>
+            <a:ext cx="1494330" cy="6858000"/>
+          </a:xfrm>
+          <a:prstGeom prst="rect">
+            <a:avLst/>
+          </a:prstGeom>
+          <a:solidFill>
+            <a:schemeClr val="accent4"/>
+          </a:solidFill>
+          <a:ln>
+            <a:noFill/>
+          </a:ln>
+        </p:spPr>
+        <p:style>
+          <a:lnRef idx="2">
+            <a:schemeClr val="accent1">
+              <a:shade val="50000"/>
+            </a:schemeClr>
+          </a:lnRef>
+          <a:fillRef idx="1">
+            <a:schemeClr val="accent1"/>
+          </a:fillRef>
+          <a:effectRef idx="0">
+            <a:schemeClr val="accent1"/>
+          </a:effectRef>
+          <a:fontRef idx="minor">
+            <a:schemeClr val="lt1"/>
+          </a:fontRef>
+        </p:style>
+        <p:txBody>
+          <a:bodyPr rtlCol="0" anchor="ctr"/>
+          <a:lstStyle/>
+          <a:p>
+            <a:pPr algn="ctr"/>
+            <a:endParaRPr lang="en-US"/>
+          </a:p>
+        </p:txBody>
+      </p:sp>
+      <p:sp>
+        <p:nvSpPr>
+          <p:cNvPr id="21" name="Rectangle 20">
+            <a:extLst>
+              <a:ext uri="{FF2B5EF4-FFF2-40B4-BE49-F238E27FC236}">
+                <a16:creationId xmlns:a16="http://schemas.microsoft.com/office/drawing/2014/main" id="{19C9EAEA-39D0-4B0E-A0EB-51E7B26740B1}"/>
+              </a:ext>
+              <a:ext uri="{C183D7F6-B498-43B3-948B-1728B52AA6E4}">
+                <adec:decorative xmlns:adec="http://schemas.microsoft.com/office/drawing/2017/decorative" val="1"/>
+              </a:ext>
+            </a:extLst>
+          </p:cNvPr>
+          <p:cNvSpPr>
+            <a:spLocks noGrp="1" noRot="1" noChangeAspect="1" noMove="1" noResize="1" noEditPoints="1" noAdjustHandles="1" noChangeArrowheads="1" noChangeShapeType="1" noTextEdit="1"/>
+          </p:cNvSpPr>
+          <p:nvPr>
+            <p:extLst>
+              <p:ext uri="{386F3935-93C4-4BCD-93E2-E3B085C9AB24}">
+                <p16:designElem xmlns:p16="http://schemas.microsoft.com/office/powerpoint/2015/main" val="1"/>
+              </p:ext>
+            </p:extLst>
+          </p:nvPr>
+        </p:nvSpPr>
+        <p:spPr>
+          <a:xfrm>
+            <a:off x="5685810" y="513853"/>
+            <a:ext cx="6009366" cy="5834577"/>
+          </a:xfrm>
+          <a:prstGeom prst="rect">
+            <a:avLst/>
+          </a:prstGeom>
+          <a:solidFill>
+            <a:schemeClr val="bg1"/>
+          </a:solidFill>
+          <a:ln>
+            <a:noFill/>
+          </a:ln>
+          <a:effectLst>
+            <a:outerShdw blurRad="139700" dist="127000" dir="5400000" algn="t" rotWithShape="0">
+              <a:prstClr val="black">
+                <a:alpha val="15000"/>
+              </a:prstClr>
+            </a:outerShdw>
+          </a:effectLst>
+        </p:spPr>
+        <p:style>
+          <a:lnRef idx="2">
+            <a:schemeClr val="accent1">
+              <a:shade val="50000"/>
+            </a:schemeClr>
+          </a:lnRef>
+          <a:fillRef idx="1">
+            <a:schemeClr val="accent1"/>
+          </a:fillRef>
+          <a:effectRef idx="0">
+            <a:schemeClr val="accent1"/>
+          </a:effectRef>
+          <a:fontRef idx="minor">
+            <a:schemeClr val="lt1"/>
+          </a:fontRef>
+        </p:style>
+        <p:txBody>
+          <a:bodyPr rtlCol="0" anchor="ctr"/>
+          <a:lstStyle/>
+          <a:p>
+            <a:pPr algn="ctr"/>
+            <a:endParaRPr lang="en-US"/>
+          </a:p>
+        </p:txBody>
+      </p:sp>
       <p:pic>
         <p:nvPicPr>
-          <p:cNvPr id="4" name="Picture 3">
-            <a:extLst>
-              <a:ext uri="{FF2B5EF4-FFF2-40B4-BE49-F238E27FC236}">
-                <a16:creationId xmlns:a16="http://schemas.microsoft.com/office/drawing/2014/main" id="{B9EBB039-8FD5-82AA-9BEA-F8DFA90ADF05}"/>
+          <p:cNvPr id="6" name="Picture 5">
+            <a:extLst>
+              <a:ext uri="{FF2B5EF4-FFF2-40B4-BE49-F238E27FC236}">
+                <a16:creationId xmlns:a16="http://schemas.microsoft.com/office/drawing/2014/main" id="{50DB5922-3E9F-6F70-8F07-87FFDB377842}"/>
               </a:ext>
             </a:extLst>
           </p:cNvPr>
@@ -4208,13 +5419,13 @@
         </p:nvPicPr>
         <p:blipFill rotWithShape="1">
           <a:blip r:embed="rId4"/>
-          <a:srcRect l="6440" r="6929"/>
+          <a:srcRect l="2414" r="3967" b="-3"/>
           <a:stretch/>
         </p:blipFill>
         <p:spPr>
           <a:xfrm>
-            <a:off x="8059479" y="1690688"/>
-            <a:ext cx="3294321" cy="3802724"/>
+            <a:off x="5977788" y="799352"/>
+            <a:ext cx="5425410" cy="5259296"/>
           </a:xfrm>
           <a:prstGeom prst="rect">
             <a:avLst/>
@@ -4237,6 +5448,14 @@
 <file path=ppt/slides/slide3.xml><?xml version="1.0" encoding="utf-8"?>
 <p:sld xmlns:a="http://schemas.openxmlformats.org/drawingml/2006/main" xmlns:r="http://schemas.openxmlformats.org/officeDocument/2006/relationships" xmlns:p="http://schemas.openxmlformats.org/presentationml/2006/main">
   <p:cSld>
+    <p:bg>
+      <p:bgPr>
+        <a:solidFill>
+          <a:schemeClr val="bg1"/>
+        </a:solidFill>
+        <a:effectLst/>
+      </p:bgPr>
+    </p:bg>
     <p:spTree>
       <p:nvGrpSpPr>
         <p:cNvPr id="1" name=""/>
@@ -4251,6 +5470,66 @@
           <a:chExt cx="0" cy="0"/>
         </a:xfrm>
       </p:grpSpPr>
+      <p:sp useBgFill="1">
+        <p:nvSpPr>
+          <p:cNvPr id="39" name="Rectangle 38">
+            <a:extLst>
+              <a:ext uri="{FF2B5EF4-FFF2-40B4-BE49-F238E27FC236}">
+                <a16:creationId xmlns:a16="http://schemas.microsoft.com/office/drawing/2014/main" id="{201CC55D-ED54-4C5C-95E6-10947BD1103B}"/>
+              </a:ext>
+              <a:ext uri="{C183D7F6-B498-43B3-948B-1728B52AA6E4}">
+                <adec:decorative xmlns:adec="http://schemas.microsoft.com/office/drawing/2017/decorative" val="1"/>
+              </a:ext>
+            </a:extLst>
+          </p:cNvPr>
+          <p:cNvSpPr>
+            <a:spLocks noGrp="1" noRot="1" noChangeAspect="1" noMove="1" noResize="1" noEditPoints="1" noAdjustHandles="1" noChangeArrowheads="1" noChangeShapeType="1" noTextEdit="1"/>
+          </p:cNvSpPr>
+          <p:nvPr>
+            <p:extLst>
+              <p:ext uri="{386F3935-93C4-4BCD-93E2-E3B085C9AB24}">
+                <p16:designElem xmlns:p16="http://schemas.microsoft.com/office/powerpoint/2015/main" val="1"/>
+              </p:ext>
+            </p:extLst>
+          </p:nvPr>
+        </p:nvSpPr>
+        <p:spPr>
+          <a:xfrm>
+            <a:off x="0" y="0"/>
+            <a:ext cx="12191999" cy="6857365"/>
+          </a:xfrm>
+          <a:prstGeom prst="rect">
+            <a:avLst/>
+          </a:prstGeom>
+          <a:ln>
+            <a:noFill/>
+          </a:ln>
+        </p:spPr>
+        <p:style>
+          <a:lnRef idx="2">
+            <a:schemeClr val="accent1">
+              <a:shade val="50000"/>
+            </a:schemeClr>
+          </a:lnRef>
+          <a:fillRef idx="1">
+            <a:schemeClr val="accent1"/>
+          </a:fillRef>
+          <a:effectRef idx="0">
+            <a:schemeClr val="accent1"/>
+          </a:effectRef>
+          <a:fontRef idx="minor">
+            <a:schemeClr val="lt1"/>
+          </a:fontRef>
+        </p:style>
+        <p:txBody>
+          <a:bodyPr rtlCol="0" anchor="ctr"/>
+          <a:lstStyle/>
+          <a:p>
+            <a:pPr algn="ctr"/>
+            <a:endParaRPr lang="en-US"/>
+          </a:p>
+        </p:txBody>
+      </p:sp>
       <p:sp>
         <p:nvSpPr>
           <p:cNvPr id="2" name="Title 1">
@@ -4267,51 +5546,475 @@
             <p:ph type="title"/>
           </p:nvPr>
         </p:nvSpPr>
-        <p:spPr/>
-        <p:txBody>
-          <a:bodyPr/>
+        <p:spPr>
+          <a:xfrm>
+            <a:off x="589559" y="856180"/>
+            <a:ext cx="4699673" cy="1128068"/>
+          </a:xfrm>
+        </p:spPr>
+        <p:txBody>
+          <a:bodyPr anchor="ctr">
+            <a:normAutofit/>
+          </a:bodyPr>
+          <a:lstStyle/>
+          <a:p>
+            <a:r>
+              <a:rPr lang="hu-HU" sz="3200" dirty="0"/>
+              <a:t>A </a:t>
+            </a:r>
+            <a:r>
+              <a:rPr lang="hu-HU" sz="3200" dirty="0" err="1"/>
+              <a:t>SameGame</a:t>
+            </a:r>
+            <a:r>
+              <a:rPr lang="hu-HU" sz="3200" dirty="0"/>
+              <a:t> NP teljessége</a:t>
+            </a:r>
+          </a:p>
+        </p:txBody>
+      </p:sp>
+      <p:grpSp>
+        <p:nvGrpSpPr>
+          <p:cNvPr id="41" name="Group 40">
+            <a:extLst>
+              <a:ext uri="{FF2B5EF4-FFF2-40B4-BE49-F238E27FC236}">
+                <a16:creationId xmlns:a16="http://schemas.microsoft.com/office/drawing/2014/main" id="{1DE889C7-FAD6-4397-98E2-05D503484459}"/>
+              </a:ext>
+              <a:ext uri="{C183D7F6-B498-43B3-948B-1728B52AA6E4}">
+                <adec:decorative xmlns:adec="http://schemas.microsoft.com/office/drawing/2017/decorative" val="1"/>
+              </a:ext>
+            </a:extLst>
+          </p:cNvPr>
+          <p:cNvGrpSpPr>
+            <a:grpSpLocks noGrp="1" noUngrp="1" noRot="1" noChangeAspect="1" noMove="1" noResize="1"/>
+          </p:cNvGrpSpPr>
+          <p:nvPr>
+            <p:extLst>
+              <p:ext uri="{386F3935-93C4-4BCD-93E2-E3B085C9AB24}">
+                <p16:designElem xmlns:p16="http://schemas.microsoft.com/office/powerpoint/2015/main" val="1"/>
+              </p:ext>
+            </p:extLst>
+          </p:nvPr>
+        </p:nvGrpSpPr>
+        <p:grpSpPr>
+          <a:xfrm>
+            <a:off x="0" y="1083484"/>
+            <a:ext cx="355196" cy="673460"/>
+            <a:chOff x="0" y="823811"/>
+            <a:chExt cx="355196" cy="673460"/>
+          </a:xfrm>
+        </p:grpSpPr>
+        <p:sp>
+          <p:nvSpPr>
+            <p:cNvPr id="42" name="Rectangle 41">
+              <a:extLst>
+                <a:ext uri="{FF2B5EF4-FFF2-40B4-BE49-F238E27FC236}">
+                  <a16:creationId xmlns:a16="http://schemas.microsoft.com/office/drawing/2014/main" id="{F399A70F-F8CD-4992-9EF5-6CF15472E73F}"/>
+                </a:ext>
+                <a:ext uri="{C183D7F6-B498-43B3-948B-1728B52AA6E4}">
+                  <adec:decorative xmlns:adec="http://schemas.microsoft.com/office/drawing/2017/decorative" val="1"/>
+                </a:ext>
+              </a:extLst>
+            </p:cNvPr>
+            <p:cNvSpPr/>
+            <p:nvPr>
+              <p:extLst>
+                <p:ext uri="{386F3935-93C4-4BCD-93E2-E3B085C9AB24}">
+                  <p16:designElem xmlns:p16="http://schemas.microsoft.com/office/powerpoint/2015/main" val="1"/>
+                </p:ext>
+              </p:extLst>
+            </p:nvPr>
+          </p:nvSpPr>
+          <p:spPr>
+            <a:xfrm>
+              <a:off x="0" y="823811"/>
+              <a:ext cx="87363" cy="673460"/>
+            </a:xfrm>
+            <a:prstGeom prst="rect">
+              <a:avLst/>
+            </a:prstGeom>
+            <a:solidFill>
+              <a:schemeClr val="accent4"/>
+            </a:solidFill>
+            <a:ln>
+              <a:noFill/>
+            </a:ln>
+          </p:spPr>
+          <p:style>
+            <a:lnRef idx="2">
+              <a:schemeClr val="accent1">
+                <a:shade val="50000"/>
+              </a:schemeClr>
+            </a:lnRef>
+            <a:fillRef idx="1">
+              <a:schemeClr val="accent1"/>
+            </a:fillRef>
+            <a:effectRef idx="0">
+              <a:schemeClr val="accent1"/>
+            </a:effectRef>
+            <a:fontRef idx="minor">
+              <a:schemeClr val="lt1"/>
+            </a:fontRef>
+          </p:style>
+          <p:txBody>
+            <a:bodyPr rtlCol="0" anchor="ctr"/>
+            <a:lstStyle/>
+            <a:p>
+              <a:pPr algn="ctr"/>
+              <a:endParaRPr lang="en-US"/>
+            </a:p>
+          </p:txBody>
+        </p:sp>
+        <p:sp>
+          <p:nvSpPr>
+            <p:cNvPr id="43" name="Rectangle 42">
+              <a:extLst>
+                <a:ext uri="{FF2B5EF4-FFF2-40B4-BE49-F238E27FC236}">
+                  <a16:creationId xmlns:a16="http://schemas.microsoft.com/office/drawing/2014/main" id="{48F4FEDC-6D80-458C-A665-075D9B9500FD}"/>
+                </a:ext>
+                <a:ext uri="{C183D7F6-B498-43B3-948B-1728B52AA6E4}">
+                  <adec:decorative xmlns:adec="http://schemas.microsoft.com/office/drawing/2017/decorative" val="1"/>
+                </a:ext>
+              </a:extLst>
+            </p:cNvPr>
+            <p:cNvSpPr/>
+            <p:nvPr>
+              <p:extLst>
+                <p:ext uri="{386F3935-93C4-4BCD-93E2-E3B085C9AB24}">
+                  <p16:designElem xmlns:p16="http://schemas.microsoft.com/office/powerpoint/2015/main" val="1"/>
+                </p:ext>
+              </p:extLst>
+            </p:nvPr>
+          </p:nvSpPr>
+          <p:spPr>
+            <a:xfrm>
+              <a:off x="159341" y="823811"/>
+              <a:ext cx="195855" cy="673460"/>
+            </a:xfrm>
+            <a:prstGeom prst="rect">
+              <a:avLst/>
+            </a:prstGeom>
+            <a:solidFill>
+              <a:schemeClr val="accent4"/>
+            </a:solidFill>
+            <a:ln>
+              <a:noFill/>
+            </a:ln>
+          </p:spPr>
+          <p:style>
+            <a:lnRef idx="2">
+              <a:schemeClr val="accent1">
+                <a:shade val="50000"/>
+              </a:schemeClr>
+            </a:lnRef>
+            <a:fillRef idx="1">
+              <a:schemeClr val="accent1"/>
+            </a:fillRef>
+            <a:effectRef idx="0">
+              <a:schemeClr val="accent1"/>
+            </a:effectRef>
+            <a:fontRef idx="minor">
+              <a:schemeClr val="lt1"/>
+            </a:fontRef>
+          </p:style>
+          <p:txBody>
+            <a:bodyPr rtlCol="0" anchor="ctr"/>
+            <a:lstStyle/>
+            <a:p>
+              <a:pPr algn="ctr"/>
+              <a:endParaRPr lang="en-US"/>
+            </a:p>
+          </p:txBody>
+        </p:sp>
+      </p:grpSp>
+      <p:sp>
+        <p:nvSpPr>
+          <p:cNvPr id="45" name="Rectangle 44">
+            <a:extLst>
+              <a:ext uri="{FF2B5EF4-FFF2-40B4-BE49-F238E27FC236}">
+                <a16:creationId xmlns:a16="http://schemas.microsoft.com/office/drawing/2014/main" id="{3873B707-463F-40B0-8227-E8CC6C67EB25}"/>
+              </a:ext>
+              <a:ext uri="{C183D7F6-B498-43B3-948B-1728B52AA6E4}">
+                <adec:decorative xmlns:adec="http://schemas.microsoft.com/office/drawing/2017/decorative" val="1"/>
+              </a:ext>
+            </a:extLst>
+          </p:cNvPr>
+          <p:cNvSpPr>
+            <a:spLocks noGrp="1" noRot="1" noChangeAspect="1" noMove="1" noResize="1" noEditPoints="1" noAdjustHandles="1" noChangeArrowheads="1" noChangeShapeType="1" noTextEdit="1"/>
+          </p:cNvSpPr>
+          <p:nvPr>
+            <p:extLst>
+              <p:ext uri="{386F3935-93C4-4BCD-93E2-E3B085C9AB24}">
+                <p16:designElem xmlns:p16="http://schemas.microsoft.com/office/powerpoint/2015/main" val="1"/>
+              </p:ext>
+            </p:extLst>
+          </p:nvPr>
+        </p:nvSpPr>
+        <p:spPr>
+          <a:xfrm flipH="1">
+            <a:off x="665085" y="2090569"/>
+            <a:ext cx="4297680" cy="27432"/>
+          </a:xfrm>
+          <a:prstGeom prst="rect">
+            <a:avLst/>
+          </a:prstGeom>
+          <a:solidFill>
+            <a:schemeClr val="accent4"/>
+          </a:solidFill>
+          <a:ln>
+            <a:noFill/>
+          </a:ln>
+        </p:spPr>
+        <p:style>
+          <a:lnRef idx="2">
+            <a:schemeClr val="accent1">
+              <a:shade val="50000"/>
+            </a:schemeClr>
+          </a:lnRef>
+          <a:fillRef idx="1">
+            <a:schemeClr val="accent1"/>
+          </a:fillRef>
+          <a:effectRef idx="0">
+            <a:schemeClr val="accent1"/>
+          </a:effectRef>
+          <a:fontRef idx="minor">
+            <a:schemeClr val="lt1"/>
+          </a:fontRef>
+        </p:style>
+        <p:txBody>
+          <a:bodyPr rtlCol="0" anchor="ctr"/>
+          <a:lstStyle/>
+          <a:p>
+            <a:pPr algn="ctr"/>
+            <a:endParaRPr lang="en-US"/>
+          </a:p>
+        </p:txBody>
+      </p:sp>
+      <p:sp>
+        <p:nvSpPr>
+          <p:cNvPr id="3" name="Content Placeholder 2">
+            <a:extLst>
+              <a:ext uri="{FF2B5EF4-FFF2-40B4-BE49-F238E27FC236}">
+                <a16:creationId xmlns:a16="http://schemas.microsoft.com/office/drawing/2014/main" id="{E7B37578-2650-6C2F-DAC7-D89466830725}"/>
+              </a:ext>
+            </a:extLst>
+          </p:cNvPr>
+          <p:cNvSpPr>
+            <a:spLocks noGrp="1"/>
+          </p:cNvSpPr>
+          <p:nvPr>
+            <p:ph idx="1"/>
+          </p:nvPr>
+        </p:nvSpPr>
+        <p:spPr>
+          <a:xfrm>
+            <a:off x="590719" y="2330505"/>
+            <a:ext cx="4559425" cy="3979585"/>
+          </a:xfrm>
+        </p:spPr>
+        <p:txBody>
+          <a:bodyPr anchor="ctr">
+            <a:normAutofit/>
+          </a:bodyPr>
           <a:lstStyle/>
           <a:p>
             <a:r>
               <a:rPr lang="hu-HU" dirty="0"/>
-              <a:t>A </a:t>
+              <a:t>Hasonlít </a:t>
             </a:r>
             <a:r>
               <a:rPr lang="hu-HU" dirty="0" err="1"/>
-              <a:t>SameGame</a:t>
+              <a:t>Clickomania-ra</a:t>
             </a:r>
             <a:r>
               <a:rPr lang="hu-HU" dirty="0"/>
-              <a:t> NP teljes</a:t>
-            </a:r>
-          </a:p>
-        </p:txBody>
-      </p:sp>
-      <p:sp>
-        <p:nvSpPr>
-          <p:cNvPr id="3" name="Content Placeholder 2">
-            <a:extLst>
-              <a:ext uri="{FF2B5EF4-FFF2-40B4-BE49-F238E27FC236}">
-                <a16:creationId xmlns:a16="http://schemas.microsoft.com/office/drawing/2014/main" id="{E7B37578-2650-6C2F-DAC7-D89466830725}"/>
-              </a:ext>
-            </a:extLst>
-          </p:cNvPr>
-          <p:cNvSpPr>
-            <a:spLocks noGrp="1"/>
-          </p:cNvSpPr>
-          <p:nvPr>
-            <p:ph idx="1"/>
-          </p:nvPr>
-        </p:nvSpPr>
-        <p:spPr/>
-        <p:txBody>
-          <a:bodyPr/>
-          <a:lstStyle/>
-          <a:p>
-            <a:endParaRPr lang="hu-HU"/>
-          </a:p>
-        </p:txBody>
-      </p:sp>
+              <a:t> de a karakterisztika eltérhet</a:t>
+            </a:r>
+          </a:p>
+          <a:p>
+            <a:r>
+              <a:rPr lang="hu-HU" dirty="0"/>
+              <a:t>Különbözőség vizsgálata</a:t>
+            </a:r>
+          </a:p>
+          <a:p>
+            <a:r>
+              <a:rPr lang="hu-HU" dirty="0"/>
+              <a:t>2002 Fleischer </a:t>
+            </a:r>
+            <a:r>
+              <a:rPr lang="hu-HU" dirty="0" err="1"/>
+              <a:t>Clickomania</a:t>
+            </a:r>
+            <a:endParaRPr lang="hu-HU" dirty="0"/>
+          </a:p>
+          <a:p>
+            <a:endParaRPr lang="hu-HU" sz="2000" dirty="0"/>
+          </a:p>
+        </p:txBody>
+      </p:sp>
+      <p:sp>
+        <p:nvSpPr>
+          <p:cNvPr id="47" name="Rectangle 46">
+            <a:extLst>
+              <a:ext uri="{FF2B5EF4-FFF2-40B4-BE49-F238E27FC236}">
+                <a16:creationId xmlns:a16="http://schemas.microsoft.com/office/drawing/2014/main" id="{C13237C8-E62C-4F0D-A318-BD6FB6C2D138}"/>
+              </a:ext>
+              <a:ext uri="{C183D7F6-B498-43B3-948B-1728B52AA6E4}">
+                <adec:decorative xmlns:adec="http://schemas.microsoft.com/office/drawing/2017/decorative" val="1"/>
+              </a:ext>
+            </a:extLst>
+          </p:cNvPr>
+          <p:cNvSpPr>
+            <a:spLocks noGrp="1" noRot="1" noChangeAspect="1" noMove="1" noResize="1" noEditPoints="1" noAdjustHandles="1" noChangeArrowheads="1" noChangeShapeType="1" noTextEdit="1"/>
+          </p:cNvSpPr>
+          <p:nvPr>
+            <p:extLst>
+              <p:ext uri="{386F3935-93C4-4BCD-93E2-E3B085C9AB24}">
+                <p16:designElem xmlns:p16="http://schemas.microsoft.com/office/powerpoint/2015/main" val="1"/>
+              </p:ext>
+            </p:extLst>
+          </p:nvPr>
+        </p:nvSpPr>
+        <p:spPr>
+          <a:xfrm flipH="1">
+            <a:off x="10697670" y="0"/>
+            <a:ext cx="1494330" cy="6858000"/>
+          </a:xfrm>
+          <a:prstGeom prst="rect">
+            <a:avLst/>
+          </a:prstGeom>
+          <a:solidFill>
+            <a:schemeClr val="accent4"/>
+          </a:solidFill>
+          <a:ln>
+            <a:noFill/>
+          </a:ln>
+        </p:spPr>
+        <p:style>
+          <a:lnRef idx="2">
+            <a:schemeClr val="accent1">
+              <a:shade val="50000"/>
+            </a:schemeClr>
+          </a:lnRef>
+          <a:fillRef idx="1">
+            <a:schemeClr val="accent1"/>
+          </a:fillRef>
+          <a:effectRef idx="0">
+            <a:schemeClr val="accent1"/>
+          </a:effectRef>
+          <a:fontRef idx="minor">
+            <a:schemeClr val="lt1"/>
+          </a:fontRef>
+        </p:style>
+        <p:txBody>
+          <a:bodyPr rtlCol="0" anchor="ctr"/>
+          <a:lstStyle/>
+          <a:p>
+            <a:pPr algn="ctr"/>
+            <a:endParaRPr lang="en-US"/>
+          </a:p>
+        </p:txBody>
+      </p:sp>
+      <p:sp>
+        <p:nvSpPr>
+          <p:cNvPr id="49" name="Rectangle 48">
+            <a:extLst>
+              <a:ext uri="{FF2B5EF4-FFF2-40B4-BE49-F238E27FC236}">
+                <a16:creationId xmlns:a16="http://schemas.microsoft.com/office/drawing/2014/main" id="{19C9EAEA-39D0-4B0E-A0EB-51E7B26740B1}"/>
+              </a:ext>
+              <a:ext uri="{C183D7F6-B498-43B3-948B-1728B52AA6E4}">
+                <adec:decorative xmlns:adec="http://schemas.microsoft.com/office/drawing/2017/decorative" val="1"/>
+              </a:ext>
+            </a:extLst>
+          </p:cNvPr>
+          <p:cNvSpPr>
+            <a:spLocks noGrp="1" noRot="1" noChangeAspect="1" noMove="1" noResize="1" noEditPoints="1" noAdjustHandles="1" noChangeArrowheads="1" noChangeShapeType="1" noTextEdit="1"/>
+          </p:cNvSpPr>
+          <p:nvPr>
+            <p:extLst>
+              <p:ext uri="{386F3935-93C4-4BCD-93E2-E3B085C9AB24}">
+                <p16:designElem xmlns:p16="http://schemas.microsoft.com/office/powerpoint/2015/main" val="1"/>
+              </p:ext>
+            </p:extLst>
+          </p:nvPr>
+        </p:nvSpPr>
+        <p:spPr>
+          <a:xfrm>
+            <a:off x="5685810" y="513853"/>
+            <a:ext cx="6009366" cy="5834577"/>
+          </a:xfrm>
+          <a:prstGeom prst="rect">
+            <a:avLst/>
+          </a:prstGeom>
+          <a:solidFill>
+            <a:schemeClr val="bg1"/>
+          </a:solidFill>
+          <a:ln>
+            <a:noFill/>
+          </a:ln>
+          <a:effectLst>
+            <a:outerShdw blurRad="139700" dist="127000" dir="5400000" algn="t" rotWithShape="0">
+              <a:prstClr val="black">
+                <a:alpha val="15000"/>
+              </a:prstClr>
+            </a:outerShdw>
+          </a:effectLst>
+        </p:spPr>
+        <p:style>
+          <a:lnRef idx="2">
+            <a:schemeClr val="accent1">
+              <a:shade val="50000"/>
+            </a:schemeClr>
+          </a:lnRef>
+          <a:fillRef idx="1">
+            <a:schemeClr val="accent1"/>
+          </a:fillRef>
+          <a:effectRef idx="0">
+            <a:schemeClr val="accent1"/>
+          </a:effectRef>
+          <a:fontRef idx="minor">
+            <a:schemeClr val="lt1"/>
+          </a:fontRef>
+        </p:style>
+        <p:txBody>
+          <a:bodyPr rtlCol="0" anchor="ctr"/>
+          <a:lstStyle/>
+          <a:p>
+            <a:pPr algn="ctr"/>
+            <a:endParaRPr lang="en-US"/>
+          </a:p>
+        </p:txBody>
+      </p:sp>
+      <p:pic>
+        <p:nvPicPr>
+          <p:cNvPr id="14" name="Picture 13">
+            <a:extLst>
+              <a:ext uri="{FF2B5EF4-FFF2-40B4-BE49-F238E27FC236}">
+                <a16:creationId xmlns:a16="http://schemas.microsoft.com/office/drawing/2014/main" id="{83CEDA5E-B98C-20F8-88A9-1D2A5ED113F9}"/>
+              </a:ext>
+            </a:extLst>
+          </p:cNvPr>
+          <p:cNvPicPr>
+            <a:picLocks noChangeAspect="1"/>
+          </p:cNvPicPr>
+          <p:nvPr/>
+        </p:nvPicPr>
+        <p:blipFill rotWithShape="1">
+          <a:blip r:embed="rId3"/>
+          <a:srcRect t="1326" b="47523"/>
+          <a:stretch/>
+        </p:blipFill>
+        <p:spPr>
+          <a:xfrm>
+            <a:off x="5873189" y="656284"/>
+            <a:ext cx="5425410" cy="5653806"/>
+          </a:xfrm>
+          <a:prstGeom prst="rect">
+            <a:avLst/>
+          </a:prstGeom>
+        </p:spPr>
+      </p:pic>
     </p:spTree>
     <p:extLst>
       <p:ext uri="{BB962C8B-B14F-4D97-AF65-F5344CB8AC3E}">
@@ -4328,6 +6031,14 @@
 <file path=ppt/slides/slide4.xml><?xml version="1.0" encoding="utf-8"?>
 <p:sld xmlns:a="http://schemas.openxmlformats.org/drawingml/2006/main" xmlns:r="http://schemas.openxmlformats.org/officeDocument/2006/relationships" xmlns:p="http://schemas.openxmlformats.org/presentationml/2006/main">
   <p:cSld>
+    <p:bg>
+      <p:bgPr>
+        <a:solidFill>
+          <a:schemeClr val="bg1"/>
+        </a:solidFill>
+        <a:effectLst/>
+      </p:bgPr>
+    </p:bg>
     <p:spTree>
       <p:nvGrpSpPr>
         <p:cNvPr id="1" name=""/>
@@ -4342,12 +6053,72 @@
           <a:chExt cx="0" cy="0"/>
         </a:xfrm>
       </p:grpSpPr>
+      <p:sp useBgFill="1">
+        <p:nvSpPr>
+          <p:cNvPr id="9" name="Rectangle 8">
+            <a:extLst>
+              <a:ext uri="{FF2B5EF4-FFF2-40B4-BE49-F238E27FC236}">
+                <a16:creationId xmlns:a16="http://schemas.microsoft.com/office/drawing/2014/main" id="{058A14AF-9FB5-4CC7-BA35-E8E85D3EDF0E}"/>
+              </a:ext>
+              <a:ext uri="{C183D7F6-B498-43B3-948B-1728B52AA6E4}">
+                <adec:decorative xmlns:adec="http://schemas.microsoft.com/office/drawing/2017/decorative" val="1"/>
+              </a:ext>
+            </a:extLst>
+          </p:cNvPr>
+          <p:cNvSpPr>
+            <a:spLocks noGrp="1" noRot="1" noChangeAspect="1" noMove="1" noResize="1" noEditPoints="1" noAdjustHandles="1" noChangeArrowheads="1" noChangeShapeType="1" noTextEdit="1"/>
+          </p:cNvSpPr>
+          <p:nvPr>
+            <p:extLst>
+              <p:ext uri="{386F3935-93C4-4BCD-93E2-E3B085C9AB24}">
+                <p16:designElem xmlns:p16="http://schemas.microsoft.com/office/powerpoint/2015/main" val="1"/>
+              </p:ext>
+            </p:extLst>
+          </p:nvPr>
+        </p:nvSpPr>
+        <p:spPr>
+          <a:xfrm>
+            <a:off x="0" y="0"/>
+            <a:ext cx="12191999" cy="6857365"/>
+          </a:xfrm>
+          <a:prstGeom prst="rect">
+            <a:avLst/>
+          </a:prstGeom>
+          <a:ln>
+            <a:noFill/>
+          </a:ln>
+        </p:spPr>
+        <p:style>
+          <a:lnRef idx="2">
+            <a:schemeClr val="accent1">
+              <a:shade val="50000"/>
+            </a:schemeClr>
+          </a:lnRef>
+          <a:fillRef idx="1">
+            <a:schemeClr val="accent1"/>
+          </a:fillRef>
+          <a:effectRef idx="0">
+            <a:schemeClr val="accent1"/>
+          </a:effectRef>
+          <a:fontRef idx="minor">
+            <a:schemeClr val="lt1"/>
+          </a:fontRef>
+        </p:style>
+        <p:txBody>
+          <a:bodyPr rtlCol="0" anchor="ctr"/>
+          <a:lstStyle/>
+          <a:p>
+            <a:pPr algn="ctr"/>
+            <a:endParaRPr lang="en-US"/>
+          </a:p>
+        </p:txBody>
+      </p:sp>
       <p:sp>
         <p:nvSpPr>
           <p:cNvPr id="2" name="Title 1">
             <a:extLst>
               <a:ext uri="{FF2B5EF4-FFF2-40B4-BE49-F238E27FC236}">
-                <a16:creationId xmlns:a16="http://schemas.microsoft.com/office/drawing/2014/main" id="{6F795C0B-084A-B1AE-4C65-E10C772B58C4}"/>
+                <a16:creationId xmlns:a16="http://schemas.microsoft.com/office/drawing/2014/main" id="{1E891C8A-7D7B-2703-BCF9-D253A3027CA2}"/>
               </a:ext>
             </a:extLst>
           </p:cNvPr>
@@ -4358,56 +6129,323 @@
             <p:ph type="title"/>
           </p:nvPr>
         </p:nvSpPr>
-        <p:spPr/>
-        <p:txBody>
-          <a:bodyPr/>
-          <a:lstStyle/>
-          <a:p>
+        <p:spPr>
+          <a:xfrm>
+            <a:off x="793662" y="386930"/>
+            <a:ext cx="10066122" cy="1298448"/>
+          </a:xfrm>
+        </p:spPr>
+        <p:txBody>
+          <a:bodyPr anchor="b">
+            <a:normAutofit/>
+          </a:bodyPr>
+          <a:lstStyle/>
+          <a:p>
+            <a:r>
+              <a:rPr lang="hu-HU" sz="4800" dirty="0"/>
+              <a:t>Az első ismert program ~2006</a:t>
+            </a:r>
+          </a:p>
+        </p:txBody>
+      </p:sp>
+      <p:sp>
+        <p:nvSpPr>
+          <p:cNvPr id="11" name="Rectangle 10">
+            <a:extLst>
+              <a:ext uri="{FF2B5EF4-FFF2-40B4-BE49-F238E27FC236}">
+                <a16:creationId xmlns:a16="http://schemas.microsoft.com/office/drawing/2014/main" id="{3A9A4357-BD1D-4622-A4FE-766E6AB8DE84}"/>
+              </a:ext>
+              <a:ext uri="{C183D7F6-B498-43B3-948B-1728B52AA6E4}">
+                <adec:decorative xmlns:adec="http://schemas.microsoft.com/office/drawing/2017/decorative" val="1"/>
+              </a:ext>
+            </a:extLst>
+          </p:cNvPr>
+          <p:cNvSpPr>
+            <a:spLocks noGrp="1" noRot="1" noChangeAspect="1" noMove="1" noResize="1" noEditPoints="1" noAdjustHandles="1" noChangeArrowheads="1" noChangeShapeType="1" noTextEdit="1"/>
+          </p:cNvSpPr>
+          <p:nvPr>
+            <p:extLst>
+              <p:ext uri="{386F3935-93C4-4BCD-93E2-E3B085C9AB24}">
+                <p16:designElem xmlns:p16="http://schemas.microsoft.com/office/powerpoint/2015/main" val="1"/>
+              </p:ext>
+            </p:extLst>
+          </p:nvPr>
+        </p:nvSpPr>
+        <p:spPr>
+          <a:xfrm flipH="1" flipV="1">
+            <a:off x="-2" y="1998845"/>
+            <a:ext cx="11454595" cy="781699"/>
+          </a:xfrm>
+          <a:prstGeom prst="rect">
+            <a:avLst/>
+          </a:prstGeom>
+          <a:solidFill>
+            <a:schemeClr val="accent4"/>
+          </a:solidFill>
+          <a:ln>
+            <a:noFill/>
+          </a:ln>
+        </p:spPr>
+        <p:style>
+          <a:lnRef idx="2">
+            <a:schemeClr val="accent1">
+              <a:shade val="50000"/>
+            </a:schemeClr>
+          </a:lnRef>
+          <a:fillRef idx="1">
+            <a:schemeClr val="accent1"/>
+          </a:fillRef>
+          <a:effectRef idx="0">
+            <a:schemeClr val="accent1"/>
+          </a:effectRef>
+          <a:fontRef idx="minor">
+            <a:schemeClr val="lt1"/>
+          </a:fontRef>
+        </p:style>
+        <p:txBody>
+          <a:bodyPr rtlCol="0" anchor="ctr"/>
+          <a:lstStyle/>
+          <a:p>
+            <a:pPr algn="ctr"/>
+            <a:endParaRPr lang="en-US"/>
+          </a:p>
+        </p:txBody>
+      </p:sp>
+      <p:sp>
+        <p:nvSpPr>
+          <p:cNvPr id="46" name="Rectangle 12">
+            <a:extLst>
+              <a:ext uri="{FF2B5EF4-FFF2-40B4-BE49-F238E27FC236}">
+                <a16:creationId xmlns:a16="http://schemas.microsoft.com/office/drawing/2014/main" id="{E659831F-0D9A-4C63-9EBB-8435B85A440F}"/>
+              </a:ext>
+              <a:ext uri="{C183D7F6-B498-43B3-948B-1728B52AA6E4}">
+                <adec:decorative xmlns:adec="http://schemas.microsoft.com/office/drawing/2017/decorative" val="1"/>
+              </a:ext>
+            </a:extLst>
+          </p:cNvPr>
+          <p:cNvSpPr>
+            <a:spLocks noGrp="1" noRot="1" noChangeAspect="1" noMove="1" noResize="1" noEditPoints="1" noAdjustHandles="1" noChangeArrowheads="1" noChangeShapeType="1" noTextEdit="1"/>
+          </p:cNvSpPr>
+          <p:nvPr>
+            <p:extLst>
+              <p:ext uri="{386F3935-93C4-4BCD-93E2-E3B085C9AB24}">
+                <p16:designElem xmlns:p16="http://schemas.microsoft.com/office/powerpoint/2015/main" val="1"/>
+              </p:ext>
+            </p:extLst>
+          </p:nvPr>
+        </p:nvSpPr>
+        <p:spPr>
+          <a:xfrm>
+            <a:off x="0" y="2203079"/>
+            <a:ext cx="11383362" cy="4267991"/>
+          </a:xfrm>
+          <a:prstGeom prst="rect">
+            <a:avLst/>
+          </a:prstGeom>
+          <a:solidFill>
+            <a:schemeClr val="bg1"/>
+          </a:solidFill>
+          <a:ln>
+            <a:noFill/>
+          </a:ln>
+          <a:effectLst>
+            <a:outerShdw blurRad="139700" dist="127000" dir="5400000" algn="t" rotWithShape="0">
+              <a:prstClr val="black">
+                <a:alpha val="15000"/>
+              </a:prstClr>
+            </a:outerShdw>
+          </a:effectLst>
+        </p:spPr>
+        <p:style>
+          <a:lnRef idx="2">
+            <a:schemeClr val="accent1">
+              <a:shade val="50000"/>
+            </a:schemeClr>
+          </a:lnRef>
+          <a:fillRef idx="1">
+            <a:schemeClr val="accent1"/>
+          </a:fillRef>
+          <a:effectRef idx="0">
+            <a:schemeClr val="accent1"/>
+          </a:effectRef>
+          <a:fontRef idx="minor">
+            <a:schemeClr val="lt1"/>
+          </a:fontRef>
+        </p:style>
+        <p:txBody>
+          <a:bodyPr rtlCol="0" anchor="ctr"/>
+          <a:lstStyle/>
+          <a:p>
+            <a:pPr algn="ctr"/>
+            <a:endParaRPr lang="en-US"/>
+          </a:p>
+        </p:txBody>
+      </p:sp>
+      <p:sp>
+        <p:nvSpPr>
+          <p:cNvPr id="3" name="Content Placeholder 2">
+            <a:extLst>
+              <a:ext uri="{FF2B5EF4-FFF2-40B4-BE49-F238E27FC236}">
+                <a16:creationId xmlns:a16="http://schemas.microsoft.com/office/drawing/2014/main" id="{9DAA4807-6C3F-1844-31E8-B65D1D0C9C38}"/>
+              </a:ext>
+            </a:extLst>
+          </p:cNvPr>
+          <p:cNvSpPr>
+            <a:spLocks noGrp="1"/>
+          </p:cNvSpPr>
+          <p:nvPr>
+            <p:ph idx="1"/>
+          </p:nvPr>
+        </p:nvSpPr>
+        <p:spPr>
+          <a:xfrm>
+            <a:off x="793661" y="2599509"/>
+            <a:ext cx="4530898" cy="3639450"/>
+          </a:xfrm>
+        </p:spPr>
+        <p:txBody>
+          <a:bodyPr anchor="ctr">
+            <a:noAutofit/>
+          </a:bodyPr>
+          <a:lstStyle/>
+          <a:p>
+            <a:r>
+              <a:rPr lang="hu-HU" dirty="0" err="1"/>
+              <a:t>Depth-budgeted</a:t>
+            </a:r>
             <a:r>
               <a:rPr lang="hu-HU" dirty="0"/>
-              <a:t>Tipikus megközelítések és hibájuk</a:t>
-            </a:r>
-          </a:p>
-        </p:txBody>
-      </p:sp>
-      <p:sp>
-        <p:nvSpPr>
-          <p:cNvPr id="3" name="Content Placeholder 2">
-            <a:extLst>
-              <a:ext uri="{FF2B5EF4-FFF2-40B4-BE49-F238E27FC236}">
-                <a16:creationId xmlns:a16="http://schemas.microsoft.com/office/drawing/2014/main" id="{46CD56CB-51F4-DFA1-6EAE-E2D3381EDD04}"/>
-              </a:ext>
-            </a:extLst>
-          </p:cNvPr>
-          <p:cNvSpPr>
-            <a:spLocks noGrp="1"/>
-          </p:cNvSpPr>
-          <p:nvPr>
-            <p:ph idx="1"/>
-          </p:nvPr>
-        </p:nvSpPr>
-        <p:spPr/>
-        <p:txBody>
-          <a:bodyPr/>
-          <a:lstStyle/>
+              <a:t> </a:t>
+            </a:r>
+            <a:r>
+              <a:rPr lang="hu-HU" dirty="0" err="1"/>
+              <a:t>search</a:t>
+            </a:r>
+            <a:endParaRPr lang="hu-HU" dirty="0"/>
+          </a:p>
           <a:p>
             <a:r>
               <a:rPr lang="hu-HU" dirty="0"/>
-              <a:t>A*</a:t>
+              <a:t>Mélységi keresés költségvetéssel és mohó algoritmussal kombinálva.</a:t>
             </a:r>
           </a:p>
           <a:p>
             <a:r>
               <a:rPr lang="hu-HU" dirty="0"/>
-              <a:t>IDA*</a:t>
-            </a:r>
+              <a:t>20 pozícióra standardizált teszt</a:t>
+            </a:r>
+          </a:p>
+          <a:p>
+            <a:r>
+              <a:rPr lang="hu-HU" dirty="0"/>
+              <a:t>Táblánkként 2-3 óra</a:t>
+            </a:r>
+          </a:p>
+          <a:p>
+            <a:r>
+              <a:rPr lang="hu-HU" dirty="0"/>
+              <a:t>72,816 pont</a:t>
+            </a:r>
+          </a:p>
+        </p:txBody>
+      </p:sp>
+      <p:pic>
+        <p:nvPicPr>
+          <p:cNvPr id="4" name="Picture 3">
+            <a:extLst>
+              <a:ext uri="{FF2B5EF4-FFF2-40B4-BE49-F238E27FC236}">
+                <a16:creationId xmlns:a16="http://schemas.microsoft.com/office/drawing/2014/main" id="{A77398FF-2AFF-CD82-97DD-BBA60231218F}"/>
+              </a:ext>
+            </a:extLst>
+          </p:cNvPr>
+          <p:cNvPicPr>
+            <a:picLocks noChangeAspect="1"/>
+          </p:cNvPicPr>
+          <p:nvPr/>
+        </p:nvPicPr>
+        <p:blipFill>
+          <a:blip r:embed="rId3"/>
+          <a:stretch>
+            <a:fillRect/>
+          </a:stretch>
+        </p:blipFill>
+        <p:spPr>
+          <a:xfrm>
+            <a:off x="5911532" y="2693288"/>
+            <a:ext cx="5150277" cy="3296177"/>
+          </a:xfrm>
+          <a:prstGeom prst="rect">
+            <a:avLst/>
+          </a:prstGeom>
+        </p:spPr>
+      </p:pic>
+      <p:sp>
+        <p:nvSpPr>
+          <p:cNvPr id="47" name="Rectangle 14">
+            <a:extLst>
+              <a:ext uri="{FF2B5EF4-FFF2-40B4-BE49-F238E27FC236}">
+                <a16:creationId xmlns:a16="http://schemas.microsoft.com/office/drawing/2014/main" id="{E6995CE5-F890-4ABA-82A2-26507CE8D2A3}"/>
+              </a:ext>
+              <a:ext uri="{C183D7F6-B498-43B3-948B-1728B52AA6E4}">
+                <adec:decorative xmlns:adec="http://schemas.microsoft.com/office/drawing/2017/decorative" val="1"/>
+              </a:ext>
+            </a:extLst>
+          </p:cNvPr>
+          <p:cNvSpPr>
+            <a:spLocks noGrp="1" noRot="1" noChangeAspect="1" noMove="1" noResize="1" noEditPoints="1" noAdjustHandles="1" noChangeArrowheads="1" noChangeShapeType="1" noTextEdit="1"/>
+          </p:cNvSpPr>
+          <p:nvPr>
+            <p:extLst>
+              <p:ext uri="{386F3935-93C4-4BCD-93E2-E3B085C9AB24}">
+                <p16:designElem xmlns:p16="http://schemas.microsoft.com/office/powerpoint/2015/main" val="1"/>
+              </p:ext>
+            </p:extLst>
+          </p:nvPr>
+        </p:nvSpPr>
+        <p:spPr>
+          <a:xfrm rot="5400000">
+            <a:off x="11228040" y="2313027"/>
+            <a:ext cx="781700" cy="152382"/>
+          </a:xfrm>
+          <a:prstGeom prst="rect">
+            <a:avLst/>
+          </a:prstGeom>
+          <a:solidFill>
+            <a:schemeClr val="accent4"/>
+          </a:solidFill>
+          <a:ln>
+            <a:noFill/>
+          </a:ln>
+        </p:spPr>
+        <p:style>
+          <a:lnRef idx="2">
+            <a:schemeClr val="accent1">
+              <a:shade val="50000"/>
+            </a:schemeClr>
+          </a:lnRef>
+          <a:fillRef idx="1">
+            <a:schemeClr val="accent1"/>
+          </a:fillRef>
+          <a:effectRef idx="0">
+            <a:schemeClr val="accent1"/>
+          </a:effectRef>
+          <a:fontRef idx="minor">
+            <a:schemeClr val="lt1"/>
+          </a:fontRef>
+        </p:style>
+        <p:txBody>
+          <a:bodyPr rtlCol="0" anchor="ctr"/>
+          <a:lstStyle/>
+          <a:p>
+            <a:pPr algn="ctr"/>
+            <a:endParaRPr lang="en-US"/>
           </a:p>
         </p:txBody>
       </p:sp>
     </p:spTree>
     <p:extLst>
       <p:ext uri="{BB962C8B-B14F-4D97-AF65-F5344CB8AC3E}">
-        <p14:creationId xmlns:p14="http://schemas.microsoft.com/office/powerpoint/2010/main" val="3674961929"/>
+        <p14:creationId xmlns:p14="http://schemas.microsoft.com/office/powerpoint/2010/main" val="1715716474"/>
       </p:ext>
     </p:extLst>
   </p:cSld>
@@ -4420,6 +6458,14 @@
 <file path=ppt/slides/slide5.xml><?xml version="1.0" encoding="utf-8"?>
 <p:sld xmlns:a="http://schemas.openxmlformats.org/drawingml/2006/main" xmlns:r="http://schemas.openxmlformats.org/officeDocument/2006/relationships" xmlns:p="http://schemas.openxmlformats.org/presentationml/2006/main">
   <p:cSld>
+    <p:bg>
+      <p:bgPr>
+        <a:solidFill>
+          <a:schemeClr val="bg1"/>
+        </a:solidFill>
+        <a:effectLst/>
+      </p:bgPr>
+    </p:bg>
     <p:spTree>
       <p:nvGrpSpPr>
         <p:cNvPr id="1" name=""/>
@@ -4434,12 +6480,72 @@
           <a:chExt cx="0" cy="0"/>
         </a:xfrm>
       </p:grpSpPr>
+      <p:sp useBgFill="1">
+        <p:nvSpPr>
+          <p:cNvPr id="84" name="Rectangle 83">
+            <a:extLst>
+              <a:ext uri="{FF2B5EF4-FFF2-40B4-BE49-F238E27FC236}">
+                <a16:creationId xmlns:a16="http://schemas.microsoft.com/office/drawing/2014/main" id="{058A14AF-9FB5-4CC7-BA35-E8E85D3EDF0E}"/>
+              </a:ext>
+              <a:ext uri="{C183D7F6-B498-43B3-948B-1728B52AA6E4}">
+                <adec:decorative xmlns:adec="http://schemas.microsoft.com/office/drawing/2017/decorative" val="1"/>
+              </a:ext>
+            </a:extLst>
+          </p:cNvPr>
+          <p:cNvSpPr>
+            <a:spLocks noGrp="1" noRot="1" noChangeAspect="1" noMove="1" noResize="1" noEditPoints="1" noAdjustHandles="1" noChangeArrowheads="1" noChangeShapeType="1" noTextEdit="1"/>
+          </p:cNvSpPr>
+          <p:nvPr>
+            <p:extLst>
+              <p:ext uri="{386F3935-93C4-4BCD-93E2-E3B085C9AB24}">
+                <p16:designElem xmlns:p16="http://schemas.microsoft.com/office/powerpoint/2015/main" val="1"/>
+              </p:ext>
+            </p:extLst>
+          </p:nvPr>
+        </p:nvSpPr>
+        <p:spPr>
+          <a:xfrm>
+            <a:off x="0" y="0"/>
+            <a:ext cx="12191999" cy="6857365"/>
+          </a:xfrm>
+          <a:prstGeom prst="rect">
+            <a:avLst/>
+          </a:prstGeom>
+          <a:ln>
+            <a:noFill/>
+          </a:ln>
+        </p:spPr>
+        <p:style>
+          <a:lnRef idx="2">
+            <a:schemeClr val="accent1">
+              <a:shade val="50000"/>
+            </a:schemeClr>
+          </a:lnRef>
+          <a:fillRef idx="1">
+            <a:schemeClr val="accent1"/>
+          </a:fillRef>
+          <a:effectRef idx="0">
+            <a:schemeClr val="accent1"/>
+          </a:effectRef>
+          <a:fontRef idx="minor">
+            <a:schemeClr val="lt1"/>
+          </a:fontRef>
+        </p:style>
+        <p:txBody>
+          <a:bodyPr rtlCol="0" anchor="ctr"/>
+          <a:lstStyle/>
+          <a:p>
+            <a:pPr algn="ctr"/>
+            <a:endParaRPr lang="en-US"/>
+          </a:p>
+        </p:txBody>
+      </p:sp>
       <p:sp>
         <p:nvSpPr>
           <p:cNvPr id="2" name="Title 1">
             <a:extLst>
               <a:ext uri="{FF2B5EF4-FFF2-40B4-BE49-F238E27FC236}">
-                <a16:creationId xmlns:a16="http://schemas.microsoft.com/office/drawing/2014/main" id="{5404527C-C0D9-CA14-2F77-D83A52B5CB27}"/>
+                <a16:creationId xmlns:a16="http://schemas.microsoft.com/office/drawing/2014/main" id="{6F795C0B-084A-B1AE-4C65-E10C772B58C4}"/>
               </a:ext>
             </a:extLst>
           </p:cNvPr>
@@ -4450,52 +6556,314 @@
             <p:ph type="title"/>
           </p:nvPr>
         </p:nvSpPr>
-        <p:spPr/>
-        <p:txBody>
-          <a:bodyPr/>
+        <p:spPr>
+          <a:xfrm>
+            <a:off x="793662" y="386930"/>
+            <a:ext cx="10066122" cy="1298448"/>
+          </a:xfrm>
+        </p:spPr>
+        <p:txBody>
+          <a:bodyPr anchor="b">
+            <a:normAutofit/>
+          </a:bodyPr>
+          <a:lstStyle/>
+          <a:p>
+            <a:r>
+              <a:rPr lang="hu-HU" sz="4800"/>
+              <a:t>Tipikus megközelítések és SameGame</a:t>
+            </a:r>
+          </a:p>
+        </p:txBody>
+      </p:sp>
+      <p:sp>
+        <p:nvSpPr>
+          <p:cNvPr id="86" name="Rectangle 85">
+            <a:extLst>
+              <a:ext uri="{FF2B5EF4-FFF2-40B4-BE49-F238E27FC236}">
+                <a16:creationId xmlns:a16="http://schemas.microsoft.com/office/drawing/2014/main" id="{3A9A4357-BD1D-4622-A4FE-766E6AB8DE84}"/>
+              </a:ext>
+              <a:ext uri="{C183D7F6-B498-43B3-948B-1728B52AA6E4}">
+                <adec:decorative xmlns:adec="http://schemas.microsoft.com/office/drawing/2017/decorative" val="1"/>
+              </a:ext>
+            </a:extLst>
+          </p:cNvPr>
+          <p:cNvSpPr>
+            <a:spLocks noGrp="1" noRot="1" noChangeAspect="1" noMove="1" noResize="1" noEditPoints="1" noAdjustHandles="1" noChangeArrowheads="1" noChangeShapeType="1" noTextEdit="1"/>
+          </p:cNvSpPr>
+          <p:nvPr>
+            <p:extLst>
+              <p:ext uri="{386F3935-93C4-4BCD-93E2-E3B085C9AB24}">
+                <p16:designElem xmlns:p16="http://schemas.microsoft.com/office/powerpoint/2015/main" val="1"/>
+              </p:ext>
+            </p:extLst>
+          </p:nvPr>
+        </p:nvSpPr>
+        <p:spPr>
+          <a:xfrm flipH="1" flipV="1">
+            <a:off x="-2" y="1998845"/>
+            <a:ext cx="11454595" cy="781699"/>
+          </a:xfrm>
+          <a:prstGeom prst="rect">
+            <a:avLst/>
+          </a:prstGeom>
+          <a:solidFill>
+            <a:schemeClr val="accent4"/>
+          </a:solidFill>
+          <a:ln>
+            <a:noFill/>
+          </a:ln>
+        </p:spPr>
+        <p:style>
+          <a:lnRef idx="2">
+            <a:schemeClr val="accent1">
+              <a:shade val="50000"/>
+            </a:schemeClr>
+          </a:lnRef>
+          <a:fillRef idx="1">
+            <a:schemeClr val="accent1"/>
+          </a:fillRef>
+          <a:effectRef idx="0">
+            <a:schemeClr val="accent1"/>
+          </a:effectRef>
+          <a:fontRef idx="minor">
+            <a:schemeClr val="lt1"/>
+          </a:fontRef>
+        </p:style>
+        <p:txBody>
+          <a:bodyPr rtlCol="0" anchor="ctr"/>
+          <a:lstStyle/>
+          <a:p>
+            <a:pPr algn="ctr"/>
+            <a:endParaRPr lang="en-US"/>
+          </a:p>
+        </p:txBody>
+      </p:sp>
+      <p:sp>
+        <p:nvSpPr>
+          <p:cNvPr id="88" name="Rectangle 87">
+            <a:extLst>
+              <a:ext uri="{FF2B5EF4-FFF2-40B4-BE49-F238E27FC236}">
+                <a16:creationId xmlns:a16="http://schemas.microsoft.com/office/drawing/2014/main" id="{E659831F-0D9A-4C63-9EBB-8435B85A440F}"/>
+              </a:ext>
+              <a:ext uri="{C183D7F6-B498-43B3-948B-1728B52AA6E4}">
+                <adec:decorative xmlns:adec="http://schemas.microsoft.com/office/drawing/2017/decorative" val="1"/>
+              </a:ext>
+            </a:extLst>
+          </p:cNvPr>
+          <p:cNvSpPr>
+            <a:spLocks noGrp="1" noRot="1" noChangeAspect="1" noMove="1" noResize="1" noEditPoints="1" noAdjustHandles="1" noChangeArrowheads="1" noChangeShapeType="1" noTextEdit="1"/>
+          </p:cNvSpPr>
+          <p:nvPr>
+            <p:extLst>
+              <p:ext uri="{386F3935-93C4-4BCD-93E2-E3B085C9AB24}">
+                <p16:designElem xmlns:p16="http://schemas.microsoft.com/office/powerpoint/2015/main" val="1"/>
+              </p:ext>
+            </p:extLst>
+          </p:nvPr>
+        </p:nvSpPr>
+        <p:spPr>
+          <a:xfrm>
+            <a:off x="0" y="2203079"/>
+            <a:ext cx="11383362" cy="4267991"/>
+          </a:xfrm>
+          <a:prstGeom prst="rect">
+            <a:avLst/>
+          </a:prstGeom>
+          <a:solidFill>
+            <a:schemeClr val="bg1"/>
+          </a:solidFill>
+          <a:ln>
+            <a:noFill/>
+          </a:ln>
+          <a:effectLst>
+            <a:outerShdw blurRad="139700" dist="127000" dir="5400000" algn="t" rotWithShape="0">
+              <a:prstClr val="black">
+                <a:alpha val="15000"/>
+              </a:prstClr>
+            </a:outerShdw>
+          </a:effectLst>
+        </p:spPr>
+        <p:style>
+          <a:lnRef idx="2">
+            <a:schemeClr val="accent1">
+              <a:shade val="50000"/>
+            </a:schemeClr>
+          </a:lnRef>
+          <a:fillRef idx="1">
+            <a:schemeClr val="accent1"/>
+          </a:fillRef>
+          <a:effectRef idx="0">
+            <a:schemeClr val="accent1"/>
+          </a:effectRef>
+          <a:fontRef idx="minor">
+            <a:schemeClr val="lt1"/>
+          </a:fontRef>
+        </p:style>
+        <p:txBody>
+          <a:bodyPr rtlCol="0" anchor="ctr"/>
+          <a:lstStyle/>
+          <a:p>
+            <a:pPr algn="ctr"/>
+            <a:endParaRPr lang="en-US"/>
+          </a:p>
+        </p:txBody>
+      </p:sp>
+      <p:sp>
+        <p:nvSpPr>
+          <p:cNvPr id="3" name="Content Placeholder 2">
+            <a:extLst>
+              <a:ext uri="{FF2B5EF4-FFF2-40B4-BE49-F238E27FC236}">
+                <a16:creationId xmlns:a16="http://schemas.microsoft.com/office/drawing/2014/main" id="{46CD56CB-51F4-DFA1-6EAE-E2D3381EDD04}"/>
+              </a:ext>
+            </a:extLst>
+          </p:cNvPr>
+          <p:cNvSpPr>
+            <a:spLocks noGrp="1"/>
+          </p:cNvSpPr>
+          <p:nvPr>
+            <p:ph idx="1"/>
+          </p:nvPr>
+        </p:nvSpPr>
+        <p:spPr>
+          <a:xfrm>
+            <a:off x="793661" y="2599509"/>
+            <a:ext cx="4530898" cy="3639450"/>
+          </a:xfrm>
+        </p:spPr>
+        <p:txBody>
+          <a:bodyPr anchor="ctr">
+            <a:normAutofit/>
+          </a:bodyPr>
           <a:lstStyle/>
           <a:p>
             <a:r>
               <a:rPr lang="hu-HU" dirty="0"/>
-              <a:t>Monte-Carlo Keresés és </a:t>
-            </a:r>
+              <a:t>A* Keresés</a:t>
+            </a:r>
+          </a:p>
+          <a:p>
+            <a:r>
+              <a:rPr lang="hu-HU" dirty="0"/>
+              <a:t>IDA* Keresés</a:t>
+            </a:r>
+          </a:p>
+          <a:p>
+            <a:endParaRPr lang="hu-HU" dirty="0"/>
+          </a:p>
+          <a:p>
+            <a:r>
+              <a:rPr lang="hu-HU" dirty="0"/>
+              <a:t>Heurisztikák</a:t>
+            </a:r>
+          </a:p>
+          <a:p>
             <a:r>
               <a:rPr lang="hu-HU" dirty="0" err="1"/>
-              <a:t>elönye</a:t>
-            </a:r>
-            <a:endParaRPr lang="hu-HU" dirty="0"/>
-          </a:p>
-        </p:txBody>
-      </p:sp>
-      <p:sp>
-        <p:nvSpPr>
-          <p:cNvPr id="3" name="Content Placeholder 2">
-            <a:extLst>
-              <a:ext uri="{FF2B5EF4-FFF2-40B4-BE49-F238E27FC236}">
-                <a16:creationId xmlns:a16="http://schemas.microsoft.com/office/drawing/2014/main" id="{BA6A86A4-37C4-304B-AB49-C0940F6A854D}"/>
-              </a:ext>
-            </a:extLst>
-          </p:cNvPr>
-          <p:cNvSpPr>
-            <a:spLocks noGrp="1"/>
-          </p:cNvSpPr>
-          <p:nvPr>
-            <p:ph idx="1"/>
-          </p:nvPr>
-        </p:nvSpPr>
-        <p:spPr/>
-        <p:txBody>
-          <a:bodyPr/>
-          <a:lstStyle/>
-          <a:p>
-            <a:endParaRPr lang="hu-HU"/>
+              <a:t>Manhatten</a:t>
+            </a:r>
+            <a:r>
+              <a:rPr lang="hu-HU" dirty="0"/>
+              <a:t> távolság</a:t>
+            </a:r>
+          </a:p>
+        </p:txBody>
+      </p:sp>
+      <p:pic>
+        <p:nvPicPr>
+          <p:cNvPr id="59" name="Picture 58">
+            <a:extLst>
+              <a:ext uri="{FF2B5EF4-FFF2-40B4-BE49-F238E27FC236}">
+                <a16:creationId xmlns:a16="http://schemas.microsoft.com/office/drawing/2014/main" id="{288A3C1F-3A99-46CE-0BB3-5E1520AD6874}"/>
+              </a:ext>
+            </a:extLst>
+          </p:cNvPr>
+          <p:cNvPicPr>
+            <a:picLocks noChangeAspect="1"/>
+          </p:cNvPicPr>
+          <p:nvPr/>
+        </p:nvPicPr>
+        <p:blipFill rotWithShape="1">
+          <a:blip r:embed="rId3"/>
+          <a:srcRect l="1392" r="-2" b="-3"/>
+          <a:stretch/>
+        </p:blipFill>
+        <p:spPr>
+          <a:xfrm>
+            <a:off x="6323317" y="2250561"/>
+            <a:ext cx="4536467" cy="4173025"/>
+          </a:xfrm>
+          <a:prstGeom prst="rect">
+            <a:avLst/>
+          </a:prstGeom>
+        </p:spPr>
+      </p:pic>
+      <p:sp>
+        <p:nvSpPr>
+          <p:cNvPr id="90" name="Rectangle 89">
+            <a:extLst>
+              <a:ext uri="{FF2B5EF4-FFF2-40B4-BE49-F238E27FC236}">
+                <a16:creationId xmlns:a16="http://schemas.microsoft.com/office/drawing/2014/main" id="{E6995CE5-F890-4ABA-82A2-26507CE8D2A3}"/>
+              </a:ext>
+              <a:ext uri="{C183D7F6-B498-43B3-948B-1728B52AA6E4}">
+                <adec:decorative xmlns:adec="http://schemas.microsoft.com/office/drawing/2017/decorative" val="1"/>
+              </a:ext>
+            </a:extLst>
+          </p:cNvPr>
+          <p:cNvSpPr>
+            <a:spLocks noGrp="1" noRot="1" noChangeAspect="1" noMove="1" noResize="1" noEditPoints="1" noAdjustHandles="1" noChangeArrowheads="1" noChangeShapeType="1" noTextEdit="1"/>
+          </p:cNvSpPr>
+          <p:nvPr>
+            <p:extLst>
+              <p:ext uri="{386F3935-93C4-4BCD-93E2-E3B085C9AB24}">
+                <p16:designElem xmlns:p16="http://schemas.microsoft.com/office/powerpoint/2015/main" val="1"/>
+              </p:ext>
+            </p:extLst>
+          </p:nvPr>
+        </p:nvSpPr>
+        <p:spPr>
+          <a:xfrm rot="5400000">
+            <a:off x="11228040" y="2313027"/>
+            <a:ext cx="781700" cy="152382"/>
+          </a:xfrm>
+          <a:prstGeom prst="rect">
+            <a:avLst/>
+          </a:prstGeom>
+          <a:solidFill>
+            <a:schemeClr val="accent4"/>
+          </a:solidFill>
+          <a:ln>
+            <a:noFill/>
+          </a:ln>
+        </p:spPr>
+        <p:style>
+          <a:lnRef idx="2">
+            <a:schemeClr val="accent1">
+              <a:shade val="50000"/>
+            </a:schemeClr>
+          </a:lnRef>
+          <a:fillRef idx="1">
+            <a:schemeClr val="accent1"/>
+          </a:fillRef>
+          <a:effectRef idx="0">
+            <a:schemeClr val="accent1"/>
+          </a:effectRef>
+          <a:fontRef idx="minor">
+            <a:schemeClr val="lt1"/>
+          </a:fontRef>
+        </p:style>
+        <p:txBody>
+          <a:bodyPr rtlCol="0" anchor="ctr"/>
+          <a:lstStyle/>
+          <a:p>
+            <a:pPr algn="ctr"/>
+            <a:endParaRPr lang="en-US"/>
           </a:p>
         </p:txBody>
       </p:sp>
     </p:spTree>
     <p:extLst>
       <p:ext uri="{BB962C8B-B14F-4D97-AF65-F5344CB8AC3E}">
-        <p14:creationId xmlns:p14="http://schemas.microsoft.com/office/powerpoint/2010/main" val="2555551342"/>
+        <p14:creationId xmlns:p14="http://schemas.microsoft.com/office/powerpoint/2010/main" val="3674961929"/>
       </p:ext>
     </p:extLst>
   </p:cSld>
@@ -4508,6 +6876,14 @@
 <file path=ppt/slides/slide6.xml><?xml version="1.0" encoding="utf-8"?>
 <p:sld xmlns:a="http://schemas.openxmlformats.org/drawingml/2006/main" xmlns:r="http://schemas.openxmlformats.org/officeDocument/2006/relationships" xmlns:p="http://schemas.openxmlformats.org/presentationml/2006/main">
   <p:cSld>
+    <p:bg>
+      <p:bgPr>
+        <a:solidFill>
+          <a:schemeClr val="bg1"/>
+        </a:solidFill>
+        <a:effectLst/>
+      </p:bgPr>
+    </p:bg>
     <p:spTree>
       <p:nvGrpSpPr>
         <p:cNvPr id="1" name=""/>
@@ -4522,12 +6898,72 @@
           <a:chExt cx="0" cy="0"/>
         </a:xfrm>
       </p:grpSpPr>
+      <p:sp useBgFill="1">
+        <p:nvSpPr>
+          <p:cNvPr id="20" name="Rectangle 19">
+            <a:extLst>
+              <a:ext uri="{FF2B5EF4-FFF2-40B4-BE49-F238E27FC236}">
+                <a16:creationId xmlns:a16="http://schemas.microsoft.com/office/drawing/2014/main" id="{058A14AF-9FB5-4CC7-BA35-E8E85D3EDF0E}"/>
+              </a:ext>
+              <a:ext uri="{C183D7F6-B498-43B3-948B-1728B52AA6E4}">
+                <adec:decorative xmlns:adec="http://schemas.microsoft.com/office/drawing/2017/decorative" val="1"/>
+              </a:ext>
+            </a:extLst>
+          </p:cNvPr>
+          <p:cNvSpPr>
+            <a:spLocks noGrp="1" noRot="1" noChangeAspect="1" noMove="1" noResize="1" noEditPoints="1" noAdjustHandles="1" noChangeArrowheads="1" noChangeShapeType="1" noTextEdit="1"/>
+          </p:cNvSpPr>
+          <p:nvPr>
+            <p:extLst>
+              <p:ext uri="{386F3935-93C4-4BCD-93E2-E3B085C9AB24}">
+                <p16:designElem xmlns:p16="http://schemas.microsoft.com/office/powerpoint/2015/main" val="1"/>
+              </p:ext>
+            </p:extLst>
+          </p:nvPr>
+        </p:nvSpPr>
+        <p:spPr>
+          <a:xfrm>
+            <a:off x="0" y="0"/>
+            <a:ext cx="12191999" cy="6857365"/>
+          </a:xfrm>
+          <a:prstGeom prst="rect">
+            <a:avLst/>
+          </a:prstGeom>
+          <a:ln>
+            <a:noFill/>
+          </a:ln>
+        </p:spPr>
+        <p:style>
+          <a:lnRef idx="2">
+            <a:schemeClr val="accent1">
+              <a:shade val="50000"/>
+            </a:schemeClr>
+          </a:lnRef>
+          <a:fillRef idx="1">
+            <a:schemeClr val="accent1"/>
+          </a:fillRef>
+          <a:effectRef idx="0">
+            <a:schemeClr val="accent1"/>
+          </a:effectRef>
+          <a:fontRef idx="minor">
+            <a:schemeClr val="lt1"/>
+          </a:fontRef>
+        </p:style>
+        <p:txBody>
+          <a:bodyPr rtlCol="0" anchor="ctr"/>
+          <a:lstStyle/>
+          <a:p>
+            <a:pPr algn="ctr"/>
+            <a:endParaRPr lang="en-US"/>
+          </a:p>
+        </p:txBody>
+      </p:sp>
       <p:sp>
         <p:nvSpPr>
           <p:cNvPr id="2" name="Title 1">
             <a:extLst>
               <a:ext uri="{FF2B5EF4-FFF2-40B4-BE49-F238E27FC236}">
-                <a16:creationId xmlns:a16="http://schemas.microsoft.com/office/drawing/2014/main" id="{44DA204C-E8BE-53FA-C70B-32F31FED28FB}"/>
+                <a16:creationId xmlns:a16="http://schemas.microsoft.com/office/drawing/2014/main" id="{5404527C-C0D9-CA14-2F77-D83A52B5CB27}"/>
               </a:ext>
             </a:extLst>
           </p:cNvPr>
@@ -4538,47 +6974,308 @@
             <p:ph type="title"/>
           </p:nvPr>
         </p:nvSpPr>
-        <p:spPr/>
-        <p:txBody>
-          <a:bodyPr/>
+        <p:spPr>
+          <a:xfrm>
+            <a:off x="793662" y="386930"/>
+            <a:ext cx="10066122" cy="1298448"/>
+          </a:xfrm>
+        </p:spPr>
+        <p:txBody>
+          <a:bodyPr anchor="b">
+            <a:normAutofit/>
+          </a:bodyPr>
+          <a:lstStyle/>
+          <a:p>
+            <a:r>
+              <a:rPr lang="hu-HU" sz="4800"/>
+              <a:t>Monte-Carlo Keresés és előnye</a:t>
+            </a:r>
+          </a:p>
+        </p:txBody>
+      </p:sp>
+      <p:sp>
+        <p:nvSpPr>
+          <p:cNvPr id="22" name="Rectangle 21">
+            <a:extLst>
+              <a:ext uri="{FF2B5EF4-FFF2-40B4-BE49-F238E27FC236}">
+                <a16:creationId xmlns:a16="http://schemas.microsoft.com/office/drawing/2014/main" id="{3A9A4357-BD1D-4622-A4FE-766E6AB8DE84}"/>
+              </a:ext>
+              <a:ext uri="{C183D7F6-B498-43B3-948B-1728B52AA6E4}">
+                <adec:decorative xmlns:adec="http://schemas.microsoft.com/office/drawing/2017/decorative" val="1"/>
+              </a:ext>
+            </a:extLst>
+          </p:cNvPr>
+          <p:cNvSpPr>
+            <a:spLocks noGrp="1" noRot="1" noChangeAspect="1" noMove="1" noResize="1" noEditPoints="1" noAdjustHandles="1" noChangeArrowheads="1" noChangeShapeType="1" noTextEdit="1"/>
+          </p:cNvSpPr>
+          <p:nvPr>
+            <p:extLst>
+              <p:ext uri="{386F3935-93C4-4BCD-93E2-E3B085C9AB24}">
+                <p16:designElem xmlns:p16="http://schemas.microsoft.com/office/powerpoint/2015/main" val="1"/>
+              </p:ext>
+            </p:extLst>
+          </p:nvPr>
+        </p:nvSpPr>
+        <p:spPr>
+          <a:xfrm flipH="1" flipV="1">
+            <a:off x="-2" y="1998845"/>
+            <a:ext cx="11454595" cy="781699"/>
+          </a:xfrm>
+          <a:prstGeom prst="rect">
+            <a:avLst/>
+          </a:prstGeom>
+          <a:solidFill>
+            <a:schemeClr val="accent4"/>
+          </a:solidFill>
+          <a:ln>
+            <a:noFill/>
+          </a:ln>
+        </p:spPr>
+        <p:style>
+          <a:lnRef idx="2">
+            <a:schemeClr val="accent1">
+              <a:shade val="50000"/>
+            </a:schemeClr>
+          </a:lnRef>
+          <a:fillRef idx="1">
+            <a:schemeClr val="accent1"/>
+          </a:fillRef>
+          <a:effectRef idx="0">
+            <a:schemeClr val="accent1"/>
+          </a:effectRef>
+          <a:fontRef idx="minor">
+            <a:schemeClr val="lt1"/>
+          </a:fontRef>
+        </p:style>
+        <p:txBody>
+          <a:bodyPr rtlCol="0" anchor="ctr"/>
+          <a:lstStyle/>
+          <a:p>
+            <a:pPr algn="ctr"/>
+            <a:endParaRPr lang="en-US"/>
+          </a:p>
+        </p:txBody>
+      </p:sp>
+      <p:sp>
+        <p:nvSpPr>
+          <p:cNvPr id="24" name="Rectangle 23">
+            <a:extLst>
+              <a:ext uri="{FF2B5EF4-FFF2-40B4-BE49-F238E27FC236}">
+                <a16:creationId xmlns:a16="http://schemas.microsoft.com/office/drawing/2014/main" id="{E659831F-0D9A-4C63-9EBB-8435B85A440F}"/>
+              </a:ext>
+              <a:ext uri="{C183D7F6-B498-43B3-948B-1728B52AA6E4}">
+                <adec:decorative xmlns:adec="http://schemas.microsoft.com/office/drawing/2017/decorative" val="1"/>
+              </a:ext>
+            </a:extLst>
+          </p:cNvPr>
+          <p:cNvSpPr>
+            <a:spLocks noGrp="1" noRot="1" noChangeAspect="1" noMove="1" noResize="1" noEditPoints="1" noAdjustHandles="1" noChangeArrowheads="1" noChangeShapeType="1" noTextEdit="1"/>
+          </p:cNvSpPr>
+          <p:nvPr>
+            <p:extLst>
+              <p:ext uri="{386F3935-93C4-4BCD-93E2-E3B085C9AB24}">
+                <p16:designElem xmlns:p16="http://schemas.microsoft.com/office/powerpoint/2015/main" val="1"/>
+              </p:ext>
+            </p:extLst>
+          </p:nvPr>
+        </p:nvSpPr>
+        <p:spPr>
+          <a:xfrm>
+            <a:off x="0" y="2203079"/>
+            <a:ext cx="11383362" cy="4267991"/>
+          </a:xfrm>
+          <a:prstGeom prst="rect">
+            <a:avLst/>
+          </a:prstGeom>
+          <a:solidFill>
+            <a:schemeClr val="bg1"/>
+          </a:solidFill>
+          <a:ln>
+            <a:noFill/>
+          </a:ln>
+          <a:effectLst>
+            <a:outerShdw blurRad="139700" dist="127000" dir="5400000" algn="t" rotWithShape="0">
+              <a:prstClr val="black">
+                <a:alpha val="15000"/>
+              </a:prstClr>
+            </a:outerShdw>
+          </a:effectLst>
+        </p:spPr>
+        <p:style>
+          <a:lnRef idx="2">
+            <a:schemeClr val="accent1">
+              <a:shade val="50000"/>
+            </a:schemeClr>
+          </a:lnRef>
+          <a:fillRef idx="1">
+            <a:schemeClr val="accent1"/>
+          </a:fillRef>
+          <a:effectRef idx="0">
+            <a:schemeClr val="accent1"/>
+          </a:effectRef>
+          <a:fontRef idx="minor">
+            <a:schemeClr val="lt1"/>
+          </a:fontRef>
+        </p:style>
+        <p:txBody>
+          <a:bodyPr rtlCol="0" anchor="ctr"/>
+          <a:lstStyle/>
+          <a:p>
+            <a:pPr algn="ctr"/>
+            <a:endParaRPr lang="en-US"/>
+          </a:p>
+        </p:txBody>
+      </p:sp>
+      <p:sp>
+        <p:nvSpPr>
+          <p:cNvPr id="3" name="Content Placeholder 2">
+            <a:extLst>
+              <a:ext uri="{FF2B5EF4-FFF2-40B4-BE49-F238E27FC236}">
+                <a16:creationId xmlns:a16="http://schemas.microsoft.com/office/drawing/2014/main" id="{BA6A86A4-37C4-304B-AB49-C0940F6A854D}"/>
+              </a:ext>
+            </a:extLst>
+          </p:cNvPr>
+          <p:cNvSpPr>
+            <a:spLocks noGrp="1"/>
+          </p:cNvSpPr>
+          <p:nvPr>
+            <p:ph idx="1"/>
+          </p:nvPr>
+        </p:nvSpPr>
+        <p:spPr>
+          <a:xfrm>
+            <a:off x="793661" y="2599509"/>
+            <a:ext cx="4530898" cy="3639450"/>
+          </a:xfrm>
+        </p:spPr>
+        <p:txBody>
+          <a:bodyPr anchor="ctr">
+            <a:normAutofit/>
+          </a:bodyPr>
           <a:lstStyle/>
           <a:p>
             <a:r>
               <a:rPr lang="hu-HU" dirty="0"/>
-              <a:t>Eredmények</a:t>
-            </a:r>
-          </a:p>
-        </p:txBody>
-      </p:sp>
-      <p:sp>
-        <p:nvSpPr>
-          <p:cNvPr id="3" name="Content Placeholder 2">
-            <a:extLst>
-              <a:ext uri="{FF2B5EF4-FFF2-40B4-BE49-F238E27FC236}">
-                <a16:creationId xmlns:a16="http://schemas.microsoft.com/office/drawing/2014/main" id="{8780E17E-5F4B-D48E-9BF5-8F5176C1024D}"/>
-              </a:ext>
-            </a:extLst>
-          </p:cNvPr>
-          <p:cNvSpPr>
-            <a:spLocks noGrp="1"/>
-          </p:cNvSpPr>
-          <p:nvPr>
-            <p:ph idx="1"/>
-          </p:nvPr>
-        </p:nvSpPr>
-        <p:spPr/>
-        <p:txBody>
-          <a:bodyPr/>
-          <a:lstStyle/>
-          <a:p>
-            <a:endParaRPr lang="hu-HU"/>
+              <a:t>Kiválasztás</a:t>
+            </a:r>
+          </a:p>
+          <a:p>
+            <a:r>
+              <a:rPr lang="hu-HU" dirty="0"/>
+              <a:t>Szimuláció</a:t>
+            </a:r>
+          </a:p>
+          <a:p>
+            <a:r>
+              <a:rPr lang="hu-HU" dirty="0"/>
+              <a:t>Kiterjesztés</a:t>
+            </a:r>
+          </a:p>
+          <a:p>
+            <a:r>
+              <a:rPr lang="hu-HU" dirty="0"/>
+              <a:t>Visszaterjesztés</a:t>
+            </a:r>
+          </a:p>
+        </p:txBody>
+      </p:sp>
+      <p:pic>
+        <p:nvPicPr>
+          <p:cNvPr id="4" name="Picture 3">
+            <a:extLst>
+              <a:ext uri="{FF2B5EF4-FFF2-40B4-BE49-F238E27FC236}">
+                <a16:creationId xmlns:a16="http://schemas.microsoft.com/office/drawing/2014/main" id="{A3275878-26BD-4569-7764-CFE51CD46FF6}"/>
+              </a:ext>
+            </a:extLst>
+          </p:cNvPr>
+          <p:cNvPicPr>
+            <a:picLocks noChangeAspect="1"/>
+          </p:cNvPicPr>
+          <p:nvPr/>
+        </p:nvPicPr>
+        <p:blipFill>
+          <a:blip r:embed="rId3"/>
+          <a:stretch>
+            <a:fillRect/>
+          </a:stretch>
+        </p:blipFill>
+        <p:spPr>
+          <a:xfrm>
+            <a:off x="4573362" y="3060705"/>
+            <a:ext cx="6630487" cy="2552737"/>
+          </a:xfrm>
+          <a:prstGeom prst="rect">
+            <a:avLst/>
+          </a:prstGeom>
+        </p:spPr>
+      </p:pic>
+      <p:sp>
+        <p:nvSpPr>
+          <p:cNvPr id="26" name="Rectangle 25">
+            <a:extLst>
+              <a:ext uri="{FF2B5EF4-FFF2-40B4-BE49-F238E27FC236}">
+                <a16:creationId xmlns:a16="http://schemas.microsoft.com/office/drawing/2014/main" id="{E6995CE5-F890-4ABA-82A2-26507CE8D2A3}"/>
+              </a:ext>
+              <a:ext uri="{C183D7F6-B498-43B3-948B-1728B52AA6E4}">
+                <adec:decorative xmlns:adec="http://schemas.microsoft.com/office/drawing/2017/decorative" val="1"/>
+              </a:ext>
+            </a:extLst>
+          </p:cNvPr>
+          <p:cNvSpPr>
+            <a:spLocks noGrp="1" noRot="1" noChangeAspect="1" noMove="1" noResize="1" noEditPoints="1" noAdjustHandles="1" noChangeArrowheads="1" noChangeShapeType="1" noTextEdit="1"/>
+          </p:cNvSpPr>
+          <p:nvPr>
+            <p:extLst>
+              <p:ext uri="{386F3935-93C4-4BCD-93E2-E3B085C9AB24}">
+                <p16:designElem xmlns:p16="http://schemas.microsoft.com/office/powerpoint/2015/main" val="1"/>
+              </p:ext>
+            </p:extLst>
+          </p:nvPr>
+        </p:nvSpPr>
+        <p:spPr>
+          <a:xfrm rot="5400000">
+            <a:off x="11228040" y="2313027"/>
+            <a:ext cx="781700" cy="152382"/>
+          </a:xfrm>
+          <a:prstGeom prst="rect">
+            <a:avLst/>
+          </a:prstGeom>
+          <a:solidFill>
+            <a:schemeClr val="accent4"/>
+          </a:solidFill>
+          <a:ln>
+            <a:noFill/>
+          </a:ln>
+        </p:spPr>
+        <p:style>
+          <a:lnRef idx="2">
+            <a:schemeClr val="accent1">
+              <a:shade val="50000"/>
+            </a:schemeClr>
+          </a:lnRef>
+          <a:fillRef idx="1">
+            <a:schemeClr val="accent1"/>
+          </a:fillRef>
+          <a:effectRef idx="0">
+            <a:schemeClr val="accent1"/>
+          </a:effectRef>
+          <a:fontRef idx="minor">
+            <a:schemeClr val="lt1"/>
+          </a:fontRef>
+        </p:style>
+        <p:txBody>
+          <a:bodyPr rtlCol="0" anchor="ctr"/>
+          <a:lstStyle/>
+          <a:p>
+            <a:pPr algn="ctr"/>
+            <a:endParaRPr lang="en-US"/>
           </a:p>
         </p:txBody>
       </p:sp>
     </p:spTree>
     <p:extLst>
       <p:ext uri="{BB962C8B-B14F-4D97-AF65-F5344CB8AC3E}">
-        <p14:creationId xmlns:p14="http://schemas.microsoft.com/office/powerpoint/2010/main" val="764716799"/>
+        <p14:creationId xmlns:p14="http://schemas.microsoft.com/office/powerpoint/2010/main" val="2555551342"/>
       </p:ext>
     </p:extLst>
   </p:cSld>
@@ -4610,6 +7307,109 @@
           <p:cNvPr id="2" name="Title 1">
             <a:extLst>
               <a:ext uri="{FF2B5EF4-FFF2-40B4-BE49-F238E27FC236}">
+                <a16:creationId xmlns:a16="http://schemas.microsoft.com/office/drawing/2014/main" id="{44DA204C-E8BE-53FA-C70B-32F31FED28FB}"/>
+              </a:ext>
+            </a:extLst>
+          </p:cNvPr>
+          <p:cNvSpPr>
+            <a:spLocks noGrp="1"/>
+          </p:cNvSpPr>
+          <p:nvPr>
+            <p:ph type="title"/>
+          </p:nvPr>
+        </p:nvSpPr>
+        <p:spPr/>
+        <p:txBody>
+          <a:bodyPr/>
+          <a:lstStyle/>
+          <a:p>
+            <a:r>
+              <a:rPr lang="hu-HU" dirty="0" err="1"/>
+              <a:t>Single-Player</a:t>
+            </a:r>
+            <a:r>
+              <a:rPr lang="hu-HU" dirty="0"/>
+              <a:t> Monte-Carlo </a:t>
+            </a:r>
+            <a:r>
+              <a:rPr lang="hu-HU" dirty="0" err="1"/>
+              <a:t>Tree</a:t>
+            </a:r>
+            <a:r>
+              <a:rPr lang="hu-HU" dirty="0"/>
+              <a:t> </a:t>
+            </a:r>
+            <a:r>
+              <a:rPr lang="hu-HU" dirty="0" err="1"/>
+              <a:t>Search</a:t>
+            </a:r>
+            <a:endParaRPr lang="hu-HU" dirty="0"/>
+          </a:p>
+        </p:txBody>
+      </p:sp>
+      <p:sp>
+        <p:nvSpPr>
+          <p:cNvPr id="3" name="Content Placeholder 2">
+            <a:extLst>
+              <a:ext uri="{FF2B5EF4-FFF2-40B4-BE49-F238E27FC236}">
+                <a16:creationId xmlns:a16="http://schemas.microsoft.com/office/drawing/2014/main" id="{8780E17E-5F4B-D48E-9BF5-8F5176C1024D}"/>
+              </a:ext>
+            </a:extLst>
+          </p:cNvPr>
+          <p:cNvSpPr>
+            <a:spLocks noGrp="1"/>
+          </p:cNvSpPr>
+          <p:nvPr>
+            <p:ph idx="1"/>
+          </p:nvPr>
+        </p:nvSpPr>
+        <p:spPr/>
+        <p:txBody>
+          <a:bodyPr/>
+          <a:lstStyle/>
+          <a:p>
+            <a:r>
+              <a:rPr lang="hu-HU" dirty="0"/>
+              <a:t>Kiválasztás</a:t>
+            </a:r>
+          </a:p>
+        </p:txBody>
+      </p:sp>
+    </p:spTree>
+    <p:extLst>
+      <p:ext uri="{BB962C8B-B14F-4D97-AF65-F5344CB8AC3E}">
+        <p14:creationId xmlns:p14="http://schemas.microsoft.com/office/powerpoint/2010/main" val="764716799"/>
+      </p:ext>
+    </p:extLst>
+  </p:cSld>
+  <p:clrMapOvr>
+    <a:masterClrMapping/>
+  </p:clrMapOvr>
+</p:sld>
+</file>
+
+<file path=ppt/slides/slide8.xml><?xml version="1.0" encoding="utf-8"?>
+<p:sld xmlns:a="http://schemas.openxmlformats.org/drawingml/2006/main" xmlns:r="http://schemas.openxmlformats.org/officeDocument/2006/relationships" xmlns:p="http://schemas.openxmlformats.org/presentationml/2006/main">
+  <p:cSld>
+    <p:spTree>
+      <p:nvGrpSpPr>
+        <p:cNvPr id="1" name=""/>
+        <p:cNvGrpSpPr/>
+        <p:nvPr/>
+      </p:nvGrpSpPr>
+      <p:grpSpPr>
+        <a:xfrm>
+          <a:off x="0" y="0"/>
+          <a:ext cx="0" cy="0"/>
+          <a:chOff x="0" y="0"/>
+          <a:chExt cx="0" cy="0"/>
+        </a:xfrm>
+      </p:grpSpPr>
+      <p:sp>
+        <p:nvSpPr>
+          <p:cNvPr id="2" name="Title 1">
+            <a:extLst>
+              <a:ext uri="{FF2B5EF4-FFF2-40B4-BE49-F238E27FC236}">
                 <a16:creationId xmlns:a16="http://schemas.microsoft.com/office/drawing/2014/main" id="{7C17DE99-B482-F3A4-9D24-B4E6086CBB41}"/>
               </a:ext>
             </a:extLst>
@@ -4654,7 +7454,16 @@
           <a:bodyPr/>
           <a:lstStyle/>
           <a:p>
-            <a:endParaRPr lang="hu-HU"/>
+            <a:r>
+              <a:rPr lang="hu-HU" dirty="0"/>
+              <a:t>Keresős algoritmusok kipróbálása</a:t>
+            </a:r>
+          </a:p>
+          <a:p>
+            <a:r>
+              <a:rPr lang="hu-HU" dirty="0"/>
+              <a:t>Pálya generálása algoritmus alapján</a:t>
+            </a:r>
           </a:p>
         </p:txBody>
       </p:sp>

--- a/Documents/Bemutató.pptx
+++ b/Documents/Bemutató.pptx
@@ -5,7 +5,7 @@
     <p:sldMasterId id="2147483648" r:id="rId1"/>
   </p:sldMasterIdLst>
   <p:notesMasterIdLst>
-    <p:notesMasterId r:id="rId10"/>
+    <p:notesMasterId r:id="rId15"/>
   </p:notesMasterIdLst>
   <p:sldIdLst>
     <p:sldId id="256" r:id="rId2"/>
@@ -15,7 +15,12 @@
     <p:sldId id="258" r:id="rId6"/>
     <p:sldId id="261" r:id="rId7"/>
     <p:sldId id="262" r:id="rId8"/>
-    <p:sldId id="260" r:id="rId9"/>
+    <p:sldId id="265" r:id="rId9"/>
+    <p:sldId id="266" r:id="rId10"/>
+    <p:sldId id="264" r:id="rId11"/>
+    <p:sldId id="267" r:id="rId12"/>
+    <p:sldId id="260" r:id="rId13"/>
+    <p:sldId id="268" r:id="rId14"/>
   </p:sldIdLst>
   <p:sldSz cx="12192000" cy="6858000"/>
   <p:notesSz cx="6858000" cy="9144000"/>
@@ -114,7 +119,2536 @@
       </a:defRPr>
     </a:lvl9pPr>
   </p:defaultTextStyle>
+  <p:extLst>
+    <p:ext uri="{EFAFB233-063F-42B5-8137-9DF3F51BA10A}">
+      <p15:sldGuideLst xmlns:p15="http://schemas.microsoft.com/office/powerpoint/2012/main"/>
+    </p:ext>
+  </p:extLst>
 </p:presentation>
+</file>
+
+<file path=ppt/diagrams/colors1.xml><?xml version="1.0" encoding="utf-8"?>
+<dgm:colorsDef xmlns:dgm="http://schemas.openxmlformats.org/drawingml/2006/diagram" xmlns:a="http://schemas.openxmlformats.org/drawingml/2006/main" uniqueId="urn:microsoft.com/office/officeart/2005/8/colors/accent1_2">
+  <dgm:title val=""/>
+  <dgm:desc val=""/>
+  <dgm:catLst>
+    <dgm:cat type="accent1" pri="11200"/>
+  </dgm:catLst>
+  <dgm:styleLbl name="node0">
+    <dgm:fillClrLst meth="repeat">
+      <a:schemeClr val="accent1"/>
+    </dgm:fillClrLst>
+    <dgm:linClrLst meth="repeat">
+      <a:schemeClr val="lt1"/>
+    </dgm:linClrLst>
+    <dgm:effectClrLst/>
+    <dgm:txLinClrLst/>
+    <dgm:txFillClrLst/>
+    <dgm:txEffectClrLst/>
+  </dgm:styleLbl>
+  <dgm:styleLbl name="alignNode1">
+    <dgm:fillClrLst meth="repeat">
+      <a:schemeClr val="accent1"/>
+    </dgm:fillClrLst>
+    <dgm:linClrLst meth="repeat">
+      <a:schemeClr val="accent1"/>
+    </dgm:linClrLst>
+    <dgm:effectClrLst/>
+    <dgm:txLinClrLst/>
+    <dgm:txFillClrLst/>
+    <dgm:txEffectClrLst/>
+  </dgm:styleLbl>
+  <dgm:styleLbl name="node1">
+    <dgm:fillClrLst meth="repeat">
+      <a:schemeClr val="accent1"/>
+    </dgm:fillClrLst>
+    <dgm:linClrLst meth="repeat">
+      <a:schemeClr val="lt1"/>
+    </dgm:linClrLst>
+    <dgm:effectClrLst/>
+    <dgm:txLinClrLst/>
+    <dgm:txFillClrLst/>
+    <dgm:txEffectClrLst/>
+  </dgm:styleLbl>
+  <dgm:styleLbl name="lnNode1">
+    <dgm:fillClrLst meth="repeat">
+      <a:schemeClr val="accent1"/>
+    </dgm:fillClrLst>
+    <dgm:linClrLst meth="repeat">
+      <a:schemeClr val="lt1"/>
+    </dgm:linClrLst>
+    <dgm:effectClrLst/>
+    <dgm:txLinClrLst/>
+    <dgm:txFillClrLst/>
+    <dgm:txEffectClrLst/>
+  </dgm:styleLbl>
+  <dgm:styleLbl name="vennNode1">
+    <dgm:fillClrLst meth="repeat">
+      <a:schemeClr val="accent1">
+        <a:alpha val="50000"/>
+      </a:schemeClr>
+    </dgm:fillClrLst>
+    <dgm:linClrLst meth="repeat">
+      <a:schemeClr val="lt1"/>
+    </dgm:linClrLst>
+    <dgm:effectClrLst/>
+    <dgm:txLinClrLst/>
+    <dgm:txFillClrLst/>
+    <dgm:txEffectClrLst/>
+  </dgm:styleLbl>
+  <dgm:styleLbl name="node2">
+    <dgm:fillClrLst meth="repeat">
+      <a:schemeClr val="accent1"/>
+    </dgm:fillClrLst>
+    <dgm:linClrLst meth="repeat">
+      <a:schemeClr val="lt1"/>
+    </dgm:linClrLst>
+    <dgm:effectClrLst/>
+    <dgm:txLinClrLst/>
+    <dgm:txFillClrLst/>
+    <dgm:txEffectClrLst/>
+  </dgm:styleLbl>
+  <dgm:styleLbl name="node3">
+    <dgm:fillClrLst meth="repeat">
+      <a:schemeClr val="accent1"/>
+    </dgm:fillClrLst>
+    <dgm:linClrLst meth="repeat">
+      <a:schemeClr val="lt1"/>
+    </dgm:linClrLst>
+    <dgm:effectClrLst/>
+    <dgm:txLinClrLst/>
+    <dgm:txFillClrLst/>
+    <dgm:txEffectClrLst/>
+  </dgm:styleLbl>
+  <dgm:styleLbl name="node4">
+    <dgm:fillClrLst meth="repeat">
+      <a:schemeClr val="accent1"/>
+    </dgm:fillClrLst>
+    <dgm:linClrLst meth="repeat">
+      <a:schemeClr val="lt1"/>
+    </dgm:linClrLst>
+    <dgm:effectClrLst/>
+    <dgm:txLinClrLst/>
+    <dgm:txFillClrLst/>
+    <dgm:txEffectClrLst/>
+  </dgm:styleLbl>
+  <dgm:styleLbl name="fgImgPlace1">
+    <dgm:fillClrLst meth="repeat">
+      <a:schemeClr val="accent1">
+        <a:tint val="50000"/>
+      </a:schemeClr>
+    </dgm:fillClrLst>
+    <dgm:linClrLst meth="repeat">
+      <a:schemeClr val="lt1"/>
+    </dgm:linClrLst>
+    <dgm:effectClrLst/>
+    <dgm:txLinClrLst/>
+    <dgm:txFillClrLst meth="repeat">
+      <a:schemeClr val="lt1"/>
+    </dgm:txFillClrLst>
+    <dgm:txEffectClrLst/>
+  </dgm:styleLbl>
+  <dgm:styleLbl name="alignImgPlace1">
+    <dgm:fillClrLst meth="repeat">
+      <a:schemeClr val="accent1">
+        <a:tint val="50000"/>
+      </a:schemeClr>
+    </dgm:fillClrLst>
+    <dgm:linClrLst meth="repeat">
+      <a:schemeClr val="lt1"/>
+    </dgm:linClrLst>
+    <dgm:effectClrLst/>
+    <dgm:txLinClrLst/>
+    <dgm:txFillClrLst meth="repeat">
+      <a:schemeClr val="lt1"/>
+    </dgm:txFillClrLst>
+    <dgm:txEffectClrLst/>
+  </dgm:styleLbl>
+  <dgm:styleLbl name="bgImgPlace1">
+    <dgm:fillClrLst meth="repeat">
+      <a:schemeClr val="accent1">
+        <a:tint val="50000"/>
+      </a:schemeClr>
+    </dgm:fillClrLst>
+    <dgm:linClrLst meth="repeat">
+      <a:schemeClr val="lt1"/>
+    </dgm:linClrLst>
+    <dgm:effectClrLst/>
+    <dgm:txLinClrLst/>
+    <dgm:txFillClrLst meth="repeat">
+      <a:schemeClr val="lt1"/>
+    </dgm:txFillClrLst>
+    <dgm:txEffectClrLst/>
+  </dgm:styleLbl>
+  <dgm:styleLbl name="sibTrans2D1">
+    <dgm:fillClrLst meth="repeat">
+      <a:schemeClr val="accent1">
+        <a:tint val="60000"/>
+      </a:schemeClr>
+    </dgm:fillClrLst>
+    <dgm:linClrLst meth="repeat">
+      <a:schemeClr val="accent1">
+        <a:tint val="60000"/>
+      </a:schemeClr>
+    </dgm:linClrLst>
+    <dgm:effectClrLst/>
+    <dgm:txLinClrLst/>
+    <dgm:txFillClrLst/>
+    <dgm:txEffectClrLst/>
+  </dgm:styleLbl>
+  <dgm:styleLbl name="fgSibTrans2D1">
+    <dgm:fillClrLst meth="repeat">
+      <a:schemeClr val="accent1">
+        <a:tint val="60000"/>
+      </a:schemeClr>
+    </dgm:fillClrLst>
+    <dgm:linClrLst meth="repeat">
+      <a:schemeClr val="accent1">
+        <a:tint val="60000"/>
+      </a:schemeClr>
+    </dgm:linClrLst>
+    <dgm:effectClrLst/>
+    <dgm:txLinClrLst/>
+    <dgm:txFillClrLst/>
+    <dgm:txEffectClrLst/>
+  </dgm:styleLbl>
+  <dgm:styleLbl name="bgSibTrans2D1">
+    <dgm:fillClrLst meth="repeat">
+      <a:schemeClr val="accent1">
+        <a:tint val="60000"/>
+      </a:schemeClr>
+    </dgm:fillClrLst>
+    <dgm:linClrLst meth="repeat">
+      <a:schemeClr val="accent1">
+        <a:tint val="60000"/>
+      </a:schemeClr>
+    </dgm:linClrLst>
+    <dgm:effectClrLst/>
+    <dgm:txLinClrLst/>
+    <dgm:txFillClrLst/>
+    <dgm:txEffectClrLst/>
+  </dgm:styleLbl>
+  <dgm:styleLbl name="sibTrans1D1">
+    <dgm:fillClrLst meth="repeat">
+      <a:schemeClr val="accent1"/>
+    </dgm:fillClrLst>
+    <dgm:linClrLst meth="repeat">
+      <a:schemeClr val="accent1"/>
+    </dgm:linClrLst>
+    <dgm:effectClrLst/>
+    <dgm:txLinClrLst/>
+    <dgm:txFillClrLst meth="repeat">
+      <a:schemeClr val="tx1"/>
+    </dgm:txFillClrLst>
+    <dgm:txEffectClrLst/>
+  </dgm:styleLbl>
+  <dgm:styleLbl name="callout">
+    <dgm:fillClrLst meth="repeat">
+      <a:schemeClr val="accent1"/>
+    </dgm:fillClrLst>
+    <dgm:linClrLst meth="repeat">
+      <a:schemeClr val="accent1">
+        <a:tint val="50000"/>
+      </a:schemeClr>
+    </dgm:linClrLst>
+    <dgm:effectClrLst/>
+    <dgm:txLinClrLst/>
+    <dgm:txFillClrLst meth="repeat">
+      <a:schemeClr val="tx1"/>
+    </dgm:txFillClrLst>
+    <dgm:txEffectClrLst/>
+  </dgm:styleLbl>
+  <dgm:styleLbl name="asst0">
+    <dgm:fillClrLst meth="repeat">
+      <a:schemeClr val="accent1"/>
+    </dgm:fillClrLst>
+    <dgm:linClrLst meth="repeat">
+      <a:schemeClr val="lt1"/>
+    </dgm:linClrLst>
+    <dgm:effectClrLst/>
+    <dgm:txLinClrLst/>
+    <dgm:txFillClrLst/>
+    <dgm:txEffectClrLst/>
+  </dgm:styleLbl>
+  <dgm:styleLbl name="asst1">
+    <dgm:fillClrLst meth="repeat">
+      <a:schemeClr val="accent1"/>
+    </dgm:fillClrLst>
+    <dgm:linClrLst meth="repeat">
+      <a:schemeClr val="lt1"/>
+    </dgm:linClrLst>
+    <dgm:effectClrLst/>
+    <dgm:txLinClrLst/>
+    <dgm:txFillClrLst/>
+    <dgm:txEffectClrLst/>
+  </dgm:styleLbl>
+  <dgm:styleLbl name="asst2">
+    <dgm:fillClrLst meth="repeat">
+      <a:schemeClr val="accent1"/>
+    </dgm:fillClrLst>
+    <dgm:linClrLst meth="repeat">
+      <a:schemeClr val="lt1"/>
+    </dgm:linClrLst>
+    <dgm:effectClrLst/>
+    <dgm:txLinClrLst/>
+    <dgm:txFillClrLst/>
+    <dgm:txEffectClrLst/>
+  </dgm:styleLbl>
+  <dgm:styleLbl name="asst3">
+    <dgm:fillClrLst meth="repeat">
+      <a:schemeClr val="accent1"/>
+    </dgm:fillClrLst>
+    <dgm:linClrLst meth="repeat">
+      <a:schemeClr val="lt1"/>
+    </dgm:linClrLst>
+    <dgm:effectClrLst/>
+    <dgm:txLinClrLst/>
+    <dgm:txFillClrLst/>
+    <dgm:txEffectClrLst/>
+  </dgm:styleLbl>
+  <dgm:styleLbl name="asst4">
+    <dgm:fillClrLst meth="repeat">
+      <a:schemeClr val="accent1"/>
+    </dgm:fillClrLst>
+    <dgm:linClrLst meth="repeat">
+      <a:schemeClr val="lt1"/>
+    </dgm:linClrLst>
+    <dgm:effectClrLst/>
+    <dgm:txLinClrLst/>
+    <dgm:txFillClrLst/>
+    <dgm:txEffectClrLst/>
+  </dgm:styleLbl>
+  <dgm:styleLbl name="parChTrans2D1">
+    <dgm:fillClrLst meth="repeat">
+      <a:schemeClr val="accent1">
+        <a:tint val="60000"/>
+      </a:schemeClr>
+    </dgm:fillClrLst>
+    <dgm:linClrLst meth="repeat">
+      <a:schemeClr val="accent1">
+        <a:tint val="60000"/>
+      </a:schemeClr>
+    </dgm:linClrLst>
+    <dgm:effectClrLst/>
+    <dgm:txLinClrLst/>
+    <dgm:txFillClrLst meth="repeat">
+      <a:schemeClr val="lt1"/>
+    </dgm:txFillClrLst>
+    <dgm:txEffectClrLst/>
+  </dgm:styleLbl>
+  <dgm:styleLbl name="parChTrans2D2">
+    <dgm:fillClrLst meth="repeat">
+      <a:schemeClr val="accent1"/>
+    </dgm:fillClrLst>
+    <dgm:linClrLst meth="repeat">
+      <a:schemeClr val="accent1"/>
+    </dgm:linClrLst>
+    <dgm:effectClrLst/>
+    <dgm:txLinClrLst/>
+    <dgm:txFillClrLst meth="repeat">
+      <a:schemeClr val="lt1"/>
+    </dgm:txFillClrLst>
+    <dgm:txEffectClrLst/>
+  </dgm:styleLbl>
+  <dgm:styleLbl name="parChTrans2D3">
+    <dgm:fillClrLst meth="repeat">
+      <a:schemeClr val="accent1"/>
+    </dgm:fillClrLst>
+    <dgm:linClrLst meth="repeat">
+      <a:schemeClr val="accent1"/>
+    </dgm:linClrLst>
+    <dgm:effectClrLst/>
+    <dgm:txLinClrLst/>
+    <dgm:txFillClrLst meth="repeat">
+      <a:schemeClr val="lt1"/>
+    </dgm:txFillClrLst>
+    <dgm:txEffectClrLst/>
+  </dgm:styleLbl>
+  <dgm:styleLbl name="parChTrans2D4">
+    <dgm:fillClrLst meth="repeat">
+      <a:schemeClr val="accent1"/>
+    </dgm:fillClrLst>
+    <dgm:linClrLst meth="repeat">
+      <a:schemeClr val="accent1"/>
+    </dgm:linClrLst>
+    <dgm:effectClrLst/>
+    <dgm:txLinClrLst/>
+    <dgm:txFillClrLst meth="repeat">
+      <a:schemeClr val="lt1"/>
+    </dgm:txFillClrLst>
+    <dgm:txEffectClrLst/>
+  </dgm:styleLbl>
+  <dgm:styleLbl name="parChTrans1D1">
+    <dgm:fillClrLst meth="repeat">
+      <a:schemeClr val="accent1"/>
+    </dgm:fillClrLst>
+    <dgm:linClrLst meth="repeat">
+      <a:schemeClr val="accent1">
+        <a:shade val="60000"/>
+      </a:schemeClr>
+    </dgm:linClrLst>
+    <dgm:effectClrLst/>
+    <dgm:txLinClrLst/>
+    <dgm:txFillClrLst meth="repeat">
+      <a:schemeClr val="tx1"/>
+    </dgm:txFillClrLst>
+    <dgm:txEffectClrLst/>
+  </dgm:styleLbl>
+  <dgm:styleLbl name="parChTrans1D2">
+    <dgm:fillClrLst meth="repeat">
+      <a:schemeClr val="accent1"/>
+    </dgm:fillClrLst>
+    <dgm:linClrLst meth="repeat">
+      <a:schemeClr val="accent1">
+        <a:shade val="60000"/>
+      </a:schemeClr>
+    </dgm:linClrLst>
+    <dgm:effectClrLst/>
+    <dgm:txLinClrLst/>
+    <dgm:txFillClrLst meth="repeat">
+      <a:schemeClr val="tx1"/>
+    </dgm:txFillClrLst>
+    <dgm:txEffectClrLst/>
+  </dgm:styleLbl>
+  <dgm:styleLbl name="parChTrans1D3">
+    <dgm:fillClrLst meth="repeat">
+      <a:schemeClr val="accent1"/>
+    </dgm:fillClrLst>
+    <dgm:linClrLst meth="repeat">
+      <a:schemeClr val="accent1">
+        <a:shade val="80000"/>
+      </a:schemeClr>
+    </dgm:linClrLst>
+    <dgm:effectClrLst/>
+    <dgm:txLinClrLst/>
+    <dgm:txFillClrLst meth="repeat">
+      <a:schemeClr val="tx1"/>
+    </dgm:txFillClrLst>
+    <dgm:txEffectClrLst/>
+  </dgm:styleLbl>
+  <dgm:styleLbl name="parChTrans1D4">
+    <dgm:fillClrLst meth="repeat">
+      <a:schemeClr val="accent1"/>
+    </dgm:fillClrLst>
+    <dgm:linClrLst meth="repeat">
+      <a:schemeClr val="accent1">
+        <a:shade val="80000"/>
+      </a:schemeClr>
+    </dgm:linClrLst>
+    <dgm:effectClrLst/>
+    <dgm:txLinClrLst/>
+    <dgm:txFillClrLst meth="repeat">
+      <a:schemeClr val="tx1"/>
+    </dgm:txFillClrLst>
+    <dgm:txEffectClrLst/>
+  </dgm:styleLbl>
+  <dgm:styleLbl name="fgAcc1">
+    <dgm:fillClrLst meth="repeat">
+      <a:schemeClr val="lt1">
+        <a:alpha val="90000"/>
+      </a:schemeClr>
+    </dgm:fillClrLst>
+    <dgm:linClrLst meth="repeat">
+      <a:schemeClr val="accent1"/>
+    </dgm:linClrLst>
+    <dgm:effectClrLst/>
+    <dgm:txLinClrLst/>
+    <dgm:txFillClrLst meth="repeat">
+      <a:schemeClr val="dk1"/>
+    </dgm:txFillClrLst>
+    <dgm:txEffectClrLst/>
+  </dgm:styleLbl>
+  <dgm:styleLbl name="conFgAcc1">
+    <dgm:fillClrLst meth="repeat">
+      <a:schemeClr val="lt1">
+        <a:alpha val="90000"/>
+      </a:schemeClr>
+    </dgm:fillClrLst>
+    <dgm:linClrLst meth="repeat">
+      <a:schemeClr val="accent1"/>
+    </dgm:linClrLst>
+    <dgm:effectClrLst/>
+    <dgm:txLinClrLst/>
+    <dgm:txFillClrLst meth="repeat">
+      <a:schemeClr val="dk1"/>
+    </dgm:txFillClrLst>
+    <dgm:txEffectClrLst/>
+  </dgm:styleLbl>
+  <dgm:styleLbl name="alignAcc1">
+    <dgm:fillClrLst meth="repeat">
+      <a:schemeClr val="lt1">
+        <a:alpha val="90000"/>
+      </a:schemeClr>
+    </dgm:fillClrLst>
+    <dgm:linClrLst meth="repeat">
+      <a:schemeClr val="accent1"/>
+    </dgm:linClrLst>
+    <dgm:effectClrLst/>
+    <dgm:txLinClrLst/>
+    <dgm:txFillClrLst meth="repeat">
+      <a:schemeClr val="dk1"/>
+    </dgm:txFillClrLst>
+    <dgm:txEffectClrLst/>
+  </dgm:styleLbl>
+  <dgm:styleLbl name="trAlignAcc1">
+    <dgm:fillClrLst meth="repeat">
+      <a:schemeClr val="lt1">
+        <a:alpha val="40000"/>
+      </a:schemeClr>
+    </dgm:fillClrLst>
+    <dgm:linClrLst meth="repeat">
+      <a:schemeClr val="accent1"/>
+    </dgm:linClrLst>
+    <dgm:effectClrLst/>
+    <dgm:txLinClrLst/>
+    <dgm:txFillClrLst meth="repeat">
+      <a:schemeClr val="dk1"/>
+    </dgm:txFillClrLst>
+    <dgm:txEffectClrLst/>
+  </dgm:styleLbl>
+  <dgm:styleLbl name="bgAcc1">
+    <dgm:fillClrLst meth="repeat">
+      <a:schemeClr val="lt1">
+        <a:alpha val="90000"/>
+      </a:schemeClr>
+    </dgm:fillClrLst>
+    <dgm:linClrLst meth="repeat">
+      <a:schemeClr val="accent1"/>
+    </dgm:linClrLst>
+    <dgm:effectClrLst/>
+    <dgm:txLinClrLst/>
+    <dgm:txFillClrLst meth="repeat">
+      <a:schemeClr val="dk1"/>
+    </dgm:txFillClrLst>
+    <dgm:txEffectClrLst/>
+  </dgm:styleLbl>
+  <dgm:styleLbl name="solidFgAcc1">
+    <dgm:fillClrLst meth="repeat">
+      <a:schemeClr val="lt1"/>
+    </dgm:fillClrLst>
+    <dgm:linClrLst meth="repeat">
+      <a:schemeClr val="accent1"/>
+    </dgm:linClrLst>
+    <dgm:effectClrLst/>
+    <dgm:txLinClrLst/>
+    <dgm:txFillClrLst meth="repeat">
+      <a:schemeClr val="dk1"/>
+    </dgm:txFillClrLst>
+    <dgm:txEffectClrLst/>
+  </dgm:styleLbl>
+  <dgm:styleLbl name="solidAlignAcc1">
+    <dgm:fillClrLst meth="repeat">
+      <a:schemeClr val="lt1"/>
+    </dgm:fillClrLst>
+    <dgm:linClrLst meth="repeat">
+      <a:schemeClr val="accent1"/>
+    </dgm:linClrLst>
+    <dgm:effectClrLst/>
+    <dgm:txLinClrLst/>
+    <dgm:txFillClrLst meth="repeat">
+      <a:schemeClr val="dk1"/>
+    </dgm:txFillClrLst>
+    <dgm:txEffectClrLst/>
+  </dgm:styleLbl>
+  <dgm:styleLbl name="solidBgAcc1">
+    <dgm:fillClrLst meth="repeat">
+      <a:schemeClr val="lt1"/>
+    </dgm:fillClrLst>
+    <dgm:linClrLst meth="repeat">
+      <a:schemeClr val="accent1"/>
+    </dgm:linClrLst>
+    <dgm:effectClrLst/>
+    <dgm:txLinClrLst/>
+    <dgm:txFillClrLst meth="repeat">
+      <a:schemeClr val="dk1"/>
+    </dgm:txFillClrLst>
+    <dgm:txEffectClrLst/>
+  </dgm:styleLbl>
+  <dgm:styleLbl name="fgAccFollowNode1">
+    <dgm:fillClrLst meth="repeat">
+      <a:schemeClr val="accent1">
+        <a:alpha val="90000"/>
+        <a:tint val="40000"/>
+      </a:schemeClr>
+    </dgm:fillClrLst>
+    <dgm:linClrLst meth="repeat">
+      <a:schemeClr val="accent1">
+        <a:alpha val="90000"/>
+        <a:tint val="40000"/>
+      </a:schemeClr>
+    </dgm:linClrLst>
+    <dgm:effectClrLst/>
+    <dgm:txLinClrLst/>
+    <dgm:txFillClrLst meth="repeat">
+      <a:schemeClr val="dk1"/>
+    </dgm:txFillClrLst>
+    <dgm:txEffectClrLst/>
+  </dgm:styleLbl>
+  <dgm:styleLbl name="alignAccFollowNode1">
+    <dgm:fillClrLst meth="repeat">
+      <a:schemeClr val="accent1">
+        <a:alpha val="90000"/>
+        <a:tint val="40000"/>
+      </a:schemeClr>
+    </dgm:fillClrLst>
+    <dgm:linClrLst meth="repeat">
+      <a:schemeClr val="accent1">
+        <a:alpha val="90000"/>
+        <a:tint val="40000"/>
+      </a:schemeClr>
+    </dgm:linClrLst>
+    <dgm:effectClrLst/>
+    <dgm:txLinClrLst/>
+    <dgm:txFillClrLst meth="repeat">
+      <a:schemeClr val="dk1"/>
+    </dgm:txFillClrLst>
+    <dgm:txEffectClrLst/>
+  </dgm:styleLbl>
+  <dgm:styleLbl name="bgAccFollowNode1">
+    <dgm:fillClrLst meth="repeat">
+      <a:schemeClr val="accent1">
+        <a:alpha val="90000"/>
+        <a:tint val="40000"/>
+      </a:schemeClr>
+    </dgm:fillClrLst>
+    <dgm:linClrLst meth="repeat">
+      <a:schemeClr val="accent1">
+        <a:alpha val="90000"/>
+        <a:tint val="40000"/>
+      </a:schemeClr>
+    </dgm:linClrLst>
+    <dgm:effectClrLst/>
+    <dgm:txLinClrLst/>
+    <dgm:txFillClrLst meth="repeat">
+      <a:schemeClr val="dk1"/>
+    </dgm:txFillClrLst>
+    <dgm:txEffectClrLst/>
+  </dgm:styleLbl>
+  <dgm:styleLbl name="fgAcc0">
+    <dgm:fillClrLst meth="repeat">
+      <a:schemeClr val="lt1">
+        <a:alpha val="90000"/>
+      </a:schemeClr>
+    </dgm:fillClrLst>
+    <dgm:linClrLst meth="repeat">
+      <a:schemeClr val="accent1"/>
+    </dgm:linClrLst>
+    <dgm:effectClrLst/>
+    <dgm:txLinClrLst/>
+    <dgm:txFillClrLst meth="repeat">
+      <a:schemeClr val="dk1"/>
+    </dgm:txFillClrLst>
+    <dgm:txEffectClrLst/>
+  </dgm:styleLbl>
+  <dgm:styleLbl name="fgAcc2">
+    <dgm:fillClrLst meth="repeat">
+      <a:schemeClr val="lt1">
+        <a:alpha val="90000"/>
+      </a:schemeClr>
+    </dgm:fillClrLst>
+    <dgm:linClrLst meth="repeat">
+      <a:schemeClr val="accent1"/>
+    </dgm:linClrLst>
+    <dgm:effectClrLst/>
+    <dgm:txLinClrLst/>
+    <dgm:txFillClrLst meth="repeat">
+      <a:schemeClr val="dk1"/>
+    </dgm:txFillClrLst>
+    <dgm:txEffectClrLst/>
+  </dgm:styleLbl>
+  <dgm:styleLbl name="fgAcc3">
+    <dgm:fillClrLst meth="repeat">
+      <a:schemeClr val="lt1">
+        <a:alpha val="90000"/>
+      </a:schemeClr>
+    </dgm:fillClrLst>
+    <dgm:linClrLst meth="repeat">
+      <a:schemeClr val="accent1"/>
+    </dgm:linClrLst>
+    <dgm:effectClrLst/>
+    <dgm:txLinClrLst/>
+    <dgm:txFillClrLst meth="repeat">
+      <a:schemeClr val="dk1"/>
+    </dgm:txFillClrLst>
+    <dgm:txEffectClrLst/>
+  </dgm:styleLbl>
+  <dgm:styleLbl name="fgAcc4">
+    <dgm:fillClrLst meth="repeat">
+      <a:schemeClr val="lt1">
+        <a:alpha val="90000"/>
+      </a:schemeClr>
+    </dgm:fillClrLst>
+    <dgm:linClrLst meth="repeat">
+      <a:schemeClr val="accent1"/>
+    </dgm:linClrLst>
+    <dgm:effectClrLst/>
+    <dgm:txLinClrLst/>
+    <dgm:txFillClrLst meth="repeat">
+      <a:schemeClr val="dk1"/>
+    </dgm:txFillClrLst>
+    <dgm:txEffectClrLst/>
+  </dgm:styleLbl>
+  <dgm:styleLbl name="bgShp">
+    <dgm:fillClrLst meth="repeat">
+      <a:schemeClr val="accent1">
+        <a:tint val="40000"/>
+      </a:schemeClr>
+    </dgm:fillClrLst>
+    <dgm:linClrLst meth="repeat">
+      <a:schemeClr val="accent1"/>
+    </dgm:linClrLst>
+    <dgm:effectClrLst/>
+    <dgm:txLinClrLst/>
+    <dgm:txFillClrLst meth="repeat">
+      <a:schemeClr val="dk1"/>
+    </dgm:txFillClrLst>
+    <dgm:txEffectClrLst/>
+  </dgm:styleLbl>
+  <dgm:styleLbl name="dkBgShp">
+    <dgm:fillClrLst meth="repeat">
+      <a:schemeClr val="accent1">
+        <a:shade val="80000"/>
+      </a:schemeClr>
+    </dgm:fillClrLst>
+    <dgm:linClrLst meth="repeat">
+      <a:schemeClr val="accent1"/>
+    </dgm:linClrLst>
+    <dgm:effectClrLst/>
+    <dgm:txLinClrLst/>
+    <dgm:txFillClrLst meth="repeat">
+      <a:schemeClr val="lt1"/>
+    </dgm:txFillClrLst>
+    <dgm:txEffectClrLst/>
+  </dgm:styleLbl>
+  <dgm:styleLbl name="trBgShp">
+    <dgm:fillClrLst meth="repeat">
+      <a:schemeClr val="accent1">
+        <a:tint val="50000"/>
+        <a:alpha val="40000"/>
+      </a:schemeClr>
+    </dgm:fillClrLst>
+    <dgm:linClrLst meth="repeat">
+      <a:schemeClr val="accent1"/>
+    </dgm:linClrLst>
+    <dgm:effectClrLst/>
+    <dgm:txLinClrLst/>
+    <dgm:txFillClrLst meth="repeat">
+      <a:schemeClr val="lt1"/>
+    </dgm:txFillClrLst>
+    <dgm:txEffectClrLst/>
+  </dgm:styleLbl>
+  <dgm:styleLbl name="fgShp">
+    <dgm:fillClrLst meth="repeat">
+      <a:schemeClr val="accent1">
+        <a:tint val="60000"/>
+      </a:schemeClr>
+    </dgm:fillClrLst>
+    <dgm:linClrLst meth="repeat">
+      <a:schemeClr val="lt1"/>
+    </dgm:linClrLst>
+    <dgm:effectClrLst/>
+    <dgm:txLinClrLst/>
+    <dgm:txFillClrLst meth="repeat">
+      <a:schemeClr val="dk1"/>
+    </dgm:txFillClrLst>
+    <dgm:txEffectClrLst/>
+  </dgm:styleLbl>
+  <dgm:styleLbl name="revTx">
+    <dgm:fillClrLst meth="repeat">
+      <a:schemeClr val="lt1">
+        <a:alpha val="0"/>
+      </a:schemeClr>
+    </dgm:fillClrLst>
+    <dgm:linClrLst meth="repeat">
+      <a:schemeClr val="dk1">
+        <a:alpha val="0"/>
+      </a:schemeClr>
+    </dgm:linClrLst>
+    <dgm:effectClrLst/>
+    <dgm:txLinClrLst/>
+    <dgm:txFillClrLst meth="repeat">
+      <a:schemeClr val="tx1"/>
+    </dgm:txFillClrLst>
+    <dgm:txEffectClrLst/>
+  </dgm:styleLbl>
+</dgm:colorsDef>
+</file>
+
+<file path=ppt/diagrams/data1.xml><?xml version="1.0" encoding="utf-8"?>
+<dgm:dataModel xmlns:dgm="http://schemas.openxmlformats.org/drawingml/2006/diagram" xmlns:a="http://schemas.openxmlformats.org/drawingml/2006/main">
+  <dgm:ptLst>
+    <dgm:pt modelId="{C89B7D21-DD13-461C-96A0-B8C179F11477}" type="doc">
+      <dgm:prSet loTypeId="urn:microsoft.com/office/officeart/2005/8/layout/vList2" loCatId="list" qsTypeId="urn:microsoft.com/office/officeart/2005/8/quickstyle/simple1" qsCatId="simple" csTypeId="urn:microsoft.com/office/officeart/2005/8/colors/accent1_2" csCatId="accent1" phldr="1"/>
+      <dgm:spPr/>
+      <dgm:t>
+        <a:bodyPr/>
+        <a:lstStyle/>
+        <a:p>
+          <a:endParaRPr lang="en-US"/>
+        </a:p>
+      </dgm:t>
+    </dgm:pt>
+    <dgm:pt modelId="{DDAC3943-7AAA-468B-894C-7A6A68F3032B}">
+      <dgm:prSet/>
+      <dgm:spPr/>
+      <dgm:t>
+        <a:bodyPr/>
+        <a:lstStyle/>
+        <a:p>
+          <a:r>
+            <a:rPr lang="hu-HU"/>
+            <a:t>Single-Player Monte-Carlo Tree Search megvalósítása</a:t>
+          </a:r>
+          <a:endParaRPr lang="en-US"/>
+        </a:p>
+      </dgm:t>
+    </dgm:pt>
+    <dgm:pt modelId="{A54393E5-38C0-4745-BA42-155572D32877}" type="parTrans" cxnId="{DDC48E26-22B0-43BD-BA93-DD880B3C4842}">
+      <dgm:prSet/>
+      <dgm:spPr/>
+      <dgm:t>
+        <a:bodyPr/>
+        <a:lstStyle/>
+        <a:p>
+          <a:endParaRPr lang="en-US"/>
+        </a:p>
+      </dgm:t>
+    </dgm:pt>
+    <dgm:pt modelId="{C0A67EE1-9FC8-4C18-B67A-29C805566CD3}" type="sibTrans" cxnId="{DDC48E26-22B0-43BD-BA93-DD880B3C4842}">
+      <dgm:prSet/>
+      <dgm:spPr/>
+      <dgm:t>
+        <a:bodyPr/>
+        <a:lstStyle/>
+        <a:p>
+          <a:endParaRPr lang="en-US"/>
+        </a:p>
+      </dgm:t>
+    </dgm:pt>
+    <dgm:pt modelId="{0F85ACD3-2C98-4DFB-9793-0ACA44E16E3D}">
+      <dgm:prSet/>
+      <dgm:spPr/>
+      <dgm:t>
+        <a:bodyPr/>
+        <a:lstStyle/>
+        <a:p>
+          <a:r>
+            <a:rPr lang="hu-HU"/>
+            <a:t>Különböző heurisztikák </a:t>
+          </a:r>
+          <a:endParaRPr lang="en-US"/>
+        </a:p>
+      </dgm:t>
+    </dgm:pt>
+    <dgm:pt modelId="{E8AE2309-2BF7-493F-A930-D13E5185145A}" type="parTrans" cxnId="{57625E09-2D6B-4C68-8A96-C0C66627FC09}">
+      <dgm:prSet/>
+      <dgm:spPr/>
+      <dgm:t>
+        <a:bodyPr/>
+        <a:lstStyle/>
+        <a:p>
+          <a:endParaRPr lang="en-US"/>
+        </a:p>
+      </dgm:t>
+    </dgm:pt>
+    <dgm:pt modelId="{2306211F-AA4B-4357-99CC-0F5A08CE64C1}" type="sibTrans" cxnId="{57625E09-2D6B-4C68-8A96-C0C66627FC09}">
+      <dgm:prSet/>
+      <dgm:spPr/>
+      <dgm:t>
+        <a:bodyPr/>
+        <a:lstStyle/>
+        <a:p>
+          <a:endParaRPr lang="en-US"/>
+        </a:p>
+      </dgm:t>
+    </dgm:pt>
+    <dgm:pt modelId="{B99D7E4C-2AF0-46FA-B9E6-40B5D84B87C6}">
+      <dgm:prSet/>
+      <dgm:spPr/>
+      <dgm:t>
+        <a:bodyPr/>
+        <a:lstStyle/>
+        <a:p>
+          <a:r>
+            <a:rPr lang="hu-HU"/>
+            <a:t>Kereső algoritmus változóinak hangolása</a:t>
+          </a:r>
+          <a:endParaRPr lang="en-US"/>
+        </a:p>
+      </dgm:t>
+    </dgm:pt>
+    <dgm:pt modelId="{EF267DA1-15F0-4743-9D3A-542EB068C0AD}" type="parTrans" cxnId="{B5A45C0B-840B-4ECD-A91D-5B0ED5AC8B18}">
+      <dgm:prSet/>
+      <dgm:spPr/>
+      <dgm:t>
+        <a:bodyPr/>
+        <a:lstStyle/>
+        <a:p>
+          <a:endParaRPr lang="en-US"/>
+        </a:p>
+      </dgm:t>
+    </dgm:pt>
+    <dgm:pt modelId="{E23C68FE-BF05-4B3F-BC93-9F295F78A632}" type="sibTrans" cxnId="{B5A45C0B-840B-4ECD-A91D-5B0ED5AC8B18}">
+      <dgm:prSet/>
+      <dgm:spPr/>
+      <dgm:t>
+        <a:bodyPr/>
+        <a:lstStyle/>
+        <a:p>
+          <a:endParaRPr lang="en-US"/>
+        </a:p>
+      </dgm:t>
+    </dgm:pt>
+    <dgm:pt modelId="{0F6FC568-DC2E-4799-A114-BDDD18E6CDA6}">
+      <dgm:prSet/>
+      <dgm:spPr/>
+      <dgm:t>
+        <a:bodyPr/>
+        <a:lstStyle/>
+        <a:p>
+          <a:r>
+            <a:rPr lang="hu-HU" dirty="0"/>
+            <a:t>Pálya kiértékelése algoritmus alapján</a:t>
+          </a:r>
+          <a:endParaRPr lang="en-US" dirty="0"/>
+        </a:p>
+      </dgm:t>
+    </dgm:pt>
+    <dgm:pt modelId="{A59AA344-A153-4E3C-9819-B6099A2B81DA}" type="parTrans" cxnId="{12331C12-CADB-4B7E-B4A5-2DE7F170B77E}">
+      <dgm:prSet/>
+      <dgm:spPr/>
+      <dgm:t>
+        <a:bodyPr/>
+        <a:lstStyle/>
+        <a:p>
+          <a:endParaRPr lang="en-US"/>
+        </a:p>
+      </dgm:t>
+    </dgm:pt>
+    <dgm:pt modelId="{F069A2DA-8C8C-465B-9899-BB6089320904}" type="sibTrans" cxnId="{12331C12-CADB-4B7E-B4A5-2DE7F170B77E}">
+      <dgm:prSet/>
+      <dgm:spPr/>
+      <dgm:t>
+        <a:bodyPr/>
+        <a:lstStyle/>
+        <a:p>
+          <a:endParaRPr lang="en-US"/>
+        </a:p>
+      </dgm:t>
+    </dgm:pt>
+    <dgm:pt modelId="{3833FD8B-71D0-4461-9B3B-9E6A821AFC33}" type="pres">
+      <dgm:prSet presAssocID="{C89B7D21-DD13-461C-96A0-B8C179F11477}" presName="linear" presStyleCnt="0">
+        <dgm:presLayoutVars>
+          <dgm:animLvl val="lvl"/>
+          <dgm:resizeHandles val="exact"/>
+        </dgm:presLayoutVars>
+      </dgm:prSet>
+      <dgm:spPr/>
+    </dgm:pt>
+    <dgm:pt modelId="{E8DC0183-F7A4-4A26-86D4-FD87707B4F9A}" type="pres">
+      <dgm:prSet presAssocID="{DDAC3943-7AAA-468B-894C-7A6A68F3032B}" presName="parentText" presStyleLbl="node1" presStyleIdx="0" presStyleCnt="4">
+        <dgm:presLayoutVars>
+          <dgm:chMax val="0"/>
+          <dgm:bulletEnabled val="1"/>
+        </dgm:presLayoutVars>
+      </dgm:prSet>
+      <dgm:spPr/>
+    </dgm:pt>
+    <dgm:pt modelId="{50837C5A-FD1E-4FD7-8E67-F87781404006}" type="pres">
+      <dgm:prSet presAssocID="{C0A67EE1-9FC8-4C18-B67A-29C805566CD3}" presName="spacer" presStyleCnt="0"/>
+      <dgm:spPr/>
+    </dgm:pt>
+    <dgm:pt modelId="{C2B3782B-2C95-4380-B013-FC64AC896548}" type="pres">
+      <dgm:prSet presAssocID="{0F85ACD3-2C98-4DFB-9793-0ACA44E16E3D}" presName="parentText" presStyleLbl="node1" presStyleIdx="1" presStyleCnt="4">
+        <dgm:presLayoutVars>
+          <dgm:chMax val="0"/>
+          <dgm:bulletEnabled val="1"/>
+        </dgm:presLayoutVars>
+      </dgm:prSet>
+      <dgm:spPr/>
+    </dgm:pt>
+    <dgm:pt modelId="{0F28B057-4EAC-4618-8184-297024363E3A}" type="pres">
+      <dgm:prSet presAssocID="{2306211F-AA4B-4357-99CC-0F5A08CE64C1}" presName="spacer" presStyleCnt="0"/>
+      <dgm:spPr/>
+    </dgm:pt>
+    <dgm:pt modelId="{192573F2-1F1B-44C9-AFB2-5468CC11A938}" type="pres">
+      <dgm:prSet presAssocID="{B99D7E4C-2AF0-46FA-B9E6-40B5D84B87C6}" presName="parentText" presStyleLbl="node1" presStyleIdx="2" presStyleCnt="4">
+        <dgm:presLayoutVars>
+          <dgm:chMax val="0"/>
+          <dgm:bulletEnabled val="1"/>
+        </dgm:presLayoutVars>
+      </dgm:prSet>
+      <dgm:spPr/>
+    </dgm:pt>
+    <dgm:pt modelId="{BE49696C-C495-4969-927D-21671F326F06}" type="pres">
+      <dgm:prSet presAssocID="{E23C68FE-BF05-4B3F-BC93-9F295F78A632}" presName="spacer" presStyleCnt="0"/>
+      <dgm:spPr/>
+    </dgm:pt>
+    <dgm:pt modelId="{6867890F-48E8-4CE1-80E1-0E68B89B0A8A}" type="pres">
+      <dgm:prSet presAssocID="{0F6FC568-DC2E-4799-A114-BDDD18E6CDA6}" presName="parentText" presStyleLbl="node1" presStyleIdx="3" presStyleCnt="4">
+        <dgm:presLayoutVars>
+          <dgm:chMax val="0"/>
+          <dgm:bulletEnabled val="1"/>
+        </dgm:presLayoutVars>
+      </dgm:prSet>
+      <dgm:spPr/>
+    </dgm:pt>
+  </dgm:ptLst>
+  <dgm:cxnLst>
+    <dgm:cxn modelId="{57625E09-2D6B-4C68-8A96-C0C66627FC09}" srcId="{C89B7D21-DD13-461C-96A0-B8C179F11477}" destId="{0F85ACD3-2C98-4DFB-9793-0ACA44E16E3D}" srcOrd="1" destOrd="0" parTransId="{E8AE2309-2BF7-493F-A930-D13E5185145A}" sibTransId="{2306211F-AA4B-4357-99CC-0F5A08CE64C1}"/>
+    <dgm:cxn modelId="{B5A45C0B-840B-4ECD-A91D-5B0ED5AC8B18}" srcId="{C89B7D21-DD13-461C-96A0-B8C179F11477}" destId="{B99D7E4C-2AF0-46FA-B9E6-40B5D84B87C6}" srcOrd="2" destOrd="0" parTransId="{EF267DA1-15F0-4743-9D3A-542EB068C0AD}" sibTransId="{E23C68FE-BF05-4B3F-BC93-9F295F78A632}"/>
+    <dgm:cxn modelId="{03856C0E-44EE-424F-BA3D-37F937AC8AF2}" type="presOf" srcId="{B99D7E4C-2AF0-46FA-B9E6-40B5D84B87C6}" destId="{192573F2-1F1B-44C9-AFB2-5468CC11A938}" srcOrd="0" destOrd="0" presId="urn:microsoft.com/office/officeart/2005/8/layout/vList2"/>
+    <dgm:cxn modelId="{12331C12-CADB-4B7E-B4A5-2DE7F170B77E}" srcId="{C89B7D21-DD13-461C-96A0-B8C179F11477}" destId="{0F6FC568-DC2E-4799-A114-BDDD18E6CDA6}" srcOrd="3" destOrd="0" parTransId="{A59AA344-A153-4E3C-9819-B6099A2B81DA}" sibTransId="{F069A2DA-8C8C-465B-9899-BB6089320904}"/>
+    <dgm:cxn modelId="{DDC48E26-22B0-43BD-BA93-DD880B3C4842}" srcId="{C89B7D21-DD13-461C-96A0-B8C179F11477}" destId="{DDAC3943-7AAA-468B-894C-7A6A68F3032B}" srcOrd="0" destOrd="0" parTransId="{A54393E5-38C0-4745-BA42-155572D32877}" sibTransId="{C0A67EE1-9FC8-4C18-B67A-29C805566CD3}"/>
+    <dgm:cxn modelId="{B585EBA4-BB03-4149-9319-1C872C48B7C8}" type="presOf" srcId="{0F6FC568-DC2E-4799-A114-BDDD18E6CDA6}" destId="{6867890F-48E8-4CE1-80E1-0E68B89B0A8A}" srcOrd="0" destOrd="0" presId="urn:microsoft.com/office/officeart/2005/8/layout/vList2"/>
+    <dgm:cxn modelId="{00F812B6-B025-4E19-BD13-CC77B30BBCC4}" type="presOf" srcId="{DDAC3943-7AAA-468B-894C-7A6A68F3032B}" destId="{E8DC0183-F7A4-4A26-86D4-FD87707B4F9A}" srcOrd="0" destOrd="0" presId="urn:microsoft.com/office/officeart/2005/8/layout/vList2"/>
+    <dgm:cxn modelId="{87ECA1C6-E81A-4F7A-9CD7-A049E9EE728A}" type="presOf" srcId="{0F85ACD3-2C98-4DFB-9793-0ACA44E16E3D}" destId="{C2B3782B-2C95-4380-B013-FC64AC896548}" srcOrd="0" destOrd="0" presId="urn:microsoft.com/office/officeart/2005/8/layout/vList2"/>
+    <dgm:cxn modelId="{EEF8E1CD-076C-4A32-979B-88B8120EBD48}" type="presOf" srcId="{C89B7D21-DD13-461C-96A0-B8C179F11477}" destId="{3833FD8B-71D0-4461-9B3B-9E6A821AFC33}" srcOrd="0" destOrd="0" presId="urn:microsoft.com/office/officeart/2005/8/layout/vList2"/>
+    <dgm:cxn modelId="{EC920EB2-D562-474D-A58E-F1BBEA14CB83}" type="presParOf" srcId="{3833FD8B-71D0-4461-9B3B-9E6A821AFC33}" destId="{E8DC0183-F7A4-4A26-86D4-FD87707B4F9A}" srcOrd="0" destOrd="0" presId="urn:microsoft.com/office/officeart/2005/8/layout/vList2"/>
+    <dgm:cxn modelId="{F5D1131B-D2E4-474E-866B-D76178AF5C5F}" type="presParOf" srcId="{3833FD8B-71D0-4461-9B3B-9E6A821AFC33}" destId="{50837C5A-FD1E-4FD7-8E67-F87781404006}" srcOrd="1" destOrd="0" presId="urn:microsoft.com/office/officeart/2005/8/layout/vList2"/>
+    <dgm:cxn modelId="{136989E5-7C88-4CCC-BE65-835F76E57454}" type="presParOf" srcId="{3833FD8B-71D0-4461-9B3B-9E6A821AFC33}" destId="{C2B3782B-2C95-4380-B013-FC64AC896548}" srcOrd="2" destOrd="0" presId="urn:microsoft.com/office/officeart/2005/8/layout/vList2"/>
+    <dgm:cxn modelId="{56AB71A5-6F86-40EF-B608-30272BA56A14}" type="presParOf" srcId="{3833FD8B-71D0-4461-9B3B-9E6A821AFC33}" destId="{0F28B057-4EAC-4618-8184-297024363E3A}" srcOrd="3" destOrd="0" presId="urn:microsoft.com/office/officeart/2005/8/layout/vList2"/>
+    <dgm:cxn modelId="{7F7559AF-9665-461F-99B7-5020533D522E}" type="presParOf" srcId="{3833FD8B-71D0-4461-9B3B-9E6A821AFC33}" destId="{192573F2-1F1B-44C9-AFB2-5468CC11A938}" srcOrd="4" destOrd="0" presId="urn:microsoft.com/office/officeart/2005/8/layout/vList2"/>
+    <dgm:cxn modelId="{19BEBF50-E331-4BCB-B0C9-8C47762BAA67}" type="presParOf" srcId="{3833FD8B-71D0-4461-9B3B-9E6A821AFC33}" destId="{BE49696C-C495-4969-927D-21671F326F06}" srcOrd="5" destOrd="0" presId="urn:microsoft.com/office/officeart/2005/8/layout/vList2"/>
+    <dgm:cxn modelId="{4FC2CEEB-0C6D-4347-865A-E7080B76C87B}" type="presParOf" srcId="{3833FD8B-71D0-4461-9B3B-9E6A821AFC33}" destId="{6867890F-48E8-4CE1-80E1-0E68B89B0A8A}" srcOrd="6" destOrd="0" presId="urn:microsoft.com/office/officeart/2005/8/layout/vList2"/>
+  </dgm:cxnLst>
+  <dgm:bg/>
+  <dgm:whole/>
+  <dgm:extLst>
+    <a:ext uri="http://schemas.microsoft.com/office/drawing/2008/diagram">
+      <dsp:dataModelExt xmlns:dsp="http://schemas.microsoft.com/office/drawing/2008/diagram" relId="rId7" minVer="http://schemas.openxmlformats.org/drawingml/2006/diagram"/>
+    </a:ext>
+  </dgm:extLst>
+</dgm:dataModel>
+</file>
+
+<file path=ppt/diagrams/drawing1.xml><?xml version="1.0" encoding="utf-8"?>
+<dsp:drawing xmlns:dgm="http://schemas.openxmlformats.org/drawingml/2006/diagram" xmlns:dsp="http://schemas.microsoft.com/office/drawing/2008/diagram" xmlns:a="http://schemas.openxmlformats.org/drawingml/2006/main">
+  <dsp:spTree>
+    <dsp:nvGrpSpPr>
+      <dsp:cNvPr id="0" name=""/>
+      <dsp:cNvGrpSpPr/>
+    </dsp:nvGrpSpPr>
+    <dsp:grpSpPr/>
+    <dsp:sp modelId="{E8DC0183-F7A4-4A26-86D4-FD87707B4F9A}">
+      <dsp:nvSpPr>
+        <dsp:cNvPr id="0" name=""/>
+        <dsp:cNvSpPr/>
+      </dsp:nvSpPr>
+      <dsp:spPr>
+        <a:xfrm>
+          <a:off x="0" y="44485"/>
+          <a:ext cx="10143668" cy="767520"/>
+        </a:xfrm>
+        <a:prstGeom prst="roundRect">
+          <a:avLst/>
+        </a:prstGeom>
+        <a:solidFill>
+          <a:schemeClr val="accent1">
+            <a:hueOff val="0"/>
+            <a:satOff val="0"/>
+            <a:lumOff val="0"/>
+            <a:alphaOff val="0"/>
+          </a:schemeClr>
+        </a:solidFill>
+        <a:ln w="12700" cap="flat" cmpd="sng" algn="ctr">
+          <a:solidFill>
+            <a:schemeClr val="lt1">
+              <a:hueOff val="0"/>
+              <a:satOff val="0"/>
+              <a:lumOff val="0"/>
+              <a:alphaOff val="0"/>
+            </a:schemeClr>
+          </a:solidFill>
+          <a:prstDash val="solid"/>
+          <a:miter lim="800000"/>
+        </a:ln>
+        <a:effectLst/>
+      </dsp:spPr>
+      <dsp:style>
+        <a:lnRef idx="2">
+          <a:scrgbClr r="0" g="0" b="0"/>
+        </a:lnRef>
+        <a:fillRef idx="1">
+          <a:scrgbClr r="0" g="0" b="0"/>
+        </a:fillRef>
+        <a:effectRef idx="0">
+          <a:scrgbClr r="0" g="0" b="0"/>
+        </a:effectRef>
+        <a:fontRef idx="minor">
+          <a:schemeClr val="lt1"/>
+        </a:fontRef>
+      </dsp:style>
+      <dsp:txBody>
+        <a:bodyPr spcFirstLastPara="0" vert="horz" wrap="square" lIns="121920" tIns="121920" rIns="121920" bIns="121920" numCol="1" spcCol="1270" anchor="ctr" anchorCtr="0">
+          <a:noAutofit/>
+        </a:bodyPr>
+        <a:lstStyle/>
+        <a:p>
+          <a:pPr marL="0" lvl="0" indent="0" algn="l" defTabSz="1422400">
+            <a:lnSpc>
+              <a:spcPct val="90000"/>
+            </a:lnSpc>
+            <a:spcBef>
+              <a:spcPct val="0"/>
+            </a:spcBef>
+            <a:spcAft>
+              <a:spcPct val="35000"/>
+            </a:spcAft>
+            <a:buNone/>
+          </a:pPr>
+          <a:r>
+            <a:rPr lang="hu-HU" sz="3200" kern="1200"/>
+            <a:t>Single-Player Monte-Carlo Tree Search megvalósítása</a:t>
+          </a:r>
+          <a:endParaRPr lang="en-US" sz="3200" kern="1200"/>
+        </a:p>
+      </dsp:txBody>
+      <dsp:txXfrm>
+        <a:off x="37467" y="81952"/>
+        <a:ext cx="10068734" cy="692586"/>
+      </dsp:txXfrm>
+    </dsp:sp>
+    <dsp:sp modelId="{C2B3782B-2C95-4380-B013-FC64AC896548}">
+      <dsp:nvSpPr>
+        <dsp:cNvPr id="0" name=""/>
+        <dsp:cNvSpPr/>
+      </dsp:nvSpPr>
+      <dsp:spPr>
+        <a:xfrm>
+          <a:off x="0" y="904165"/>
+          <a:ext cx="10143668" cy="767520"/>
+        </a:xfrm>
+        <a:prstGeom prst="roundRect">
+          <a:avLst/>
+        </a:prstGeom>
+        <a:solidFill>
+          <a:schemeClr val="accent1">
+            <a:hueOff val="0"/>
+            <a:satOff val="0"/>
+            <a:lumOff val="0"/>
+            <a:alphaOff val="0"/>
+          </a:schemeClr>
+        </a:solidFill>
+        <a:ln w="12700" cap="flat" cmpd="sng" algn="ctr">
+          <a:solidFill>
+            <a:schemeClr val="lt1">
+              <a:hueOff val="0"/>
+              <a:satOff val="0"/>
+              <a:lumOff val="0"/>
+              <a:alphaOff val="0"/>
+            </a:schemeClr>
+          </a:solidFill>
+          <a:prstDash val="solid"/>
+          <a:miter lim="800000"/>
+        </a:ln>
+        <a:effectLst/>
+      </dsp:spPr>
+      <dsp:style>
+        <a:lnRef idx="2">
+          <a:scrgbClr r="0" g="0" b="0"/>
+        </a:lnRef>
+        <a:fillRef idx="1">
+          <a:scrgbClr r="0" g="0" b="0"/>
+        </a:fillRef>
+        <a:effectRef idx="0">
+          <a:scrgbClr r="0" g="0" b="0"/>
+        </a:effectRef>
+        <a:fontRef idx="minor">
+          <a:schemeClr val="lt1"/>
+        </a:fontRef>
+      </dsp:style>
+      <dsp:txBody>
+        <a:bodyPr spcFirstLastPara="0" vert="horz" wrap="square" lIns="121920" tIns="121920" rIns="121920" bIns="121920" numCol="1" spcCol="1270" anchor="ctr" anchorCtr="0">
+          <a:noAutofit/>
+        </a:bodyPr>
+        <a:lstStyle/>
+        <a:p>
+          <a:pPr marL="0" lvl="0" indent="0" algn="l" defTabSz="1422400">
+            <a:lnSpc>
+              <a:spcPct val="90000"/>
+            </a:lnSpc>
+            <a:spcBef>
+              <a:spcPct val="0"/>
+            </a:spcBef>
+            <a:spcAft>
+              <a:spcPct val="35000"/>
+            </a:spcAft>
+            <a:buNone/>
+          </a:pPr>
+          <a:r>
+            <a:rPr lang="hu-HU" sz="3200" kern="1200"/>
+            <a:t>Különböző heurisztikák </a:t>
+          </a:r>
+          <a:endParaRPr lang="en-US" sz="3200" kern="1200"/>
+        </a:p>
+      </dsp:txBody>
+      <dsp:txXfrm>
+        <a:off x="37467" y="941632"/>
+        <a:ext cx="10068734" cy="692586"/>
+      </dsp:txXfrm>
+    </dsp:sp>
+    <dsp:sp modelId="{192573F2-1F1B-44C9-AFB2-5468CC11A938}">
+      <dsp:nvSpPr>
+        <dsp:cNvPr id="0" name=""/>
+        <dsp:cNvSpPr/>
+      </dsp:nvSpPr>
+      <dsp:spPr>
+        <a:xfrm>
+          <a:off x="0" y="1763845"/>
+          <a:ext cx="10143668" cy="767520"/>
+        </a:xfrm>
+        <a:prstGeom prst="roundRect">
+          <a:avLst/>
+        </a:prstGeom>
+        <a:solidFill>
+          <a:schemeClr val="accent1">
+            <a:hueOff val="0"/>
+            <a:satOff val="0"/>
+            <a:lumOff val="0"/>
+            <a:alphaOff val="0"/>
+          </a:schemeClr>
+        </a:solidFill>
+        <a:ln w="12700" cap="flat" cmpd="sng" algn="ctr">
+          <a:solidFill>
+            <a:schemeClr val="lt1">
+              <a:hueOff val="0"/>
+              <a:satOff val="0"/>
+              <a:lumOff val="0"/>
+              <a:alphaOff val="0"/>
+            </a:schemeClr>
+          </a:solidFill>
+          <a:prstDash val="solid"/>
+          <a:miter lim="800000"/>
+        </a:ln>
+        <a:effectLst/>
+      </dsp:spPr>
+      <dsp:style>
+        <a:lnRef idx="2">
+          <a:scrgbClr r="0" g="0" b="0"/>
+        </a:lnRef>
+        <a:fillRef idx="1">
+          <a:scrgbClr r="0" g="0" b="0"/>
+        </a:fillRef>
+        <a:effectRef idx="0">
+          <a:scrgbClr r="0" g="0" b="0"/>
+        </a:effectRef>
+        <a:fontRef idx="minor">
+          <a:schemeClr val="lt1"/>
+        </a:fontRef>
+      </dsp:style>
+      <dsp:txBody>
+        <a:bodyPr spcFirstLastPara="0" vert="horz" wrap="square" lIns="121920" tIns="121920" rIns="121920" bIns="121920" numCol="1" spcCol="1270" anchor="ctr" anchorCtr="0">
+          <a:noAutofit/>
+        </a:bodyPr>
+        <a:lstStyle/>
+        <a:p>
+          <a:pPr marL="0" lvl="0" indent="0" algn="l" defTabSz="1422400">
+            <a:lnSpc>
+              <a:spcPct val="90000"/>
+            </a:lnSpc>
+            <a:spcBef>
+              <a:spcPct val="0"/>
+            </a:spcBef>
+            <a:spcAft>
+              <a:spcPct val="35000"/>
+            </a:spcAft>
+            <a:buNone/>
+          </a:pPr>
+          <a:r>
+            <a:rPr lang="hu-HU" sz="3200" kern="1200"/>
+            <a:t>Kereső algoritmus változóinak hangolása</a:t>
+          </a:r>
+          <a:endParaRPr lang="en-US" sz="3200" kern="1200"/>
+        </a:p>
+      </dsp:txBody>
+      <dsp:txXfrm>
+        <a:off x="37467" y="1801312"/>
+        <a:ext cx="10068734" cy="692586"/>
+      </dsp:txXfrm>
+    </dsp:sp>
+    <dsp:sp modelId="{6867890F-48E8-4CE1-80E1-0E68B89B0A8A}">
+      <dsp:nvSpPr>
+        <dsp:cNvPr id="0" name=""/>
+        <dsp:cNvSpPr/>
+      </dsp:nvSpPr>
+      <dsp:spPr>
+        <a:xfrm>
+          <a:off x="0" y="2623525"/>
+          <a:ext cx="10143668" cy="767520"/>
+        </a:xfrm>
+        <a:prstGeom prst="roundRect">
+          <a:avLst/>
+        </a:prstGeom>
+        <a:solidFill>
+          <a:schemeClr val="accent1">
+            <a:hueOff val="0"/>
+            <a:satOff val="0"/>
+            <a:lumOff val="0"/>
+            <a:alphaOff val="0"/>
+          </a:schemeClr>
+        </a:solidFill>
+        <a:ln w="12700" cap="flat" cmpd="sng" algn="ctr">
+          <a:solidFill>
+            <a:schemeClr val="lt1">
+              <a:hueOff val="0"/>
+              <a:satOff val="0"/>
+              <a:lumOff val="0"/>
+              <a:alphaOff val="0"/>
+            </a:schemeClr>
+          </a:solidFill>
+          <a:prstDash val="solid"/>
+          <a:miter lim="800000"/>
+        </a:ln>
+        <a:effectLst/>
+      </dsp:spPr>
+      <dsp:style>
+        <a:lnRef idx="2">
+          <a:scrgbClr r="0" g="0" b="0"/>
+        </a:lnRef>
+        <a:fillRef idx="1">
+          <a:scrgbClr r="0" g="0" b="0"/>
+        </a:fillRef>
+        <a:effectRef idx="0">
+          <a:scrgbClr r="0" g="0" b="0"/>
+        </a:effectRef>
+        <a:fontRef idx="minor">
+          <a:schemeClr val="lt1"/>
+        </a:fontRef>
+      </dsp:style>
+      <dsp:txBody>
+        <a:bodyPr spcFirstLastPara="0" vert="horz" wrap="square" lIns="121920" tIns="121920" rIns="121920" bIns="121920" numCol="1" spcCol="1270" anchor="ctr" anchorCtr="0">
+          <a:noAutofit/>
+        </a:bodyPr>
+        <a:lstStyle/>
+        <a:p>
+          <a:pPr marL="0" lvl="0" indent="0" algn="l" defTabSz="1422400">
+            <a:lnSpc>
+              <a:spcPct val="90000"/>
+            </a:lnSpc>
+            <a:spcBef>
+              <a:spcPct val="0"/>
+            </a:spcBef>
+            <a:spcAft>
+              <a:spcPct val="35000"/>
+            </a:spcAft>
+            <a:buNone/>
+          </a:pPr>
+          <a:r>
+            <a:rPr lang="hu-HU" sz="3200" kern="1200" dirty="0"/>
+            <a:t>Pálya kiértékelése algoritmus alapján</a:t>
+          </a:r>
+          <a:endParaRPr lang="en-US" sz="3200" kern="1200" dirty="0"/>
+        </a:p>
+      </dsp:txBody>
+      <dsp:txXfrm>
+        <a:off x="37467" y="2660992"/>
+        <a:ext cx="10068734" cy="692586"/>
+      </dsp:txXfrm>
+    </dsp:sp>
+  </dsp:spTree>
+</dsp:drawing>
+</file>
+
+<file path=ppt/diagrams/layout1.xml><?xml version="1.0" encoding="utf-8"?>
+<dgm:layoutDef xmlns:dgm="http://schemas.openxmlformats.org/drawingml/2006/diagram" xmlns:a="http://schemas.openxmlformats.org/drawingml/2006/main" uniqueId="urn:microsoft.com/office/officeart/2005/8/layout/vList2">
+  <dgm:title val=""/>
+  <dgm:desc val=""/>
+  <dgm:catLst>
+    <dgm:cat type="list" pri="3000"/>
+    <dgm:cat type="convert" pri="1000"/>
+  </dgm:catLst>
+  <dgm:sampData>
+    <dgm:dataModel>
+      <dgm:ptLst>
+        <dgm:pt modelId="0" type="doc"/>
+        <dgm:pt modelId="1">
+          <dgm:prSet phldr="1"/>
+        </dgm:pt>
+        <dgm:pt modelId="11">
+          <dgm:prSet phldr="1"/>
+        </dgm:pt>
+        <dgm:pt modelId="2">
+          <dgm:prSet phldr="1"/>
+        </dgm:pt>
+        <dgm:pt modelId="21">
+          <dgm:prSet phldr="1"/>
+        </dgm:pt>
+      </dgm:ptLst>
+      <dgm:cxnLst>
+        <dgm:cxn modelId="4" srcId="0" destId="1" srcOrd="0" destOrd="0"/>
+        <dgm:cxn modelId="5" srcId="0" destId="2" srcOrd="1" destOrd="0"/>
+        <dgm:cxn modelId="12" srcId="1" destId="11" srcOrd="0" destOrd="0"/>
+        <dgm:cxn modelId="23" srcId="2" destId="21" srcOrd="0" destOrd="0"/>
+      </dgm:cxnLst>
+      <dgm:bg/>
+      <dgm:whole/>
+    </dgm:dataModel>
+  </dgm:sampData>
+  <dgm:styleData>
+    <dgm:dataModel>
+      <dgm:ptLst>
+        <dgm:pt modelId="0" type="doc"/>
+        <dgm:pt modelId="1"/>
+        <dgm:pt modelId="2"/>
+      </dgm:ptLst>
+      <dgm:cxnLst>
+        <dgm:cxn modelId="3" srcId="0" destId="1" srcOrd="0" destOrd="0"/>
+        <dgm:cxn modelId="4" srcId="0" destId="2" srcOrd="1" destOrd="0"/>
+      </dgm:cxnLst>
+      <dgm:bg/>
+      <dgm:whole/>
+    </dgm:dataModel>
+  </dgm:styleData>
+  <dgm:clrData>
+    <dgm:dataModel>
+      <dgm:ptLst>
+        <dgm:pt modelId="0" type="doc"/>
+        <dgm:pt modelId="1"/>
+        <dgm:pt modelId="2"/>
+        <dgm:pt modelId="3"/>
+        <dgm:pt modelId="4"/>
+      </dgm:ptLst>
+      <dgm:cxnLst>
+        <dgm:cxn modelId="5" srcId="0" destId="1" srcOrd="0" destOrd="0"/>
+        <dgm:cxn modelId="6" srcId="0" destId="2" srcOrd="1" destOrd="0"/>
+        <dgm:cxn modelId="7" srcId="0" destId="3" srcOrd="2" destOrd="0"/>
+        <dgm:cxn modelId="8" srcId="0" destId="4" srcOrd="3" destOrd="0"/>
+      </dgm:cxnLst>
+      <dgm:bg/>
+      <dgm:whole/>
+    </dgm:dataModel>
+  </dgm:clrData>
+  <dgm:layoutNode name="linear">
+    <dgm:varLst>
+      <dgm:animLvl val="lvl"/>
+      <dgm:resizeHandles val="exact"/>
+    </dgm:varLst>
+    <dgm:alg type="lin">
+      <dgm:param type="linDir" val="fromT"/>
+      <dgm:param type="vertAlign" val="mid"/>
+    </dgm:alg>
+    <dgm:shape xmlns:r="http://schemas.openxmlformats.org/officeDocument/2006/relationships" r:blip="">
+      <dgm:adjLst/>
+    </dgm:shape>
+    <dgm:presOf/>
+    <dgm:constrLst>
+      <dgm:constr type="w" for="ch" forName="parentText" refType="w"/>
+      <dgm:constr type="h" for="ch" forName="parentText" refType="primFontSz" refFor="ch" refForName="parentText" fact="0.52"/>
+      <dgm:constr type="w" for="ch" forName="childText" refType="w"/>
+      <dgm:constr type="h" for="ch" forName="childText" refType="primFontSz" refFor="ch" refForName="parentText" fact="0.46"/>
+      <dgm:constr type="h" for="ch" forName="parentText" op="equ"/>
+      <dgm:constr type="primFontSz" for="ch" forName="parentText" op="equ" val="65"/>
+      <dgm:constr type="primFontSz" for="ch" forName="childText" refType="primFontSz" refFor="ch" refForName="parentText" op="equ"/>
+      <dgm:constr type="h" for="ch" forName="spacer" refType="primFontSz" refFor="ch" refForName="parentText" fact="0.08"/>
+    </dgm:constrLst>
+    <dgm:ruleLst>
+      <dgm:rule type="primFontSz" for="ch" forName="parentText" val="5" fact="NaN" max="NaN"/>
+    </dgm:ruleLst>
+    <dgm:forEach name="Name0" axis="ch" ptType="node">
+      <dgm:layoutNode name="parentText" styleLbl="node1">
+        <dgm:varLst>
+          <dgm:chMax val="0"/>
+          <dgm:bulletEnabled val="1"/>
+        </dgm:varLst>
+        <dgm:alg type="tx">
+          <dgm:param type="parTxLTRAlign" val="l"/>
+          <dgm:param type="parTxRTLAlign" val="r"/>
+        </dgm:alg>
+        <dgm:shape xmlns:r="http://schemas.openxmlformats.org/officeDocument/2006/relationships" type="roundRect" r:blip="">
+          <dgm:adjLst/>
+        </dgm:shape>
+        <dgm:presOf axis="self"/>
+        <dgm:constrLst>
+          <dgm:constr type="tMarg" refType="primFontSz" fact="0.3"/>
+          <dgm:constr type="bMarg" refType="primFontSz" fact="0.3"/>
+          <dgm:constr type="lMarg" refType="primFontSz" fact="0.3"/>
+          <dgm:constr type="rMarg" refType="primFontSz" fact="0.3"/>
+        </dgm:constrLst>
+        <dgm:ruleLst>
+          <dgm:rule type="h" val="INF" fact="NaN" max="NaN"/>
+        </dgm:ruleLst>
+      </dgm:layoutNode>
+      <dgm:choose name="Name1">
+        <dgm:if name="Name2" axis="ch" ptType="node" func="cnt" op="gte" val="1">
+          <dgm:layoutNode name="childText" styleLbl="revTx">
+            <dgm:varLst>
+              <dgm:bulletEnabled val="1"/>
+            </dgm:varLst>
+            <dgm:alg type="tx">
+              <dgm:param type="stBulletLvl" val="1"/>
+              <dgm:param type="lnSpAfChP" val="20"/>
+            </dgm:alg>
+            <dgm:shape xmlns:r="http://schemas.openxmlformats.org/officeDocument/2006/relationships" type="rect" r:blip="">
+              <dgm:adjLst/>
+            </dgm:shape>
+            <dgm:presOf axis="des" ptType="node"/>
+            <dgm:constrLst>
+              <dgm:constr type="tMarg" refType="primFontSz" fact="0.1"/>
+              <dgm:constr type="bMarg" refType="primFontSz" fact="0.1"/>
+              <dgm:constr type="lMarg" refType="w" fact="0.09"/>
+            </dgm:constrLst>
+            <dgm:ruleLst>
+              <dgm:rule type="h" val="INF" fact="NaN" max="NaN"/>
+            </dgm:ruleLst>
+          </dgm:layoutNode>
+        </dgm:if>
+        <dgm:else name="Name3">
+          <dgm:choose name="Name4">
+            <dgm:if name="Name5" axis="par ch" ptType="doc node" func="cnt" op="gte" val="2">
+              <dgm:forEach name="Name6" axis="followSib" ptType="sibTrans" cnt="1">
+                <dgm:layoutNode name="spacer">
+                  <dgm:alg type="sp"/>
+                  <dgm:shape xmlns:r="http://schemas.openxmlformats.org/officeDocument/2006/relationships" r:blip="">
+                    <dgm:adjLst/>
+                  </dgm:shape>
+                  <dgm:presOf/>
+                  <dgm:constrLst/>
+                  <dgm:ruleLst/>
+                </dgm:layoutNode>
+              </dgm:forEach>
+            </dgm:if>
+            <dgm:else name="Name7"/>
+          </dgm:choose>
+        </dgm:else>
+      </dgm:choose>
+    </dgm:forEach>
+  </dgm:layoutNode>
+</dgm:layoutDef>
+</file>
+
+<file path=ppt/diagrams/quickStyle1.xml><?xml version="1.0" encoding="utf-8"?>
+<dgm:styleDef xmlns:dgm="http://schemas.openxmlformats.org/drawingml/2006/diagram" xmlns:a="http://schemas.openxmlformats.org/drawingml/2006/main" uniqueId="urn:microsoft.com/office/officeart/2005/8/quickstyle/simple1">
+  <dgm:title val=""/>
+  <dgm:desc val=""/>
+  <dgm:catLst>
+    <dgm:cat type="simple" pri="10100"/>
+  </dgm:catLst>
+  <dgm:scene3d>
+    <a:camera prst="orthographicFront"/>
+    <a:lightRig rig="threePt" dir="t"/>
+  </dgm:scene3d>
+  <dgm:styleLbl name="node0">
+    <dgm:scene3d>
+      <a:camera prst="orthographicFront"/>
+      <a:lightRig rig="threePt" dir="t"/>
+    </dgm:scene3d>
+    <dgm:sp3d/>
+    <dgm:txPr/>
+    <dgm:style>
+      <a:lnRef idx="2">
+        <a:scrgbClr r="0" g="0" b="0"/>
+      </a:lnRef>
+      <a:fillRef idx="1">
+        <a:scrgbClr r="0" g="0" b="0"/>
+      </a:fillRef>
+      <a:effectRef idx="0">
+        <a:scrgbClr r="0" g="0" b="0"/>
+      </a:effectRef>
+      <a:fontRef idx="minor">
+        <a:schemeClr val="lt1"/>
+      </a:fontRef>
+    </dgm:style>
+  </dgm:styleLbl>
+  <dgm:styleLbl name="lnNode1">
+    <dgm:scene3d>
+      <a:camera prst="orthographicFront"/>
+      <a:lightRig rig="threePt" dir="t"/>
+    </dgm:scene3d>
+    <dgm:sp3d/>
+    <dgm:txPr/>
+    <dgm:style>
+      <a:lnRef idx="2">
+        <a:scrgbClr r="0" g="0" b="0"/>
+      </a:lnRef>
+      <a:fillRef idx="1">
+        <a:scrgbClr r="0" g="0" b="0"/>
+      </a:fillRef>
+      <a:effectRef idx="0">
+        <a:scrgbClr r="0" g="0" b="0"/>
+      </a:effectRef>
+      <a:fontRef idx="minor">
+        <a:schemeClr val="lt1"/>
+      </a:fontRef>
+    </dgm:style>
+  </dgm:styleLbl>
+  <dgm:styleLbl name="vennNode1">
+    <dgm:scene3d>
+      <a:camera prst="orthographicFront"/>
+      <a:lightRig rig="threePt" dir="t"/>
+    </dgm:scene3d>
+    <dgm:sp3d/>
+    <dgm:txPr/>
+    <dgm:style>
+      <a:lnRef idx="2">
+        <a:scrgbClr r="0" g="0" b="0"/>
+      </a:lnRef>
+      <a:fillRef idx="1">
+        <a:scrgbClr r="0" g="0" b="0"/>
+      </a:fillRef>
+      <a:effectRef idx="0">
+        <a:scrgbClr r="0" g="0" b="0"/>
+      </a:effectRef>
+      <a:fontRef idx="minor">
+        <a:schemeClr val="tx1"/>
+      </a:fontRef>
+    </dgm:style>
+  </dgm:styleLbl>
+  <dgm:styleLbl name="alignNode1">
+    <dgm:scene3d>
+      <a:camera prst="orthographicFront"/>
+      <a:lightRig rig="threePt" dir="t"/>
+    </dgm:scene3d>
+    <dgm:sp3d/>
+    <dgm:txPr/>
+    <dgm:style>
+      <a:lnRef idx="2">
+        <a:scrgbClr r="0" g="0" b="0"/>
+      </a:lnRef>
+      <a:fillRef idx="1">
+        <a:scrgbClr r="0" g="0" b="0"/>
+      </a:fillRef>
+      <a:effectRef idx="0">
+        <a:scrgbClr r="0" g="0" b="0"/>
+      </a:effectRef>
+      <a:fontRef idx="minor">
+        <a:schemeClr val="lt1"/>
+      </a:fontRef>
+    </dgm:style>
+  </dgm:styleLbl>
+  <dgm:styleLbl name="node1">
+    <dgm:scene3d>
+      <a:camera prst="orthographicFront"/>
+      <a:lightRig rig="threePt" dir="t"/>
+    </dgm:scene3d>
+    <dgm:sp3d/>
+    <dgm:txPr/>
+    <dgm:style>
+      <a:lnRef idx="2">
+        <a:scrgbClr r="0" g="0" b="0"/>
+      </a:lnRef>
+      <a:fillRef idx="1">
+        <a:scrgbClr r="0" g="0" b="0"/>
+      </a:fillRef>
+      <a:effectRef idx="0">
+        <a:scrgbClr r="0" g="0" b="0"/>
+      </a:effectRef>
+      <a:fontRef idx="minor">
+        <a:schemeClr val="lt1"/>
+      </a:fontRef>
+    </dgm:style>
+  </dgm:styleLbl>
+  <dgm:styleLbl name="node2">
+    <dgm:scene3d>
+      <a:camera prst="orthographicFront"/>
+      <a:lightRig rig="threePt" dir="t"/>
+    </dgm:scene3d>
+    <dgm:sp3d/>
+    <dgm:txPr/>
+    <dgm:style>
+      <a:lnRef idx="2">
+        <a:scrgbClr r="0" g="0" b="0"/>
+      </a:lnRef>
+      <a:fillRef idx="1">
+        <a:scrgbClr r="0" g="0" b="0"/>
+      </a:fillRef>
+      <a:effectRef idx="0">
+        <a:scrgbClr r="0" g="0" b="0"/>
+      </a:effectRef>
+      <a:fontRef idx="minor">
+        <a:schemeClr val="lt1"/>
+      </a:fontRef>
+    </dgm:style>
+  </dgm:styleLbl>
+  <dgm:styleLbl name="node3">
+    <dgm:scene3d>
+      <a:camera prst="orthographicFront"/>
+      <a:lightRig rig="threePt" dir="t"/>
+    </dgm:scene3d>
+    <dgm:sp3d/>
+    <dgm:txPr/>
+    <dgm:style>
+      <a:lnRef idx="2">
+        <a:scrgbClr r="0" g="0" b="0"/>
+      </a:lnRef>
+      <a:fillRef idx="1">
+        <a:scrgbClr r="0" g="0" b="0"/>
+      </a:fillRef>
+      <a:effectRef idx="0">
+        <a:scrgbClr r="0" g="0" b="0"/>
+      </a:effectRef>
+      <a:fontRef idx="minor">
+        <a:schemeClr val="lt1"/>
+      </a:fontRef>
+    </dgm:style>
+  </dgm:styleLbl>
+  <dgm:styleLbl name="node4">
+    <dgm:scene3d>
+      <a:camera prst="orthographicFront"/>
+      <a:lightRig rig="threePt" dir="t"/>
+    </dgm:scene3d>
+    <dgm:sp3d/>
+    <dgm:txPr/>
+    <dgm:style>
+      <a:lnRef idx="2">
+        <a:scrgbClr r="0" g="0" b="0"/>
+      </a:lnRef>
+      <a:fillRef idx="1">
+        <a:scrgbClr r="0" g="0" b="0"/>
+      </a:fillRef>
+      <a:effectRef idx="0">
+        <a:scrgbClr r="0" g="0" b="0"/>
+      </a:effectRef>
+      <a:fontRef idx="minor">
+        <a:schemeClr val="lt1"/>
+      </a:fontRef>
+    </dgm:style>
+  </dgm:styleLbl>
+  <dgm:styleLbl name="fgImgPlace1">
+    <dgm:scene3d>
+      <a:camera prst="orthographicFront"/>
+      <a:lightRig rig="threePt" dir="t"/>
+    </dgm:scene3d>
+    <dgm:sp3d/>
+    <dgm:txPr/>
+    <dgm:style>
+      <a:lnRef idx="2">
+        <a:scrgbClr r="0" g="0" b="0"/>
+      </a:lnRef>
+      <a:fillRef idx="1">
+        <a:scrgbClr r="0" g="0" b="0"/>
+      </a:fillRef>
+      <a:effectRef idx="0">
+        <a:scrgbClr r="0" g="0" b="0"/>
+      </a:effectRef>
+      <a:fontRef idx="minor"/>
+    </dgm:style>
+  </dgm:styleLbl>
+  <dgm:styleLbl name="alignImgPlace1">
+    <dgm:scene3d>
+      <a:camera prst="orthographicFront"/>
+      <a:lightRig rig="threePt" dir="t"/>
+    </dgm:scene3d>
+    <dgm:sp3d/>
+    <dgm:txPr/>
+    <dgm:style>
+      <a:lnRef idx="2">
+        <a:scrgbClr r="0" g="0" b="0"/>
+      </a:lnRef>
+      <a:fillRef idx="1">
+        <a:scrgbClr r="0" g="0" b="0"/>
+      </a:fillRef>
+      <a:effectRef idx="0">
+        <a:scrgbClr r="0" g="0" b="0"/>
+      </a:effectRef>
+      <a:fontRef idx="minor"/>
+    </dgm:style>
+  </dgm:styleLbl>
+  <dgm:styleLbl name="bgImgPlace1">
+    <dgm:scene3d>
+      <a:camera prst="orthographicFront"/>
+      <a:lightRig rig="threePt" dir="t"/>
+    </dgm:scene3d>
+    <dgm:sp3d/>
+    <dgm:txPr/>
+    <dgm:style>
+      <a:lnRef idx="2">
+        <a:scrgbClr r="0" g="0" b="0"/>
+      </a:lnRef>
+      <a:fillRef idx="1">
+        <a:scrgbClr r="0" g="0" b="0"/>
+      </a:fillRef>
+      <a:effectRef idx="0">
+        <a:scrgbClr r="0" g="0" b="0"/>
+      </a:effectRef>
+      <a:fontRef idx="minor"/>
+    </dgm:style>
+  </dgm:styleLbl>
+  <dgm:styleLbl name="sibTrans2D1">
+    <dgm:scene3d>
+      <a:camera prst="orthographicFront"/>
+      <a:lightRig rig="threePt" dir="t"/>
+    </dgm:scene3d>
+    <dgm:sp3d/>
+    <dgm:txPr/>
+    <dgm:style>
+      <a:lnRef idx="0">
+        <a:scrgbClr r="0" g="0" b="0"/>
+      </a:lnRef>
+      <a:fillRef idx="1">
+        <a:scrgbClr r="0" g="0" b="0"/>
+      </a:fillRef>
+      <a:effectRef idx="0">
+        <a:scrgbClr r="0" g="0" b="0"/>
+      </a:effectRef>
+      <a:fontRef idx="minor">
+        <a:schemeClr val="lt1"/>
+      </a:fontRef>
+    </dgm:style>
+  </dgm:styleLbl>
+  <dgm:styleLbl name="fgSibTrans2D1">
+    <dgm:scene3d>
+      <a:camera prst="orthographicFront"/>
+      <a:lightRig rig="threePt" dir="t"/>
+    </dgm:scene3d>
+    <dgm:sp3d/>
+    <dgm:txPr/>
+    <dgm:style>
+      <a:lnRef idx="0">
+        <a:scrgbClr r="0" g="0" b="0"/>
+      </a:lnRef>
+      <a:fillRef idx="1">
+        <a:scrgbClr r="0" g="0" b="0"/>
+      </a:fillRef>
+      <a:effectRef idx="0">
+        <a:scrgbClr r="0" g="0" b="0"/>
+      </a:effectRef>
+      <a:fontRef idx="minor">
+        <a:schemeClr val="lt1"/>
+      </a:fontRef>
+    </dgm:style>
+  </dgm:styleLbl>
+  <dgm:styleLbl name="bgSibTrans2D1">
+    <dgm:scene3d>
+      <a:camera prst="orthographicFront"/>
+      <a:lightRig rig="threePt" dir="t"/>
+    </dgm:scene3d>
+    <dgm:sp3d/>
+    <dgm:txPr/>
+    <dgm:style>
+      <a:lnRef idx="0">
+        <a:scrgbClr r="0" g="0" b="0"/>
+      </a:lnRef>
+      <a:fillRef idx="1">
+        <a:scrgbClr r="0" g="0" b="0"/>
+      </a:fillRef>
+      <a:effectRef idx="0">
+        <a:scrgbClr r="0" g="0" b="0"/>
+      </a:effectRef>
+      <a:fontRef idx="minor">
+        <a:schemeClr val="lt1"/>
+      </a:fontRef>
+    </dgm:style>
+  </dgm:styleLbl>
+  <dgm:styleLbl name="sibTrans1D1">
+    <dgm:scene3d>
+      <a:camera prst="orthographicFront"/>
+      <a:lightRig rig="threePt" dir="t"/>
+    </dgm:scene3d>
+    <dgm:sp3d/>
+    <dgm:txPr/>
+    <dgm:style>
+      <a:lnRef idx="1">
+        <a:scrgbClr r="0" g="0" b="0"/>
+      </a:lnRef>
+      <a:fillRef idx="0">
+        <a:scrgbClr r="0" g="0" b="0"/>
+      </a:fillRef>
+      <a:effectRef idx="0">
+        <a:scrgbClr r="0" g="0" b="0"/>
+      </a:effectRef>
+      <a:fontRef idx="minor"/>
+    </dgm:style>
+  </dgm:styleLbl>
+  <dgm:styleLbl name="callout">
+    <dgm:scene3d>
+      <a:camera prst="orthographicFront"/>
+      <a:lightRig rig="threePt" dir="t"/>
+    </dgm:scene3d>
+    <dgm:sp3d/>
+    <dgm:txPr/>
+    <dgm:style>
+      <a:lnRef idx="2">
+        <a:scrgbClr r="0" g="0" b="0"/>
+      </a:lnRef>
+      <a:fillRef idx="1">
+        <a:scrgbClr r="0" g="0" b="0"/>
+      </a:fillRef>
+      <a:effectRef idx="0">
+        <a:scrgbClr r="0" g="0" b="0"/>
+      </a:effectRef>
+      <a:fontRef idx="minor"/>
+    </dgm:style>
+  </dgm:styleLbl>
+  <dgm:styleLbl name="asst0">
+    <dgm:scene3d>
+      <a:camera prst="orthographicFront"/>
+      <a:lightRig rig="threePt" dir="t"/>
+    </dgm:scene3d>
+    <dgm:sp3d/>
+    <dgm:txPr/>
+    <dgm:style>
+      <a:lnRef idx="2">
+        <a:scrgbClr r="0" g="0" b="0"/>
+      </a:lnRef>
+      <a:fillRef idx="1">
+        <a:scrgbClr r="0" g="0" b="0"/>
+      </a:fillRef>
+      <a:effectRef idx="0">
+        <a:scrgbClr r="0" g="0" b="0"/>
+      </a:effectRef>
+      <a:fontRef idx="minor">
+        <a:schemeClr val="lt1"/>
+      </a:fontRef>
+    </dgm:style>
+  </dgm:styleLbl>
+  <dgm:styleLbl name="asst1">
+    <dgm:scene3d>
+      <a:camera prst="orthographicFront"/>
+      <a:lightRig rig="threePt" dir="t"/>
+    </dgm:scene3d>
+    <dgm:sp3d/>
+    <dgm:txPr/>
+    <dgm:style>
+      <a:lnRef idx="2">
+        <a:scrgbClr r="0" g="0" b="0"/>
+      </a:lnRef>
+      <a:fillRef idx="1">
+        <a:scrgbClr r="0" g="0" b="0"/>
+      </a:fillRef>
+      <a:effectRef idx="0">
+        <a:scrgbClr r="0" g="0" b="0"/>
+      </a:effectRef>
+      <a:fontRef idx="minor">
+        <a:schemeClr val="lt1"/>
+      </a:fontRef>
+    </dgm:style>
+  </dgm:styleLbl>
+  <dgm:styleLbl name="asst2">
+    <dgm:scene3d>
+      <a:camera prst="orthographicFront"/>
+      <a:lightRig rig="threePt" dir="t"/>
+    </dgm:scene3d>
+    <dgm:sp3d/>
+    <dgm:txPr/>
+    <dgm:style>
+      <a:lnRef idx="2">
+        <a:scrgbClr r="0" g="0" b="0"/>
+      </a:lnRef>
+      <a:fillRef idx="1">
+        <a:scrgbClr r="0" g="0" b="0"/>
+      </a:fillRef>
+      <a:effectRef idx="0">
+        <a:scrgbClr r="0" g="0" b="0"/>
+      </a:effectRef>
+      <a:fontRef idx="minor">
+        <a:schemeClr val="lt1"/>
+      </a:fontRef>
+    </dgm:style>
+  </dgm:styleLbl>
+  <dgm:styleLbl name="asst3">
+    <dgm:scene3d>
+      <a:camera prst="orthographicFront"/>
+      <a:lightRig rig="threePt" dir="t"/>
+    </dgm:scene3d>
+    <dgm:sp3d/>
+    <dgm:txPr/>
+    <dgm:style>
+      <a:lnRef idx="2">
+        <a:scrgbClr r="0" g="0" b="0"/>
+      </a:lnRef>
+      <a:fillRef idx="1">
+        <a:scrgbClr r="0" g="0" b="0"/>
+      </a:fillRef>
+      <a:effectRef idx="0">
+        <a:scrgbClr r="0" g="0" b="0"/>
+      </a:effectRef>
+      <a:fontRef idx="minor">
+        <a:schemeClr val="lt1"/>
+      </a:fontRef>
+    </dgm:style>
+  </dgm:styleLbl>
+  <dgm:styleLbl name="asst4">
+    <dgm:scene3d>
+      <a:camera prst="orthographicFront"/>
+      <a:lightRig rig="threePt" dir="t"/>
+    </dgm:scene3d>
+    <dgm:sp3d/>
+    <dgm:txPr/>
+    <dgm:style>
+      <a:lnRef idx="2">
+        <a:scrgbClr r="0" g="0" b="0"/>
+      </a:lnRef>
+      <a:fillRef idx="1">
+        <a:scrgbClr r="0" g="0" b="0"/>
+      </a:fillRef>
+      <a:effectRef idx="0">
+        <a:scrgbClr r="0" g="0" b="0"/>
+      </a:effectRef>
+      <a:fontRef idx="minor">
+        <a:schemeClr val="lt1"/>
+      </a:fontRef>
+    </dgm:style>
+  </dgm:styleLbl>
+  <dgm:styleLbl name="parChTrans2D1">
+    <dgm:scene3d>
+      <a:camera prst="orthographicFront"/>
+      <a:lightRig rig="threePt" dir="t"/>
+    </dgm:scene3d>
+    <dgm:sp3d/>
+    <dgm:txPr/>
+    <dgm:style>
+      <a:lnRef idx="2">
+        <a:scrgbClr r="0" g="0" b="0"/>
+      </a:lnRef>
+      <a:fillRef idx="1">
+        <a:scrgbClr r="0" g="0" b="0"/>
+      </a:fillRef>
+      <a:effectRef idx="0">
+        <a:scrgbClr r="0" g="0" b="0"/>
+      </a:effectRef>
+      <a:fontRef idx="minor">
+        <a:schemeClr val="lt1"/>
+      </a:fontRef>
+    </dgm:style>
+  </dgm:styleLbl>
+  <dgm:styleLbl name="parChTrans2D2">
+    <dgm:scene3d>
+      <a:camera prst="orthographicFront"/>
+      <a:lightRig rig="threePt" dir="t"/>
+    </dgm:scene3d>
+    <dgm:sp3d/>
+    <dgm:txPr/>
+    <dgm:style>
+      <a:lnRef idx="2">
+        <a:scrgbClr r="0" g="0" b="0"/>
+      </a:lnRef>
+      <a:fillRef idx="1">
+        <a:scrgbClr r="0" g="0" b="0"/>
+      </a:fillRef>
+      <a:effectRef idx="0">
+        <a:scrgbClr r="0" g="0" b="0"/>
+      </a:effectRef>
+      <a:fontRef idx="minor">
+        <a:schemeClr val="lt1"/>
+      </a:fontRef>
+    </dgm:style>
+  </dgm:styleLbl>
+  <dgm:styleLbl name="parChTrans2D3">
+    <dgm:scene3d>
+      <a:camera prst="orthographicFront"/>
+      <a:lightRig rig="threePt" dir="t"/>
+    </dgm:scene3d>
+    <dgm:sp3d/>
+    <dgm:txPr/>
+    <dgm:style>
+      <a:lnRef idx="2">
+        <a:scrgbClr r="0" g="0" b="0"/>
+      </a:lnRef>
+      <a:fillRef idx="1">
+        <a:scrgbClr r="0" g="0" b="0"/>
+      </a:fillRef>
+      <a:effectRef idx="0">
+        <a:scrgbClr r="0" g="0" b="0"/>
+      </a:effectRef>
+      <a:fontRef idx="minor">
+        <a:schemeClr val="lt1"/>
+      </a:fontRef>
+    </dgm:style>
+  </dgm:styleLbl>
+  <dgm:styleLbl name="parChTrans2D4">
+    <dgm:scene3d>
+      <a:camera prst="orthographicFront"/>
+      <a:lightRig rig="threePt" dir="t"/>
+    </dgm:scene3d>
+    <dgm:sp3d/>
+    <dgm:txPr/>
+    <dgm:style>
+      <a:lnRef idx="2">
+        <a:scrgbClr r="0" g="0" b="0"/>
+      </a:lnRef>
+      <a:fillRef idx="1">
+        <a:scrgbClr r="0" g="0" b="0"/>
+      </a:fillRef>
+      <a:effectRef idx="0">
+        <a:scrgbClr r="0" g="0" b="0"/>
+      </a:effectRef>
+      <a:fontRef idx="minor">
+        <a:schemeClr val="lt1"/>
+      </a:fontRef>
+    </dgm:style>
+  </dgm:styleLbl>
+  <dgm:styleLbl name="parChTrans1D1">
+    <dgm:scene3d>
+      <a:camera prst="orthographicFront"/>
+      <a:lightRig rig="threePt" dir="t"/>
+    </dgm:scene3d>
+    <dgm:sp3d/>
+    <dgm:txPr/>
+    <dgm:style>
+      <a:lnRef idx="2">
+        <a:scrgbClr r="0" g="0" b="0"/>
+      </a:lnRef>
+      <a:fillRef idx="0">
+        <a:scrgbClr r="0" g="0" b="0"/>
+      </a:fillRef>
+      <a:effectRef idx="0">
+        <a:scrgbClr r="0" g="0" b="0"/>
+      </a:effectRef>
+      <a:fontRef idx="minor"/>
+    </dgm:style>
+  </dgm:styleLbl>
+  <dgm:styleLbl name="parChTrans1D2">
+    <dgm:scene3d>
+      <a:camera prst="orthographicFront"/>
+      <a:lightRig rig="threePt" dir="t"/>
+    </dgm:scene3d>
+    <dgm:sp3d/>
+    <dgm:txPr/>
+    <dgm:style>
+      <a:lnRef idx="2">
+        <a:scrgbClr r="0" g="0" b="0"/>
+      </a:lnRef>
+      <a:fillRef idx="0">
+        <a:scrgbClr r="0" g="0" b="0"/>
+      </a:fillRef>
+      <a:effectRef idx="0">
+        <a:scrgbClr r="0" g="0" b="0"/>
+      </a:effectRef>
+      <a:fontRef idx="minor"/>
+    </dgm:style>
+  </dgm:styleLbl>
+  <dgm:styleLbl name="parChTrans1D3">
+    <dgm:scene3d>
+      <a:camera prst="orthographicFront"/>
+      <a:lightRig rig="threePt" dir="t"/>
+    </dgm:scene3d>
+    <dgm:sp3d/>
+    <dgm:txPr/>
+    <dgm:style>
+      <a:lnRef idx="2">
+        <a:scrgbClr r="0" g="0" b="0"/>
+      </a:lnRef>
+      <a:fillRef idx="0">
+        <a:scrgbClr r="0" g="0" b="0"/>
+      </a:fillRef>
+      <a:effectRef idx="0">
+        <a:scrgbClr r="0" g="0" b="0"/>
+      </a:effectRef>
+      <a:fontRef idx="minor"/>
+    </dgm:style>
+  </dgm:styleLbl>
+  <dgm:styleLbl name="parChTrans1D4">
+    <dgm:scene3d>
+      <a:camera prst="orthographicFront"/>
+      <a:lightRig rig="threePt" dir="t"/>
+    </dgm:scene3d>
+    <dgm:sp3d/>
+    <dgm:txPr/>
+    <dgm:style>
+      <a:lnRef idx="2">
+        <a:scrgbClr r="0" g="0" b="0"/>
+      </a:lnRef>
+      <a:fillRef idx="0">
+        <a:scrgbClr r="0" g="0" b="0"/>
+      </a:fillRef>
+      <a:effectRef idx="0">
+        <a:scrgbClr r="0" g="0" b="0"/>
+      </a:effectRef>
+      <a:fontRef idx="minor"/>
+    </dgm:style>
+  </dgm:styleLbl>
+  <dgm:styleLbl name="fgAcc1">
+    <dgm:scene3d>
+      <a:camera prst="orthographicFront"/>
+      <a:lightRig rig="threePt" dir="t"/>
+    </dgm:scene3d>
+    <dgm:sp3d/>
+    <dgm:txPr/>
+    <dgm:style>
+      <a:lnRef idx="2">
+        <a:scrgbClr r="0" g="0" b="0"/>
+      </a:lnRef>
+      <a:fillRef idx="1">
+        <a:scrgbClr r="0" g="0" b="0"/>
+      </a:fillRef>
+      <a:effectRef idx="0">
+        <a:scrgbClr r="0" g="0" b="0"/>
+      </a:effectRef>
+      <a:fontRef idx="minor"/>
+    </dgm:style>
+  </dgm:styleLbl>
+  <dgm:styleLbl name="conFgAcc1">
+    <dgm:scene3d>
+      <a:camera prst="orthographicFront"/>
+      <a:lightRig rig="threePt" dir="t"/>
+    </dgm:scene3d>
+    <dgm:sp3d/>
+    <dgm:txPr/>
+    <dgm:style>
+      <a:lnRef idx="2">
+        <a:scrgbClr r="0" g="0" b="0"/>
+      </a:lnRef>
+      <a:fillRef idx="1">
+        <a:scrgbClr r="0" g="0" b="0"/>
+      </a:fillRef>
+      <a:effectRef idx="0">
+        <a:scrgbClr r="0" g="0" b="0"/>
+      </a:effectRef>
+      <a:fontRef idx="minor"/>
+    </dgm:style>
+  </dgm:styleLbl>
+  <dgm:styleLbl name="alignAcc1">
+    <dgm:scene3d>
+      <a:camera prst="orthographicFront"/>
+      <a:lightRig rig="threePt" dir="t"/>
+    </dgm:scene3d>
+    <dgm:sp3d/>
+    <dgm:txPr/>
+    <dgm:style>
+      <a:lnRef idx="2">
+        <a:scrgbClr r="0" g="0" b="0"/>
+      </a:lnRef>
+      <a:fillRef idx="1">
+        <a:scrgbClr r="0" g="0" b="0"/>
+      </a:fillRef>
+      <a:effectRef idx="0">
+        <a:scrgbClr r="0" g="0" b="0"/>
+      </a:effectRef>
+      <a:fontRef idx="minor"/>
+    </dgm:style>
+  </dgm:styleLbl>
+  <dgm:styleLbl name="trAlignAcc1">
+    <dgm:scene3d>
+      <a:camera prst="orthographicFront"/>
+      <a:lightRig rig="threePt" dir="t"/>
+    </dgm:scene3d>
+    <dgm:sp3d/>
+    <dgm:txPr/>
+    <dgm:style>
+      <a:lnRef idx="1">
+        <a:scrgbClr r="0" g="0" b="0"/>
+      </a:lnRef>
+      <a:fillRef idx="1">
+        <a:scrgbClr r="0" g="0" b="0"/>
+      </a:fillRef>
+      <a:effectRef idx="0">
+        <a:scrgbClr r="0" g="0" b="0"/>
+      </a:effectRef>
+      <a:fontRef idx="minor"/>
+    </dgm:style>
+  </dgm:styleLbl>
+  <dgm:styleLbl name="bgAcc1">
+    <dgm:scene3d>
+      <a:camera prst="orthographicFront"/>
+      <a:lightRig rig="threePt" dir="t"/>
+    </dgm:scene3d>
+    <dgm:sp3d/>
+    <dgm:txPr/>
+    <dgm:style>
+      <a:lnRef idx="2">
+        <a:scrgbClr r="0" g="0" b="0"/>
+      </a:lnRef>
+      <a:fillRef idx="1">
+        <a:scrgbClr r="0" g="0" b="0"/>
+      </a:fillRef>
+      <a:effectRef idx="0">
+        <a:scrgbClr r="0" g="0" b="0"/>
+      </a:effectRef>
+      <a:fontRef idx="minor"/>
+    </dgm:style>
+  </dgm:styleLbl>
+  <dgm:styleLbl name="solidFgAcc1">
+    <dgm:scene3d>
+      <a:camera prst="orthographicFront"/>
+      <a:lightRig rig="threePt" dir="t"/>
+    </dgm:scene3d>
+    <dgm:sp3d/>
+    <dgm:txPr/>
+    <dgm:style>
+      <a:lnRef idx="2">
+        <a:scrgbClr r="0" g="0" b="0"/>
+      </a:lnRef>
+      <a:fillRef idx="1">
+        <a:scrgbClr r="0" g="0" b="0"/>
+      </a:fillRef>
+      <a:effectRef idx="0">
+        <a:scrgbClr r="0" g="0" b="0"/>
+      </a:effectRef>
+      <a:fontRef idx="minor"/>
+    </dgm:style>
+  </dgm:styleLbl>
+  <dgm:styleLbl name="solidAlignAcc1">
+    <dgm:scene3d>
+      <a:camera prst="orthographicFront"/>
+      <a:lightRig rig="threePt" dir="t"/>
+    </dgm:scene3d>
+    <dgm:sp3d/>
+    <dgm:txPr/>
+    <dgm:style>
+      <a:lnRef idx="2">
+        <a:scrgbClr r="0" g="0" b="0"/>
+      </a:lnRef>
+      <a:fillRef idx="1">
+        <a:scrgbClr r="0" g="0" b="0"/>
+      </a:fillRef>
+      <a:effectRef idx="0">
+        <a:scrgbClr r="0" g="0" b="0"/>
+      </a:effectRef>
+      <a:fontRef idx="minor"/>
+    </dgm:style>
+  </dgm:styleLbl>
+  <dgm:styleLbl name="solidBgAcc1">
+    <dgm:scene3d>
+      <a:camera prst="orthographicFront"/>
+      <a:lightRig rig="threePt" dir="t"/>
+    </dgm:scene3d>
+    <dgm:sp3d/>
+    <dgm:txPr/>
+    <dgm:style>
+      <a:lnRef idx="2">
+        <a:scrgbClr r="0" g="0" b="0"/>
+      </a:lnRef>
+      <a:fillRef idx="1">
+        <a:scrgbClr r="0" g="0" b="0"/>
+      </a:fillRef>
+      <a:effectRef idx="0">
+        <a:scrgbClr r="0" g="0" b="0"/>
+      </a:effectRef>
+      <a:fontRef idx="minor"/>
+    </dgm:style>
+  </dgm:styleLbl>
+  <dgm:styleLbl name="fgAccFollowNode1">
+    <dgm:scene3d>
+      <a:camera prst="orthographicFront"/>
+      <a:lightRig rig="threePt" dir="t"/>
+    </dgm:scene3d>
+    <dgm:sp3d/>
+    <dgm:txPr/>
+    <dgm:style>
+      <a:lnRef idx="2">
+        <a:scrgbClr r="0" g="0" b="0"/>
+      </a:lnRef>
+      <a:fillRef idx="1">
+        <a:scrgbClr r="0" g="0" b="0"/>
+      </a:fillRef>
+      <a:effectRef idx="0">
+        <a:scrgbClr r="0" g="0" b="0"/>
+      </a:effectRef>
+      <a:fontRef idx="minor"/>
+    </dgm:style>
+  </dgm:styleLbl>
+  <dgm:styleLbl name="alignAccFollowNode1">
+    <dgm:scene3d>
+      <a:camera prst="orthographicFront"/>
+      <a:lightRig rig="threePt" dir="t"/>
+    </dgm:scene3d>
+    <dgm:sp3d/>
+    <dgm:txPr/>
+    <dgm:style>
+      <a:lnRef idx="2">
+        <a:scrgbClr r="0" g="0" b="0"/>
+      </a:lnRef>
+      <a:fillRef idx="1">
+        <a:scrgbClr r="0" g="0" b="0"/>
+      </a:fillRef>
+      <a:effectRef idx="0">
+        <a:scrgbClr r="0" g="0" b="0"/>
+      </a:effectRef>
+      <a:fontRef idx="minor"/>
+    </dgm:style>
+  </dgm:styleLbl>
+  <dgm:styleLbl name="bgAccFollowNode1">
+    <dgm:scene3d>
+      <a:camera prst="orthographicFront"/>
+      <a:lightRig rig="threePt" dir="t"/>
+    </dgm:scene3d>
+    <dgm:sp3d/>
+    <dgm:txPr/>
+    <dgm:style>
+      <a:lnRef idx="2">
+        <a:scrgbClr r="0" g="0" b="0"/>
+      </a:lnRef>
+      <a:fillRef idx="1">
+        <a:scrgbClr r="0" g="0" b="0"/>
+      </a:fillRef>
+      <a:effectRef idx="0">
+        <a:scrgbClr r="0" g="0" b="0"/>
+      </a:effectRef>
+      <a:fontRef idx="minor"/>
+    </dgm:style>
+  </dgm:styleLbl>
+  <dgm:styleLbl name="fgAcc0">
+    <dgm:scene3d>
+      <a:camera prst="orthographicFront"/>
+      <a:lightRig rig="threePt" dir="t"/>
+    </dgm:scene3d>
+    <dgm:sp3d/>
+    <dgm:txPr/>
+    <dgm:style>
+      <a:lnRef idx="2">
+        <a:scrgbClr r="0" g="0" b="0"/>
+      </a:lnRef>
+      <a:fillRef idx="1">
+        <a:scrgbClr r="0" g="0" b="0"/>
+      </a:fillRef>
+      <a:effectRef idx="0">
+        <a:scrgbClr r="0" g="0" b="0"/>
+      </a:effectRef>
+      <a:fontRef idx="minor"/>
+    </dgm:style>
+  </dgm:styleLbl>
+  <dgm:styleLbl name="fgAcc2">
+    <dgm:scene3d>
+      <a:camera prst="orthographicFront"/>
+      <a:lightRig rig="threePt" dir="t"/>
+    </dgm:scene3d>
+    <dgm:sp3d/>
+    <dgm:txPr/>
+    <dgm:style>
+      <a:lnRef idx="2">
+        <a:scrgbClr r="0" g="0" b="0"/>
+      </a:lnRef>
+      <a:fillRef idx="1">
+        <a:scrgbClr r="0" g="0" b="0"/>
+      </a:fillRef>
+      <a:effectRef idx="0">
+        <a:scrgbClr r="0" g="0" b="0"/>
+      </a:effectRef>
+      <a:fontRef idx="minor"/>
+    </dgm:style>
+  </dgm:styleLbl>
+  <dgm:styleLbl name="fgAcc3">
+    <dgm:scene3d>
+      <a:camera prst="orthographicFront"/>
+      <a:lightRig rig="threePt" dir="t"/>
+    </dgm:scene3d>
+    <dgm:sp3d/>
+    <dgm:txPr/>
+    <dgm:style>
+      <a:lnRef idx="2">
+        <a:scrgbClr r="0" g="0" b="0"/>
+      </a:lnRef>
+      <a:fillRef idx="1">
+        <a:scrgbClr r="0" g="0" b="0"/>
+      </a:fillRef>
+      <a:effectRef idx="0">
+        <a:scrgbClr r="0" g="0" b="0"/>
+      </a:effectRef>
+      <a:fontRef idx="minor"/>
+    </dgm:style>
+  </dgm:styleLbl>
+  <dgm:styleLbl name="fgAcc4">
+    <dgm:scene3d>
+      <a:camera prst="orthographicFront"/>
+      <a:lightRig rig="threePt" dir="t"/>
+    </dgm:scene3d>
+    <dgm:sp3d/>
+    <dgm:txPr/>
+    <dgm:style>
+      <a:lnRef idx="2">
+        <a:scrgbClr r="0" g="0" b="0"/>
+      </a:lnRef>
+      <a:fillRef idx="1">
+        <a:scrgbClr r="0" g="0" b="0"/>
+      </a:fillRef>
+      <a:effectRef idx="0">
+        <a:scrgbClr r="0" g="0" b="0"/>
+      </a:effectRef>
+      <a:fontRef idx="minor"/>
+    </dgm:style>
+  </dgm:styleLbl>
+  <dgm:styleLbl name="bgShp">
+    <dgm:scene3d>
+      <a:camera prst="orthographicFront"/>
+      <a:lightRig rig="threePt" dir="t"/>
+    </dgm:scene3d>
+    <dgm:sp3d/>
+    <dgm:txPr/>
+    <dgm:style>
+      <a:lnRef idx="0">
+        <a:scrgbClr r="0" g="0" b="0"/>
+      </a:lnRef>
+      <a:fillRef idx="1">
+        <a:scrgbClr r="0" g="0" b="0"/>
+      </a:fillRef>
+      <a:effectRef idx="0">
+        <a:scrgbClr r="0" g="0" b="0"/>
+      </a:effectRef>
+      <a:fontRef idx="minor"/>
+    </dgm:style>
+  </dgm:styleLbl>
+  <dgm:styleLbl name="dkBgShp">
+    <dgm:scene3d>
+      <a:camera prst="orthographicFront"/>
+      <a:lightRig rig="threePt" dir="t"/>
+    </dgm:scene3d>
+    <dgm:sp3d/>
+    <dgm:txPr/>
+    <dgm:style>
+      <a:lnRef idx="0">
+        <a:scrgbClr r="0" g="0" b="0"/>
+      </a:lnRef>
+      <a:fillRef idx="1">
+        <a:scrgbClr r="0" g="0" b="0"/>
+      </a:fillRef>
+      <a:effectRef idx="0">
+        <a:scrgbClr r="0" g="0" b="0"/>
+      </a:effectRef>
+      <a:fontRef idx="minor"/>
+    </dgm:style>
+  </dgm:styleLbl>
+  <dgm:styleLbl name="trBgShp">
+    <dgm:scene3d>
+      <a:camera prst="orthographicFront"/>
+      <a:lightRig rig="threePt" dir="t"/>
+    </dgm:scene3d>
+    <dgm:sp3d/>
+    <dgm:txPr/>
+    <dgm:style>
+      <a:lnRef idx="0">
+        <a:scrgbClr r="0" g="0" b="0"/>
+      </a:lnRef>
+      <a:fillRef idx="1">
+        <a:scrgbClr r="0" g="0" b="0"/>
+      </a:fillRef>
+      <a:effectRef idx="0">
+        <a:scrgbClr r="0" g="0" b="0"/>
+      </a:effectRef>
+      <a:fontRef idx="minor"/>
+    </dgm:style>
+  </dgm:styleLbl>
+  <dgm:styleLbl name="fgShp">
+    <dgm:scene3d>
+      <a:camera prst="orthographicFront"/>
+      <a:lightRig rig="threePt" dir="t"/>
+    </dgm:scene3d>
+    <dgm:sp3d/>
+    <dgm:txPr/>
+    <dgm:style>
+      <a:lnRef idx="2">
+        <a:scrgbClr r="0" g="0" b="0"/>
+      </a:lnRef>
+      <a:fillRef idx="1">
+        <a:scrgbClr r="0" g="0" b="0"/>
+      </a:fillRef>
+      <a:effectRef idx="0">
+        <a:scrgbClr r="0" g="0" b="0"/>
+      </a:effectRef>
+      <a:fontRef idx="minor"/>
+    </dgm:style>
+  </dgm:styleLbl>
+  <dgm:styleLbl name="revTx">
+    <dgm:scene3d>
+      <a:camera prst="orthographicFront"/>
+      <a:lightRig rig="threePt" dir="t"/>
+    </dgm:scene3d>
+    <dgm:sp3d/>
+    <dgm:txPr/>
+    <dgm:style>
+      <a:lnRef idx="0">
+        <a:scrgbClr r="0" g="0" b="0"/>
+      </a:lnRef>
+      <a:fillRef idx="0">
+        <a:scrgbClr r="0" g="0" b="0"/>
+      </a:fillRef>
+      <a:effectRef idx="0">
+        <a:scrgbClr r="0" g="0" b="0"/>
+      </a:effectRef>
+      <a:fontRef idx="minor"/>
+    </dgm:style>
+  </dgm:styleLbl>
+</dgm:styleDef>
 </file>
 
 <file path=ppt/notesMasters/notesMaster1.xml><?xml version="1.0" encoding="utf-8"?>
@@ -199,7 +2733,7 @@
           <a:p>
             <a:fld id="{42B8A6F2-5019-46AF-A25A-4FC3ABD36EB3}" type="datetimeFigureOut">
               <a:rPr lang="hu-HU" smtClean="0"/>
-              <a:t>2022. 05. 22.</a:t>
+              <a:t>2022. 05. 24.</a:t>
             </a:fld>
             <a:endParaRPr lang="hu-HU"/>
           </a:p>
@@ -511,232 +3045,14 @@
           <a:bodyPr/>
           <a:lstStyle/>
           <a:p>
-            <a:pPr marL="0" marR="0" lvl="0" indent="0" algn="l" defTabSz="914400" rtl="0" eaLnBrk="1" fontAlgn="auto" latinLnBrk="0" hangingPunct="1">
-              <a:lnSpc>
-                <a:spcPct val="100000"/>
-              </a:lnSpc>
-              <a:spcBef>
-                <a:spcPts val="0"/>
-              </a:spcBef>
-              <a:spcAft>
-                <a:spcPts val="0"/>
-              </a:spcAft>
-              <a:buClrTx/>
-              <a:buSzTx/>
-              <a:buFontTx/>
-              <a:buNone/>
-              <a:tabLst/>
-              <a:defRPr/>
-            </a:pPr>
-            <a:r>
-              <a:rPr lang="hu-HU" b="0" i="0" dirty="0">
-                <a:solidFill>
-                  <a:srgbClr val="2E2E2E"/>
-                </a:solidFill>
-                <a:effectLst/>
-                <a:latin typeface="NexusSerif"/>
-              </a:rPr>
-              <a:t>Feltaláló: </a:t>
-            </a:r>
-            <a:r>
-              <a:rPr lang="en-GB" b="0" i="0" dirty="0" err="1">
-                <a:solidFill>
-                  <a:srgbClr val="2E2E2E"/>
-                </a:solidFill>
-                <a:effectLst/>
-                <a:latin typeface="NexusSerif"/>
-              </a:rPr>
-              <a:t>Kuniaki</a:t>
-            </a:r>
-            <a:r>
-              <a:rPr lang="en-GB" b="0" i="0" dirty="0">
-                <a:solidFill>
-                  <a:srgbClr val="2E2E2E"/>
-                </a:solidFill>
-                <a:effectLst/>
-                <a:latin typeface="NexusSerif"/>
-              </a:rPr>
-              <a:t> </a:t>
-            </a:r>
-            <a:r>
-              <a:rPr lang="en-GB" b="0" i="0" dirty="0" err="1">
-                <a:solidFill>
-                  <a:srgbClr val="2E2E2E"/>
-                </a:solidFill>
-                <a:effectLst/>
-                <a:latin typeface="NexusSerif"/>
-              </a:rPr>
-              <a:t>Moribe</a:t>
-            </a:r>
-            <a:r>
-              <a:rPr lang="hu-HU" b="0" i="0" dirty="0">
-                <a:solidFill>
-                  <a:srgbClr val="2E2E2E"/>
-                </a:solidFill>
-                <a:effectLst/>
-                <a:latin typeface="NexusSerif"/>
-              </a:rPr>
-              <a:t> 1985</a:t>
-            </a:r>
-          </a:p>
-          <a:p>
-            <a:pPr marL="0" marR="0" lvl="0" indent="0" algn="l" defTabSz="914400" rtl="0" eaLnBrk="1" fontAlgn="auto" latinLnBrk="0" hangingPunct="1">
-              <a:lnSpc>
-                <a:spcPct val="100000"/>
-              </a:lnSpc>
-              <a:spcBef>
-                <a:spcPts val="0"/>
-              </a:spcBef>
-              <a:spcAft>
-                <a:spcPts val="0"/>
-              </a:spcAft>
-              <a:buClrTx/>
-              <a:buSzTx/>
-              <a:buFontTx/>
-              <a:buNone/>
-              <a:tabLst/>
-              <a:defRPr/>
-            </a:pPr>
-            <a:r>
-              <a:rPr lang="hu-HU" b="0" i="0" dirty="0">
-                <a:solidFill>
-                  <a:srgbClr val="2E2E2E"/>
-                </a:solidFill>
-                <a:effectLst/>
-                <a:latin typeface="NexusSerif"/>
-              </a:rPr>
-              <a:t>Újra készítette: </a:t>
-            </a:r>
-            <a:r>
-              <a:rPr lang="en-GB" b="0" i="0" dirty="0" err="1">
-                <a:solidFill>
-                  <a:srgbClr val="2E2E2E"/>
-                </a:solidFill>
-                <a:effectLst/>
-                <a:latin typeface="NexusSerif"/>
-              </a:rPr>
-              <a:t>Eiji</a:t>
-            </a:r>
-            <a:r>
-              <a:rPr lang="en-GB" b="0" i="0" dirty="0">
-                <a:solidFill>
-                  <a:srgbClr val="2E2E2E"/>
-                </a:solidFill>
-                <a:effectLst/>
-                <a:latin typeface="NexusSerif"/>
-              </a:rPr>
-              <a:t> Fukumoto</a:t>
-            </a:r>
-            <a:r>
-              <a:rPr lang="hu-HU" b="0" i="0" dirty="0">
-                <a:solidFill>
-                  <a:srgbClr val="2E2E2E"/>
-                </a:solidFill>
-                <a:effectLst/>
-                <a:latin typeface="NexusSerif"/>
-              </a:rPr>
-              <a:t> 1992</a:t>
-            </a:r>
-            <a:br>
+            <a:r>
+              <a:rPr lang="hu-HU" dirty="0" err="1"/>
+              <a:t>Bsc</a:t>
+            </a:r>
+            <a:r>
               <a:rPr lang="hu-HU" dirty="0"/>
-            </a:br>
-            <a:endParaRPr lang="hu-HU" dirty="0"/>
-          </a:p>
-          <a:p>
-            <a:pPr marL="0" marR="0" lvl="0" indent="0" algn="l" defTabSz="914400" rtl="0" eaLnBrk="1" fontAlgn="auto" latinLnBrk="0" hangingPunct="1">
-              <a:lnSpc>
-                <a:spcPct val="100000"/>
-              </a:lnSpc>
-              <a:spcBef>
-                <a:spcPts val="0"/>
-              </a:spcBef>
-              <a:spcAft>
-                <a:spcPts val="0"/>
-              </a:spcAft>
-              <a:buClrTx/>
-              <a:buSzTx/>
-              <a:buFontTx/>
-              <a:buNone/>
-              <a:tabLst/>
-              <a:defRPr/>
-            </a:pPr>
-            <a:r>
-              <a:rPr lang="hu-HU" dirty="0" err="1"/>
-              <a:t>Szabáylok</a:t>
-            </a:r>
-            <a:r>
-              <a:rPr lang="hu-HU" dirty="0"/>
-              <a:t>:</a:t>
-            </a:r>
-          </a:p>
-          <a:p>
-            <a:pPr marL="0" marR="0" lvl="0" indent="0" algn="l" defTabSz="914400" rtl="0" eaLnBrk="1" fontAlgn="auto" latinLnBrk="0" hangingPunct="1">
-              <a:lnSpc>
-                <a:spcPct val="100000"/>
-              </a:lnSpc>
-              <a:spcBef>
-                <a:spcPts val="0"/>
-              </a:spcBef>
-              <a:spcAft>
-                <a:spcPts val="0"/>
-              </a:spcAft>
-              <a:buClrTx/>
-              <a:buSzTx/>
-              <a:buFontTx/>
-              <a:buNone/>
-              <a:tabLst/>
-              <a:defRPr/>
-            </a:pPr>
-            <a:r>
-              <a:rPr lang="hu-HU" dirty="0"/>
-              <a:t>Egy lépésként kilehet választani egy mezőt, és az összes mező ami ugyan olyan színű és szomszédos eltűnik</a:t>
-            </a:r>
-          </a:p>
-          <a:p>
-            <a:pPr marL="0" marR="0" lvl="0" indent="0" algn="l" defTabSz="914400" rtl="0" eaLnBrk="1" fontAlgn="auto" latinLnBrk="0" hangingPunct="1">
-              <a:lnSpc>
-                <a:spcPct val="100000"/>
-              </a:lnSpc>
-              <a:spcBef>
-                <a:spcPts val="0"/>
-              </a:spcBef>
-              <a:spcAft>
-                <a:spcPts val="0"/>
-              </a:spcAft>
-              <a:buClrTx/>
-              <a:buSzTx/>
-              <a:buFontTx/>
-              <a:buNone/>
-              <a:tabLst/>
-              <a:defRPr/>
-            </a:pPr>
-            <a:r>
-              <a:rPr lang="hu-HU" sz="1200" dirty="0"/>
-              <a:t>Játéknak vége, ha minden blokk elfogyott, vagy nincs több lépési lehetőség.</a:t>
-            </a:r>
-          </a:p>
-          <a:p>
-            <a:pPr marL="0" marR="0" lvl="0" indent="0" algn="l" defTabSz="914400" rtl="0" eaLnBrk="1" fontAlgn="auto" latinLnBrk="0" hangingPunct="1">
-              <a:lnSpc>
-                <a:spcPct val="100000"/>
-              </a:lnSpc>
-              <a:spcBef>
-                <a:spcPts val="0"/>
-              </a:spcBef>
-              <a:spcAft>
-                <a:spcPts val="0"/>
-              </a:spcAft>
-              <a:buClrTx/>
-              <a:buSzTx/>
-              <a:buFontTx/>
-              <a:buNone/>
-              <a:tabLst/>
-              <a:defRPr/>
-            </a:pPr>
-            <a:endParaRPr lang="hu-HU" dirty="0"/>
-          </a:p>
-          <a:p>
-            <a:endParaRPr lang="hu-HU" dirty="0"/>
+              <a:t> önálló labor keretei belül</a:t>
+            </a:r>
           </a:p>
         </p:txBody>
       </p:sp>
@@ -757,7 +3073,7 @@
           <a:p>
             <a:fld id="{033217B9-40FA-4262-8253-21E859F2B18A}" type="slidenum">
               <a:rPr lang="hu-HU" smtClean="0"/>
-              <a:t>2</a:t>
+              <a:t>1</a:t>
             </a:fld>
             <a:endParaRPr lang="hu-HU"/>
           </a:p>
@@ -766,7 +3082,273 @@
     </p:spTree>
     <p:extLst>
       <p:ext uri="{BB962C8B-B14F-4D97-AF65-F5344CB8AC3E}">
-        <p14:creationId xmlns:p14="http://schemas.microsoft.com/office/powerpoint/2010/main" val="3629550943"/>
+        <p14:creationId xmlns:p14="http://schemas.microsoft.com/office/powerpoint/2010/main" val="202063371"/>
+      </p:ext>
+    </p:extLst>
+  </p:cSld>
+  <p:clrMapOvr>
+    <a:masterClrMapping/>
+  </p:clrMapOvr>
+</p:notes>
+</file>
+
+<file path=ppt/notesSlides/notesSlide10.xml><?xml version="1.0" encoding="utf-8"?>
+<p:notes xmlns:a="http://schemas.openxmlformats.org/drawingml/2006/main" xmlns:r="http://schemas.openxmlformats.org/officeDocument/2006/relationships" xmlns:p="http://schemas.openxmlformats.org/presentationml/2006/main">
+  <p:cSld>
+    <p:spTree>
+      <p:nvGrpSpPr>
+        <p:cNvPr id="1" name=""/>
+        <p:cNvGrpSpPr/>
+        <p:nvPr/>
+      </p:nvGrpSpPr>
+      <p:grpSpPr>
+        <a:xfrm>
+          <a:off x="0" y="0"/>
+          <a:ext cx="0" cy="0"/>
+          <a:chOff x="0" y="0"/>
+          <a:chExt cx="0" cy="0"/>
+        </a:xfrm>
+      </p:grpSpPr>
+      <p:sp>
+        <p:nvSpPr>
+          <p:cNvPr id="2" name="Slide Image Placeholder 1"/>
+          <p:cNvSpPr>
+            <a:spLocks noGrp="1" noRot="1" noChangeAspect="1"/>
+          </p:cNvSpPr>
+          <p:nvPr>
+            <p:ph type="sldImg"/>
+          </p:nvPr>
+        </p:nvSpPr>
+        <p:spPr/>
+      </p:sp>
+      <p:sp>
+        <p:nvSpPr>
+          <p:cNvPr id="3" name="Notes Placeholder 2"/>
+          <p:cNvSpPr>
+            <a:spLocks noGrp="1"/>
+          </p:cNvSpPr>
+          <p:nvPr>
+            <p:ph type="body" idx="1"/>
+          </p:nvPr>
+        </p:nvSpPr>
+        <p:spPr/>
+        <p:txBody>
+          <a:bodyPr/>
+          <a:lstStyle/>
+          <a:p>
+            <a:r>
+              <a:rPr lang="hu-HU" dirty="0"/>
+              <a:t>Újrakezdés, de más </a:t>
+            </a:r>
+            <a:r>
+              <a:rPr lang="hu-HU" dirty="0" err="1"/>
+              <a:t>seed</a:t>
+            </a:r>
+            <a:r>
+              <a:rPr lang="hu-HU" dirty="0"/>
+              <a:t>-t adunk a random függvénynek</a:t>
+            </a:r>
+          </a:p>
+        </p:txBody>
+      </p:sp>
+      <p:sp>
+        <p:nvSpPr>
+          <p:cNvPr id="4" name="Slide Number Placeholder 3"/>
+          <p:cNvSpPr>
+            <a:spLocks noGrp="1"/>
+          </p:cNvSpPr>
+          <p:nvPr>
+            <p:ph type="sldNum" sz="quarter" idx="5"/>
+          </p:nvPr>
+        </p:nvSpPr>
+        <p:spPr/>
+        <p:txBody>
+          <a:bodyPr/>
+          <a:lstStyle/>
+          <a:p>
+            <a:fld id="{033217B9-40FA-4262-8253-21E859F2B18A}" type="slidenum">
+              <a:rPr lang="hu-HU" smtClean="0"/>
+              <a:t>10</a:t>
+            </a:fld>
+            <a:endParaRPr lang="hu-HU"/>
+          </a:p>
+        </p:txBody>
+      </p:sp>
+    </p:spTree>
+    <p:extLst>
+      <p:ext uri="{BB962C8B-B14F-4D97-AF65-F5344CB8AC3E}">
+        <p14:creationId xmlns:p14="http://schemas.microsoft.com/office/powerpoint/2010/main" val="2970654014"/>
+      </p:ext>
+    </p:extLst>
+  </p:cSld>
+  <p:clrMapOvr>
+    <a:masterClrMapping/>
+  </p:clrMapOvr>
+</p:notes>
+</file>
+
+<file path=ppt/notesSlides/notesSlide11.xml><?xml version="1.0" encoding="utf-8"?>
+<p:notes xmlns:a="http://schemas.openxmlformats.org/drawingml/2006/main" xmlns:r="http://schemas.openxmlformats.org/officeDocument/2006/relationships" xmlns:p="http://schemas.openxmlformats.org/presentationml/2006/main">
+  <p:cSld>
+    <p:spTree>
+      <p:nvGrpSpPr>
+        <p:cNvPr id="1" name=""/>
+        <p:cNvGrpSpPr/>
+        <p:nvPr/>
+      </p:nvGrpSpPr>
+      <p:grpSpPr>
+        <a:xfrm>
+          <a:off x="0" y="0"/>
+          <a:ext cx="0" cy="0"/>
+          <a:chOff x="0" y="0"/>
+          <a:chExt cx="0" cy="0"/>
+        </a:xfrm>
+      </p:grpSpPr>
+      <p:sp>
+        <p:nvSpPr>
+          <p:cNvPr id="2" name="Slide Image Placeholder 1"/>
+          <p:cNvSpPr>
+            <a:spLocks noGrp="1" noRot="1" noChangeAspect="1"/>
+          </p:cNvSpPr>
+          <p:nvPr>
+            <p:ph type="sldImg"/>
+          </p:nvPr>
+        </p:nvSpPr>
+        <p:spPr/>
+      </p:sp>
+      <p:sp>
+        <p:nvSpPr>
+          <p:cNvPr id="3" name="Notes Placeholder 2"/>
+          <p:cNvSpPr>
+            <a:spLocks noGrp="1"/>
+          </p:cNvSpPr>
+          <p:nvPr>
+            <p:ph type="body" idx="1"/>
+          </p:nvPr>
+        </p:nvSpPr>
+        <p:spPr/>
+        <p:txBody>
+          <a:bodyPr/>
+          <a:lstStyle/>
+          <a:p>
+            <a:endParaRPr lang="hu-HU" dirty="0"/>
+          </a:p>
+        </p:txBody>
+      </p:sp>
+      <p:sp>
+        <p:nvSpPr>
+          <p:cNvPr id="4" name="Slide Number Placeholder 3"/>
+          <p:cNvSpPr>
+            <a:spLocks noGrp="1"/>
+          </p:cNvSpPr>
+          <p:nvPr>
+            <p:ph type="sldNum" sz="quarter" idx="5"/>
+          </p:nvPr>
+        </p:nvSpPr>
+        <p:spPr/>
+        <p:txBody>
+          <a:bodyPr/>
+          <a:lstStyle/>
+          <a:p>
+            <a:fld id="{033217B9-40FA-4262-8253-21E859F2B18A}" type="slidenum">
+              <a:rPr lang="hu-HU" smtClean="0"/>
+              <a:t>12</a:t>
+            </a:fld>
+            <a:endParaRPr lang="hu-HU"/>
+          </a:p>
+        </p:txBody>
+      </p:sp>
+    </p:spTree>
+    <p:extLst>
+      <p:ext uri="{BB962C8B-B14F-4D97-AF65-F5344CB8AC3E}">
+        <p14:creationId xmlns:p14="http://schemas.microsoft.com/office/powerpoint/2010/main" val="3589046568"/>
+      </p:ext>
+    </p:extLst>
+  </p:cSld>
+  <p:clrMapOvr>
+    <a:masterClrMapping/>
+  </p:clrMapOvr>
+</p:notes>
+</file>
+
+<file path=ppt/notesSlides/notesSlide12.xml><?xml version="1.0" encoding="utf-8"?>
+<p:notes xmlns:a="http://schemas.openxmlformats.org/drawingml/2006/main" xmlns:r="http://schemas.openxmlformats.org/officeDocument/2006/relationships" xmlns:p="http://schemas.openxmlformats.org/presentationml/2006/main">
+  <p:cSld>
+    <p:spTree>
+      <p:nvGrpSpPr>
+        <p:cNvPr id="1" name=""/>
+        <p:cNvGrpSpPr/>
+        <p:nvPr/>
+      </p:nvGrpSpPr>
+      <p:grpSpPr>
+        <a:xfrm>
+          <a:off x="0" y="0"/>
+          <a:ext cx="0" cy="0"/>
+          <a:chOff x="0" y="0"/>
+          <a:chExt cx="0" cy="0"/>
+        </a:xfrm>
+      </p:grpSpPr>
+      <p:sp>
+        <p:nvSpPr>
+          <p:cNvPr id="2" name="Slide Image Placeholder 1"/>
+          <p:cNvSpPr>
+            <a:spLocks noGrp="1" noRot="1" noChangeAspect="1"/>
+          </p:cNvSpPr>
+          <p:nvPr>
+            <p:ph type="sldImg"/>
+          </p:nvPr>
+        </p:nvSpPr>
+        <p:spPr/>
+      </p:sp>
+      <p:sp>
+        <p:nvSpPr>
+          <p:cNvPr id="3" name="Notes Placeholder 2"/>
+          <p:cNvSpPr>
+            <a:spLocks noGrp="1"/>
+          </p:cNvSpPr>
+          <p:nvPr>
+            <p:ph type="body" idx="1"/>
+          </p:nvPr>
+        </p:nvSpPr>
+        <p:spPr/>
+        <p:txBody>
+          <a:bodyPr/>
+          <a:lstStyle/>
+          <a:p>
+            <a:r>
+              <a:rPr lang="hu-HU" dirty="0"/>
+              <a:t>Kérdések?</a:t>
+            </a:r>
+          </a:p>
+        </p:txBody>
+      </p:sp>
+      <p:sp>
+        <p:nvSpPr>
+          <p:cNvPr id="4" name="Slide Number Placeholder 3"/>
+          <p:cNvSpPr>
+            <a:spLocks noGrp="1"/>
+          </p:cNvSpPr>
+          <p:nvPr>
+            <p:ph type="sldNum" sz="quarter" idx="5"/>
+          </p:nvPr>
+        </p:nvSpPr>
+        <p:spPr/>
+        <p:txBody>
+          <a:bodyPr/>
+          <a:lstStyle/>
+          <a:p>
+            <a:fld id="{033217B9-40FA-4262-8253-21E859F2B18A}" type="slidenum">
+              <a:rPr lang="hu-HU" smtClean="0"/>
+              <a:t>13</a:t>
+            </a:fld>
+            <a:endParaRPr lang="hu-HU"/>
+          </a:p>
+        </p:txBody>
+      </p:sp>
+    </p:spTree>
+    <p:extLst>
+      <p:ext uri="{BB962C8B-B14F-4D97-AF65-F5344CB8AC3E}">
+        <p14:creationId xmlns:p14="http://schemas.microsoft.com/office/powerpoint/2010/main" val="344601821"/>
       </p:ext>
     </p:extLst>
   </p:cSld>
@@ -820,28 +3402,280 @@
           <a:bodyPr/>
           <a:lstStyle/>
           <a:p>
-            <a:r>
+            <a:pPr marL="0" marR="0" lvl="0" indent="0" algn="l" defTabSz="914400" rtl="0" eaLnBrk="1" fontAlgn="auto" latinLnBrk="0" hangingPunct="1">
+              <a:lnSpc>
+                <a:spcPct val="100000"/>
+              </a:lnSpc>
+              <a:spcBef>
+                <a:spcPts val="0"/>
+              </a:spcBef>
+              <a:spcAft>
+                <a:spcPts val="0"/>
+              </a:spcAft>
+              <a:buClrTx/>
+              <a:buSzTx/>
+              <a:buFontTx/>
+              <a:buNone/>
+              <a:tabLst/>
+              <a:defRPr/>
+            </a:pPr>
+            <a:r>
+              <a:rPr lang="hu-HU" b="0" i="0" dirty="0">
+                <a:solidFill>
+                  <a:srgbClr val="2E2E2E"/>
+                </a:solidFill>
+                <a:effectLst/>
+                <a:latin typeface="NexusSerif"/>
+              </a:rPr>
+              <a:t>Feltaláló: </a:t>
+            </a:r>
+            <a:r>
+              <a:rPr lang="en-GB" b="0" i="0" dirty="0" err="1">
+                <a:solidFill>
+                  <a:srgbClr val="2E2E2E"/>
+                </a:solidFill>
+                <a:effectLst/>
+                <a:latin typeface="NexusSerif"/>
+              </a:rPr>
+              <a:t>Kuniaki</a:t>
+            </a:r>
+            <a:r>
+              <a:rPr lang="en-GB" b="0" i="0" dirty="0">
+                <a:solidFill>
+                  <a:srgbClr val="2E2E2E"/>
+                </a:solidFill>
+                <a:effectLst/>
+                <a:latin typeface="NexusSerif"/>
+              </a:rPr>
+              <a:t> </a:t>
+            </a:r>
+            <a:r>
+              <a:rPr lang="en-GB" b="0" i="0" dirty="0" err="1">
+                <a:solidFill>
+                  <a:srgbClr val="2E2E2E"/>
+                </a:solidFill>
+                <a:effectLst/>
+                <a:latin typeface="NexusSerif"/>
+              </a:rPr>
+              <a:t>Moribe</a:t>
+            </a:r>
+            <a:r>
+              <a:rPr lang="hu-HU" b="0" i="0" dirty="0">
+                <a:solidFill>
+                  <a:srgbClr val="2E2E2E"/>
+                </a:solidFill>
+                <a:effectLst/>
+                <a:latin typeface="NexusSerif"/>
+              </a:rPr>
+              <a:t> 1985</a:t>
+            </a:r>
+          </a:p>
+          <a:p>
+            <a:pPr marL="0" marR="0" lvl="0" indent="0" algn="l" defTabSz="914400" rtl="0" eaLnBrk="1" fontAlgn="auto" latinLnBrk="0" hangingPunct="1">
+              <a:lnSpc>
+                <a:spcPct val="100000"/>
+              </a:lnSpc>
+              <a:spcBef>
+                <a:spcPts val="0"/>
+              </a:spcBef>
+              <a:spcAft>
+                <a:spcPts val="0"/>
+              </a:spcAft>
+              <a:buClrTx/>
+              <a:buSzTx/>
+              <a:buFontTx/>
+              <a:buNone/>
+              <a:tabLst/>
+              <a:defRPr/>
+            </a:pPr>
+            <a:r>
+              <a:rPr lang="hu-HU" b="0" i="0" dirty="0">
+                <a:solidFill>
+                  <a:srgbClr val="2E2E2E"/>
+                </a:solidFill>
+                <a:effectLst/>
+                <a:latin typeface="NexusSerif"/>
+              </a:rPr>
+              <a:t>Újra készítette: </a:t>
+            </a:r>
+            <a:r>
+              <a:rPr lang="en-GB" b="0" i="0" dirty="0" err="1">
+                <a:solidFill>
+                  <a:srgbClr val="2E2E2E"/>
+                </a:solidFill>
+                <a:effectLst/>
+                <a:latin typeface="NexusSerif"/>
+              </a:rPr>
+              <a:t>Eiji</a:t>
+            </a:r>
+            <a:r>
+              <a:rPr lang="en-GB" b="0" i="0" dirty="0">
+                <a:solidFill>
+                  <a:srgbClr val="2E2E2E"/>
+                </a:solidFill>
+                <a:effectLst/>
+                <a:latin typeface="NexusSerif"/>
+              </a:rPr>
+              <a:t> Fukumoto</a:t>
+            </a:r>
+            <a:r>
+              <a:rPr lang="hu-HU" b="0" i="0" dirty="0">
+                <a:solidFill>
+                  <a:srgbClr val="2E2E2E"/>
+                </a:solidFill>
+                <a:effectLst/>
+                <a:latin typeface="NexusSerif"/>
+              </a:rPr>
+              <a:t> 1992</a:t>
+            </a:r>
+            <a:br>
               <a:rPr lang="hu-HU" dirty="0"/>
-              <a:t>Talált megoldás optimáltassanak vizsgálata NP teljes, hiszen ha van egy esetem, és keresek egy jobb esetet, akkor meg kell oldanom a </a:t>
-            </a:r>
+            </a:br>
+            <a:endParaRPr lang="hu-HU" dirty="0"/>
+          </a:p>
+          <a:p>
+            <a:pPr marL="0" marR="0" lvl="0" indent="0" algn="l" defTabSz="914400" rtl="0" eaLnBrk="1" fontAlgn="auto" latinLnBrk="0" hangingPunct="1">
+              <a:lnSpc>
+                <a:spcPct val="100000"/>
+              </a:lnSpc>
+              <a:spcBef>
+                <a:spcPts val="0"/>
+              </a:spcBef>
+              <a:spcAft>
+                <a:spcPts val="0"/>
+              </a:spcAft>
+              <a:buClrTx/>
+              <a:buSzTx/>
+              <a:buFontTx/>
+              <a:buNone/>
+              <a:tabLst/>
+              <a:defRPr/>
+            </a:pPr>
             <a:r>
               <a:rPr lang="hu-HU" dirty="0" err="1"/>
-              <a:t>clickomanaia</a:t>
+              <a:t>Szabáylok</a:t>
             </a:r>
             <a:r>
               <a:rPr lang="hu-HU" dirty="0"/>
-              <a:t> problémát</a:t>
-            </a:r>
-          </a:p>
-          <a:p>
-            <a:r>
-              <a:rPr lang="hu-HU" dirty="0" err="1"/>
-              <a:t>Clickomanai</a:t>
-            </a:r>
+              <a:t>:</a:t>
+            </a:r>
+          </a:p>
+          <a:p>
+            <a:pPr marL="0" marR="0" lvl="0" indent="0" algn="l" defTabSz="914400" rtl="0" eaLnBrk="1" fontAlgn="auto" latinLnBrk="0" hangingPunct="1">
+              <a:lnSpc>
+                <a:spcPct val="100000"/>
+              </a:lnSpc>
+              <a:spcBef>
+                <a:spcPts val="0"/>
+              </a:spcBef>
+              <a:spcAft>
+                <a:spcPts val="0"/>
+              </a:spcAft>
+              <a:buClrTx/>
+              <a:buSzTx/>
+              <a:buFontTx/>
+              <a:buNone/>
+              <a:tabLst/>
+              <a:defRPr/>
+            </a:pPr>
             <a:r>
               <a:rPr lang="hu-HU" dirty="0"/>
-              <a:t> 2oszlopra 5 színre bizonyított: 2002  hogy NP teljes</a:t>
-            </a:r>
+              <a:t>Egy lépésként kilehet választani egy mezőt, és az összes mező ami ugyan olyan színű és szomszédos eltűnik</a:t>
+            </a:r>
+          </a:p>
+          <a:p>
+            <a:pPr marL="0" marR="0" lvl="0" indent="0" algn="l" defTabSz="914400" rtl="0" eaLnBrk="1" fontAlgn="auto" latinLnBrk="0" hangingPunct="1">
+              <a:lnSpc>
+                <a:spcPct val="100000"/>
+              </a:lnSpc>
+              <a:spcBef>
+                <a:spcPts val="0"/>
+              </a:spcBef>
+              <a:spcAft>
+                <a:spcPts val="0"/>
+              </a:spcAft>
+              <a:buClrTx/>
+              <a:buSzTx/>
+              <a:buFontTx/>
+              <a:buNone/>
+              <a:tabLst/>
+              <a:defRPr/>
+            </a:pPr>
+            <a:r>
+              <a:rPr lang="hu-HU" sz="1200" dirty="0"/>
+              <a:t>Játéknak vége, ha minden blokk elfogyott, vagy nincs több lépési lehetőség.</a:t>
+            </a:r>
+          </a:p>
+          <a:p>
+            <a:pPr marL="0" marR="0" lvl="0" indent="0" algn="l" defTabSz="914400" rtl="0" eaLnBrk="1" fontAlgn="auto" latinLnBrk="0" hangingPunct="1">
+              <a:lnSpc>
+                <a:spcPct val="100000"/>
+              </a:lnSpc>
+              <a:spcBef>
+                <a:spcPts val="0"/>
+              </a:spcBef>
+              <a:spcAft>
+                <a:spcPts val="0"/>
+              </a:spcAft>
+              <a:buClrTx/>
+              <a:buSzTx/>
+              <a:buFontTx/>
+              <a:buNone/>
+              <a:tabLst/>
+              <a:defRPr/>
+            </a:pPr>
+            <a:endParaRPr lang="hu-HU" sz="1200" dirty="0"/>
+          </a:p>
+          <a:p>
+            <a:pPr marL="0" marR="0" lvl="0" indent="0" algn="l" defTabSz="914400" rtl="0" eaLnBrk="1" fontAlgn="auto" latinLnBrk="0" hangingPunct="1">
+              <a:lnSpc>
+                <a:spcPct val="100000"/>
+              </a:lnSpc>
+              <a:spcBef>
+                <a:spcPts val="0"/>
+              </a:spcBef>
+              <a:spcAft>
+                <a:spcPts val="0"/>
+              </a:spcAft>
+              <a:buClrTx/>
+              <a:buSzTx/>
+              <a:buFontTx/>
+              <a:buNone/>
+              <a:tabLst/>
+              <a:defRPr/>
+            </a:pPr>
+            <a:r>
+              <a:rPr lang="hu-HU" sz="1200" dirty="0"/>
+              <a:t>Példa a </a:t>
+            </a:r>
+            <a:r>
+              <a:rPr lang="hu-HU" sz="1200" dirty="0" err="1"/>
+              <a:t>müködésre</a:t>
+            </a:r>
+            <a:endParaRPr lang="hu-HU" sz="1200" dirty="0"/>
+          </a:p>
+          <a:p>
+            <a:pPr marL="0" marR="0" lvl="0" indent="0" algn="l" defTabSz="914400" rtl="0" eaLnBrk="1" fontAlgn="auto" latinLnBrk="0" hangingPunct="1">
+              <a:lnSpc>
+                <a:spcPct val="100000"/>
+              </a:lnSpc>
+              <a:spcBef>
+                <a:spcPts val="0"/>
+              </a:spcBef>
+              <a:spcAft>
+                <a:spcPts val="0"/>
+              </a:spcAft>
+              <a:buClrTx/>
+              <a:buSzTx/>
+              <a:buFontTx/>
+              <a:buNone/>
+              <a:tabLst/>
+              <a:defRPr/>
+            </a:pPr>
+            <a:endParaRPr lang="hu-HU" dirty="0"/>
+          </a:p>
+          <a:p>
+            <a:endParaRPr lang="hu-HU" dirty="0"/>
           </a:p>
         </p:txBody>
       </p:sp>
@@ -862,7 +3696,7 @@
           <a:p>
             <a:fld id="{033217B9-40FA-4262-8253-21E859F2B18A}" type="slidenum">
               <a:rPr lang="hu-HU" smtClean="0"/>
-              <a:t>3</a:t>
+              <a:t>2</a:t>
             </a:fld>
             <a:endParaRPr lang="hu-HU"/>
           </a:p>
@@ -871,7 +3705,7 @@
     </p:spTree>
     <p:extLst>
       <p:ext uri="{BB962C8B-B14F-4D97-AF65-F5344CB8AC3E}">
-        <p14:creationId xmlns:p14="http://schemas.microsoft.com/office/powerpoint/2010/main" val="2968398673"/>
+        <p14:creationId xmlns:p14="http://schemas.microsoft.com/office/powerpoint/2010/main" val="3629550943"/>
       </p:ext>
     </p:extLst>
   </p:cSld>
@@ -926,43 +3760,27 @@
           <a:lstStyle/>
           <a:p>
             <a:r>
+              <a:rPr lang="hu-HU" dirty="0"/>
+              <a:t>Talált megoldás optimáltassanak vizsgálata NP teljes, hiszen ha van egy esetem, és keresek egy jobb esetet, akkor meg kell oldanom a </a:t>
+            </a:r>
+            <a:r>
               <a:rPr lang="hu-HU" dirty="0" err="1"/>
-              <a:t>SamgeGame</a:t>
+              <a:t>clickomanaia</a:t>
             </a:r>
             <a:r>
               <a:rPr lang="hu-HU" dirty="0"/>
-              <a:t> kutatásához van egy benchmark mely 20 </a:t>
-            </a:r>
+              <a:t> problémát</a:t>
+            </a:r>
+          </a:p>
+          <a:p>
             <a:r>
               <a:rPr lang="hu-HU" dirty="0" err="1"/>
-              <a:t>pozicióra</a:t>
+              <a:t>Clickomanai</a:t>
             </a:r>
             <a:r>
               <a:rPr lang="hu-HU" dirty="0"/>
-              <a:t> </a:t>
-            </a:r>
-            <a:r>
-              <a:rPr lang="hu-HU" dirty="0" err="1"/>
-              <a:t>standatrizált</a:t>
-            </a:r>
-            <a:r>
-              <a:rPr lang="hu-HU" dirty="0"/>
-              <a:t>.</a:t>
-            </a:r>
-          </a:p>
-          <a:p>
-            <a:r>
-              <a:rPr lang="en-GB" b="0" i="0" u="none" strike="noStrike" dirty="0">
-                <a:solidFill>
-                  <a:srgbClr val="007398"/>
-                </a:solidFill>
-                <a:effectLst/>
-                <a:latin typeface="NexusSans"/>
-                <a:hlinkClick r:id="rId3"/>
-              </a:rPr>
-              <a:t>www.js-games.de/eng/games/samegame</a:t>
-            </a:r>
-            <a:endParaRPr lang="hu-HU" dirty="0"/>
+              <a:t> 2oszlopra 5 színre bizonyított: 2002  hogy NP teljes</a:t>
+            </a:r>
           </a:p>
         </p:txBody>
       </p:sp>
@@ -983,7 +3801,7 @@
           <a:p>
             <a:fld id="{033217B9-40FA-4262-8253-21E859F2B18A}" type="slidenum">
               <a:rPr lang="hu-HU" smtClean="0"/>
-              <a:t>4</a:t>
+              <a:t>3</a:t>
             </a:fld>
             <a:endParaRPr lang="hu-HU"/>
           </a:p>
@@ -992,7 +3810,7 @@
     </p:spTree>
     <p:extLst>
       <p:ext uri="{BB962C8B-B14F-4D97-AF65-F5344CB8AC3E}">
-        <p14:creationId xmlns:p14="http://schemas.microsoft.com/office/powerpoint/2010/main" val="2944719789"/>
+        <p14:creationId xmlns:p14="http://schemas.microsoft.com/office/powerpoint/2010/main" val="2968398673"/>
       </p:ext>
     </p:extLst>
   </p:cSld>
@@ -1047,31 +3865,27 @@
           <a:lstStyle/>
           <a:p>
             <a:r>
+              <a:rPr lang="hu-HU" dirty="0" err="1"/>
+              <a:t>SamgeGame</a:t>
+            </a:r>
+            <a:r>
               <a:rPr lang="hu-HU" dirty="0"/>
-              <a:t>Kiértékelő függvénytől való függés</a:t>
-            </a:r>
-          </a:p>
-          <a:p>
-            <a:r>
-              <a:rPr lang="hu-HU" dirty="0"/>
-              <a:t>Nincs jó heurisztika</a:t>
-            </a:r>
-          </a:p>
-          <a:p>
-            <a:r>
-              <a:rPr lang="hu-HU" dirty="0" err="1"/>
-              <a:t>Manhatten</a:t>
-            </a:r>
-            <a:r>
-              <a:rPr lang="hu-HU" dirty="0"/>
-              <a:t> távolság, csak derékszögű utakban közelíti meg a cél állomást.</a:t>
-            </a:r>
-          </a:p>
-          <a:p>
-            <a:r>
-              <a:rPr lang="hu-HU" dirty="0"/>
-              <a:t>Nagy a pont belli eltérés, ha a jelen állás pontját néznénk.</a:t>
-            </a:r>
+              <a:t> kutatásához van egy benchmark mely 20 pozícióra standardizált.</a:t>
+            </a:r>
+          </a:p>
+          <a:p>
+            <a:r>
+              <a:rPr lang="en-GB" b="0" i="0" u="none" strike="noStrike" dirty="0">
+                <a:solidFill>
+                  <a:srgbClr val="007398"/>
+                </a:solidFill>
+                <a:effectLst/>
+                <a:latin typeface="NexusSans"/>
+                <a:hlinkClick r:id="rId3"/>
+              </a:rPr>
+              <a:t>www.js-games.de/eng/games/samegame</a:t>
+            </a:r>
+            <a:endParaRPr lang="hu-HU" dirty="0"/>
           </a:p>
         </p:txBody>
       </p:sp>
@@ -1092,7 +3906,7 @@
           <a:p>
             <a:fld id="{033217B9-40FA-4262-8253-21E859F2B18A}" type="slidenum">
               <a:rPr lang="hu-HU" smtClean="0"/>
-              <a:t>5</a:t>
+              <a:t>4</a:t>
             </a:fld>
             <a:endParaRPr lang="hu-HU"/>
           </a:p>
@@ -1101,7 +3915,7 @@
     </p:spTree>
     <p:extLst>
       <p:ext uri="{BB962C8B-B14F-4D97-AF65-F5344CB8AC3E}">
-        <p14:creationId xmlns:p14="http://schemas.microsoft.com/office/powerpoint/2010/main" val="2154628628"/>
+        <p14:creationId xmlns:p14="http://schemas.microsoft.com/office/powerpoint/2010/main" val="2944719789"/>
       </p:ext>
     </p:extLst>
   </p:cSld>
@@ -1157,6 +3971,115 @@
           <a:p>
             <a:r>
               <a:rPr lang="hu-HU" dirty="0"/>
+              <a:t>Kiértékelő függvénytől való függés</a:t>
+            </a:r>
+          </a:p>
+          <a:p>
+            <a:r>
+              <a:rPr lang="hu-HU" dirty="0"/>
+              <a:t>Nincs jó heurisztika (ingadozik a pálya átlag értéke)</a:t>
+            </a:r>
+          </a:p>
+          <a:p>
+            <a:r>
+              <a:rPr lang="hu-HU" dirty="0" err="1"/>
+              <a:t>Manhatten</a:t>
+            </a:r>
+            <a:r>
+              <a:rPr lang="hu-HU" dirty="0"/>
+              <a:t> távolság, csak derékszögű utakban közelíti meg a cél állomást.</a:t>
+            </a:r>
+          </a:p>
+          <a:p>
+            <a:r>
+              <a:rPr lang="hu-HU" dirty="0"/>
+              <a:t>Nagy a pont belli eltérés, ha a jelen állás pontját néznénk.</a:t>
+            </a:r>
+          </a:p>
+        </p:txBody>
+      </p:sp>
+      <p:sp>
+        <p:nvSpPr>
+          <p:cNvPr id="4" name="Slide Number Placeholder 3"/>
+          <p:cNvSpPr>
+            <a:spLocks noGrp="1"/>
+          </p:cNvSpPr>
+          <p:nvPr>
+            <p:ph type="sldNum" sz="quarter" idx="5"/>
+          </p:nvPr>
+        </p:nvSpPr>
+        <p:spPr/>
+        <p:txBody>
+          <a:bodyPr/>
+          <a:lstStyle/>
+          <a:p>
+            <a:fld id="{033217B9-40FA-4262-8253-21E859F2B18A}" type="slidenum">
+              <a:rPr lang="hu-HU" smtClean="0"/>
+              <a:t>5</a:t>
+            </a:fld>
+            <a:endParaRPr lang="hu-HU"/>
+          </a:p>
+        </p:txBody>
+      </p:sp>
+    </p:spTree>
+    <p:extLst>
+      <p:ext uri="{BB962C8B-B14F-4D97-AF65-F5344CB8AC3E}">
+        <p14:creationId xmlns:p14="http://schemas.microsoft.com/office/powerpoint/2010/main" val="2154628628"/>
+      </p:ext>
+    </p:extLst>
+  </p:cSld>
+  <p:clrMapOvr>
+    <a:masterClrMapping/>
+  </p:clrMapOvr>
+</p:notes>
+</file>
+
+<file path=ppt/notesSlides/notesSlide6.xml><?xml version="1.0" encoding="utf-8"?>
+<p:notes xmlns:a="http://schemas.openxmlformats.org/drawingml/2006/main" xmlns:r="http://schemas.openxmlformats.org/officeDocument/2006/relationships" xmlns:p="http://schemas.openxmlformats.org/presentationml/2006/main">
+  <p:cSld>
+    <p:spTree>
+      <p:nvGrpSpPr>
+        <p:cNvPr id="1" name=""/>
+        <p:cNvGrpSpPr/>
+        <p:nvPr/>
+      </p:nvGrpSpPr>
+      <p:grpSpPr>
+        <a:xfrm>
+          <a:off x="0" y="0"/>
+          <a:ext cx="0" cy="0"/>
+          <a:chOff x="0" y="0"/>
+          <a:chExt cx="0" cy="0"/>
+        </a:xfrm>
+      </p:grpSpPr>
+      <p:sp>
+        <p:nvSpPr>
+          <p:cNvPr id="2" name="Slide Image Placeholder 1"/>
+          <p:cNvSpPr>
+            <a:spLocks noGrp="1" noRot="1" noChangeAspect="1"/>
+          </p:cNvSpPr>
+          <p:nvPr>
+            <p:ph type="sldImg"/>
+          </p:nvPr>
+        </p:nvSpPr>
+        <p:spPr/>
+      </p:sp>
+      <p:sp>
+        <p:nvSpPr>
+          <p:cNvPr id="3" name="Notes Placeholder 2"/>
+          <p:cNvSpPr>
+            <a:spLocks noGrp="1"/>
+          </p:cNvSpPr>
+          <p:nvPr>
+            <p:ph type="body" idx="1"/>
+          </p:nvPr>
+        </p:nvSpPr>
+        <p:spPr/>
+        <p:txBody>
+          <a:bodyPr/>
+          <a:lstStyle/>
+          <a:p>
+            <a:r>
+              <a:rPr lang="hu-HU" dirty="0"/>
               <a:t>Nincs szüksége kiértékelő függvényre csak MonteCarlo szimulációra.</a:t>
             </a:r>
           </a:p>
@@ -1195,6 +4118,345 @@
     <p:extLst>
       <p:ext uri="{BB962C8B-B14F-4D97-AF65-F5344CB8AC3E}">
         <p14:creationId xmlns:p14="http://schemas.microsoft.com/office/powerpoint/2010/main" val="3194717403"/>
+      </p:ext>
+    </p:extLst>
+  </p:cSld>
+  <p:clrMapOvr>
+    <a:masterClrMapping/>
+  </p:clrMapOvr>
+</p:notes>
+</file>
+
+<file path=ppt/notesSlides/notesSlide7.xml><?xml version="1.0" encoding="utf-8"?>
+<p:notes xmlns:a="http://schemas.openxmlformats.org/drawingml/2006/main" xmlns:r="http://schemas.openxmlformats.org/officeDocument/2006/relationships" xmlns:p="http://schemas.openxmlformats.org/presentationml/2006/main">
+  <p:cSld>
+    <p:spTree>
+      <p:nvGrpSpPr>
+        <p:cNvPr id="1" name=""/>
+        <p:cNvGrpSpPr/>
+        <p:nvPr/>
+      </p:nvGrpSpPr>
+      <p:grpSpPr>
+        <a:xfrm>
+          <a:off x="0" y="0"/>
+          <a:ext cx="0" cy="0"/>
+          <a:chOff x="0" y="0"/>
+          <a:chExt cx="0" cy="0"/>
+        </a:xfrm>
+      </p:grpSpPr>
+      <p:sp>
+        <p:nvSpPr>
+          <p:cNvPr id="2" name="Slide Image Placeholder 1"/>
+          <p:cNvSpPr>
+            <a:spLocks noGrp="1" noRot="1" noChangeAspect="1"/>
+          </p:cNvSpPr>
+          <p:nvPr>
+            <p:ph type="sldImg"/>
+          </p:nvPr>
+        </p:nvSpPr>
+        <p:spPr/>
+      </p:sp>
+      <p:sp>
+        <p:nvSpPr>
+          <p:cNvPr id="3" name="Notes Placeholder 2"/>
+          <p:cNvSpPr>
+            <a:spLocks noGrp="1"/>
+          </p:cNvSpPr>
+          <p:nvPr>
+            <p:ph type="body" idx="1"/>
+          </p:nvPr>
+        </p:nvSpPr>
+        <p:spPr/>
+        <p:txBody>
+          <a:bodyPr/>
+          <a:lstStyle/>
+          <a:p>
+            <a:r>
+              <a:rPr lang="hu-HU" dirty="0"/>
+              <a:t>C D konstansok</a:t>
+            </a:r>
+          </a:p>
+          <a:p>
+            <a:r>
+              <a:rPr lang="hu-HU" dirty="0" err="1"/>
+              <a:t>Vi</a:t>
+            </a:r>
+            <a:r>
+              <a:rPr lang="hu-HU" dirty="0"/>
+              <a:t> átlagos játék érték</a:t>
+            </a:r>
+          </a:p>
+          <a:p>
+            <a:r>
+              <a:rPr lang="hu-HU" dirty="0"/>
+              <a:t>Egy játékos, nem kell aggódni, a másik játékos lépésének bizonytalansága miatt, ugyan akkor az érték tartomány teljesen más lehet a megszokott [-1,1]-</a:t>
+            </a:r>
+            <a:r>
+              <a:rPr lang="hu-HU" dirty="0" err="1"/>
+              <a:t>től</a:t>
+            </a:r>
+            <a:endParaRPr lang="hu-HU" dirty="0"/>
+          </a:p>
+          <a:p>
+            <a:r>
+              <a:rPr lang="hu-HU" dirty="0"/>
+              <a:t>P a szülőt </a:t>
+            </a:r>
+            <a:r>
+              <a:rPr lang="hu-HU" dirty="0" err="1"/>
+              <a:t>jelőli</a:t>
+            </a:r>
+            <a:endParaRPr lang="hu-HU" dirty="0"/>
+          </a:p>
+        </p:txBody>
+      </p:sp>
+      <p:sp>
+        <p:nvSpPr>
+          <p:cNvPr id="4" name="Slide Number Placeholder 3"/>
+          <p:cNvSpPr>
+            <a:spLocks noGrp="1"/>
+          </p:cNvSpPr>
+          <p:nvPr>
+            <p:ph type="sldNum" sz="quarter" idx="5"/>
+          </p:nvPr>
+        </p:nvSpPr>
+        <p:spPr/>
+        <p:txBody>
+          <a:bodyPr/>
+          <a:lstStyle/>
+          <a:p>
+            <a:fld id="{033217B9-40FA-4262-8253-21E859F2B18A}" type="slidenum">
+              <a:rPr lang="hu-HU" smtClean="0"/>
+              <a:t>7</a:t>
+            </a:fld>
+            <a:endParaRPr lang="hu-HU"/>
+          </a:p>
+        </p:txBody>
+      </p:sp>
+    </p:spTree>
+    <p:extLst>
+      <p:ext uri="{BB962C8B-B14F-4D97-AF65-F5344CB8AC3E}">
+        <p14:creationId xmlns:p14="http://schemas.microsoft.com/office/powerpoint/2010/main" val="187106796"/>
+      </p:ext>
+    </p:extLst>
+  </p:cSld>
+  <p:clrMapOvr>
+    <a:masterClrMapping/>
+  </p:clrMapOvr>
+</p:notes>
+</file>
+
+<file path=ppt/notesSlides/notesSlide8.xml><?xml version="1.0" encoding="utf-8"?>
+<p:notes xmlns:a="http://schemas.openxmlformats.org/drawingml/2006/main" xmlns:r="http://schemas.openxmlformats.org/officeDocument/2006/relationships" xmlns:p="http://schemas.openxmlformats.org/presentationml/2006/main">
+  <p:cSld>
+    <p:spTree>
+      <p:nvGrpSpPr>
+        <p:cNvPr id="1" name=""/>
+        <p:cNvGrpSpPr/>
+        <p:nvPr/>
+      </p:nvGrpSpPr>
+      <p:grpSpPr>
+        <a:xfrm>
+          <a:off x="0" y="0"/>
+          <a:ext cx="0" cy="0"/>
+          <a:chOff x="0" y="0"/>
+          <a:chExt cx="0" cy="0"/>
+        </a:xfrm>
+      </p:grpSpPr>
+      <p:sp>
+        <p:nvSpPr>
+          <p:cNvPr id="2" name="Slide Image Placeholder 1"/>
+          <p:cNvSpPr>
+            <a:spLocks noGrp="1" noRot="1" noChangeAspect="1"/>
+          </p:cNvSpPr>
+          <p:nvPr>
+            <p:ph type="sldImg"/>
+          </p:nvPr>
+        </p:nvSpPr>
+        <p:spPr/>
+      </p:sp>
+      <p:sp>
+        <p:nvSpPr>
+          <p:cNvPr id="3" name="Notes Placeholder 2"/>
+          <p:cNvSpPr>
+            <a:spLocks noGrp="1"/>
+          </p:cNvSpPr>
+          <p:nvPr>
+            <p:ph type="body" idx="1"/>
+          </p:nvPr>
+        </p:nvSpPr>
+        <p:spPr/>
+        <p:txBody>
+          <a:bodyPr/>
+          <a:lstStyle/>
+          <a:p>
+            <a:r>
+              <a:rPr lang="hu-HU" dirty="0" err="1"/>
+              <a:t>TabuRandom</a:t>
+            </a:r>
+            <a:r>
+              <a:rPr lang="hu-HU" dirty="0"/>
+              <a:t>- egy szint kerül amíg lehet, hogy nagy csoport </a:t>
+            </a:r>
+            <a:r>
+              <a:rPr lang="hu-HU" dirty="0" err="1"/>
+              <a:t>jöjjö</a:t>
+            </a:r>
+            <a:r>
+              <a:rPr lang="hu-HU" dirty="0"/>
+              <a:t> létre</a:t>
+            </a:r>
+          </a:p>
+          <a:p>
+            <a:r>
+              <a:rPr lang="hu-HU" dirty="0" err="1"/>
+              <a:t>TabuColoRandom</a:t>
+            </a:r>
+            <a:r>
+              <a:rPr lang="hu-HU" dirty="0"/>
+              <a:t> – azt a szint kerüli, amiből a legtöbb van</a:t>
+            </a:r>
+          </a:p>
+          <a:p>
+            <a:r>
+              <a:rPr lang="hu-HU" dirty="0"/>
+              <a:t>Kis epszilon bekövetkezte esetén térjen el, és mohon válasszon</a:t>
+            </a:r>
+          </a:p>
+          <a:p>
+            <a:r>
+              <a:rPr lang="hu-HU" dirty="0"/>
+              <a:t>Rulett nem hozz jobb eredményt gyakorlatban, a növelt számítási igényei miatt</a:t>
+            </a:r>
+          </a:p>
+          <a:p>
+            <a:endParaRPr lang="hu-HU" dirty="0"/>
+          </a:p>
+        </p:txBody>
+      </p:sp>
+      <p:sp>
+        <p:nvSpPr>
+          <p:cNvPr id="4" name="Slide Number Placeholder 3"/>
+          <p:cNvSpPr>
+            <a:spLocks noGrp="1"/>
+          </p:cNvSpPr>
+          <p:nvPr>
+            <p:ph type="sldNum" sz="quarter" idx="5"/>
+          </p:nvPr>
+        </p:nvSpPr>
+        <p:spPr/>
+        <p:txBody>
+          <a:bodyPr/>
+          <a:lstStyle/>
+          <a:p>
+            <a:fld id="{033217B9-40FA-4262-8253-21E859F2B18A}" type="slidenum">
+              <a:rPr lang="hu-HU" smtClean="0"/>
+              <a:t>8</a:t>
+            </a:fld>
+            <a:endParaRPr lang="hu-HU"/>
+          </a:p>
+        </p:txBody>
+      </p:sp>
+    </p:spTree>
+    <p:extLst>
+      <p:ext uri="{BB962C8B-B14F-4D97-AF65-F5344CB8AC3E}">
+        <p14:creationId xmlns:p14="http://schemas.microsoft.com/office/powerpoint/2010/main" val="3221752356"/>
+      </p:ext>
+    </p:extLst>
+  </p:cSld>
+  <p:clrMapOvr>
+    <a:masterClrMapping/>
+  </p:clrMapOvr>
+</p:notes>
+</file>
+
+<file path=ppt/notesSlides/notesSlide9.xml><?xml version="1.0" encoding="utf-8"?>
+<p:notes xmlns:a="http://schemas.openxmlformats.org/drawingml/2006/main" xmlns:r="http://schemas.openxmlformats.org/officeDocument/2006/relationships" xmlns:p="http://schemas.openxmlformats.org/presentationml/2006/main">
+  <p:cSld>
+    <p:spTree>
+      <p:nvGrpSpPr>
+        <p:cNvPr id="1" name=""/>
+        <p:cNvGrpSpPr/>
+        <p:nvPr/>
+      </p:nvGrpSpPr>
+      <p:grpSpPr>
+        <a:xfrm>
+          <a:off x="0" y="0"/>
+          <a:ext cx="0" cy="0"/>
+          <a:chOff x="0" y="0"/>
+          <a:chExt cx="0" cy="0"/>
+        </a:xfrm>
+      </p:grpSpPr>
+      <p:sp>
+        <p:nvSpPr>
+          <p:cNvPr id="2" name="Slide Image Placeholder 1"/>
+          <p:cNvSpPr>
+            <a:spLocks noGrp="1" noRot="1" noChangeAspect="1"/>
+          </p:cNvSpPr>
+          <p:nvPr>
+            <p:ph type="sldImg"/>
+          </p:nvPr>
+        </p:nvSpPr>
+        <p:spPr/>
+      </p:sp>
+      <p:sp>
+        <p:nvSpPr>
+          <p:cNvPr id="3" name="Notes Placeholder 2"/>
+          <p:cNvSpPr>
+            <a:spLocks noGrp="1"/>
+          </p:cNvSpPr>
+          <p:nvPr>
+            <p:ph type="body" idx="1"/>
+          </p:nvPr>
+        </p:nvSpPr>
+        <p:spPr/>
+        <p:txBody>
+          <a:bodyPr/>
+          <a:lstStyle/>
+          <a:p>
+            <a:r>
+              <a:rPr lang="hu-HU" dirty="0"/>
+              <a:t>Kutatás szerint ajánlott egyszerre csak eggyel bővíteni  fát.</a:t>
+            </a:r>
+          </a:p>
+          <a:p>
+            <a:r>
+              <a:rPr lang="hu-HU" dirty="0"/>
+              <a:t>Vissza terjesztés a gyökérig, kijátszások átlagos értékére alapozva.</a:t>
+            </a:r>
+          </a:p>
+          <a:p>
+            <a:endParaRPr lang="hu-HU" dirty="0"/>
+          </a:p>
+        </p:txBody>
+      </p:sp>
+      <p:sp>
+        <p:nvSpPr>
+          <p:cNvPr id="4" name="Slide Number Placeholder 3"/>
+          <p:cNvSpPr>
+            <a:spLocks noGrp="1"/>
+          </p:cNvSpPr>
+          <p:nvPr>
+            <p:ph type="sldNum" sz="quarter" idx="5"/>
+          </p:nvPr>
+        </p:nvSpPr>
+        <p:spPr/>
+        <p:txBody>
+          <a:bodyPr/>
+          <a:lstStyle/>
+          <a:p>
+            <a:fld id="{033217B9-40FA-4262-8253-21E859F2B18A}" type="slidenum">
+              <a:rPr lang="hu-HU" smtClean="0"/>
+              <a:t>9</a:t>
+            </a:fld>
+            <a:endParaRPr lang="hu-HU"/>
+          </a:p>
+        </p:txBody>
+      </p:sp>
+    </p:spTree>
+    <p:extLst>
+      <p:ext uri="{BB962C8B-B14F-4D97-AF65-F5344CB8AC3E}">
+        <p14:creationId xmlns:p14="http://schemas.microsoft.com/office/powerpoint/2010/main" val="2573256058"/>
       </p:ext>
     </p:extLst>
   </p:cSld>
@@ -1353,7 +4615,7 @@
           <a:p>
             <a:fld id="{D142FA38-5165-4AE9-A147-7A742E1CEECD}" type="datetimeFigureOut">
               <a:rPr lang="en-GB" smtClean="0"/>
-              <a:t>22/05/2022</a:t>
+              <a:t>24/05/2022</a:t>
             </a:fld>
             <a:endParaRPr lang="en-GB"/>
           </a:p>
@@ -1553,7 +4815,7 @@
           <a:p>
             <a:fld id="{D142FA38-5165-4AE9-A147-7A742E1CEECD}" type="datetimeFigureOut">
               <a:rPr lang="en-GB" smtClean="0"/>
-              <a:t>22/05/2022</a:t>
+              <a:t>24/05/2022</a:t>
             </a:fld>
             <a:endParaRPr lang="en-GB"/>
           </a:p>
@@ -1763,7 +5025,7 @@
           <a:p>
             <a:fld id="{D142FA38-5165-4AE9-A147-7A742E1CEECD}" type="datetimeFigureOut">
               <a:rPr lang="en-GB" smtClean="0"/>
-              <a:t>22/05/2022</a:t>
+              <a:t>24/05/2022</a:t>
             </a:fld>
             <a:endParaRPr lang="en-GB"/>
           </a:p>
@@ -1963,7 +5225,7 @@
           <a:p>
             <a:fld id="{D142FA38-5165-4AE9-A147-7A742E1CEECD}" type="datetimeFigureOut">
               <a:rPr lang="en-GB" smtClean="0"/>
-              <a:t>22/05/2022</a:t>
+              <a:t>24/05/2022</a:t>
             </a:fld>
             <a:endParaRPr lang="en-GB"/>
           </a:p>
@@ -2239,7 +5501,7 @@
           <a:p>
             <a:fld id="{D142FA38-5165-4AE9-A147-7A742E1CEECD}" type="datetimeFigureOut">
               <a:rPr lang="en-GB" smtClean="0"/>
-              <a:t>22/05/2022</a:t>
+              <a:t>24/05/2022</a:t>
             </a:fld>
             <a:endParaRPr lang="en-GB"/>
           </a:p>
@@ -2507,7 +5769,7 @@
           <a:p>
             <a:fld id="{D142FA38-5165-4AE9-A147-7A742E1CEECD}" type="datetimeFigureOut">
               <a:rPr lang="en-GB" smtClean="0"/>
-              <a:t>22/05/2022</a:t>
+              <a:t>24/05/2022</a:t>
             </a:fld>
             <a:endParaRPr lang="en-GB"/>
           </a:p>
@@ -2922,7 +6184,7 @@
           <a:p>
             <a:fld id="{D142FA38-5165-4AE9-A147-7A742E1CEECD}" type="datetimeFigureOut">
               <a:rPr lang="en-GB" smtClean="0"/>
-              <a:t>22/05/2022</a:t>
+              <a:t>24/05/2022</a:t>
             </a:fld>
             <a:endParaRPr lang="en-GB"/>
           </a:p>
@@ -3064,7 +6326,7 @@
           <a:p>
             <a:fld id="{D142FA38-5165-4AE9-A147-7A742E1CEECD}" type="datetimeFigureOut">
               <a:rPr lang="en-GB" smtClean="0"/>
-              <a:t>22/05/2022</a:t>
+              <a:t>24/05/2022</a:t>
             </a:fld>
             <a:endParaRPr lang="en-GB"/>
           </a:p>
@@ -3177,7 +6439,7 @@
           <a:p>
             <a:fld id="{D142FA38-5165-4AE9-A147-7A742E1CEECD}" type="datetimeFigureOut">
               <a:rPr lang="en-GB" smtClean="0"/>
-              <a:t>22/05/2022</a:t>
+              <a:t>24/05/2022</a:t>
             </a:fld>
             <a:endParaRPr lang="en-GB"/>
           </a:p>
@@ -3490,7 +6752,7 @@
           <a:p>
             <a:fld id="{D142FA38-5165-4AE9-A147-7A742E1CEECD}" type="datetimeFigureOut">
               <a:rPr lang="en-GB" smtClean="0"/>
-              <a:t>22/05/2022</a:t>
+              <a:t>24/05/2022</a:t>
             </a:fld>
             <a:endParaRPr lang="en-GB"/>
           </a:p>
@@ -3779,7 +7041,7 @@
           <a:p>
             <a:fld id="{D142FA38-5165-4AE9-A147-7A742E1CEECD}" type="datetimeFigureOut">
               <a:rPr lang="en-GB" smtClean="0"/>
-              <a:t>22/05/2022</a:t>
+              <a:t>24/05/2022</a:t>
             </a:fld>
             <a:endParaRPr lang="en-GB"/>
           </a:p>
@@ -4022,7 +7284,7 @@
           <a:p>
             <a:fld id="{D142FA38-5165-4AE9-A147-7A742E1CEECD}" type="datetimeFigureOut">
               <a:rPr lang="en-GB" smtClean="0"/>
-              <a:t>22/05/2022</a:t>
+              <a:t>24/05/2022</a:t>
             </a:fld>
             <a:endParaRPr lang="en-GB"/>
           </a:p>
@@ -4711,6 +7973,13 @@
               <a:rPr lang="hu-HU" dirty="0"/>
               <a:t>  megoldási módszereinek vizsgálata</a:t>
             </a:r>
+            <a:br>
+              <a:rPr lang="hu-HU" dirty="0"/>
+            </a:br>
+            <a:r>
+              <a:rPr lang="hu-HU" dirty="0"/>
+              <a:t>Kárpáti Márk András </a:t>
+            </a:r>
           </a:p>
         </p:txBody>
       </p:sp>
@@ -4770,6 +8039,1836 @@
     <p:extLst>
       <p:ext uri="{BB962C8B-B14F-4D97-AF65-F5344CB8AC3E}">
         <p14:creationId xmlns:p14="http://schemas.microsoft.com/office/powerpoint/2010/main" val="2948998358"/>
+      </p:ext>
+    </p:extLst>
+  </p:cSld>
+  <p:clrMapOvr>
+    <a:masterClrMapping/>
+  </p:clrMapOvr>
+</p:sld>
+</file>
+
+<file path=ppt/slides/slide10.xml><?xml version="1.0" encoding="utf-8"?>
+<p:sld xmlns:a="http://schemas.openxmlformats.org/drawingml/2006/main" xmlns:r="http://schemas.openxmlformats.org/officeDocument/2006/relationships" xmlns:p="http://schemas.openxmlformats.org/presentationml/2006/main">
+  <p:cSld>
+    <p:bg>
+      <p:bgPr>
+        <a:solidFill>
+          <a:schemeClr val="bg1"/>
+        </a:solidFill>
+        <a:effectLst/>
+      </p:bgPr>
+    </p:bg>
+    <p:spTree>
+      <p:nvGrpSpPr>
+        <p:cNvPr id="1" name=""/>
+        <p:cNvGrpSpPr/>
+        <p:nvPr/>
+      </p:nvGrpSpPr>
+      <p:grpSpPr>
+        <a:xfrm>
+          <a:off x="0" y="0"/>
+          <a:ext cx="0" cy="0"/>
+          <a:chOff x="0" y="0"/>
+          <a:chExt cx="0" cy="0"/>
+        </a:xfrm>
+      </p:grpSpPr>
+      <p:sp useBgFill="1">
+        <p:nvSpPr>
+          <p:cNvPr id="28" name="Rectangle 18">
+            <a:extLst>
+              <a:ext uri="{FF2B5EF4-FFF2-40B4-BE49-F238E27FC236}">
+                <a16:creationId xmlns:a16="http://schemas.microsoft.com/office/drawing/2014/main" id="{201CC55D-ED54-4C5C-95E6-10947BD1103B}"/>
+              </a:ext>
+              <a:ext uri="{C183D7F6-B498-43B3-948B-1728B52AA6E4}">
+                <adec:decorative xmlns:adec="http://schemas.microsoft.com/office/drawing/2017/decorative" val="1"/>
+              </a:ext>
+            </a:extLst>
+          </p:cNvPr>
+          <p:cNvSpPr>
+            <a:spLocks noGrp="1" noRot="1" noChangeAspect="1" noMove="1" noResize="1" noEditPoints="1" noAdjustHandles="1" noChangeArrowheads="1" noChangeShapeType="1" noTextEdit="1"/>
+          </p:cNvSpPr>
+          <p:nvPr>
+            <p:extLst>
+              <p:ext uri="{386F3935-93C4-4BCD-93E2-E3B085C9AB24}">
+                <p16:designElem xmlns:p16="http://schemas.microsoft.com/office/powerpoint/2015/main" val="1"/>
+              </p:ext>
+            </p:extLst>
+          </p:nvPr>
+        </p:nvSpPr>
+        <p:spPr>
+          <a:xfrm>
+            <a:off x="0" y="0"/>
+            <a:ext cx="12191999" cy="6857365"/>
+          </a:xfrm>
+          <a:prstGeom prst="rect">
+            <a:avLst/>
+          </a:prstGeom>
+          <a:ln>
+            <a:noFill/>
+          </a:ln>
+        </p:spPr>
+        <p:style>
+          <a:lnRef idx="2">
+            <a:schemeClr val="accent1">
+              <a:shade val="50000"/>
+            </a:schemeClr>
+          </a:lnRef>
+          <a:fillRef idx="1">
+            <a:schemeClr val="accent1"/>
+          </a:fillRef>
+          <a:effectRef idx="0">
+            <a:schemeClr val="accent1"/>
+          </a:effectRef>
+          <a:fontRef idx="minor">
+            <a:schemeClr val="lt1"/>
+          </a:fontRef>
+        </p:style>
+        <p:txBody>
+          <a:bodyPr rtlCol="0" anchor="ctr"/>
+          <a:lstStyle/>
+          <a:p>
+            <a:pPr algn="ctr"/>
+            <a:endParaRPr lang="en-US"/>
+          </a:p>
+        </p:txBody>
+      </p:sp>
+      <p:sp>
+        <p:nvSpPr>
+          <p:cNvPr id="2" name="Title 1">
+            <a:extLst>
+              <a:ext uri="{FF2B5EF4-FFF2-40B4-BE49-F238E27FC236}">
+                <a16:creationId xmlns:a16="http://schemas.microsoft.com/office/drawing/2014/main" id="{0AAFF0F1-597D-BA2A-417B-168AA7B48F95}"/>
+              </a:ext>
+            </a:extLst>
+          </p:cNvPr>
+          <p:cNvSpPr>
+            <a:spLocks noGrp="1"/>
+          </p:cNvSpPr>
+          <p:nvPr>
+            <p:ph type="title"/>
+          </p:nvPr>
+        </p:nvSpPr>
+        <p:spPr>
+          <a:xfrm>
+            <a:off x="589560" y="856180"/>
+            <a:ext cx="4560584" cy="1128068"/>
+          </a:xfrm>
+        </p:spPr>
+        <p:txBody>
+          <a:bodyPr anchor="ctr">
+            <a:normAutofit/>
+          </a:bodyPr>
+          <a:lstStyle/>
+          <a:p>
+            <a:r>
+              <a:rPr lang="hu-HU" sz="3700" dirty="0"/>
+              <a:t>Lokális Maximum problémája</a:t>
+            </a:r>
+          </a:p>
+        </p:txBody>
+      </p:sp>
+      <p:grpSp>
+        <p:nvGrpSpPr>
+          <p:cNvPr id="30" name="Group 20">
+            <a:extLst>
+              <a:ext uri="{FF2B5EF4-FFF2-40B4-BE49-F238E27FC236}">
+                <a16:creationId xmlns:a16="http://schemas.microsoft.com/office/drawing/2014/main" id="{1DE889C7-FAD6-4397-98E2-05D503484459}"/>
+              </a:ext>
+              <a:ext uri="{C183D7F6-B498-43B3-948B-1728B52AA6E4}">
+                <adec:decorative xmlns:adec="http://schemas.microsoft.com/office/drawing/2017/decorative" val="1"/>
+              </a:ext>
+            </a:extLst>
+          </p:cNvPr>
+          <p:cNvGrpSpPr>
+            <a:grpSpLocks noGrp="1" noUngrp="1" noRot="1" noChangeAspect="1" noMove="1" noResize="1"/>
+          </p:cNvGrpSpPr>
+          <p:nvPr>
+            <p:extLst>
+              <p:ext uri="{386F3935-93C4-4BCD-93E2-E3B085C9AB24}">
+                <p16:designElem xmlns:p16="http://schemas.microsoft.com/office/powerpoint/2015/main" val="1"/>
+              </p:ext>
+            </p:extLst>
+          </p:nvPr>
+        </p:nvGrpSpPr>
+        <p:grpSpPr>
+          <a:xfrm>
+            <a:off x="0" y="1083484"/>
+            <a:ext cx="355196" cy="673460"/>
+            <a:chOff x="0" y="823811"/>
+            <a:chExt cx="355196" cy="673460"/>
+          </a:xfrm>
+        </p:grpSpPr>
+        <p:sp>
+          <p:nvSpPr>
+            <p:cNvPr id="22" name="Rectangle 21">
+              <a:extLst>
+                <a:ext uri="{FF2B5EF4-FFF2-40B4-BE49-F238E27FC236}">
+                  <a16:creationId xmlns:a16="http://schemas.microsoft.com/office/drawing/2014/main" id="{F399A70F-F8CD-4992-9EF5-6CF15472E73F}"/>
+                </a:ext>
+                <a:ext uri="{C183D7F6-B498-43B3-948B-1728B52AA6E4}">
+                  <adec:decorative xmlns:adec="http://schemas.microsoft.com/office/drawing/2017/decorative" val="1"/>
+                </a:ext>
+              </a:extLst>
+            </p:cNvPr>
+            <p:cNvSpPr/>
+            <p:nvPr>
+              <p:extLst>
+                <p:ext uri="{386F3935-93C4-4BCD-93E2-E3B085C9AB24}">
+                  <p16:designElem xmlns:p16="http://schemas.microsoft.com/office/powerpoint/2015/main" val="1"/>
+                </p:ext>
+              </p:extLst>
+            </p:nvPr>
+          </p:nvSpPr>
+          <p:spPr>
+            <a:xfrm>
+              <a:off x="0" y="823811"/>
+              <a:ext cx="87363" cy="673460"/>
+            </a:xfrm>
+            <a:prstGeom prst="rect">
+              <a:avLst/>
+            </a:prstGeom>
+            <a:solidFill>
+              <a:schemeClr val="accent4"/>
+            </a:solidFill>
+            <a:ln>
+              <a:noFill/>
+            </a:ln>
+          </p:spPr>
+          <p:style>
+            <a:lnRef idx="2">
+              <a:schemeClr val="accent1">
+                <a:shade val="50000"/>
+              </a:schemeClr>
+            </a:lnRef>
+            <a:fillRef idx="1">
+              <a:schemeClr val="accent1"/>
+            </a:fillRef>
+            <a:effectRef idx="0">
+              <a:schemeClr val="accent1"/>
+            </a:effectRef>
+            <a:fontRef idx="minor">
+              <a:schemeClr val="lt1"/>
+            </a:fontRef>
+          </p:style>
+          <p:txBody>
+            <a:bodyPr rtlCol="0" anchor="ctr"/>
+            <a:lstStyle/>
+            <a:p>
+              <a:pPr algn="ctr"/>
+              <a:endParaRPr lang="en-US"/>
+            </a:p>
+          </p:txBody>
+        </p:sp>
+        <p:sp>
+          <p:nvSpPr>
+            <p:cNvPr id="31" name="Rectangle 22">
+              <a:extLst>
+                <a:ext uri="{FF2B5EF4-FFF2-40B4-BE49-F238E27FC236}">
+                  <a16:creationId xmlns:a16="http://schemas.microsoft.com/office/drawing/2014/main" id="{48F4FEDC-6D80-458C-A665-075D9B9500FD}"/>
+                </a:ext>
+                <a:ext uri="{C183D7F6-B498-43B3-948B-1728B52AA6E4}">
+                  <adec:decorative xmlns:adec="http://schemas.microsoft.com/office/drawing/2017/decorative" val="1"/>
+                </a:ext>
+              </a:extLst>
+            </p:cNvPr>
+            <p:cNvSpPr/>
+            <p:nvPr>
+              <p:extLst>
+                <p:ext uri="{386F3935-93C4-4BCD-93E2-E3B085C9AB24}">
+                  <p16:designElem xmlns:p16="http://schemas.microsoft.com/office/powerpoint/2015/main" val="1"/>
+                </p:ext>
+              </p:extLst>
+            </p:nvPr>
+          </p:nvSpPr>
+          <p:spPr>
+            <a:xfrm>
+              <a:off x="159341" y="823811"/>
+              <a:ext cx="195855" cy="673460"/>
+            </a:xfrm>
+            <a:prstGeom prst="rect">
+              <a:avLst/>
+            </a:prstGeom>
+            <a:solidFill>
+              <a:schemeClr val="accent4"/>
+            </a:solidFill>
+            <a:ln>
+              <a:noFill/>
+            </a:ln>
+          </p:spPr>
+          <p:style>
+            <a:lnRef idx="2">
+              <a:schemeClr val="accent1">
+                <a:shade val="50000"/>
+              </a:schemeClr>
+            </a:lnRef>
+            <a:fillRef idx="1">
+              <a:schemeClr val="accent1"/>
+            </a:fillRef>
+            <a:effectRef idx="0">
+              <a:schemeClr val="accent1"/>
+            </a:effectRef>
+            <a:fontRef idx="minor">
+              <a:schemeClr val="lt1"/>
+            </a:fontRef>
+          </p:style>
+          <p:txBody>
+            <a:bodyPr rtlCol="0" anchor="ctr"/>
+            <a:lstStyle/>
+            <a:p>
+              <a:pPr algn="ctr"/>
+              <a:endParaRPr lang="en-US"/>
+            </a:p>
+          </p:txBody>
+        </p:sp>
+      </p:grpSp>
+      <p:sp>
+        <p:nvSpPr>
+          <p:cNvPr id="32" name="Rectangle 24">
+            <a:extLst>
+              <a:ext uri="{FF2B5EF4-FFF2-40B4-BE49-F238E27FC236}">
+                <a16:creationId xmlns:a16="http://schemas.microsoft.com/office/drawing/2014/main" id="{3873B707-463F-40B0-8227-E8CC6C67EB25}"/>
+              </a:ext>
+              <a:ext uri="{C183D7F6-B498-43B3-948B-1728B52AA6E4}">
+                <adec:decorative xmlns:adec="http://schemas.microsoft.com/office/drawing/2017/decorative" val="1"/>
+              </a:ext>
+            </a:extLst>
+          </p:cNvPr>
+          <p:cNvSpPr>
+            <a:spLocks noGrp="1" noRot="1" noChangeAspect="1" noMove="1" noResize="1" noEditPoints="1" noAdjustHandles="1" noChangeArrowheads="1" noChangeShapeType="1" noTextEdit="1"/>
+          </p:cNvSpPr>
+          <p:nvPr>
+            <p:extLst>
+              <p:ext uri="{386F3935-93C4-4BCD-93E2-E3B085C9AB24}">
+                <p16:designElem xmlns:p16="http://schemas.microsoft.com/office/powerpoint/2015/main" val="1"/>
+              </p:ext>
+            </p:extLst>
+          </p:nvPr>
+        </p:nvSpPr>
+        <p:spPr>
+          <a:xfrm flipH="1">
+            <a:off x="665085" y="2090569"/>
+            <a:ext cx="4297680" cy="27432"/>
+          </a:xfrm>
+          <a:prstGeom prst="rect">
+            <a:avLst/>
+          </a:prstGeom>
+          <a:solidFill>
+            <a:schemeClr val="accent4"/>
+          </a:solidFill>
+          <a:ln>
+            <a:noFill/>
+          </a:ln>
+        </p:spPr>
+        <p:style>
+          <a:lnRef idx="2">
+            <a:schemeClr val="accent1">
+              <a:shade val="50000"/>
+            </a:schemeClr>
+          </a:lnRef>
+          <a:fillRef idx="1">
+            <a:schemeClr val="accent1"/>
+          </a:fillRef>
+          <a:effectRef idx="0">
+            <a:schemeClr val="accent1"/>
+          </a:effectRef>
+          <a:fontRef idx="minor">
+            <a:schemeClr val="lt1"/>
+          </a:fontRef>
+        </p:style>
+        <p:txBody>
+          <a:bodyPr rtlCol="0" anchor="ctr"/>
+          <a:lstStyle/>
+          <a:p>
+            <a:pPr algn="ctr"/>
+            <a:endParaRPr lang="en-US"/>
+          </a:p>
+        </p:txBody>
+      </p:sp>
+      <p:sp>
+        <p:nvSpPr>
+          <p:cNvPr id="3" name="Content Placeholder 2">
+            <a:extLst>
+              <a:ext uri="{FF2B5EF4-FFF2-40B4-BE49-F238E27FC236}">
+                <a16:creationId xmlns:a16="http://schemas.microsoft.com/office/drawing/2014/main" id="{6AA272A9-0454-9D29-E2FD-AF24176C4327}"/>
+              </a:ext>
+            </a:extLst>
+          </p:cNvPr>
+          <p:cNvSpPr>
+            <a:spLocks noGrp="1"/>
+          </p:cNvSpPr>
+          <p:nvPr>
+            <p:ph idx="1"/>
+          </p:nvPr>
+        </p:nvSpPr>
+        <p:spPr>
+          <a:xfrm>
+            <a:off x="590719" y="2330505"/>
+            <a:ext cx="4598268" cy="3979585"/>
+          </a:xfrm>
+        </p:spPr>
+        <p:txBody>
+          <a:bodyPr anchor="ctr">
+            <a:normAutofit/>
+          </a:bodyPr>
+          <a:lstStyle/>
+          <a:p>
+            <a:pPr marL="0" indent="0">
+              <a:buNone/>
+            </a:pPr>
+            <a:r>
+              <a:rPr lang="hu-HU" dirty="0"/>
+              <a:t>Mély fákat generálunk</a:t>
+            </a:r>
+          </a:p>
+          <a:p>
+            <a:pPr marL="0" indent="0">
+              <a:buNone/>
+            </a:pPr>
+            <a:r>
+              <a:rPr lang="hu-HU" dirty="0"/>
+              <a:t>Megoldások:</a:t>
+            </a:r>
+          </a:p>
+          <a:p>
+            <a:r>
+              <a:rPr lang="hu-HU" dirty="0"/>
+              <a:t>Újrakezdés</a:t>
+            </a:r>
+          </a:p>
+          <a:p>
+            <a:r>
+              <a:rPr lang="hu-HU" dirty="0"/>
+              <a:t>Párhuzamosítás egy szálon</a:t>
+            </a:r>
+          </a:p>
+        </p:txBody>
+      </p:sp>
+      <p:sp>
+        <p:nvSpPr>
+          <p:cNvPr id="27" name="Rectangle 26">
+            <a:extLst>
+              <a:ext uri="{FF2B5EF4-FFF2-40B4-BE49-F238E27FC236}">
+                <a16:creationId xmlns:a16="http://schemas.microsoft.com/office/drawing/2014/main" id="{C13237C8-E62C-4F0D-A318-BD6FB6C2D138}"/>
+              </a:ext>
+              <a:ext uri="{C183D7F6-B498-43B3-948B-1728B52AA6E4}">
+                <adec:decorative xmlns:adec="http://schemas.microsoft.com/office/drawing/2017/decorative" val="1"/>
+              </a:ext>
+            </a:extLst>
+          </p:cNvPr>
+          <p:cNvSpPr>
+            <a:spLocks noGrp="1" noRot="1" noChangeAspect="1" noMove="1" noResize="1" noEditPoints="1" noAdjustHandles="1" noChangeArrowheads="1" noChangeShapeType="1" noTextEdit="1"/>
+          </p:cNvSpPr>
+          <p:nvPr>
+            <p:extLst>
+              <p:ext uri="{386F3935-93C4-4BCD-93E2-E3B085C9AB24}">
+                <p16:designElem xmlns:p16="http://schemas.microsoft.com/office/powerpoint/2015/main" val="1"/>
+              </p:ext>
+            </p:extLst>
+          </p:nvPr>
+        </p:nvSpPr>
+        <p:spPr>
+          <a:xfrm flipH="1">
+            <a:off x="10697670" y="0"/>
+            <a:ext cx="1494330" cy="6858000"/>
+          </a:xfrm>
+          <a:prstGeom prst="rect">
+            <a:avLst/>
+          </a:prstGeom>
+          <a:solidFill>
+            <a:schemeClr val="accent4"/>
+          </a:solidFill>
+          <a:ln>
+            <a:noFill/>
+          </a:ln>
+        </p:spPr>
+        <p:style>
+          <a:lnRef idx="2">
+            <a:schemeClr val="accent1">
+              <a:shade val="50000"/>
+            </a:schemeClr>
+          </a:lnRef>
+          <a:fillRef idx="1">
+            <a:schemeClr val="accent1"/>
+          </a:fillRef>
+          <a:effectRef idx="0">
+            <a:schemeClr val="accent1"/>
+          </a:effectRef>
+          <a:fontRef idx="minor">
+            <a:schemeClr val="lt1"/>
+          </a:fontRef>
+        </p:style>
+        <p:txBody>
+          <a:bodyPr rtlCol="0" anchor="ctr"/>
+          <a:lstStyle/>
+          <a:p>
+            <a:pPr algn="ctr"/>
+            <a:endParaRPr lang="en-US"/>
+          </a:p>
+        </p:txBody>
+      </p:sp>
+      <p:sp>
+        <p:nvSpPr>
+          <p:cNvPr id="29" name="Rectangle 28">
+            <a:extLst>
+              <a:ext uri="{FF2B5EF4-FFF2-40B4-BE49-F238E27FC236}">
+                <a16:creationId xmlns:a16="http://schemas.microsoft.com/office/drawing/2014/main" id="{19C9EAEA-39D0-4B0E-A0EB-51E7B26740B1}"/>
+              </a:ext>
+              <a:ext uri="{C183D7F6-B498-43B3-948B-1728B52AA6E4}">
+                <adec:decorative xmlns:adec="http://schemas.microsoft.com/office/drawing/2017/decorative" val="1"/>
+              </a:ext>
+            </a:extLst>
+          </p:cNvPr>
+          <p:cNvSpPr>
+            <a:spLocks noGrp="1" noRot="1" noChangeAspect="1" noMove="1" noResize="1" noEditPoints="1" noAdjustHandles="1" noChangeArrowheads="1" noChangeShapeType="1" noTextEdit="1"/>
+          </p:cNvSpPr>
+          <p:nvPr>
+            <p:extLst>
+              <p:ext uri="{386F3935-93C4-4BCD-93E2-E3B085C9AB24}">
+                <p16:designElem xmlns:p16="http://schemas.microsoft.com/office/powerpoint/2015/main" val="1"/>
+              </p:ext>
+            </p:extLst>
+          </p:nvPr>
+        </p:nvSpPr>
+        <p:spPr>
+          <a:xfrm>
+            <a:off x="5685810" y="513853"/>
+            <a:ext cx="6009366" cy="5834577"/>
+          </a:xfrm>
+          <a:prstGeom prst="rect">
+            <a:avLst/>
+          </a:prstGeom>
+          <a:solidFill>
+            <a:schemeClr val="bg1"/>
+          </a:solidFill>
+          <a:ln>
+            <a:noFill/>
+          </a:ln>
+          <a:effectLst>
+            <a:outerShdw blurRad="139700" dist="127000" dir="5400000" algn="t" rotWithShape="0">
+              <a:prstClr val="black">
+                <a:alpha val="15000"/>
+              </a:prstClr>
+            </a:outerShdw>
+          </a:effectLst>
+        </p:spPr>
+        <p:style>
+          <a:lnRef idx="2">
+            <a:schemeClr val="accent1">
+              <a:shade val="50000"/>
+            </a:schemeClr>
+          </a:lnRef>
+          <a:fillRef idx="1">
+            <a:schemeClr val="accent1"/>
+          </a:fillRef>
+          <a:effectRef idx="0">
+            <a:schemeClr val="accent1"/>
+          </a:effectRef>
+          <a:fontRef idx="minor">
+            <a:schemeClr val="lt1"/>
+          </a:fontRef>
+        </p:style>
+        <p:txBody>
+          <a:bodyPr rtlCol="0" anchor="ctr"/>
+          <a:lstStyle/>
+          <a:p>
+            <a:pPr algn="ctr"/>
+            <a:endParaRPr lang="en-US"/>
+          </a:p>
+        </p:txBody>
+      </p:sp>
+      <p:pic>
+        <p:nvPicPr>
+          <p:cNvPr id="4" name="Picture 3">
+            <a:extLst>
+              <a:ext uri="{FF2B5EF4-FFF2-40B4-BE49-F238E27FC236}">
+                <a16:creationId xmlns:a16="http://schemas.microsoft.com/office/drawing/2014/main" id="{B9632517-7004-C6BB-521C-0A582B9D5884}"/>
+              </a:ext>
+            </a:extLst>
+          </p:cNvPr>
+          <p:cNvPicPr>
+            <a:picLocks noChangeAspect="1"/>
+          </p:cNvPicPr>
+          <p:nvPr/>
+        </p:nvPicPr>
+        <p:blipFill rotWithShape="1">
+          <a:blip r:embed="rId3"/>
+          <a:srcRect l="2565" t="1" r="8021" b="12596"/>
+          <a:stretch/>
+        </p:blipFill>
+        <p:spPr>
+          <a:xfrm>
+            <a:off x="5817730" y="1387596"/>
+            <a:ext cx="5783551" cy="3816158"/>
+          </a:xfrm>
+          <a:prstGeom prst="rect">
+            <a:avLst/>
+          </a:prstGeom>
+        </p:spPr>
+      </p:pic>
+    </p:spTree>
+    <p:extLst>
+      <p:ext uri="{BB962C8B-B14F-4D97-AF65-F5344CB8AC3E}">
+        <p14:creationId xmlns:p14="http://schemas.microsoft.com/office/powerpoint/2010/main" val="2364049520"/>
+      </p:ext>
+    </p:extLst>
+  </p:cSld>
+  <p:clrMapOvr>
+    <a:masterClrMapping/>
+  </p:clrMapOvr>
+</p:sld>
+</file>
+
+<file path=ppt/slides/slide11.xml><?xml version="1.0" encoding="utf-8"?>
+<p:sld xmlns:a="http://schemas.openxmlformats.org/drawingml/2006/main" xmlns:r="http://schemas.openxmlformats.org/officeDocument/2006/relationships" xmlns:p="http://schemas.openxmlformats.org/presentationml/2006/main">
+  <p:cSld>
+    <p:bg>
+      <p:bgPr>
+        <a:solidFill>
+          <a:schemeClr val="bg1"/>
+        </a:solidFill>
+        <a:effectLst/>
+      </p:bgPr>
+    </p:bg>
+    <p:spTree>
+      <p:nvGrpSpPr>
+        <p:cNvPr id="1" name=""/>
+        <p:cNvGrpSpPr/>
+        <p:nvPr/>
+      </p:nvGrpSpPr>
+      <p:grpSpPr>
+        <a:xfrm>
+          <a:off x="0" y="0"/>
+          <a:ext cx="0" cy="0"/>
+          <a:chOff x="0" y="0"/>
+          <a:chExt cx="0" cy="0"/>
+        </a:xfrm>
+      </p:grpSpPr>
+      <p:sp useBgFill="1">
+        <p:nvSpPr>
+          <p:cNvPr id="8" name="Rectangle 7">
+            <a:extLst>
+              <a:ext uri="{FF2B5EF4-FFF2-40B4-BE49-F238E27FC236}">
+                <a16:creationId xmlns:a16="http://schemas.microsoft.com/office/drawing/2014/main" id="{DBF61EA3-B236-439E-9C0B-340980D56BEE}"/>
+              </a:ext>
+              <a:ext uri="{C183D7F6-B498-43B3-948B-1728B52AA6E4}">
+                <adec:decorative xmlns:adec="http://schemas.microsoft.com/office/drawing/2017/decorative" val="1"/>
+              </a:ext>
+            </a:extLst>
+          </p:cNvPr>
+          <p:cNvSpPr>
+            <a:spLocks noGrp="1" noRot="1" noChangeAspect="1" noMove="1" noResize="1" noEditPoints="1" noAdjustHandles="1" noChangeArrowheads="1" noChangeShapeType="1" noTextEdit="1"/>
+          </p:cNvSpPr>
+          <p:nvPr>
+            <p:extLst>
+              <p:ext uri="{386F3935-93C4-4BCD-93E2-E3B085C9AB24}">
+                <p16:designElem xmlns:p16="http://schemas.microsoft.com/office/powerpoint/2015/main" val="1"/>
+              </p:ext>
+            </p:extLst>
+          </p:nvPr>
+        </p:nvSpPr>
+        <p:spPr>
+          <a:xfrm>
+            <a:off x="0" y="0"/>
+            <a:ext cx="12191999" cy="6857365"/>
+          </a:xfrm>
+          <a:prstGeom prst="rect">
+            <a:avLst/>
+          </a:prstGeom>
+          <a:ln>
+            <a:noFill/>
+          </a:ln>
+        </p:spPr>
+        <p:style>
+          <a:lnRef idx="2">
+            <a:schemeClr val="accent1">
+              <a:shade val="50000"/>
+            </a:schemeClr>
+          </a:lnRef>
+          <a:fillRef idx="1">
+            <a:schemeClr val="accent1"/>
+          </a:fillRef>
+          <a:effectRef idx="0">
+            <a:schemeClr val="accent1"/>
+          </a:effectRef>
+          <a:fontRef idx="minor">
+            <a:schemeClr val="lt1"/>
+          </a:fontRef>
+        </p:style>
+        <p:txBody>
+          <a:bodyPr rtlCol="0" anchor="ctr"/>
+          <a:lstStyle/>
+          <a:p>
+            <a:pPr algn="ctr"/>
+            <a:endParaRPr lang="en-US"/>
+          </a:p>
+        </p:txBody>
+      </p:sp>
+      <p:sp>
+        <p:nvSpPr>
+          <p:cNvPr id="2" name="Title 1">
+            <a:extLst>
+              <a:ext uri="{FF2B5EF4-FFF2-40B4-BE49-F238E27FC236}">
+                <a16:creationId xmlns:a16="http://schemas.microsoft.com/office/drawing/2014/main" id="{AF240FB2-9514-73F7-2390-456403F4C89B}"/>
+              </a:ext>
+            </a:extLst>
+          </p:cNvPr>
+          <p:cNvSpPr>
+            <a:spLocks noGrp="1"/>
+          </p:cNvSpPr>
+          <p:nvPr>
+            <p:ph type="title"/>
+          </p:nvPr>
+        </p:nvSpPr>
+        <p:spPr>
+          <a:xfrm>
+            <a:off x="808638" y="386930"/>
+            <a:ext cx="9236700" cy="1188950"/>
+          </a:xfrm>
+        </p:spPr>
+        <p:txBody>
+          <a:bodyPr anchor="b">
+            <a:normAutofit/>
+          </a:bodyPr>
+          <a:lstStyle/>
+          <a:p>
+            <a:r>
+              <a:rPr lang="hu-HU" sz="5400" dirty="0"/>
+              <a:t>Eddigi program</a:t>
+            </a:r>
+          </a:p>
+        </p:txBody>
+      </p:sp>
+      <p:grpSp>
+        <p:nvGrpSpPr>
+          <p:cNvPr id="10" name="Group 9">
+            <a:extLst>
+              <a:ext uri="{FF2B5EF4-FFF2-40B4-BE49-F238E27FC236}">
+                <a16:creationId xmlns:a16="http://schemas.microsoft.com/office/drawing/2014/main" id="{28FAF094-D087-493F-8DF9-A486C2D6BBAA}"/>
+              </a:ext>
+              <a:ext uri="{C183D7F6-B498-43B3-948B-1728B52AA6E4}">
+                <adec:decorative xmlns:adec="http://schemas.microsoft.com/office/drawing/2017/decorative" val="1"/>
+              </a:ext>
+            </a:extLst>
+          </p:cNvPr>
+          <p:cNvGrpSpPr>
+            <a:grpSpLocks noGrp="1" noUngrp="1" noRot="1" noChangeAspect="1" noMove="1" noResize="1"/>
+          </p:cNvGrpSpPr>
+          <p:nvPr>
+            <p:extLst>
+              <p:ext uri="{386F3935-93C4-4BCD-93E2-E3B085C9AB24}">
+                <p16:designElem xmlns:p16="http://schemas.microsoft.com/office/powerpoint/2015/main" val="1"/>
+              </p:ext>
+            </p:extLst>
+          </p:nvPr>
+        </p:nvGrpSpPr>
+        <p:grpSpPr>
+          <a:xfrm>
+            <a:off x="-2" y="1998368"/>
+            <a:ext cx="11695083" cy="782176"/>
+            <a:chOff x="-2" y="1998368"/>
+            <a:chExt cx="11695083" cy="782176"/>
+          </a:xfrm>
+        </p:grpSpPr>
+        <p:sp>
+          <p:nvSpPr>
+            <p:cNvPr id="11" name="Rectangle 10">
+              <a:extLst>
+                <a:ext uri="{FF2B5EF4-FFF2-40B4-BE49-F238E27FC236}">
+                  <a16:creationId xmlns:a16="http://schemas.microsoft.com/office/drawing/2014/main" id="{8D7C88D8-5509-4514-925A-9CE148E5CBD6}"/>
+                </a:ext>
+                <a:ext uri="{C183D7F6-B498-43B3-948B-1728B52AA6E4}">
+                  <adec:decorative xmlns:adec="http://schemas.microsoft.com/office/drawing/2017/decorative" val="1"/>
+                </a:ext>
+              </a:extLst>
+            </p:cNvPr>
+            <p:cNvSpPr/>
+            <p:nvPr>
+              <p:extLst>
+                <p:ext uri="{386F3935-93C4-4BCD-93E2-E3B085C9AB24}">
+                  <p16:designElem xmlns:p16="http://schemas.microsoft.com/office/powerpoint/2015/main" val="1"/>
+                </p:ext>
+              </p:extLst>
+            </p:nvPr>
+          </p:nvSpPr>
+          <p:spPr>
+            <a:xfrm rot="5400000">
+              <a:off x="11228040" y="2313027"/>
+              <a:ext cx="781700" cy="152382"/>
+            </a:xfrm>
+            <a:prstGeom prst="rect">
+              <a:avLst/>
+            </a:prstGeom>
+            <a:solidFill>
+              <a:schemeClr val="accent4"/>
+            </a:solidFill>
+            <a:ln>
+              <a:noFill/>
+            </a:ln>
+          </p:spPr>
+          <p:style>
+            <a:lnRef idx="2">
+              <a:schemeClr val="accent1">
+                <a:shade val="50000"/>
+              </a:schemeClr>
+            </a:lnRef>
+            <a:fillRef idx="1">
+              <a:schemeClr val="accent1"/>
+            </a:fillRef>
+            <a:effectRef idx="0">
+              <a:schemeClr val="accent1"/>
+            </a:effectRef>
+            <a:fontRef idx="minor">
+              <a:schemeClr val="lt1"/>
+            </a:fontRef>
+          </p:style>
+          <p:txBody>
+            <a:bodyPr rtlCol="0" anchor="ctr"/>
+            <a:lstStyle/>
+            <a:p>
+              <a:pPr algn="ctr"/>
+              <a:endParaRPr lang="en-US"/>
+            </a:p>
+          </p:txBody>
+        </p:sp>
+        <p:sp>
+          <p:nvSpPr>
+            <p:cNvPr id="12" name="Rectangle 11">
+              <a:extLst>
+                <a:ext uri="{FF2B5EF4-FFF2-40B4-BE49-F238E27FC236}">
+                  <a16:creationId xmlns:a16="http://schemas.microsoft.com/office/drawing/2014/main" id="{7275593D-F75E-4426-AE3E-2CDEFD228D25}"/>
+                </a:ext>
+                <a:ext uri="{C183D7F6-B498-43B3-948B-1728B52AA6E4}">
+                  <adec:decorative xmlns:adec="http://schemas.microsoft.com/office/drawing/2017/decorative" val="1"/>
+                </a:ext>
+              </a:extLst>
+            </p:cNvPr>
+            <p:cNvSpPr/>
+            <p:nvPr>
+              <p:extLst>
+                <p:ext uri="{386F3935-93C4-4BCD-93E2-E3B085C9AB24}">
+                  <p16:designElem xmlns:p16="http://schemas.microsoft.com/office/powerpoint/2015/main" val="1"/>
+                </p:ext>
+              </p:extLst>
+            </p:nvPr>
+          </p:nvSpPr>
+          <p:spPr>
+            <a:xfrm flipH="1" flipV="1">
+              <a:off x="-2" y="1998845"/>
+              <a:ext cx="11454595" cy="781699"/>
+            </a:xfrm>
+            <a:prstGeom prst="rect">
+              <a:avLst/>
+            </a:prstGeom>
+            <a:solidFill>
+              <a:schemeClr val="accent4"/>
+            </a:solidFill>
+            <a:ln>
+              <a:noFill/>
+            </a:ln>
+          </p:spPr>
+          <p:style>
+            <a:lnRef idx="2">
+              <a:schemeClr val="accent1">
+                <a:shade val="50000"/>
+              </a:schemeClr>
+            </a:lnRef>
+            <a:fillRef idx="1">
+              <a:schemeClr val="accent1"/>
+            </a:fillRef>
+            <a:effectRef idx="0">
+              <a:schemeClr val="accent1"/>
+            </a:effectRef>
+            <a:fontRef idx="minor">
+              <a:schemeClr val="lt1"/>
+            </a:fontRef>
+          </p:style>
+          <p:txBody>
+            <a:bodyPr rtlCol="0" anchor="ctr"/>
+            <a:lstStyle/>
+            <a:p>
+              <a:pPr algn="ctr"/>
+              <a:endParaRPr lang="en-US"/>
+            </a:p>
+          </p:txBody>
+        </p:sp>
+      </p:grpSp>
+      <p:sp>
+        <p:nvSpPr>
+          <p:cNvPr id="14" name="Rectangle 13">
+            <a:extLst>
+              <a:ext uri="{FF2B5EF4-FFF2-40B4-BE49-F238E27FC236}">
+                <a16:creationId xmlns:a16="http://schemas.microsoft.com/office/drawing/2014/main" id="{E659831F-0D9A-4C63-9EBB-8435B85A440F}"/>
+              </a:ext>
+              <a:ext uri="{C183D7F6-B498-43B3-948B-1728B52AA6E4}">
+                <adec:decorative xmlns:adec="http://schemas.microsoft.com/office/drawing/2017/decorative" val="1"/>
+              </a:ext>
+            </a:extLst>
+          </p:cNvPr>
+          <p:cNvSpPr>
+            <a:spLocks noGrp="1" noRot="1" noChangeAspect="1" noMove="1" noResize="1" noEditPoints="1" noAdjustHandles="1" noChangeArrowheads="1" noChangeShapeType="1" noTextEdit="1"/>
+          </p:cNvSpPr>
+          <p:nvPr>
+            <p:extLst>
+              <p:ext uri="{386F3935-93C4-4BCD-93E2-E3B085C9AB24}">
+                <p16:designElem xmlns:p16="http://schemas.microsoft.com/office/powerpoint/2015/main" val="1"/>
+              </p:ext>
+            </p:extLst>
+          </p:nvPr>
+        </p:nvSpPr>
+        <p:spPr>
+          <a:xfrm>
+            <a:off x="0" y="2203079"/>
+            <a:ext cx="11383362" cy="4147845"/>
+          </a:xfrm>
+          <a:prstGeom prst="rect">
+            <a:avLst/>
+          </a:prstGeom>
+          <a:solidFill>
+            <a:schemeClr val="bg1"/>
+          </a:solidFill>
+          <a:ln>
+            <a:noFill/>
+          </a:ln>
+          <a:effectLst>
+            <a:outerShdw blurRad="139700" dist="127000" dir="5400000" algn="t" rotWithShape="0">
+              <a:prstClr val="black">
+                <a:alpha val="15000"/>
+              </a:prstClr>
+            </a:outerShdw>
+          </a:effectLst>
+        </p:spPr>
+        <p:style>
+          <a:lnRef idx="2">
+            <a:schemeClr val="accent1">
+              <a:shade val="50000"/>
+            </a:schemeClr>
+          </a:lnRef>
+          <a:fillRef idx="1">
+            <a:schemeClr val="accent1"/>
+          </a:fillRef>
+          <a:effectRef idx="0">
+            <a:schemeClr val="accent1"/>
+          </a:effectRef>
+          <a:fontRef idx="minor">
+            <a:schemeClr val="lt1"/>
+          </a:fontRef>
+        </p:style>
+        <p:txBody>
+          <a:bodyPr rtlCol="0" anchor="ctr"/>
+          <a:lstStyle/>
+          <a:p>
+            <a:pPr algn="ctr"/>
+            <a:endParaRPr lang="en-US"/>
+          </a:p>
+        </p:txBody>
+      </p:sp>
+      <p:sp>
+        <p:nvSpPr>
+          <p:cNvPr id="3" name="Content Placeholder 2">
+            <a:extLst>
+              <a:ext uri="{FF2B5EF4-FFF2-40B4-BE49-F238E27FC236}">
+                <a16:creationId xmlns:a16="http://schemas.microsoft.com/office/drawing/2014/main" id="{802A855A-0FC9-3A30-887C-3222F38B3DB8}"/>
+              </a:ext>
+            </a:extLst>
+          </p:cNvPr>
+          <p:cNvSpPr>
+            <a:spLocks noGrp="1"/>
+          </p:cNvSpPr>
+          <p:nvPr>
+            <p:ph idx="1"/>
+          </p:nvPr>
+        </p:nvSpPr>
+        <p:spPr>
+          <a:xfrm>
+            <a:off x="793659" y="2599509"/>
+            <a:ext cx="10455588" cy="3435531"/>
+          </a:xfrm>
+        </p:spPr>
+        <p:txBody>
+          <a:bodyPr anchor="ctr">
+            <a:normAutofit/>
+          </a:bodyPr>
+          <a:lstStyle/>
+          <a:p>
+            <a:r>
+              <a:rPr lang="en-GB" dirty="0"/>
+              <a:t>A </a:t>
+            </a:r>
+            <a:r>
+              <a:rPr lang="hu-HU" dirty="0"/>
+              <a:t>játék lefuttatására alkalmas keret program</a:t>
+            </a:r>
+          </a:p>
+          <a:p>
+            <a:pPr lvl="1"/>
+            <a:r>
+              <a:rPr lang="hu-HU" sz="2800" dirty="0"/>
+              <a:t>Pálya össze omlása</a:t>
+            </a:r>
+          </a:p>
+          <a:p>
+            <a:pPr lvl="1"/>
+            <a:r>
+              <a:rPr lang="hu-HU" sz="2800" dirty="0"/>
+              <a:t>Mezők eltávolítása</a:t>
+            </a:r>
+          </a:p>
+          <a:p>
+            <a:pPr lvl="1"/>
+            <a:r>
+              <a:rPr lang="hu-HU" sz="2800" dirty="0"/>
+              <a:t>Pont szám kiszámítása</a:t>
+            </a:r>
+          </a:p>
+          <a:p>
+            <a:r>
+              <a:rPr lang="hu-HU" dirty="0"/>
+              <a:t>Játék állás mentése betöltése</a:t>
+            </a:r>
+          </a:p>
+          <a:p>
+            <a:r>
+              <a:rPr lang="hu-HU" dirty="0"/>
+              <a:t>Teljesen véletlenszerű pályát tud generálni</a:t>
+            </a:r>
+          </a:p>
+        </p:txBody>
+      </p:sp>
+      <p:pic>
+        <p:nvPicPr>
+          <p:cNvPr id="5" name="Picture 4">
+            <a:extLst>
+              <a:ext uri="{FF2B5EF4-FFF2-40B4-BE49-F238E27FC236}">
+                <a16:creationId xmlns:a16="http://schemas.microsoft.com/office/drawing/2014/main" id="{80FDCE0B-6432-0C95-EF52-3CD0977FD41F}"/>
+              </a:ext>
+            </a:extLst>
+          </p:cNvPr>
+          <p:cNvPicPr>
+            <a:picLocks noChangeAspect="1"/>
+          </p:cNvPicPr>
+          <p:nvPr/>
+        </p:nvPicPr>
+        <p:blipFill>
+          <a:blip r:embed="rId2"/>
+          <a:stretch>
+            <a:fillRect/>
+          </a:stretch>
+        </p:blipFill>
+        <p:spPr>
+          <a:xfrm>
+            <a:off x="8627009" y="3245225"/>
+            <a:ext cx="2336681" cy="2144097"/>
+          </a:xfrm>
+          <a:prstGeom prst="rect">
+            <a:avLst/>
+          </a:prstGeom>
+        </p:spPr>
+      </p:pic>
+    </p:spTree>
+    <p:extLst>
+      <p:ext uri="{BB962C8B-B14F-4D97-AF65-F5344CB8AC3E}">
+        <p14:creationId xmlns:p14="http://schemas.microsoft.com/office/powerpoint/2010/main" val="368850932"/>
+      </p:ext>
+    </p:extLst>
+  </p:cSld>
+  <p:clrMapOvr>
+    <a:masterClrMapping/>
+  </p:clrMapOvr>
+</p:sld>
+</file>
+
+<file path=ppt/slides/slide12.xml><?xml version="1.0" encoding="utf-8"?>
+<p:sld xmlns:a="http://schemas.openxmlformats.org/drawingml/2006/main" xmlns:r="http://schemas.openxmlformats.org/officeDocument/2006/relationships" xmlns:p="http://schemas.openxmlformats.org/presentationml/2006/main">
+  <p:cSld>
+    <p:bg>
+      <p:bgPr>
+        <a:solidFill>
+          <a:schemeClr val="bg1"/>
+        </a:solidFill>
+        <a:effectLst/>
+      </p:bgPr>
+    </p:bg>
+    <p:spTree>
+      <p:nvGrpSpPr>
+        <p:cNvPr id="1" name=""/>
+        <p:cNvGrpSpPr/>
+        <p:nvPr/>
+      </p:nvGrpSpPr>
+      <p:grpSpPr>
+        <a:xfrm>
+          <a:off x="0" y="0"/>
+          <a:ext cx="0" cy="0"/>
+          <a:chOff x="0" y="0"/>
+          <a:chExt cx="0" cy="0"/>
+        </a:xfrm>
+      </p:grpSpPr>
+      <p:sp useBgFill="1">
+        <p:nvSpPr>
+          <p:cNvPr id="8" name="Rectangle 7">
+            <a:extLst>
+              <a:ext uri="{FF2B5EF4-FFF2-40B4-BE49-F238E27FC236}">
+                <a16:creationId xmlns:a16="http://schemas.microsoft.com/office/drawing/2014/main" id="{DBF61EA3-B236-439E-9C0B-340980D56BEE}"/>
+              </a:ext>
+              <a:ext uri="{C183D7F6-B498-43B3-948B-1728B52AA6E4}">
+                <adec:decorative xmlns:adec="http://schemas.microsoft.com/office/drawing/2017/decorative" val="1"/>
+              </a:ext>
+            </a:extLst>
+          </p:cNvPr>
+          <p:cNvSpPr>
+            <a:spLocks noGrp="1" noRot="1" noChangeAspect="1" noMove="1" noResize="1" noEditPoints="1" noAdjustHandles="1" noChangeArrowheads="1" noChangeShapeType="1" noTextEdit="1"/>
+          </p:cNvSpPr>
+          <p:nvPr>
+            <p:extLst>
+              <p:ext uri="{386F3935-93C4-4BCD-93E2-E3B085C9AB24}">
+                <p16:designElem xmlns:p16="http://schemas.microsoft.com/office/powerpoint/2015/main" val="1"/>
+              </p:ext>
+            </p:extLst>
+          </p:nvPr>
+        </p:nvSpPr>
+        <p:spPr>
+          <a:xfrm>
+            <a:off x="0" y="0"/>
+            <a:ext cx="12191999" cy="6857365"/>
+          </a:xfrm>
+          <a:prstGeom prst="rect">
+            <a:avLst/>
+          </a:prstGeom>
+          <a:ln>
+            <a:noFill/>
+          </a:ln>
+        </p:spPr>
+        <p:style>
+          <a:lnRef idx="2">
+            <a:schemeClr val="accent1">
+              <a:shade val="50000"/>
+            </a:schemeClr>
+          </a:lnRef>
+          <a:fillRef idx="1">
+            <a:schemeClr val="accent1"/>
+          </a:fillRef>
+          <a:effectRef idx="0">
+            <a:schemeClr val="accent1"/>
+          </a:effectRef>
+          <a:fontRef idx="minor">
+            <a:schemeClr val="lt1"/>
+          </a:fontRef>
+        </p:style>
+        <p:txBody>
+          <a:bodyPr rtlCol="0" anchor="ctr"/>
+          <a:lstStyle/>
+          <a:p>
+            <a:pPr algn="ctr"/>
+            <a:endParaRPr lang="en-US"/>
+          </a:p>
+        </p:txBody>
+      </p:sp>
+      <p:sp>
+        <p:nvSpPr>
+          <p:cNvPr id="2" name="Title 1">
+            <a:extLst>
+              <a:ext uri="{FF2B5EF4-FFF2-40B4-BE49-F238E27FC236}">
+                <a16:creationId xmlns:a16="http://schemas.microsoft.com/office/drawing/2014/main" id="{7C17DE99-B482-F3A4-9D24-B4E6086CBB41}"/>
+              </a:ext>
+            </a:extLst>
+          </p:cNvPr>
+          <p:cNvSpPr>
+            <a:spLocks noGrp="1"/>
+          </p:cNvSpPr>
+          <p:nvPr>
+            <p:ph type="title"/>
+          </p:nvPr>
+        </p:nvSpPr>
+        <p:spPr>
+          <a:xfrm>
+            <a:off x="808638" y="386930"/>
+            <a:ext cx="9236700" cy="1188950"/>
+          </a:xfrm>
+        </p:spPr>
+        <p:txBody>
+          <a:bodyPr anchor="b">
+            <a:normAutofit/>
+          </a:bodyPr>
+          <a:lstStyle/>
+          <a:p>
+            <a:r>
+              <a:rPr lang="hu-HU" sz="5400"/>
+              <a:t>Merre tovább</a:t>
+            </a:r>
+            <a:endParaRPr lang="hu-HU" sz="5400" dirty="0"/>
+          </a:p>
+        </p:txBody>
+      </p:sp>
+      <p:grpSp>
+        <p:nvGrpSpPr>
+          <p:cNvPr id="10" name="Group 9">
+            <a:extLst>
+              <a:ext uri="{FF2B5EF4-FFF2-40B4-BE49-F238E27FC236}">
+                <a16:creationId xmlns:a16="http://schemas.microsoft.com/office/drawing/2014/main" id="{28FAF094-D087-493F-8DF9-A486C2D6BBAA}"/>
+              </a:ext>
+              <a:ext uri="{C183D7F6-B498-43B3-948B-1728B52AA6E4}">
+                <adec:decorative xmlns:adec="http://schemas.microsoft.com/office/drawing/2017/decorative" val="1"/>
+              </a:ext>
+            </a:extLst>
+          </p:cNvPr>
+          <p:cNvGrpSpPr>
+            <a:grpSpLocks noGrp="1" noUngrp="1" noRot="1" noChangeAspect="1" noMove="1" noResize="1"/>
+          </p:cNvGrpSpPr>
+          <p:nvPr>
+            <p:extLst>
+              <p:ext uri="{386F3935-93C4-4BCD-93E2-E3B085C9AB24}">
+                <p16:designElem xmlns:p16="http://schemas.microsoft.com/office/powerpoint/2015/main" val="1"/>
+              </p:ext>
+            </p:extLst>
+          </p:nvPr>
+        </p:nvGrpSpPr>
+        <p:grpSpPr>
+          <a:xfrm>
+            <a:off x="-2" y="1998368"/>
+            <a:ext cx="11695083" cy="782176"/>
+            <a:chOff x="-2" y="1998368"/>
+            <a:chExt cx="11695083" cy="782176"/>
+          </a:xfrm>
+        </p:grpSpPr>
+        <p:sp>
+          <p:nvSpPr>
+            <p:cNvPr id="11" name="Rectangle 10">
+              <a:extLst>
+                <a:ext uri="{FF2B5EF4-FFF2-40B4-BE49-F238E27FC236}">
+                  <a16:creationId xmlns:a16="http://schemas.microsoft.com/office/drawing/2014/main" id="{8D7C88D8-5509-4514-925A-9CE148E5CBD6}"/>
+                </a:ext>
+                <a:ext uri="{C183D7F6-B498-43B3-948B-1728B52AA6E4}">
+                  <adec:decorative xmlns:adec="http://schemas.microsoft.com/office/drawing/2017/decorative" val="1"/>
+                </a:ext>
+              </a:extLst>
+            </p:cNvPr>
+            <p:cNvSpPr/>
+            <p:nvPr>
+              <p:extLst>
+                <p:ext uri="{386F3935-93C4-4BCD-93E2-E3B085C9AB24}">
+                  <p16:designElem xmlns:p16="http://schemas.microsoft.com/office/powerpoint/2015/main" val="1"/>
+                </p:ext>
+              </p:extLst>
+            </p:nvPr>
+          </p:nvSpPr>
+          <p:spPr>
+            <a:xfrm rot="5400000">
+              <a:off x="11228040" y="2313027"/>
+              <a:ext cx="781700" cy="152382"/>
+            </a:xfrm>
+            <a:prstGeom prst="rect">
+              <a:avLst/>
+            </a:prstGeom>
+            <a:solidFill>
+              <a:schemeClr val="accent4"/>
+            </a:solidFill>
+            <a:ln>
+              <a:noFill/>
+            </a:ln>
+          </p:spPr>
+          <p:style>
+            <a:lnRef idx="2">
+              <a:schemeClr val="accent1">
+                <a:shade val="50000"/>
+              </a:schemeClr>
+            </a:lnRef>
+            <a:fillRef idx="1">
+              <a:schemeClr val="accent1"/>
+            </a:fillRef>
+            <a:effectRef idx="0">
+              <a:schemeClr val="accent1"/>
+            </a:effectRef>
+            <a:fontRef idx="minor">
+              <a:schemeClr val="lt1"/>
+            </a:fontRef>
+          </p:style>
+          <p:txBody>
+            <a:bodyPr rtlCol="0" anchor="ctr"/>
+            <a:lstStyle/>
+            <a:p>
+              <a:pPr algn="ctr"/>
+              <a:endParaRPr lang="en-US"/>
+            </a:p>
+          </p:txBody>
+        </p:sp>
+        <p:sp>
+          <p:nvSpPr>
+            <p:cNvPr id="12" name="Rectangle 11">
+              <a:extLst>
+                <a:ext uri="{FF2B5EF4-FFF2-40B4-BE49-F238E27FC236}">
+                  <a16:creationId xmlns:a16="http://schemas.microsoft.com/office/drawing/2014/main" id="{7275593D-F75E-4426-AE3E-2CDEFD228D25}"/>
+                </a:ext>
+                <a:ext uri="{C183D7F6-B498-43B3-948B-1728B52AA6E4}">
+                  <adec:decorative xmlns:adec="http://schemas.microsoft.com/office/drawing/2017/decorative" val="1"/>
+                </a:ext>
+              </a:extLst>
+            </p:cNvPr>
+            <p:cNvSpPr/>
+            <p:nvPr>
+              <p:extLst>
+                <p:ext uri="{386F3935-93C4-4BCD-93E2-E3B085C9AB24}">
+                  <p16:designElem xmlns:p16="http://schemas.microsoft.com/office/powerpoint/2015/main" val="1"/>
+                </p:ext>
+              </p:extLst>
+            </p:nvPr>
+          </p:nvSpPr>
+          <p:spPr>
+            <a:xfrm flipH="1" flipV="1">
+              <a:off x="-2" y="1998845"/>
+              <a:ext cx="11454595" cy="781699"/>
+            </a:xfrm>
+            <a:prstGeom prst="rect">
+              <a:avLst/>
+            </a:prstGeom>
+            <a:solidFill>
+              <a:schemeClr val="accent4"/>
+            </a:solidFill>
+            <a:ln>
+              <a:noFill/>
+            </a:ln>
+          </p:spPr>
+          <p:style>
+            <a:lnRef idx="2">
+              <a:schemeClr val="accent1">
+                <a:shade val="50000"/>
+              </a:schemeClr>
+            </a:lnRef>
+            <a:fillRef idx="1">
+              <a:schemeClr val="accent1"/>
+            </a:fillRef>
+            <a:effectRef idx="0">
+              <a:schemeClr val="accent1"/>
+            </a:effectRef>
+            <a:fontRef idx="minor">
+              <a:schemeClr val="lt1"/>
+            </a:fontRef>
+          </p:style>
+          <p:txBody>
+            <a:bodyPr rtlCol="0" anchor="ctr"/>
+            <a:lstStyle/>
+            <a:p>
+              <a:pPr algn="ctr"/>
+              <a:endParaRPr lang="en-US"/>
+            </a:p>
+          </p:txBody>
+        </p:sp>
+      </p:grpSp>
+      <p:sp>
+        <p:nvSpPr>
+          <p:cNvPr id="14" name="Rectangle 13">
+            <a:extLst>
+              <a:ext uri="{FF2B5EF4-FFF2-40B4-BE49-F238E27FC236}">
+                <a16:creationId xmlns:a16="http://schemas.microsoft.com/office/drawing/2014/main" id="{E659831F-0D9A-4C63-9EBB-8435B85A440F}"/>
+              </a:ext>
+              <a:ext uri="{C183D7F6-B498-43B3-948B-1728B52AA6E4}">
+                <adec:decorative xmlns:adec="http://schemas.microsoft.com/office/drawing/2017/decorative" val="1"/>
+              </a:ext>
+            </a:extLst>
+          </p:cNvPr>
+          <p:cNvSpPr>
+            <a:spLocks noGrp="1" noRot="1" noChangeAspect="1" noMove="1" noResize="1" noEditPoints="1" noAdjustHandles="1" noChangeArrowheads="1" noChangeShapeType="1" noTextEdit="1"/>
+          </p:cNvSpPr>
+          <p:nvPr>
+            <p:extLst>
+              <p:ext uri="{386F3935-93C4-4BCD-93E2-E3B085C9AB24}">
+                <p16:designElem xmlns:p16="http://schemas.microsoft.com/office/powerpoint/2015/main" val="1"/>
+              </p:ext>
+            </p:extLst>
+          </p:nvPr>
+        </p:nvSpPr>
+        <p:spPr>
+          <a:xfrm>
+            <a:off x="0" y="2203079"/>
+            <a:ext cx="11383362" cy="4147845"/>
+          </a:xfrm>
+          <a:prstGeom prst="rect">
+            <a:avLst/>
+          </a:prstGeom>
+          <a:solidFill>
+            <a:schemeClr val="bg1"/>
+          </a:solidFill>
+          <a:ln>
+            <a:noFill/>
+          </a:ln>
+          <a:effectLst>
+            <a:outerShdw blurRad="139700" dist="127000" dir="5400000" algn="t" rotWithShape="0">
+              <a:prstClr val="black">
+                <a:alpha val="15000"/>
+              </a:prstClr>
+            </a:outerShdw>
+          </a:effectLst>
+        </p:spPr>
+        <p:style>
+          <a:lnRef idx="2">
+            <a:schemeClr val="accent1">
+              <a:shade val="50000"/>
+            </a:schemeClr>
+          </a:lnRef>
+          <a:fillRef idx="1">
+            <a:schemeClr val="accent1"/>
+          </a:fillRef>
+          <a:effectRef idx="0">
+            <a:schemeClr val="accent1"/>
+          </a:effectRef>
+          <a:fontRef idx="minor">
+            <a:schemeClr val="lt1"/>
+          </a:fontRef>
+        </p:style>
+        <p:txBody>
+          <a:bodyPr rtlCol="0" anchor="ctr"/>
+          <a:lstStyle/>
+          <a:p>
+            <a:pPr algn="ctr"/>
+            <a:endParaRPr lang="en-US"/>
+          </a:p>
+        </p:txBody>
+      </p:sp>
+      <p:graphicFrame>
+        <p:nvGraphicFramePr>
+          <p:cNvPr id="16" name="Content Placeholder 2">
+            <a:extLst>
+              <a:ext uri="{FF2B5EF4-FFF2-40B4-BE49-F238E27FC236}">
+                <a16:creationId xmlns:a16="http://schemas.microsoft.com/office/drawing/2014/main" id="{3E953AFA-83D0-AEBD-AAD5-D58FCB6B538F}"/>
+              </a:ext>
+            </a:extLst>
+          </p:cNvPr>
+          <p:cNvGraphicFramePr>
+            <a:graphicFrameLocks noGrp="1"/>
+          </p:cNvGraphicFramePr>
+          <p:nvPr>
+            <p:ph idx="1"/>
+            <p:extLst>
+              <p:ext uri="{D42A27DB-BD31-4B8C-83A1-F6EECF244321}">
+                <p14:modId xmlns:p14="http://schemas.microsoft.com/office/powerpoint/2010/main" val="905857055"/>
+              </p:ext>
+            </p:extLst>
+          </p:nvPr>
+        </p:nvGraphicFramePr>
+        <p:xfrm>
+          <a:off x="793660" y="2599509"/>
+          <a:ext cx="10143668" cy="3435531"/>
+        </p:xfrm>
+        <a:graphic>
+          <a:graphicData uri="http://schemas.openxmlformats.org/drawingml/2006/diagram">
+            <dgm:relIds xmlns:dgm="http://schemas.openxmlformats.org/drawingml/2006/diagram" xmlns:r="http://schemas.openxmlformats.org/officeDocument/2006/relationships" r:dm="rId3" r:lo="rId4" r:qs="rId5" r:cs="rId6"/>
+          </a:graphicData>
+        </a:graphic>
+      </p:graphicFrame>
+    </p:spTree>
+    <p:extLst>
+      <p:ext uri="{BB962C8B-B14F-4D97-AF65-F5344CB8AC3E}">
+        <p14:creationId xmlns:p14="http://schemas.microsoft.com/office/powerpoint/2010/main" val="18376909"/>
+      </p:ext>
+    </p:extLst>
+  </p:cSld>
+  <p:clrMapOvr>
+    <a:masterClrMapping/>
+  </p:clrMapOvr>
+</p:sld>
+</file>
+
+<file path=ppt/slides/slide13.xml><?xml version="1.0" encoding="utf-8"?>
+<p:sld xmlns:a="http://schemas.openxmlformats.org/drawingml/2006/main" xmlns:r="http://schemas.openxmlformats.org/officeDocument/2006/relationships" xmlns:p="http://schemas.openxmlformats.org/presentationml/2006/main">
+  <p:cSld>
+    <p:bg>
+      <p:bgPr>
+        <a:solidFill>
+          <a:schemeClr val="bg1"/>
+        </a:solidFill>
+        <a:effectLst/>
+      </p:bgPr>
+    </p:bg>
+    <p:spTree>
+      <p:nvGrpSpPr>
+        <p:cNvPr id="1" name=""/>
+        <p:cNvGrpSpPr/>
+        <p:nvPr/>
+      </p:nvGrpSpPr>
+      <p:grpSpPr>
+        <a:xfrm>
+          <a:off x="0" y="0"/>
+          <a:ext cx="0" cy="0"/>
+          <a:chOff x="0" y="0"/>
+          <a:chExt cx="0" cy="0"/>
+        </a:xfrm>
+      </p:grpSpPr>
+      <p:sp useBgFill="1">
+        <p:nvSpPr>
+          <p:cNvPr id="10" name="Rectangle 9">
+            <a:extLst>
+              <a:ext uri="{FF2B5EF4-FFF2-40B4-BE49-F238E27FC236}">
+                <a16:creationId xmlns:a16="http://schemas.microsoft.com/office/drawing/2014/main" id="{D55CA618-78A6-47F6-B865-E9315164FB49}"/>
+              </a:ext>
+              <a:ext uri="{C183D7F6-B498-43B3-948B-1728B52AA6E4}">
+                <adec:decorative xmlns:adec="http://schemas.microsoft.com/office/drawing/2017/decorative" val="1"/>
+              </a:ext>
+            </a:extLst>
+          </p:cNvPr>
+          <p:cNvSpPr>
+            <a:spLocks noGrp="1" noRot="1" noChangeAspect="1" noMove="1" noResize="1" noEditPoints="1" noAdjustHandles="1" noChangeArrowheads="1" noChangeShapeType="1" noTextEdit="1"/>
+          </p:cNvSpPr>
+          <p:nvPr>
+            <p:extLst>
+              <p:ext uri="{386F3935-93C4-4BCD-93E2-E3B085C9AB24}">
+                <p16:designElem xmlns:p16="http://schemas.microsoft.com/office/powerpoint/2015/main" val="1"/>
+              </p:ext>
+            </p:extLst>
+          </p:nvPr>
+        </p:nvSpPr>
+        <p:spPr>
+          <a:xfrm>
+            <a:off x="0" y="0"/>
+            <a:ext cx="12191999" cy="6857365"/>
+          </a:xfrm>
+          <a:prstGeom prst="rect">
+            <a:avLst/>
+          </a:prstGeom>
+          <a:ln>
+            <a:noFill/>
+          </a:ln>
+        </p:spPr>
+        <p:style>
+          <a:lnRef idx="2">
+            <a:schemeClr val="accent1">
+              <a:shade val="50000"/>
+            </a:schemeClr>
+          </a:lnRef>
+          <a:fillRef idx="1">
+            <a:schemeClr val="accent1"/>
+          </a:fillRef>
+          <a:effectRef idx="0">
+            <a:schemeClr val="accent1"/>
+          </a:effectRef>
+          <a:fontRef idx="minor">
+            <a:schemeClr val="lt1"/>
+          </a:fontRef>
+        </p:style>
+        <p:txBody>
+          <a:bodyPr rtlCol="0" anchor="ctr"/>
+          <a:lstStyle/>
+          <a:p>
+            <a:pPr algn="ctr"/>
+            <a:endParaRPr lang="en-US"/>
+          </a:p>
+        </p:txBody>
+      </p:sp>
+      <p:grpSp>
+        <p:nvGrpSpPr>
+          <p:cNvPr id="20" name="Group 11">
+            <a:extLst>
+              <a:ext uri="{FF2B5EF4-FFF2-40B4-BE49-F238E27FC236}">
+                <a16:creationId xmlns:a16="http://schemas.microsoft.com/office/drawing/2014/main" id="{B83D307E-DF68-43F8-97CE-0AAE950A7129}"/>
+              </a:ext>
+              <a:ext uri="{C183D7F6-B498-43B3-948B-1728B52AA6E4}">
+                <adec:decorative xmlns:adec="http://schemas.microsoft.com/office/drawing/2017/decorative" val="1"/>
+              </a:ext>
+            </a:extLst>
+          </p:cNvPr>
+          <p:cNvGrpSpPr>
+            <a:grpSpLocks noGrp="1" noUngrp="1" noRot="1" noChangeAspect="1" noMove="1" noResize="1"/>
+          </p:cNvGrpSpPr>
+          <p:nvPr>
+            <p:extLst>
+              <p:ext uri="{386F3935-93C4-4BCD-93E2-E3B085C9AB24}">
+                <p16:designElem xmlns:p16="http://schemas.microsoft.com/office/powerpoint/2015/main" val="1"/>
+              </p:ext>
+            </p:extLst>
+          </p:nvPr>
+        </p:nvGrpSpPr>
+        <p:grpSpPr>
+          <a:xfrm>
+            <a:off x="2271255" y="-1"/>
+            <a:ext cx="7649490" cy="5728133"/>
+            <a:chOff x="329184" y="1"/>
+            <a:chExt cx="524256" cy="5728133"/>
+          </a:xfrm>
+        </p:grpSpPr>
+        <p:cxnSp>
+          <p:nvCxnSpPr>
+            <p:cNvPr id="13" name="Straight Connector 12">
+              <a:extLst>
+                <a:ext uri="{FF2B5EF4-FFF2-40B4-BE49-F238E27FC236}">
+                  <a16:creationId xmlns:a16="http://schemas.microsoft.com/office/drawing/2014/main" id="{5546E3D2-37BF-4528-9851-2B2F628234A2}"/>
+                </a:ext>
+                <a:ext uri="{C183D7F6-B498-43B3-948B-1728B52AA6E4}">
+                  <adec:decorative xmlns:adec="http://schemas.microsoft.com/office/drawing/2017/decorative" val="1"/>
+                </a:ext>
+              </a:extLst>
+            </p:cNvPr>
+            <p:cNvCxnSpPr>
+              <a:cxnSpLocks/>
+            </p:cNvCxnSpPr>
+            <p:nvPr>
+              <p:extLst>
+                <p:ext uri="{386F3935-93C4-4BCD-93E2-E3B085C9AB24}">
+                  <p16:designElem xmlns:p16="http://schemas.microsoft.com/office/powerpoint/2015/main" val="1"/>
+                </p:ext>
+              </p:extLst>
+            </p:nvPr>
+          </p:nvCxnSpPr>
+          <p:spPr>
+            <a:xfrm flipH="1">
+              <a:off x="329184" y="5728134"/>
+              <a:ext cx="523824" cy="0"/>
+            </a:xfrm>
+            <a:prstGeom prst="line">
+              <a:avLst/>
+            </a:prstGeom>
+            <a:ln w="152400">
+              <a:solidFill>
+                <a:schemeClr val="accent4"/>
+              </a:solidFill>
+            </a:ln>
+          </p:spPr>
+          <p:style>
+            <a:lnRef idx="1">
+              <a:schemeClr val="accent1"/>
+            </a:lnRef>
+            <a:fillRef idx="0">
+              <a:schemeClr val="accent1"/>
+            </a:fillRef>
+            <a:effectRef idx="0">
+              <a:schemeClr val="accent1"/>
+            </a:effectRef>
+            <a:fontRef idx="minor">
+              <a:schemeClr val="tx1"/>
+            </a:fontRef>
+          </p:style>
+        </p:cxnSp>
+        <p:sp>
+          <p:nvSpPr>
+            <p:cNvPr id="21" name="Rectangle 13">
+              <a:extLst>
+                <a:ext uri="{FF2B5EF4-FFF2-40B4-BE49-F238E27FC236}">
+                  <a16:creationId xmlns:a16="http://schemas.microsoft.com/office/drawing/2014/main" id="{752A0C69-DC4E-4FC0-843C-BAA27B3A5621}"/>
+                </a:ext>
+                <a:ext uri="{C183D7F6-B498-43B3-948B-1728B52AA6E4}">
+                  <adec:decorative xmlns:adec="http://schemas.microsoft.com/office/drawing/2017/decorative" val="1"/>
+                </a:ext>
+              </a:extLst>
+            </p:cNvPr>
+            <p:cNvSpPr/>
+            <p:nvPr>
+              <p:extLst>
+                <p:ext uri="{386F3935-93C4-4BCD-93E2-E3B085C9AB24}">
+                  <p16:designElem xmlns:p16="http://schemas.microsoft.com/office/powerpoint/2015/main" val="1"/>
+                </p:ext>
+              </p:extLst>
+            </p:nvPr>
+          </p:nvSpPr>
+          <p:spPr>
+            <a:xfrm>
+              <a:off x="329184" y="1"/>
+              <a:ext cx="524256" cy="5532119"/>
+            </a:xfrm>
+            <a:prstGeom prst="rect">
+              <a:avLst/>
+            </a:prstGeom>
+            <a:solidFill>
+              <a:schemeClr val="accent4"/>
+            </a:solidFill>
+            <a:ln>
+              <a:noFill/>
+            </a:ln>
+          </p:spPr>
+          <p:style>
+            <a:lnRef idx="2">
+              <a:schemeClr val="accent1">
+                <a:shade val="50000"/>
+              </a:schemeClr>
+            </a:lnRef>
+            <a:fillRef idx="1">
+              <a:schemeClr val="accent1"/>
+            </a:fillRef>
+            <a:effectRef idx="0">
+              <a:schemeClr val="accent1"/>
+            </a:effectRef>
+            <a:fontRef idx="minor">
+              <a:schemeClr val="lt1"/>
+            </a:fontRef>
+          </p:style>
+          <p:txBody>
+            <a:bodyPr rtlCol="0" anchor="ctr"/>
+            <a:lstStyle/>
+            <a:p>
+              <a:pPr algn="ctr"/>
+              <a:endParaRPr lang="en-US" dirty="0"/>
+            </a:p>
+          </p:txBody>
+        </p:sp>
+      </p:grpSp>
+      <p:sp>
+        <p:nvSpPr>
+          <p:cNvPr id="22" name="Rectangle 15">
+            <a:extLst>
+              <a:ext uri="{FF2B5EF4-FFF2-40B4-BE49-F238E27FC236}">
+                <a16:creationId xmlns:a16="http://schemas.microsoft.com/office/drawing/2014/main" id="{8ED94938-268E-4C0A-A08A-B3980C78BAEB}"/>
+              </a:ext>
+              <a:ext uri="{C183D7F6-B498-43B3-948B-1728B52AA6E4}">
+                <adec:decorative xmlns:adec="http://schemas.microsoft.com/office/drawing/2017/decorative" val="1"/>
+              </a:ext>
+            </a:extLst>
+          </p:cNvPr>
+          <p:cNvSpPr>
+            <a:spLocks noGrp="1" noRot="1" noChangeAspect="1" noMove="1" noResize="1" noEditPoints="1" noAdjustHandles="1" noChangeArrowheads="1" noChangeShapeType="1" noTextEdit="1"/>
+          </p:cNvSpPr>
+          <p:nvPr>
+            <p:extLst>
+              <p:ext uri="{386F3935-93C4-4BCD-93E2-E3B085C9AB24}">
+                <p16:designElem xmlns:p16="http://schemas.microsoft.com/office/powerpoint/2015/main" val="1"/>
+              </p:ext>
+            </p:extLst>
+          </p:nvPr>
+        </p:nvSpPr>
+        <p:spPr>
+          <a:xfrm>
+            <a:off x="596464" y="318045"/>
+            <a:ext cx="10999072" cy="5325139"/>
+          </a:xfrm>
+          <a:prstGeom prst="rect">
+            <a:avLst/>
+          </a:prstGeom>
+          <a:solidFill>
+            <a:schemeClr val="bg1"/>
+          </a:solidFill>
+          <a:ln>
+            <a:noFill/>
+          </a:ln>
+          <a:effectLst>
+            <a:outerShdw blurRad="139700" dist="127000" dir="5400000" algn="t" rotWithShape="0">
+              <a:prstClr val="black">
+                <a:alpha val="15000"/>
+              </a:prstClr>
+            </a:outerShdw>
+          </a:effectLst>
+        </p:spPr>
+        <p:style>
+          <a:lnRef idx="2">
+            <a:schemeClr val="accent1">
+              <a:shade val="50000"/>
+            </a:schemeClr>
+          </a:lnRef>
+          <a:fillRef idx="1">
+            <a:schemeClr val="accent1"/>
+          </a:fillRef>
+          <a:effectRef idx="0">
+            <a:schemeClr val="accent1"/>
+          </a:effectRef>
+          <a:fontRef idx="minor">
+            <a:schemeClr val="lt1"/>
+          </a:fontRef>
+        </p:style>
+        <p:txBody>
+          <a:bodyPr rtlCol="0" anchor="ctr"/>
+          <a:lstStyle/>
+          <a:p>
+            <a:pPr algn="ctr"/>
+            <a:endParaRPr lang="en-US"/>
+          </a:p>
+        </p:txBody>
+      </p:sp>
+      <p:sp>
+        <p:nvSpPr>
+          <p:cNvPr id="2" name="Title 1">
+            <a:extLst>
+              <a:ext uri="{FF2B5EF4-FFF2-40B4-BE49-F238E27FC236}">
+                <a16:creationId xmlns:a16="http://schemas.microsoft.com/office/drawing/2014/main" id="{71BA5003-E448-2094-5A63-B781EEC70AAE}"/>
+              </a:ext>
+            </a:extLst>
+          </p:cNvPr>
+          <p:cNvSpPr>
+            <a:spLocks noGrp="1"/>
+          </p:cNvSpPr>
+          <p:nvPr>
+            <p:ph type="title"/>
+          </p:nvPr>
+        </p:nvSpPr>
+        <p:spPr>
+          <a:xfrm>
+            <a:off x="1060232" y="3941205"/>
+            <a:ext cx="10071536" cy="929750"/>
+          </a:xfrm>
+        </p:spPr>
+        <p:txBody>
+          <a:bodyPr vert="horz" lIns="91440" tIns="45720" rIns="91440" bIns="45720" rtlCol="0" anchor="b">
+            <a:normAutofit/>
+          </a:bodyPr>
+          <a:lstStyle/>
+          <a:p>
+            <a:pPr algn="ctr"/>
+            <a:r>
+              <a:rPr lang="hu-HU" sz="5200" dirty="0"/>
+              <a:t>Köszönöm szépen a figyelmet! </a:t>
+            </a:r>
+            <a:endParaRPr lang="en-US" sz="5200" dirty="0"/>
+          </a:p>
+        </p:txBody>
+      </p:sp>
+      <p:pic>
+        <p:nvPicPr>
+          <p:cNvPr id="5" name="Content Placeholder 4">
+            <a:extLst>
+              <a:ext uri="{FF2B5EF4-FFF2-40B4-BE49-F238E27FC236}">
+                <a16:creationId xmlns:a16="http://schemas.microsoft.com/office/drawing/2014/main" id="{89F06AD0-06F2-16FE-62E3-ADBFF4EC968D}"/>
+              </a:ext>
+            </a:extLst>
+          </p:cNvPr>
+          <p:cNvPicPr>
+            <a:picLocks noGrp="1" noChangeAspect="1"/>
+          </p:cNvPicPr>
+          <p:nvPr>
+            <p:ph idx="1"/>
+          </p:nvPr>
+        </p:nvPicPr>
+        <p:blipFill>
+          <a:blip r:embed="rId3"/>
+          <a:stretch>
+            <a:fillRect/>
+          </a:stretch>
+        </p:blipFill>
+        <p:spPr>
+          <a:xfrm>
+            <a:off x="897717" y="1194921"/>
+            <a:ext cx="5069590" cy="1951792"/>
+          </a:xfrm>
+          <a:prstGeom prst="rect">
+            <a:avLst/>
+          </a:prstGeom>
+        </p:spPr>
+      </p:pic>
+      <p:pic>
+        <p:nvPicPr>
+          <p:cNvPr id="4" name="Picture 3">
+            <a:extLst>
+              <a:ext uri="{FF2B5EF4-FFF2-40B4-BE49-F238E27FC236}">
+                <a16:creationId xmlns:a16="http://schemas.microsoft.com/office/drawing/2014/main" id="{189A8885-1D54-C03A-D7F6-96DA031D9289}"/>
+              </a:ext>
+            </a:extLst>
+          </p:cNvPr>
+          <p:cNvPicPr>
+            <a:picLocks noChangeAspect="1"/>
+          </p:cNvPicPr>
+          <p:nvPr/>
+        </p:nvPicPr>
+        <p:blipFill rotWithShape="1">
+          <a:blip r:embed="rId4"/>
+          <a:srcRect l="2414" r="3967" b="-3"/>
+          <a:stretch/>
+        </p:blipFill>
+        <p:spPr>
+          <a:xfrm>
+            <a:off x="7214416" y="671201"/>
+            <a:ext cx="3093958" cy="2999232"/>
+          </a:xfrm>
+          <a:prstGeom prst="rect">
+            <a:avLst/>
+          </a:prstGeom>
+        </p:spPr>
+      </p:pic>
+    </p:spTree>
+    <p:extLst>
+      <p:ext uri="{BB962C8B-B14F-4D97-AF65-F5344CB8AC3E}">
+        <p14:creationId xmlns:p14="http://schemas.microsoft.com/office/powerpoint/2010/main" val="1334407930"/>
       </p:ext>
     </p:extLst>
   </p:cSld>
@@ -5120,8 +10219,8 @@
           </a:p>
         </p:txBody>
       </p:sp>
-      <mc:AlternateContent xmlns:mc="http://schemas.openxmlformats.org/markup-compatibility/2006">
-        <mc:Choice xmlns:a14="http://schemas.microsoft.com/office/drawing/2010/main" Requires="a14">
+      <mc:AlternateContent xmlns:mc="http://schemas.openxmlformats.org/markup-compatibility/2006" xmlns:a14="http://schemas.microsoft.com/office/drawing/2010/main">
+        <mc:Choice Requires="a14">
           <p:sp>
             <p:nvSpPr>
               <p:cNvPr id="3" name="Content Placeholder 2">
@@ -5226,7 +10325,7 @@
             </p:txBody>
           </p:sp>
         </mc:Choice>
-        <mc:Fallback>
+        <mc:Fallback xmlns="">
           <p:sp>
             <p:nvSpPr>
               <p:cNvPr id="3" name="Content Placeholder 2">
@@ -7288,6 +12387,14 @@
 <file path=ppt/slides/slide7.xml><?xml version="1.0" encoding="utf-8"?>
 <p:sld xmlns:a="http://schemas.openxmlformats.org/drawingml/2006/main" xmlns:r="http://schemas.openxmlformats.org/officeDocument/2006/relationships" xmlns:p="http://schemas.openxmlformats.org/presentationml/2006/main">
   <p:cSld>
+    <p:bg>
+      <p:bgPr>
+        <a:solidFill>
+          <a:schemeClr val="bg1"/>
+        </a:solidFill>
+        <a:effectLst/>
+      </p:bgPr>
+    </p:bg>
     <p:spTree>
       <p:nvGrpSpPr>
         <p:cNvPr id="1" name=""/>
@@ -7302,6 +12409,66 @@
           <a:chExt cx="0" cy="0"/>
         </a:xfrm>
       </p:grpSpPr>
+      <p:sp useBgFill="1">
+        <p:nvSpPr>
+          <p:cNvPr id="10" name="Rectangle 9">
+            <a:extLst>
+              <a:ext uri="{FF2B5EF4-FFF2-40B4-BE49-F238E27FC236}">
+                <a16:creationId xmlns:a16="http://schemas.microsoft.com/office/drawing/2014/main" id="{058A14AF-9FB5-4CC7-BA35-E8E85D3EDF0E}"/>
+              </a:ext>
+              <a:ext uri="{C183D7F6-B498-43B3-948B-1728B52AA6E4}">
+                <adec:decorative xmlns:adec="http://schemas.microsoft.com/office/drawing/2017/decorative" val="1"/>
+              </a:ext>
+            </a:extLst>
+          </p:cNvPr>
+          <p:cNvSpPr>
+            <a:spLocks noGrp="1" noRot="1" noChangeAspect="1" noMove="1" noResize="1" noEditPoints="1" noAdjustHandles="1" noChangeArrowheads="1" noChangeShapeType="1" noTextEdit="1"/>
+          </p:cNvSpPr>
+          <p:nvPr>
+            <p:extLst>
+              <p:ext uri="{386F3935-93C4-4BCD-93E2-E3B085C9AB24}">
+                <p16:designElem xmlns:p16="http://schemas.microsoft.com/office/powerpoint/2015/main" val="1"/>
+              </p:ext>
+            </p:extLst>
+          </p:nvPr>
+        </p:nvSpPr>
+        <p:spPr>
+          <a:xfrm>
+            <a:off x="0" y="0"/>
+            <a:ext cx="12191999" cy="6857365"/>
+          </a:xfrm>
+          <a:prstGeom prst="rect">
+            <a:avLst/>
+          </a:prstGeom>
+          <a:ln>
+            <a:noFill/>
+          </a:ln>
+        </p:spPr>
+        <p:style>
+          <a:lnRef idx="2">
+            <a:schemeClr val="accent1">
+              <a:shade val="50000"/>
+            </a:schemeClr>
+          </a:lnRef>
+          <a:fillRef idx="1">
+            <a:schemeClr val="accent1"/>
+          </a:fillRef>
+          <a:effectRef idx="0">
+            <a:schemeClr val="accent1"/>
+          </a:effectRef>
+          <a:fontRef idx="minor">
+            <a:schemeClr val="lt1"/>
+          </a:fontRef>
+        </p:style>
+        <p:txBody>
+          <a:bodyPr rtlCol="0" anchor="ctr"/>
+          <a:lstStyle/>
+          <a:p>
+            <a:pPr algn="ctr"/>
+            <a:endParaRPr lang="en-US"/>
+          </a:p>
+        </p:txBody>
+      </p:sp>
       <p:sp>
         <p:nvSpPr>
           <p:cNvPr id="2" name="Title 1">
@@ -7318,32 +12485,155 @@
             <p:ph type="title"/>
           </p:nvPr>
         </p:nvSpPr>
-        <p:spPr/>
-        <p:txBody>
-          <a:bodyPr/>
+        <p:spPr>
+          <a:xfrm>
+            <a:off x="793662" y="386930"/>
+            <a:ext cx="10066122" cy="1298448"/>
+          </a:xfrm>
+        </p:spPr>
+        <p:txBody>
+          <a:bodyPr anchor="b">
+            <a:normAutofit/>
+          </a:bodyPr>
           <a:lstStyle/>
           <a:p>
             <a:r>
-              <a:rPr lang="hu-HU" dirty="0" err="1"/>
-              <a:t>Single-Player</a:t>
-            </a:r>
-            <a:r>
-              <a:rPr lang="hu-HU" dirty="0"/>
-              <a:t> Monte-Carlo </a:t>
-            </a:r>
-            <a:r>
-              <a:rPr lang="hu-HU" dirty="0" err="1"/>
-              <a:t>Tree</a:t>
-            </a:r>
-            <a:r>
-              <a:rPr lang="hu-HU" dirty="0"/>
-              <a:t> </a:t>
-            </a:r>
-            <a:r>
-              <a:rPr lang="hu-HU" dirty="0" err="1"/>
-              <a:t>Search</a:t>
-            </a:r>
-            <a:endParaRPr lang="hu-HU" dirty="0"/>
+              <a:rPr lang="hu-HU" sz="4800"/>
+              <a:t>Single-Player Monte-Carlo Tree Search</a:t>
+            </a:r>
+          </a:p>
+        </p:txBody>
+      </p:sp>
+      <p:sp>
+        <p:nvSpPr>
+          <p:cNvPr id="12" name="Rectangle 11">
+            <a:extLst>
+              <a:ext uri="{FF2B5EF4-FFF2-40B4-BE49-F238E27FC236}">
+                <a16:creationId xmlns:a16="http://schemas.microsoft.com/office/drawing/2014/main" id="{3A9A4357-BD1D-4622-A4FE-766E6AB8DE84}"/>
+              </a:ext>
+              <a:ext uri="{C183D7F6-B498-43B3-948B-1728B52AA6E4}">
+                <adec:decorative xmlns:adec="http://schemas.microsoft.com/office/drawing/2017/decorative" val="1"/>
+              </a:ext>
+            </a:extLst>
+          </p:cNvPr>
+          <p:cNvSpPr>
+            <a:spLocks noGrp="1" noRot="1" noChangeAspect="1" noMove="1" noResize="1" noEditPoints="1" noAdjustHandles="1" noChangeArrowheads="1" noChangeShapeType="1" noTextEdit="1"/>
+          </p:cNvSpPr>
+          <p:nvPr>
+            <p:extLst>
+              <p:ext uri="{386F3935-93C4-4BCD-93E2-E3B085C9AB24}">
+                <p16:designElem xmlns:p16="http://schemas.microsoft.com/office/powerpoint/2015/main" val="1"/>
+              </p:ext>
+            </p:extLst>
+          </p:nvPr>
+        </p:nvSpPr>
+        <p:spPr>
+          <a:xfrm flipH="1" flipV="1">
+            <a:off x="-2" y="1998845"/>
+            <a:ext cx="11454595" cy="781699"/>
+          </a:xfrm>
+          <a:prstGeom prst="rect">
+            <a:avLst/>
+          </a:prstGeom>
+          <a:solidFill>
+            <a:schemeClr val="accent4"/>
+          </a:solidFill>
+          <a:ln>
+            <a:noFill/>
+          </a:ln>
+        </p:spPr>
+        <p:style>
+          <a:lnRef idx="2">
+            <a:schemeClr val="accent1">
+              <a:shade val="50000"/>
+            </a:schemeClr>
+          </a:lnRef>
+          <a:fillRef idx="1">
+            <a:schemeClr val="accent1"/>
+          </a:fillRef>
+          <a:effectRef idx="0">
+            <a:schemeClr val="accent1"/>
+          </a:effectRef>
+          <a:fontRef idx="minor">
+            <a:schemeClr val="lt1"/>
+          </a:fontRef>
+        </p:style>
+        <p:txBody>
+          <a:bodyPr rtlCol="0" anchor="ctr"/>
+          <a:lstStyle/>
+          <a:p>
+            <a:pPr algn="ctr"/>
+            <a:endParaRPr lang="en-US"/>
+          </a:p>
+        </p:txBody>
+      </p:sp>
+      <p:sp>
+        <p:nvSpPr>
+          <p:cNvPr id="14" name="Rectangle 13">
+            <a:extLst>
+              <a:ext uri="{FF2B5EF4-FFF2-40B4-BE49-F238E27FC236}">
+                <a16:creationId xmlns:a16="http://schemas.microsoft.com/office/drawing/2014/main" id="{E659831F-0D9A-4C63-9EBB-8435B85A440F}"/>
+              </a:ext>
+              <a:ext uri="{C183D7F6-B498-43B3-948B-1728B52AA6E4}">
+                <adec:decorative xmlns:adec="http://schemas.microsoft.com/office/drawing/2017/decorative" val="1"/>
+              </a:ext>
+            </a:extLst>
+          </p:cNvPr>
+          <p:cNvSpPr>
+            <a:spLocks noGrp="1" noRot="1" noChangeAspect="1" noMove="1" noResize="1" noEditPoints="1" noAdjustHandles="1" noChangeArrowheads="1" noChangeShapeType="1" noTextEdit="1"/>
+          </p:cNvSpPr>
+          <p:nvPr>
+            <p:extLst>
+              <p:ext uri="{386F3935-93C4-4BCD-93E2-E3B085C9AB24}">
+                <p16:designElem xmlns:p16="http://schemas.microsoft.com/office/powerpoint/2015/main" val="1"/>
+              </p:ext>
+            </p:extLst>
+          </p:nvPr>
+        </p:nvSpPr>
+        <p:spPr>
+          <a:xfrm>
+            <a:off x="0" y="2203079"/>
+            <a:ext cx="11383362" cy="4267991"/>
+          </a:xfrm>
+          <a:prstGeom prst="rect">
+            <a:avLst/>
+          </a:prstGeom>
+          <a:solidFill>
+            <a:schemeClr val="bg1"/>
+          </a:solidFill>
+          <a:ln>
+            <a:noFill/>
+          </a:ln>
+          <a:effectLst>
+            <a:outerShdw blurRad="139700" dist="127000" dir="5400000" algn="t" rotWithShape="0">
+              <a:prstClr val="black">
+                <a:alpha val="15000"/>
+              </a:prstClr>
+            </a:outerShdw>
+          </a:effectLst>
+        </p:spPr>
+        <p:style>
+          <a:lnRef idx="2">
+            <a:schemeClr val="accent1">
+              <a:shade val="50000"/>
+            </a:schemeClr>
+          </a:lnRef>
+          <a:fillRef idx="1">
+            <a:schemeClr val="accent1"/>
+          </a:fillRef>
+          <a:effectRef idx="0">
+            <a:schemeClr val="accent1"/>
+          </a:effectRef>
+          <a:fontRef idx="minor">
+            <a:schemeClr val="lt1"/>
+          </a:fontRef>
+        </p:style>
+        <p:txBody>
+          <a:bodyPr rtlCol="0" anchor="ctr"/>
+          <a:lstStyle/>
+          <a:p>
+            <a:pPr algn="ctr"/>
+            <a:endParaRPr lang="en-US"/>
           </a:p>
         </p:txBody>
       </p:sp>
@@ -7363,15 +12653,178 @@
             <p:ph idx="1"/>
           </p:nvPr>
         </p:nvSpPr>
-        <p:spPr/>
-        <p:txBody>
-          <a:bodyPr/>
+        <p:spPr>
+          <a:xfrm>
+            <a:off x="414670" y="2599509"/>
+            <a:ext cx="5858540" cy="3639450"/>
+          </a:xfrm>
+        </p:spPr>
+        <p:txBody>
+          <a:bodyPr anchor="ctr">
+            <a:normAutofit/>
+          </a:bodyPr>
           <a:lstStyle/>
           <a:p>
-            <a:r>
-              <a:rPr lang="hu-HU" dirty="0"/>
+            <a:pPr marL="0" indent="0">
+              <a:buNone/>
+            </a:pPr>
+            <a:r>
+              <a:rPr lang="hu-HU" sz="2400" dirty="0"/>
               <a:t>Kiválasztás</a:t>
             </a:r>
+          </a:p>
+          <a:p>
+            <a:r>
+              <a:rPr lang="hu-HU" sz="2400" dirty="0"/>
+              <a:t>UCT (felső bizalmi határ)</a:t>
+            </a:r>
+          </a:p>
+          <a:p>
+            <a:r>
+              <a:rPr lang="hu-HU" sz="2400" dirty="0"/>
+              <a:t>n</a:t>
+            </a:r>
+            <a:r>
+              <a:rPr lang="hu-HU" sz="2400" baseline="-25000" dirty="0"/>
+              <a:t>i</a:t>
+            </a:r>
+            <a:r>
+              <a:rPr lang="hu-HU" sz="2400" dirty="0"/>
+              <a:t> 	- i csomópont hányszor lett meglátogatva</a:t>
+            </a:r>
+          </a:p>
+          <a:p>
+            <a:r>
+              <a:rPr lang="hu-HU" sz="2400" dirty="0"/>
+              <a:t>v</a:t>
+            </a:r>
+            <a:r>
+              <a:rPr lang="hu-HU" sz="2400" baseline="-25000" dirty="0"/>
+              <a:t>i</a:t>
+            </a:r>
+            <a:r>
+              <a:rPr lang="hu-HU" sz="2400" dirty="0"/>
+              <a:t> 	- átlagos játék értéke</a:t>
+            </a:r>
+          </a:p>
+          <a:p>
+            <a:r>
+              <a:rPr lang="hu-HU" sz="2400" dirty="0"/>
+              <a:t>r	-eddig elért eredmény</a:t>
+            </a:r>
+          </a:p>
+          <a:p>
+            <a:r>
+              <a:rPr lang="hu-HU" sz="2400" dirty="0"/>
+              <a:t>D	-konstans érték, ritkák vizsgálata</a:t>
+            </a:r>
+          </a:p>
+          <a:p>
+            <a:r>
+              <a:rPr lang="hu-HU" sz="2400" dirty="0"/>
+              <a:t>C	-kiaknázás </a:t>
+            </a:r>
+            <a:r>
+              <a:rPr lang="hu-HU" sz="2400" dirty="0" err="1"/>
+              <a:t>vs</a:t>
+            </a:r>
+            <a:r>
+              <a:rPr lang="hu-HU" sz="2400" dirty="0"/>
+              <a:t> felfedezés</a:t>
+            </a:r>
+          </a:p>
+        </p:txBody>
+      </p:sp>
+      <p:pic>
+        <p:nvPicPr>
+          <p:cNvPr id="5" name="Picture 4">
+            <a:extLst>
+              <a:ext uri="{FF2B5EF4-FFF2-40B4-BE49-F238E27FC236}">
+                <a16:creationId xmlns:a16="http://schemas.microsoft.com/office/drawing/2014/main" id="{9FE7ECED-EAC4-EF5F-E102-753E9937D145}"/>
+              </a:ext>
+            </a:extLst>
+          </p:cNvPr>
+          <p:cNvPicPr>
+            <a:picLocks noChangeAspect="1"/>
+          </p:cNvPicPr>
+          <p:nvPr/>
+        </p:nvPicPr>
+        <p:blipFill>
+          <a:blip r:embed="rId3"/>
+          <a:stretch>
+            <a:fillRect/>
+          </a:stretch>
+        </p:blipFill>
+        <p:spPr>
+          <a:xfrm>
+            <a:off x="5911532" y="3787722"/>
+            <a:ext cx="5150277" cy="1107309"/>
+          </a:xfrm>
+          <a:prstGeom prst="rect">
+            <a:avLst/>
+          </a:prstGeom>
+        </p:spPr>
+      </p:pic>
+      <p:sp>
+        <p:nvSpPr>
+          <p:cNvPr id="16" name="Rectangle 15">
+            <a:extLst>
+              <a:ext uri="{FF2B5EF4-FFF2-40B4-BE49-F238E27FC236}">
+                <a16:creationId xmlns:a16="http://schemas.microsoft.com/office/drawing/2014/main" id="{E6995CE5-F890-4ABA-82A2-26507CE8D2A3}"/>
+              </a:ext>
+              <a:ext uri="{C183D7F6-B498-43B3-948B-1728B52AA6E4}">
+                <adec:decorative xmlns:adec="http://schemas.microsoft.com/office/drawing/2017/decorative" val="1"/>
+              </a:ext>
+            </a:extLst>
+          </p:cNvPr>
+          <p:cNvSpPr>
+            <a:spLocks noGrp="1" noRot="1" noChangeAspect="1" noMove="1" noResize="1" noEditPoints="1" noAdjustHandles="1" noChangeArrowheads="1" noChangeShapeType="1" noTextEdit="1"/>
+          </p:cNvSpPr>
+          <p:nvPr>
+            <p:extLst>
+              <p:ext uri="{386F3935-93C4-4BCD-93E2-E3B085C9AB24}">
+                <p16:designElem xmlns:p16="http://schemas.microsoft.com/office/powerpoint/2015/main" val="1"/>
+              </p:ext>
+            </p:extLst>
+          </p:nvPr>
+        </p:nvSpPr>
+        <p:spPr>
+          <a:xfrm rot="5400000">
+            <a:off x="11228040" y="2313027"/>
+            <a:ext cx="781700" cy="152382"/>
+          </a:xfrm>
+          <a:prstGeom prst="rect">
+            <a:avLst/>
+          </a:prstGeom>
+          <a:solidFill>
+            <a:schemeClr val="accent4"/>
+          </a:solidFill>
+          <a:ln>
+            <a:noFill/>
+          </a:ln>
+        </p:spPr>
+        <p:style>
+          <a:lnRef idx="2">
+            <a:schemeClr val="accent1">
+              <a:shade val="50000"/>
+            </a:schemeClr>
+          </a:lnRef>
+          <a:fillRef idx="1">
+            <a:schemeClr val="accent1"/>
+          </a:fillRef>
+          <a:effectRef idx="0">
+            <a:schemeClr val="accent1"/>
+          </a:effectRef>
+          <a:fontRef idx="minor">
+            <a:schemeClr val="lt1"/>
+          </a:fontRef>
+        </p:style>
+        <p:txBody>
+          <a:bodyPr rtlCol="0" anchor="ctr"/>
+          <a:lstStyle/>
+          <a:p>
+            <a:pPr algn="ctr"/>
+            <a:endParaRPr lang="en-US"/>
           </a:p>
         </p:txBody>
       </p:sp>
@@ -7391,6 +12844,14 @@
 <file path=ppt/slides/slide8.xml><?xml version="1.0" encoding="utf-8"?>
 <p:sld xmlns:a="http://schemas.openxmlformats.org/drawingml/2006/main" xmlns:r="http://schemas.openxmlformats.org/officeDocument/2006/relationships" xmlns:p="http://schemas.openxmlformats.org/presentationml/2006/main">
   <p:cSld>
+    <p:bg>
+      <p:bgPr>
+        <a:solidFill>
+          <a:schemeClr val="bg1"/>
+        </a:solidFill>
+        <a:effectLst/>
+      </p:bgPr>
+    </p:bg>
     <p:spTree>
       <p:nvGrpSpPr>
         <p:cNvPr id="1" name=""/>
@@ -7405,12 +12866,72 @@
           <a:chExt cx="0" cy="0"/>
         </a:xfrm>
       </p:grpSpPr>
+      <p:sp useBgFill="1">
+        <p:nvSpPr>
+          <p:cNvPr id="19" name="Rectangle 18">
+            <a:extLst>
+              <a:ext uri="{FF2B5EF4-FFF2-40B4-BE49-F238E27FC236}">
+                <a16:creationId xmlns:a16="http://schemas.microsoft.com/office/drawing/2014/main" id="{058A14AF-9FB5-4CC7-BA35-E8E85D3EDF0E}"/>
+              </a:ext>
+              <a:ext uri="{C183D7F6-B498-43B3-948B-1728B52AA6E4}">
+                <adec:decorative xmlns:adec="http://schemas.microsoft.com/office/drawing/2017/decorative" val="1"/>
+              </a:ext>
+            </a:extLst>
+          </p:cNvPr>
+          <p:cNvSpPr>
+            <a:spLocks noGrp="1" noRot="1" noChangeAspect="1" noMove="1" noResize="1" noEditPoints="1" noAdjustHandles="1" noChangeArrowheads="1" noChangeShapeType="1" noTextEdit="1"/>
+          </p:cNvSpPr>
+          <p:nvPr>
+            <p:extLst>
+              <p:ext uri="{386F3935-93C4-4BCD-93E2-E3B085C9AB24}">
+                <p16:designElem xmlns:p16="http://schemas.microsoft.com/office/powerpoint/2015/main" val="1"/>
+              </p:ext>
+            </p:extLst>
+          </p:nvPr>
+        </p:nvSpPr>
+        <p:spPr>
+          <a:xfrm>
+            <a:off x="0" y="0"/>
+            <a:ext cx="12191999" cy="6857365"/>
+          </a:xfrm>
+          <a:prstGeom prst="rect">
+            <a:avLst/>
+          </a:prstGeom>
+          <a:ln>
+            <a:noFill/>
+          </a:ln>
+        </p:spPr>
+        <p:style>
+          <a:lnRef idx="2">
+            <a:schemeClr val="accent1">
+              <a:shade val="50000"/>
+            </a:schemeClr>
+          </a:lnRef>
+          <a:fillRef idx="1">
+            <a:schemeClr val="accent1"/>
+          </a:fillRef>
+          <a:effectRef idx="0">
+            <a:schemeClr val="accent1"/>
+          </a:effectRef>
+          <a:fontRef idx="minor">
+            <a:schemeClr val="lt1"/>
+          </a:fontRef>
+        </p:style>
+        <p:txBody>
+          <a:bodyPr rtlCol="0" anchor="ctr"/>
+          <a:lstStyle/>
+          <a:p>
+            <a:pPr algn="ctr"/>
+            <a:endParaRPr lang="en-US"/>
+          </a:p>
+        </p:txBody>
+      </p:sp>
       <p:sp>
         <p:nvSpPr>
           <p:cNvPr id="2" name="Title 1">
             <a:extLst>
               <a:ext uri="{FF2B5EF4-FFF2-40B4-BE49-F238E27FC236}">
-                <a16:creationId xmlns:a16="http://schemas.microsoft.com/office/drawing/2014/main" id="{7C17DE99-B482-F3A4-9D24-B4E6086CBB41}"/>
+                <a16:creationId xmlns:a16="http://schemas.microsoft.com/office/drawing/2014/main" id="{5AE76306-5E0C-568B-F572-1362106692DD}"/>
               </a:ext>
             </a:extLst>
           </p:cNvPr>
@@ -7421,56 +12942,748 @@
             <p:ph type="title"/>
           </p:nvPr>
         </p:nvSpPr>
-        <p:spPr/>
-        <p:txBody>
-          <a:bodyPr/>
+        <p:spPr>
+          <a:xfrm>
+            <a:off x="793662" y="386930"/>
+            <a:ext cx="10066122" cy="1298448"/>
+          </a:xfrm>
+        </p:spPr>
+        <p:txBody>
+          <a:bodyPr anchor="b">
+            <a:normAutofit/>
+          </a:bodyPr>
           <a:lstStyle/>
           <a:p>
             <a:r>
+              <a:rPr lang="hu-HU" sz="4800"/>
+              <a:t>Kijátszás</a:t>
+            </a:r>
+          </a:p>
+        </p:txBody>
+      </p:sp>
+      <p:sp>
+        <p:nvSpPr>
+          <p:cNvPr id="21" name="Rectangle 20">
+            <a:extLst>
+              <a:ext uri="{FF2B5EF4-FFF2-40B4-BE49-F238E27FC236}">
+                <a16:creationId xmlns:a16="http://schemas.microsoft.com/office/drawing/2014/main" id="{3A9A4357-BD1D-4622-A4FE-766E6AB8DE84}"/>
+              </a:ext>
+              <a:ext uri="{C183D7F6-B498-43B3-948B-1728B52AA6E4}">
+                <adec:decorative xmlns:adec="http://schemas.microsoft.com/office/drawing/2017/decorative" val="1"/>
+              </a:ext>
+            </a:extLst>
+          </p:cNvPr>
+          <p:cNvSpPr>
+            <a:spLocks noGrp="1" noRot="1" noChangeAspect="1" noMove="1" noResize="1" noEditPoints="1" noAdjustHandles="1" noChangeArrowheads="1" noChangeShapeType="1" noTextEdit="1"/>
+          </p:cNvSpPr>
+          <p:nvPr>
+            <p:extLst>
+              <p:ext uri="{386F3935-93C4-4BCD-93E2-E3B085C9AB24}">
+                <p16:designElem xmlns:p16="http://schemas.microsoft.com/office/powerpoint/2015/main" val="1"/>
+              </p:ext>
+            </p:extLst>
+          </p:nvPr>
+        </p:nvSpPr>
+        <p:spPr>
+          <a:xfrm flipH="1" flipV="1">
+            <a:off x="-2" y="1998845"/>
+            <a:ext cx="11454595" cy="781699"/>
+          </a:xfrm>
+          <a:prstGeom prst="rect">
+            <a:avLst/>
+          </a:prstGeom>
+          <a:solidFill>
+            <a:schemeClr val="accent4"/>
+          </a:solidFill>
+          <a:ln>
+            <a:noFill/>
+          </a:ln>
+        </p:spPr>
+        <p:style>
+          <a:lnRef idx="2">
+            <a:schemeClr val="accent1">
+              <a:shade val="50000"/>
+            </a:schemeClr>
+          </a:lnRef>
+          <a:fillRef idx="1">
+            <a:schemeClr val="accent1"/>
+          </a:fillRef>
+          <a:effectRef idx="0">
+            <a:schemeClr val="accent1"/>
+          </a:effectRef>
+          <a:fontRef idx="minor">
+            <a:schemeClr val="lt1"/>
+          </a:fontRef>
+        </p:style>
+        <p:txBody>
+          <a:bodyPr rtlCol="0" anchor="ctr"/>
+          <a:lstStyle/>
+          <a:p>
+            <a:pPr algn="ctr"/>
+            <a:endParaRPr lang="en-US"/>
+          </a:p>
+        </p:txBody>
+      </p:sp>
+      <p:sp>
+        <p:nvSpPr>
+          <p:cNvPr id="23" name="Rectangle 22">
+            <a:extLst>
+              <a:ext uri="{FF2B5EF4-FFF2-40B4-BE49-F238E27FC236}">
+                <a16:creationId xmlns:a16="http://schemas.microsoft.com/office/drawing/2014/main" id="{E659831F-0D9A-4C63-9EBB-8435B85A440F}"/>
+              </a:ext>
+              <a:ext uri="{C183D7F6-B498-43B3-948B-1728B52AA6E4}">
+                <adec:decorative xmlns:adec="http://schemas.microsoft.com/office/drawing/2017/decorative" val="1"/>
+              </a:ext>
+            </a:extLst>
+          </p:cNvPr>
+          <p:cNvSpPr>
+            <a:spLocks noGrp="1" noRot="1" noChangeAspect="1" noMove="1" noResize="1" noEditPoints="1" noAdjustHandles="1" noChangeArrowheads="1" noChangeShapeType="1" noTextEdit="1"/>
+          </p:cNvSpPr>
+          <p:nvPr>
+            <p:extLst>
+              <p:ext uri="{386F3935-93C4-4BCD-93E2-E3B085C9AB24}">
+                <p16:designElem xmlns:p16="http://schemas.microsoft.com/office/powerpoint/2015/main" val="1"/>
+              </p:ext>
+            </p:extLst>
+          </p:nvPr>
+        </p:nvSpPr>
+        <p:spPr>
+          <a:xfrm>
+            <a:off x="0" y="2203079"/>
+            <a:ext cx="11383362" cy="4267991"/>
+          </a:xfrm>
+          <a:prstGeom prst="rect">
+            <a:avLst/>
+          </a:prstGeom>
+          <a:solidFill>
+            <a:schemeClr val="bg1"/>
+          </a:solidFill>
+          <a:ln>
+            <a:noFill/>
+          </a:ln>
+          <a:effectLst>
+            <a:outerShdw blurRad="139700" dist="127000" dir="5400000" algn="t" rotWithShape="0">
+              <a:prstClr val="black">
+                <a:alpha val="15000"/>
+              </a:prstClr>
+            </a:outerShdw>
+          </a:effectLst>
+        </p:spPr>
+        <p:style>
+          <a:lnRef idx="2">
+            <a:schemeClr val="accent1">
+              <a:shade val="50000"/>
+            </a:schemeClr>
+          </a:lnRef>
+          <a:fillRef idx="1">
+            <a:schemeClr val="accent1"/>
+          </a:fillRef>
+          <a:effectRef idx="0">
+            <a:schemeClr val="accent1"/>
+          </a:effectRef>
+          <a:fontRef idx="minor">
+            <a:schemeClr val="lt1"/>
+          </a:fontRef>
+        </p:style>
+        <p:txBody>
+          <a:bodyPr rtlCol="0" anchor="ctr"/>
+          <a:lstStyle/>
+          <a:p>
+            <a:pPr algn="ctr"/>
+            <a:endParaRPr lang="en-US"/>
+          </a:p>
+        </p:txBody>
+      </p:sp>
+      <p:sp>
+        <p:nvSpPr>
+          <p:cNvPr id="3" name="Content Placeholder 2">
+            <a:extLst>
+              <a:ext uri="{FF2B5EF4-FFF2-40B4-BE49-F238E27FC236}">
+                <a16:creationId xmlns:a16="http://schemas.microsoft.com/office/drawing/2014/main" id="{7A34DE64-ED05-FE9B-8409-B832BB0E8092}"/>
+              </a:ext>
+            </a:extLst>
+          </p:cNvPr>
+          <p:cNvSpPr>
+            <a:spLocks noGrp="1"/>
+          </p:cNvSpPr>
+          <p:nvPr>
+            <p:ph idx="1"/>
+          </p:nvPr>
+        </p:nvSpPr>
+        <p:spPr>
+          <a:xfrm>
+            <a:off x="793661" y="2599509"/>
+            <a:ext cx="4530898" cy="3639450"/>
+          </a:xfrm>
+        </p:spPr>
+        <p:txBody>
+          <a:bodyPr anchor="ctr">
+            <a:normAutofit/>
+          </a:bodyPr>
+          <a:lstStyle/>
+          <a:p>
+            <a:r>
+              <a:rPr lang="hu-HU" dirty="0" err="1"/>
+              <a:t>TabuRandom</a:t>
+            </a:r>
+            <a:endParaRPr lang="hu-HU" dirty="0"/>
+          </a:p>
+          <a:p>
+            <a:r>
+              <a:rPr lang="hu-HU" dirty="0" err="1"/>
+              <a:t>TabuColorRandom</a:t>
+            </a:r>
+            <a:endParaRPr lang="hu-HU" dirty="0"/>
+          </a:p>
+          <a:p>
+            <a:r>
               <a:rPr lang="hu-HU" dirty="0"/>
-              <a:t>Merre tovább</a:t>
-            </a:r>
-          </a:p>
-        </p:txBody>
-      </p:sp>
-      <p:sp>
-        <p:nvSpPr>
-          <p:cNvPr id="3" name="Content Placeholder 2">
-            <a:extLst>
-              <a:ext uri="{FF2B5EF4-FFF2-40B4-BE49-F238E27FC236}">
-                <a16:creationId xmlns:a16="http://schemas.microsoft.com/office/drawing/2014/main" id="{41EE75DF-B9CA-5161-0BF4-6F2E1AA032C1}"/>
-              </a:ext>
-            </a:extLst>
-          </p:cNvPr>
-          <p:cNvSpPr>
-            <a:spLocks noGrp="1"/>
-          </p:cNvSpPr>
-          <p:nvPr>
-            <p:ph idx="1"/>
-          </p:nvPr>
-        </p:nvSpPr>
-        <p:spPr/>
-        <p:txBody>
-          <a:bodyPr/>
+              <a:t>Epszilon eltérés Mohó</a:t>
+            </a:r>
+          </a:p>
+          <a:p>
+            <a:endParaRPr lang="hu-HU" dirty="0"/>
+          </a:p>
+          <a:p>
+            <a:r>
+              <a:rPr lang="hu-HU" dirty="0"/>
+              <a:t>Rulett kiválasztás</a:t>
+            </a:r>
+          </a:p>
+        </p:txBody>
+      </p:sp>
+      <p:pic>
+        <p:nvPicPr>
+          <p:cNvPr id="4" name="Picture 3">
+            <a:extLst>
+              <a:ext uri="{FF2B5EF4-FFF2-40B4-BE49-F238E27FC236}">
+                <a16:creationId xmlns:a16="http://schemas.microsoft.com/office/drawing/2014/main" id="{B5A4AA53-5236-CB7C-3CE7-6A1A77E74B8F}"/>
+              </a:ext>
+            </a:extLst>
+          </p:cNvPr>
+          <p:cNvPicPr>
+            <a:picLocks noChangeAspect="1"/>
+          </p:cNvPicPr>
+          <p:nvPr/>
+        </p:nvPicPr>
+        <p:blipFill>
+          <a:blip r:embed="rId3"/>
+          <a:stretch>
+            <a:fillRect/>
+          </a:stretch>
+        </p:blipFill>
+        <p:spPr>
+          <a:xfrm>
+            <a:off x="6295376" y="2484255"/>
+            <a:ext cx="4382588" cy="3714244"/>
+          </a:xfrm>
+          <a:prstGeom prst="rect">
+            <a:avLst/>
+          </a:prstGeom>
+        </p:spPr>
+      </p:pic>
+      <p:sp>
+        <p:nvSpPr>
+          <p:cNvPr id="25" name="Rectangle 24">
+            <a:extLst>
+              <a:ext uri="{FF2B5EF4-FFF2-40B4-BE49-F238E27FC236}">
+                <a16:creationId xmlns:a16="http://schemas.microsoft.com/office/drawing/2014/main" id="{E6995CE5-F890-4ABA-82A2-26507CE8D2A3}"/>
+              </a:ext>
+              <a:ext uri="{C183D7F6-B498-43B3-948B-1728B52AA6E4}">
+                <adec:decorative xmlns:adec="http://schemas.microsoft.com/office/drawing/2017/decorative" val="1"/>
+              </a:ext>
+            </a:extLst>
+          </p:cNvPr>
+          <p:cNvSpPr>
+            <a:spLocks noGrp="1" noRot="1" noChangeAspect="1" noMove="1" noResize="1" noEditPoints="1" noAdjustHandles="1" noChangeArrowheads="1" noChangeShapeType="1" noTextEdit="1"/>
+          </p:cNvSpPr>
+          <p:nvPr>
+            <p:extLst>
+              <p:ext uri="{386F3935-93C4-4BCD-93E2-E3B085C9AB24}">
+                <p16:designElem xmlns:p16="http://schemas.microsoft.com/office/powerpoint/2015/main" val="1"/>
+              </p:ext>
+            </p:extLst>
+          </p:nvPr>
+        </p:nvSpPr>
+        <p:spPr>
+          <a:xfrm rot="5400000">
+            <a:off x="11228040" y="2313027"/>
+            <a:ext cx="781700" cy="152382"/>
+          </a:xfrm>
+          <a:prstGeom prst="rect">
+            <a:avLst/>
+          </a:prstGeom>
+          <a:solidFill>
+            <a:schemeClr val="accent4"/>
+          </a:solidFill>
+          <a:ln>
+            <a:noFill/>
+          </a:ln>
+        </p:spPr>
+        <p:style>
+          <a:lnRef idx="2">
+            <a:schemeClr val="accent1">
+              <a:shade val="50000"/>
+            </a:schemeClr>
+          </a:lnRef>
+          <a:fillRef idx="1">
+            <a:schemeClr val="accent1"/>
+          </a:fillRef>
+          <a:effectRef idx="0">
+            <a:schemeClr val="accent1"/>
+          </a:effectRef>
+          <a:fontRef idx="minor">
+            <a:schemeClr val="lt1"/>
+          </a:fontRef>
+        </p:style>
+        <p:txBody>
+          <a:bodyPr rtlCol="0" anchor="ctr"/>
           <a:lstStyle/>
           <a:p>
-            <a:r>
-              <a:rPr lang="hu-HU" dirty="0"/>
-              <a:t>Keresős algoritmusok kipróbálása</a:t>
-            </a:r>
-          </a:p>
-          <a:p>
-            <a:r>
-              <a:rPr lang="hu-HU" dirty="0"/>
-              <a:t>Pálya generálása algoritmus alapján</a:t>
-            </a:r>
+            <a:pPr algn="ctr"/>
+            <a:endParaRPr lang="en-US"/>
           </a:p>
         </p:txBody>
       </p:sp>
     </p:spTree>
     <p:extLst>
       <p:ext uri="{BB962C8B-B14F-4D97-AF65-F5344CB8AC3E}">
-        <p14:creationId xmlns:p14="http://schemas.microsoft.com/office/powerpoint/2010/main" val="18376909"/>
+        <p14:creationId xmlns:p14="http://schemas.microsoft.com/office/powerpoint/2010/main" val="1041326510"/>
+      </p:ext>
+    </p:extLst>
+  </p:cSld>
+  <p:clrMapOvr>
+    <a:masterClrMapping/>
+  </p:clrMapOvr>
+</p:sld>
+</file>
+
+<file path=ppt/slides/slide9.xml><?xml version="1.0" encoding="utf-8"?>
+<p:sld xmlns:a="http://schemas.openxmlformats.org/drawingml/2006/main" xmlns:r="http://schemas.openxmlformats.org/officeDocument/2006/relationships" xmlns:p="http://schemas.openxmlformats.org/presentationml/2006/main">
+  <p:cSld>
+    <p:bg>
+      <p:bgPr>
+        <a:solidFill>
+          <a:schemeClr val="bg1"/>
+        </a:solidFill>
+        <a:effectLst/>
+      </p:bgPr>
+    </p:bg>
+    <p:spTree>
+      <p:nvGrpSpPr>
+        <p:cNvPr id="1" name=""/>
+        <p:cNvGrpSpPr/>
+        <p:nvPr/>
+      </p:nvGrpSpPr>
+      <p:grpSpPr>
+        <a:xfrm>
+          <a:off x="0" y="0"/>
+          <a:ext cx="0" cy="0"/>
+          <a:chOff x="0" y="0"/>
+          <a:chExt cx="0" cy="0"/>
+        </a:xfrm>
+      </p:grpSpPr>
+      <p:sp useBgFill="1">
+        <p:nvSpPr>
+          <p:cNvPr id="8" name="Rectangle 7">
+            <a:extLst>
+              <a:ext uri="{FF2B5EF4-FFF2-40B4-BE49-F238E27FC236}">
+                <a16:creationId xmlns:a16="http://schemas.microsoft.com/office/drawing/2014/main" id="{DBF61EA3-B236-439E-9C0B-340980D56BEE}"/>
+              </a:ext>
+              <a:ext uri="{C183D7F6-B498-43B3-948B-1728B52AA6E4}">
+                <adec:decorative xmlns:adec="http://schemas.microsoft.com/office/drawing/2017/decorative" val="1"/>
+              </a:ext>
+            </a:extLst>
+          </p:cNvPr>
+          <p:cNvSpPr>
+            <a:spLocks noGrp="1" noRot="1" noChangeAspect="1" noMove="1" noResize="1" noEditPoints="1" noAdjustHandles="1" noChangeArrowheads="1" noChangeShapeType="1" noTextEdit="1"/>
+          </p:cNvSpPr>
+          <p:nvPr>
+            <p:extLst>
+              <p:ext uri="{386F3935-93C4-4BCD-93E2-E3B085C9AB24}">
+                <p16:designElem xmlns:p16="http://schemas.microsoft.com/office/powerpoint/2015/main" val="1"/>
+              </p:ext>
+            </p:extLst>
+          </p:nvPr>
+        </p:nvSpPr>
+        <p:spPr>
+          <a:xfrm>
+            <a:off x="0" y="0"/>
+            <a:ext cx="12191999" cy="6857365"/>
+          </a:xfrm>
+          <a:prstGeom prst="rect">
+            <a:avLst/>
+          </a:prstGeom>
+          <a:ln>
+            <a:noFill/>
+          </a:ln>
+        </p:spPr>
+        <p:style>
+          <a:lnRef idx="2">
+            <a:schemeClr val="accent1">
+              <a:shade val="50000"/>
+            </a:schemeClr>
+          </a:lnRef>
+          <a:fillRef idx="1">
+            <a:schemeClr val="accent1"/>
+          </a:fillRef>
+          <a:effectRef idx="0">
+            <a:schemeClr val="accent1"/>
+          </a:effectRef>
+          <a:fontRef idx="minor">
+            <a:schemeClr val="lt1"/>
+          </a:fontRef>
+        </p:style>
+        <p:txBody>
+          <a:bodyPr rtlCol="0" anchor="ctr"/>
+          <a:lstStyle/>
+          <a:p>
+            <a:pPr algn="ctr"/>
+            <a:endParaRPr lang="en-US"/>
+          </a:p>
+        </p:txBody>
+      </p:sp>
+      <p:sp>
+        <p:nvSpPr>
+          <p:cNvPr id="2" name="Title 1">
+            <a:extLst>
+              <a:ext uri="{FF2B5EF4-FFF2-40B4-BE49-F238E27FC236}">
+                <a16:creationId xmlns:a16="http://schemas.microsoft.com/office/drawing/2014/main" id="{8D30D889-9ACB-6DDF-7C52-264BE734B0FD}"/>
+              </a:ext>
+            </a:extLst>
+          </p:cNvPr>
+          <p:cNvSpPr>
+            <a:spLocks noGrp="1"/>
+          </p:cNvSpPr>
+          <p:nvPr>
+            <p:ph type="title"/>
+          </p:nvPr>
+        </p:nvSpPr>
+        <p:spPr>
+          <a:xfrm>
+            <a:off x="808638" y="386930"/>
+            <a:ext cx="9236700" cy="1188950"/>
+          </a:xfrm>
+        </p:spPr>
+        <p:txBody>
+          <a:bodyPr anchor="b">
+            <a:normAutofit/>
+          </a:bodyPr>
+          <a:lstStyle/>
+          <a:p>
+            <a:r>
+              <a:rPr lang="hu-HU" sz="5400"/>
+              <a:t>Négy lépés ismétlése</a:t>
+            </a:r>
+            <a:endParaRPr lang="hu-HU" sz="5400" dirty="0"/>
+          </a:p>
+        </p:txBody>
+      </p:sp>
+      <p:grpSp>
+        <p:nvGrpSpPr>
+          <p:cNvPr id="10" name="Group 9">
+            <a:extLst>
+              <a:ext uri="{FF2B5EF4-FFF2-40B4-BE49-F238E27FC236}">
+                <a16:creationId xmlns:a16="http://schemas.microsoft.com/office/drawing/2014/main" id="{28FAF094-D087-493F-8DF9-A486C2D6BBAA}"/>
+              </a:ext>
+              <a:ext uri="{C183D7F6-B498-43B3-948B-1728B52AA6E4}">
+                <adec:decorative xmlns:adec="http://schemas.microsoft.com/office/drawing/2017/decorative" val="1"/>
+              </a:ext>
+            </a:extLst>
+          </p:cNvPr>
+          <p:cNvGrpSpPr>
+            <a:grpSpLocks noGrp="1" noUngrp="1" noRot="1" noChangeAspect="1" noMove="1" noResize="1"/>
+          </p:cNvGrpSpPr>
+          <p:nvPr>
+            <p:extLst>
+              <p:ext uri="{386F3935-93C4-4BCD-93E2-E3B085C9AB24}">
+                <p16:designElem xmlns:p16="http://schemas.microsoft.com/office/powerpoint/2015/main" val="1"/>
+              </p:ext>
+            </p:extLst>
+          </p:nvPr>
+        </p:nvGrpSpPr>
+        <p:grpSpPr>
+          <a:xfrm>
+            <a:off x="-2" y="1998368"/>
+            <a:ext cx="11695083" cy="782176"/>
+            <a:chOff x="-2" y="1998368"/>
+            <a:chExt cx="11695083" cy="782176"/>
+          </a:xfrm>
+        </p:grpSpPr>
+        <p:sp>
+          <p:nvSpPr>
+            <p:cNvPr id="11" name="Rectangle 10">
+              <a:extLst>
+                <a:ext uri="{FF2B5EF4-FFF2-40B4-BE49-F238E27FC236}">
+                  <a16:creationId xmlns:a16="http://schemas.microsoft.com/office/drawing/2014/main" id="{8D7C88D8-5509-4514-925A-9CE148E5CBD6}"/>
+                </a:ext>
+                <a:ext uri="{C183D7F6-B498-43B3-948B-1728B52AA6E4}">
+                  <adec:decorative xmlns:adec="http://schemas.microsoft.com/office/drawing/2017/decorative" val="1"/>
+                </a:ext>
+              </a:extLst>
+            </p:cNvPr>
+            <p:cNvSpPr/>
+            <p:nvPr>
+              <p:extLst>
+                <p:ext uri="{386F3935-93C4-4BCD-93E2-E3B085C9AB24}">
+                  <p16:designElem xmlns:p16="http://schemas.microsoft.com/office/powerpoint/2015/main" val="1"/>
+                </p:ext>
+              </p:extLst>
+            </p:nvPr>
+          </p:nvSpPr>
+          <p:spPr>
+            <a:xfrm rot="5400000">
+              <a:off x="11228040" y="2313027"/>
+              <a:ext cx="781700" cy="152382"/>
+            </a:xfrm>
+            <a:prstGeom prst="rect">
+              <a:avLst/>
+            </a:prstGeom>
+            <a:solidFill>
+              <a:schemeClr val="accent4"/>
+            </a:solidFill>
+            <a:ln>
+              <a:noFill/>
+            </a:ln>
+          </p:spPr>
+          <p:style>
+            <a:lnRef idx="2">
+              <a:schemeClr val="accent1">
+                <a:shade val="50000"/>
+              </a:schemeClr>
+            </a:lnRef>
+            <a:fillRef idx="1">
+              <a:schemeClr val="accent1"/>
+            </a:fillRef>
+            <a:effectRef idx="0">
+              <a:schemeClr val="accent1"/>
+            </a:effectRef>
+            <a:fontRef idx="minor">
+              <a:schemeClr val="lt1"/>
+            </a:fontRef>
+          </p:style>
+          <p:txBody>
+            <a:bodyPr rtlCol="0" anchor="ctr"/>
+            <a:lstStyle/>
+            <a:p>
+              <a:pPr algn="ctr"/>
+              <a:endParaRPr lang="en-US"/>
+            </a:p>
+          </p:txBody>
+        </p:sp>
+        <p:sp>
+          <p:nvSpPr>
+            <p:cNvPr id="12" name="Rectangle 11">
+              <a:extLst>
+                <a:ext uri="{FF2B5EF4-FFF2-40B4-BE49-F238E27FC236}">
+                  <a16:creationId xmlns:a16="http://schemas.microsoft.com/office/drawing/2014/main" id="{7275593D-F75E-4426-AE3E-2CDEFD228D25}"/>
+                </a:ext>
+                <a:ext uri="{C183D7F6-B498-43B3-948B-1728B52AA6E4}">
+                  <adec:decorative xmlns:adec="http://schemas.microsoft.com/office/drawing/2017/decorative" val="1"/>
+                </a:ext>
+              </a:extLst>
+            </p:cNvPr>
+            <p:cNvSpPr/>
+            <p:nvPr>
+              <p:extLst>
+                <p:ext uri="{386F3935-93C4-4BCD-93E2-E3B085C9AB24}">
+                  <p16:designElem xmlns:p16="http://schemas.microsoft.com/office/powerpoint/2015/main" val="1"/>
+                </p:ext>
+              </p:extLst>
+            </p:nvPr>
+          </p:nvSpPr>
+          <p:spPr>
+            <a:xfrm flipH="1" flipV="1">
+              <a:off x="-2" y="1998845"/>
+              <a:ext cx="11454595" cy="781699"/>
+            </a:xfrm>
+            <a:prstGeom prst="rect">
+              <a:avLst/>
+            </a:prstGeom>
+            <a:solidFill>
+              <a:schemeClr val="accent4"/>
+            </a:solidFill>
+            <a:ln>
+              <a:noFill/>
+            </a:ln>
+          </p:spPr>
+          <p:style>
+            <a:lnRef idx="2">
+              <a:schemeClr val="accent1">
+                <a:shade val="50000"/>
+              </a:schemeClr>
+            </a:lnRef>
+            <a:fillRef idx="1">
+              <a:schemeClr val="accent1"/>
+            </a:fillRef>
+            <a:effectRef idx="0">
+              <a:schemeClr val="accent1"/>
+            </a:effectRef>
+            <a:fontRef idx="minor">
+              <a:schemeClr val="lt1"/>
+            </a:fontRef>
+          </p:style>
+          <p:txBody>
+            <a:bodyPr rtlCol="0" anchor="ctr"/>
+            <a:lstStyle/>
+            <a:p>
+              <a:pPr algn="ctr"/>
+              <a:endParaRPr lang="en-US"/>
+            </a:p>
+          </p:txBody>
+        </p:sp>
+      </p:grpSp>
+      <p:sp>
+        <p:nvSpPr>
+          <p:cNvPr id="14" name="Rectangle 13">
+            <a:extLst>
+              <a:ext uri="{FF2B5EF4-FFF2-40B4-BE49-F238E27FC236}">
+                <a16:creationId xmlns:a16="http://schemas.microsoft.com/office/drawing/2014/main" id="{E659831F-0D9A-4C63-9EBB-8435B85A440F}"/>
+              </a:ext>
+              <a:ext uri="{C183D7F6-B498-43B3-948B-1728B52AA6E4}">
+                <adec:decorative xmlns:adec="http://schemas.microsoft.com/office/drawing/2017/decorative" val="1"/>
+              </a:ext>
+            </a:extLst>
+          </p:cNvPr>
+          <p:cNvSpPr>
+            <a:spLocks noGrp="1" noRot="1" noChangeAspect="1" noMove="1" noResize="1" noEditPoints="1" noAdjustHandles="1" noChangeArrowheads="1" noChangeShapeType="1" noTextEdit="1"/>
+          </p:cNvSpPr>
+          <p:nvPr>
+            <p:extLst>
+              <p:ext uri="{386F3935-93C4-4BCD-93E2-E3B085C9AB24}">
+                <p16:designElem xmlns:p16="http://schemas.microsoft.com/office/powerpoint/2015/main" val="1"/>
+              </p:ext>
+            </p:extLst>
+          </p:nvPr>
+        </p:nvSpPr>
+        <p:spPr>
+          <a:xfrm>
+            <a:off x="0" y="2203079"/>
+            <a:ext cx="11383362" cy="4147845"/>
+          </a:xfrm>
+          <a:prstGeom prst="rect">
+            <a:avLst/>
+          </a:prstGeom>
+          <a:solidFill>
+            <a:schemeClr val="bg1"/>
+          </a:solidFill>
+          <a:ln>
+            <a:noFill/>
+          </a:ln>
+          <a:effectLst>
+            <a:outerShdw blurRad="139700" dist="127000" dir="5400000" algn="t" rotWithShape="0">
+              <a:prstClr val="black">
+                <a:alpha val="15000"/>
+              </a:prstClr>
+            </a:outerShdw>
+          </a:effectLst>
+        </p:spPr>
+        <p:style>
+          <a:lnRef idx="2">
+            <a:schemeClr val="accent1">
+              <a:shade val="50000"/>
+            </a:schemeClr>
+          </a:lnRef>
+          <a:fillRef idx="1">
+            <a:schemeClr val="accent1"/>
+          </a:fillRef>
+          <a:effectRef idx="0">
+            <a:schemeClr val="accent1"/>
+          </a:effectRef>
+          <a:fontRef idx="minor">
+            <a:schemeClr val="lt1"/>
+          </a:fontRef>
+        </p:style>
+        <p:txBody>
+          <a:bodyPr rtlCol="0" anchor="ctr"/>
+          <a:lstStyle/>
+          <a:p>
+            <a:pPr algn="ctr"/>
+            <a:endParaRPr lang="en-US"/>
+          </a:p>
+        </p:txBody>
+      </p:sp>
+      <p:sp>
+        <p:nvSpPr>
+          <p:cNvPr id="3" name="Content Placeholder 2">
+            <a:extLst>
+              <a:ext uri="{FF2B5EF4-FFF2-40B4-BE49-F238E27FC236}">
+                <a16:creationId xmlns:a16="http://schemas.microsoft.com/office/drawing/2014/main" id="{C9B9B7E1-E4CD-B286-1B2A-D8CBA7E371AC}"/>
+              </a:ext>
+            </a:extLst>
+          </p:cNvPr>
+          <p:cNvSpPr>
+            <a:spLocks noGrp="1"/>
+          </p:cNvSpPr>
+          <p:nvPr>
+            <p:ph idx="1"/>
+          </p:nvPr>
+        </p:nvSpPr>
+        <p:spPr>
+          <a:xfrm>
+            <a:off x="793660" y="2599509"/>
+            <a:ext cx="10143668" cy="3435531"/>
+          </a:xfrm>
+        </p:spPr>
+        <p:txBody>
+          <a:bodyPr anchor="ctr">
+            <a:normAutofit/>
+          </a:bodyPr>
+          <a:lstStyle/>
+          <a:p>
+            <a:r>
+              <a:rPr lang="hu-HU" dirty="0"/>
+              <a:t>Négy lépés ismétlése az időkorlátig</a:t>
+            </a:r>
+          </a:p>
+          <a:p>
+            <a:r>
+              <a:rPr lang="hu-HU" dirty="0"/>
+              <a:t>Csak egyszemélyes játék</a:t>
+            </a:r>
+          </a:p>
+          <a:p>
+            <a:r>
+              <a:rPr lang="hu-HU" dirty="0"/>
+              <a:t>Legtöbb átlag pontot ígérő elem kijátszása.</a:t>
+            </a:r>
+          </a:p>
+        </p:txBody>
+      </p:sp>
+      <p:pic>
+        <p:nvPicPr>
+          <p:cNvPr id="4" name="Picture 3">
+            <a:extLst>
+              <a:ext uri="{FF2B5EF4-FFF2-40B4-BE49-F238E27FC236}">
+                <a16:creationId xmlns:a16="http://schemas.microsoft.com/office/drawing/2014/main" id="{1CA7A694-71CA-F169-10F1-560CDE47ED7F}"/>
+              </a:ext>
+            </a:extLst>
+          </p:cNvPr>
+          <p:cNvPicPr>
+            <a:picLocks noChangeAspect="1"/>
+          </p:cNvPicPr>
+          <p:nvPr/>
+        </p:nvPicPr>
+        <p:blipFill>
+          <a:blip r:embed="rId3"/>
+          <a:stretch>
+            <a:fillRect/>
+          </a:stretch>
+        </p:blipFill>
+        <p:spPr>
+          <a:xfrm>
+            <a:off x="8466189" y="3467376"/>
+            <a:ext cx="1619250" cy="1619250"/>
+          </a:xfrm>
+          <a:prstGeom prst="rect">
+            <a:avLst/>
+          </a:prstGeom>
+        </p:spPr>
+      </p:pic>
+    </p:spTree>
+    <p:extLst>
+      <p:ext uri="{BB962C8B-B14F-4D97-AF65-F5344CB8AC3E}">
+        <p14:creationId xmlns:p14="http://schemas.microsoft.com/office/powerpoint/2010/main" val="748044216"/>
       </p:ext>
     </p:extLst>
   </p:cSld>
